--- a/University_of_Waterloo/Fall_2021/MATH135/UW_Fall2021_MATH135_Lecture4.pptx
+++ b/University_of_Waterloo/Fall_2021/MATH135/UW_Fall2021_MATH135_Lecture4.pptx
@@ -6,13 +6,22 @@
   </p:sldMasterIdLst>
   <p:sldIdLst>
     <p:sldId id="269" r:id="rId2"/>
-    <p:sldId id="257" r:id="rId3"/>
-    <p:sldId id="271" r:id="rId4"/>
-    <p:sldId id="265" r:id="rId5"/>
-    <p:sldId id="256" r:id="rId6"/>
+    <p:sldId id="256" r:id="rId3"/>
+    <p:sldId id="257" r:id="rId4"/>
+    <p:sldId id="271" r:id="rId5"/>
+    <p:sldId id="265" r:id="rId6"/>
     <p:sldId id="263" r:id="rId7"/>
-    <p:sldId id="267" r:id="rId8"/>
-    <p:sldId id="268" r:id="rId9"/>
+    <p:sldId id="272" r:id="rId8"/>
+    <p:sldId id="273" r:id="rId9"/>
+    <p:sldId id="274" r:id="rId10"/>
+    <p:sldId id="275" r:id="rId11"/>
+    <p:sldId id="276" r:id="rId12"/>
+    <p:sldId id="277" r:id="rId13"/>
+    <p:sldId id="278" r:id="rId14"/>
+    <p:sldId id="279" r:id="rId15"/>
+    <p:sldId id="280" r:id="rId16"/>
+    <p:sldId id="267" r:id="rId17"/>
+    <p:sldId id="268" r:id="rId18"/>
   </p:sldIdLst>
   <p:sldSz cx="12192000" cy="6858000"/>
   <p:notesSz cx="6858000" cy="9144000"/>
@@ -3407,7 +3416,7 @@
 </p:sld>
 </file>
 
-<file path=ppt/slides/slide2.xml><?xml version="1.0" encoding="utf-8"?>
+<file path=ppt/slides/slide10.xml><?xml version="1.0" encoding="utf-8"?>
 <p:sld xmlns:a="http://schemas.openxmlformats.org/drawingml/2006/main" xmlns:r="http://schemas.openxmlformats.org/officeDocument/2006/relationships" xmlns:p="http://schemas.openxmlformats.org/presentationml/2006/main">
   <p:cSld>
     <p:spTree>
@@ -3424,364 +3433,40 @@
           <a:chExt cx="0" cy="0"/>
         </a:xfrm>
       </p:grpSpPr>
-      <p:sp>
-        <p:nvSpPr>
-          <p:cNvPr id="2" name="Title 1">
-            <a:extLst>
-              <a:ext uri="{FF2B5EF4-FFF2-40B4-BE49-F238E27FC236}">
-                <a16:creationId xmlns:a16="http://schemas.microsoft.com/office/drawing/2014/main" id="{3DFDFE6E-0F70-4498-A727-114AF49CE2A5}"/>
-              </a:ext>
-            </a:extLst>
-          </p:cNvPr>
-          <p:cNvSpPr>
-            <a:spLocks noGrp="1"/>
-          </p:cNvSpPr>
-          <p:nvPr>
-            <p:ph type="ctrTitle"/>
-          </p:nvPr>
-        </p:nvSpPr>
+      <p:pic>
+        <p:nvPicPr>
+          <p:cNvPr id="3" name="Picture 2">
+            <a:extLst>
+              <a:ext uri="{FF2B5EF4-FFF2-40B4-BE49-F238E27FC236}">
+                <a16:creationId xmlns:a16="http://schemas.microsoft.com/office/drawing/2014/main" id="{7A4E710C-15BB-4E86-8D88-325344E23C79}"/>
+              </a:ext>
+            </a:extLst>
+          </p:cNvPr>
+          <p:cNvPicPr>
+            <a:picLocks noChangeAspect="1"/>
+          </p:cNvPicPr>
+          <p:nvPr/>
+        </p:nvPicPr>
+        <p:blipFill>
+          <a:blip r:embed="rId2"/>
+          <a:stretch>
+            <a:fillRect/>
+          </a:stretch>
+        </p:blipFill>
         <p:spPr>
           <a:xfrm>
-            <a:off x="366318" y="427839"/>
-            <a:ext cx="10472257" cy="3236053"/>
-          </a:xfrm>
-        </p:spPr>
-        <p:txBody>
-          <a:bodyPr>
-            <a:normAutofit/>
-          </a:bodyPr>
-          <a:lstStyle/>
-          <a:p>
-            <a:br>
-              <a:rPr lang="en-US" dirty="0"/>
-            </a:br>
-            <a:br>
-              <a:rPr lang="en-US" dirty="0"/>
-            </a:br>
-            <a:endParaRPr lang="en-US" dirty="0"/>
-          </a:p>
-        </p:txBody>
-      </p:sp>
-      <p:sp>
-        <p:nvSpPr>
-          <p:cNvPr id="3" name="Subtitle 2">
-            <a:extLst>
-              <a:ext uri="{FF2B5EF4-FFF2-40B4-BE49-F238E27FC236}">
-                <a16:creationId xmlns:a16="http://schemas.microsoft.com/office/drawing/2014/main" id="{B9191896-C725-462F-BB08-4D8D8507E31D}"/>
-              </a:ext>
-            </a:extLst>
-          </p:cNvPr>
-          <p:cNvSpPr>
-            <a:spLocks noGrp="1"/>
-          </p:cNvSpPr>
-          <p:nvPr>
-            <p:ph type="subTitle" idx="1"/>
-          </p:nvPr>
-        </p:nvSpPr>
-        <p:spPr>
-          <a:xfrm>
-            <a:off x="1030446" y="8483"/>
-            <a:ext cx="9144000" cy="827349"/>
-          </a:xfrm>
-        </p:spPr>
-        <p:txBody>
-          <a:bodyPr>
-            <a:normAutofit/>
-          </a:bodyPr>
-          <a:lstStyle/>
-          <a:p>
-            <a:r>
-              <a:rPr lang="en-US" sz="4400" u="sng" dirty="0"/>
-              <a:t>Upcoming responsibilities!</a:t>
-            </a:r>
-          </a:p>
-        </p:txBody>
-      </p:sp>
-      <p:sp>
-        <p:nvSpPr>
-          <p:cNvPr id="4" name="TextBox 3">
-            <a:extLst>
-              <a:ext uri="{FF2B5EF4-FFF2-40B4-BE49-F238E27FC236}">
-                <a16:creationId xmlns:a16="http://schemas.microsoft.com/office/drawing/2014/main" id="{0E4E45B2-07CC-43F3-92B9-C70644650306}"/>
-              </a:ext>
-            </a:extLst>
-          </p:cNvPr>
-          <p:cNvSpPr txBox="1"/>
-          <p:nvPr/>
-        </p:nvSpPr>
-        <p:spPr>
-          <a:xfrm>
-            <a:off x="133928" y="835832"/>
-            <a:ext cx="11924144" cy="7109639"/>
+            <a:off x="1650670" y="263845"/>
+            <a:ext cx="8511701" cy="6330310"/>
           </a:xfrm>
           <a:prstGeom prst="rect">
             <a:avLst/>
           </a:prstGeom>
-          <a:noFill/>
         </p:spPr>
-        <p:txBody>
-          <a:bodyPr wrap="square" rtlCol="0">
-            <a:spAutoFit/>
-          </a:bodyPr>
-          <a:lstStyle/>
-          <a:p>
-            <a:pPr marL="285750" indent="-285750">
-              <a:buFont typeface="Arial" panose="020B0604020202020204" pitchFamily="34" charset="0"/>
-              <a:buChar char="•"/>
-            </a:pPr>
-            <a:endParaRPr lang="en-US" sz="200" dirty="0"/>
-          </a:p>
-          <a:p>
-            <a:pPr marL="742950" lvl="1" indent="-285750">
-              <a:buFont typeface="Arial" panose="020B0604020202020204" pitchFamily="34" charset="0"/>
-              <a:buChar char="•"/>
-            </a:pPr>
-            <a:endParaRPr lang="en-US" sz="200" b="1" dirty="0">
-              <a:solidFill>
-                <a:srgbClr val="FF0000"/>
-              </a:solidFill>
-            </a:endParaRPr>
-          </a:p>
-          <a:p>
-            <a:pPr marL="285750" indent="-285750">
-              <a:buFont typeface="Arial" panose="020B0604020202020204" pitchFamily="34" charset="0"/>
-              <a:buChar char="•"/>
-            </a:pPr>
-            <a:r>
-              <a:rPr lang="en-US" sz="2800" u="sng" dirty="0"/>
-              <a:t>Friday 17 September before class:</a:t>
-            </a:r>
-          </a:p>
-          <a:p>
-            <a:pPr marL="742950" lvl="1" indent="-285750">
-              <a:buFont typeface="Arial" panose="020B0604020202020204" pitchFamily="34" charset="0"/>
-              <a:buChar char="•"/>
-            </a:pPr>
-            <a:r>
-              <a:rPr lang="en-US" sz="2800" dirty="0"/>
-              <a:t>Complete </a:t>
-            </a:r>
-            <a:r>
-              <a:rPr lang="en-US" sz="2800" dirty="0">
-                <a:solidFill>
-                  <a:srgbClr val="7030A0"/>
-                </a:solidFill>
-              </a:rPr>
-              <a:t>reading Chapter 2 </a:t>
-            </a:r>
-            <a:r>
-              <a:rPr lang="en-US" sz="2800" dirty="0"/>
-              <a:t>of the course notes</a:t>
-            </a:r>
-          </a:p>
-          <a:p>
-            <a:pPr marL="285750" indent="-285750">
-              <a:buFont typeface="Arial" panose="020B0604020202020204" pitchFamily="34" charset="0"/>
-              <a:buChar char="•"/>
-            </a:pPr>
-            <a:r>
-              <a:rPr lang="en-US" sz="2800" u="sng" dirty="0"/>
-              <a:t>Friday 17 September:</a:t>
-            </a:r>
-          </a:p>
-          <a:p>
-            <a:pPr marL="742950" lvl="1" indent="-285750">
-              <a:buFont typeface="Arial" panose="020B0604020202020204" pitchFamily="34" charset="0"/>
-              <a:buChar char="•"/>
-            </a:pPr>
-            <a:r>
-              <a:rPr lang="en-US" sz="2800" dirty="0"/>
-              <a:t>Complete </a:t>
-            </a:r>
-            <a:r>
-              <a:rPr lang="en-US" sz="2800" dirty="0">
-                <a:solidFill>
-                  <a:srgbClr val="00B0F0"/>
-                </a:solidFill>
-              </a:rPr>
-              <a:t>Mobius Quiz 3</a:t>
-            </a:r>
-            <a:r>
-              <a:rPr lang="en-US" sz="2800" dirty="0"/>
-              <a:t>: MQ3</a:t>
-            </a:r>
-            <a:endParaRPr lang="en-US" sz="2800" b="1" dirty="0">
-              <a:solidFill>
-                <a:srgbClr val="FF0000"/>
-              </a:solidFill>
-            </a:endParaRPr>
-          </a:p>
-          <a:p>
-            <a:pPr marL="285750" indent="-285750">
-              <a:buFont typeface="Arial" panose="020B0604020202020204" pitchFamily="34" charset="0"/>
-              <a:buChar char="•"/>
-            </a:pPr>
-            <a:r>
-              <a:rPr lang="en-US" sz="2800" u="sng" dirty="0"/>
-              <a:t>Sunday 19 September:</a:t>
-            </a:r>
-          </a:p>
-          <a:p>
-            <a:pPr marL="742950" lvl="1" indent="-285750">
-              <a:buFont typeface="Arial" panose="020B0604020202020204" pitchFamily="34" charset="0"/>
-              <a:buChar char="•"/>
-            </a:pPr>
-            <a:r>
-              <a:rPr lang="en-US" sz="2800" dirty="0"/>
-              <a:t>Complete </a:t>
-            </a:r>
-            <a:r>
-              <a:rPr lang="en-US" sz="2800" dirty="0">
-                <a:solidFill>
-                  <a:srgbClr val="7030A0"/>
-                </a:solidFill>
-              </a:rPr>
-              <a:t>reading</a:t>
-            </a:r>
-            <a:r>
-              <a:rPr lang="en-US" sz="2800" dirty="0"/>
-              <a:t> up to the end of </a:t>
-            </a:r>
-            <a:r>
-              <a:rPr lang="en-US" sz="2800" dirty="0">
-                <a:solidFill>
-                  <a:srgbClr val="7030A0"/>
-                </a:solidFill>
-              </a:rPr>
-              <a:t>Section 0.2 (Polynomials)</a:t>
-            </a:r>
-          </a:p>
-          <a:p>
-            <a:pPr marL="742950" lvl="1" indent="-285750">
-              <a:buFont typeface="Arial" panose="020B0604020202020204" pitchFamily="34" charset="0"/>
-              <a:buChar char="•"/>
-            </a:pPr>
-            <a:r>
-              <a:rPr lang="en-US" sz="2800" dirty="0"/>
-              <a:t>There’s a question on next MQ based on the polynomials reading!</a:t>
-            </a:r>
-          </a:p>
-          <a:p>
-            <a:pPr marL="285750" indent="-285750">
-              <a:buFont typeface="Arial" panose="020B0604020202020204" pitchFamily="34" charset="0"/>
-              <a:buChar char="•"/>
-            </a:pPr>
-            <a:r>
-              <a:rPr lang="en-US" sz="2800" u="sng" dirty="0"/>
-              <a:t>Monday 20 September:</a:t>
-            </a:r>
-          </a:p>
-          <a:p>
-            <a:pPr marL="742950" lvl="1" indent="-285750">
-              <a:buFont typeface="Arial" panose="020B0604020202020204" pitchFamily="34" charset="0"/>
-              <a:buChar char="•"/>
-            </a:pPr>
-            <a:r>
-              <a:rPr lang="en-US" sz="2800" dirty="0"/>
-              <a:t>Complete </a:t>
-            </a:r>
-            <a:r>
-              <a:rPr lang="en-US" sz="2800" dirty="0">
-                <a:solidFill>
-                  <a:srgbClr val="00B0F0"/>
-                </a:solidFill>
-              </a:rPr>
-              <a:t>Mobius Quiz 4</a:t>
-            </a:r>
-            <a:r>
-              <a:rPr lang="en-US" sz="2800" dirty="0"/>
-              <a:t>: MQ4</a:t>
-            </a:r>
-          </a:p>
-          <a:p>
-            <a:pPr marL="285750" indent="-285750">
-              <a:buFont typeface="Arial" panose="020B0604020202020204" pitchFamily="34" charset="0"/>
-              <a:buChar char="•"/>
-            </a:pPr>
-            <a:r>
-              <a:rPr lang="en-US" sz="2800" b="1" u="sng" dirty="0">
-                <a:solidFill>
-                  <a:srgbClr val="FF0000"/>
-                </a:solidFill>
-              </a:rPr>
-              <a:t>Wednesday 22 September:</a:t>
-            </a:r>
-          </a:p>
-          <a:p>
-            <a:pPr marL="742950" lvl="1" indent="-285750">
-              <a:buFont typeface="Arial" panose="020B0604020202020204" pitchFamily="34" charset="0"/>
-              <a:buChar char="•"/>
-            </a:pPr>
-            <a:r>
-              <a:rPr lang="en-US" sz="2800" b="1" dirty="0">
-                <a:solidFill>
-                  <a:srgbClr val="FF0000"/>
-                </a:solidFill>
-              </a:rPr>
-              <a:t>Complete Written Assignment 2: WA2</a:t>
-            </a:r>
-          </a:p>
-          <a:p>
-            <a:pPr marL="285750" indent="-285750">
-              <a:buFont typeface="Arial" panose="020B0604020202020204" pitchFamily="34" charset="0"/>
-              <a:buChar char="•"/>
-            </a:pPr>
-            <a:r>
-              <a:rPr lang="en-US" sz="2800" u="sng" dirty="0"/>
-              <a:t>Wednesday 22 September:</a:t>
-            </a:r>
-          </a:p>
-          <a:p>
-            <a:pPr marL="742950" lvl="1" indent="-285750">
-              <a:buFont typeface="Arial" panose="020B0604020202020204" pitchFamily="34" charset="0"/>
-              <a:buChar char="•"/>
-            </a:pPr>
-            <a:r>
-              <a:rPr lang="en-US" sz="2800" dirty="0"/>
-              <a:t>Complete </a:t>
-            </a:r>
-            <a:r>
-              <a:rPr lang="en-US" sz="2800" dirty="0">
-                <a:solidFill>
-                  <a:srgbClr val="00B0F0"/>
-                </a:solidFill>
-              </a:rPr>
-              <a:t>Mobius Quiz 5</a:t>
-            </a:r>
-            <a:r>
-              <a:rPr lang="en-US" sz="2800" dirty="0"/>
-              <a:t>: MQ5</a:t>
-            </a:r>
-            <a:endParaRPr lang="en-US" sz="3600" dirty="0"/>
-          </a:p>
-          <a:p>
-            <a:pPr marL="742950" lvl="1" indent="-285750">
-              <a:buFont typeface="Arial" panose="020B0604020202020204" pitchFamily="34" charset="0"/>
-              <a:buChar char="•"/>
-            </a:pPr>
-            <a:endParaRPr lang="en-US" sz="3600" dirty="0"/>
-          </a:p>
-          <a:p>
-            <a:pPr lvl="1"/>
-            <a:endParaRPr lang="en-US" sz="2400" dirty="0"/>
-          </a:p>
-          <a:p>
-            <a:pPr marL="742950" lvl="1" indent="-285750">
-              <a:buFont typeface="Arial" panose="020B0604020202020204" pitchFamily="34" charset="0"/>
-              <a:buChar char="•"/>
-            </a:pPr>
-            <a:endParaRPr lang="en-US" sz="2800" b="1" dirty="0">
-              <a:solidFill>
-                <a:srgbClr val="FF0000"/>
-              </a:solidFill>
-            </a:endParaRPr>
-          </a:p>
-        </p:txBody>
-      </p:sp>
+      </p:pic>
     </p:spTree>
     <p:extLst>
       <p:ext uri="{BB962C8B-B14F-4D97-AF65-F5344CB8AC3E}">
-        <p14:creationId xmlns:p14="http://schemas.microsoft.com/office/powerpoint/2010/main" val="783963905"/>
+        <p14:creationId xmlns:p14="http://schemas.microsoft.com/office/powerpoint/2010/main" val="2037265244"/>
       </p:ext>
     </p:extLst>
   </p:cSld>
@@ -3791,7 +3476,7 @@
 </p:sld>
 </file>
 
-<file path=ppt/slides/slide3.xml><?xml version="1.0" encoding="utf-8"?>
+<file path=ppt/slides/slide11.xml><?xml version="1.0" encoding="utf-8"?>
 <p:sld xmlns:a="http://schemas.openxmlformats.org/drawingml/2006/main" xmlns:r="http://schemas.openxmlformats.org/officeDocument/2006/relationships" xmlns:p="http://schemas.openxmlformats.org/presentationml/2006/main">
   <p:cSld>
     <p:spTree>
@@ -3808,50 +3493,12 @@
           <a:chExt cx="0" cy="0"/>
         </a:xfrm>
       </p:grpSpPr>
-      <p:sp>
-        <p:nvSpPr>
-          <p:cNvPr id="2" name="Title 1">
-            <a:extLst>
-              <a:ext uri="{FF2B5EF4-FFF2-40B4-BE49-F238E27FC236}">
-                <a16:creationId xmlns:a16="http://schemas.microsoft.com/office/drawing/2014/main" id="{3DFDFE6E-0F70-4498-A727-114AF49CE2A5}"/>
-              </a:ext>
-            </a:extLst>
-          </p:cNvPr>
-          <p:cNvSpPr>
-            <a:spLocks noGrp="1"/>
-          </p:cNvSpPr>
-          <p:nvPr>
-            <p:ph type="ctrTitle"/>
-          </p:nvPr>
-        </p:nvSpPr>
-        <p:spPr>
-          <a:xfrm>
-            <a:off x="366318" y="427839"/>
-            <a:ext cx="10472257" cy="3236053"/>
-          </a:xfrm>
-        </p:spPr>
-        <p:txBody>
-          <a:bodyPr>
-            <a:normAutofit/>
-          </a:bodyPr>
-          <a:lstStyle/>
-          <a:p>
-            <a:br>
-              <a:rPr lang="en-US" dirty="0"/>
-            </a:br>
-            <a:br>
-              <a:rPr lang="en-US" dirty="0"/>
-            </a:br>
-            <a:endParaRPr lang="en-US" dirty="0"/>
-          </a:p>
-        </p:txBody>
-      </p:sp>
       <p:pic>
         <p:nvPicPr>
-          <p:cNvPr id="7" name="Picture 6">
-            <a:extLst>
-              <a:ext uri="{FF2B5EF4-FFF2-40B4-BE49-F238E27FC236}">
-                <a16:creationId xmlns:a16="http://schemas.microsoft.com/office/drawing/2014/main" id="{5FD9917D-8E48-4078-8EE9-A3385B950B14}"/>
+          <p:cNvPr id="2" name="Picture 1">
+            <a:extLst>
+              <a:ext uri="{FF2B5EF4-FFF2-40B4-BE49-F238E27FC236}">
+                <a16:creationId xmlns:a16="http://schemas.microsoft.com/office/drawing/2014/main" id="{A61F0469-B067-4673-96BD-17D16E6A8BC3}"/>
               </a:ext>
             </a:extLst>
           </p:cNvPr>
@@ -3868,68 +3515,8 @@
         </p:blipFill>
         <p:spPr>
           <a:xfrm>
-            <a:off x="366318" y="2591917"/>
-            <a:ext cx="4465489" cy="4009693"/>
-          </a:xfrm>
-          <a:prstGeom prst="rect">
-            <a:avLst/>
-          </a:prstGeom>
-        </p:spPr>
-      </p:pic>
-      <p:pic>
-        <p:nvPicPr>
-          <p:cNvPr id="8" name="Picture 7">
-            <a:extLst>
-              <a:ext uri="{FF2B5EF4-FFF2-40B4-BE49-F238E27FC236}">
-                <a16:creationId xmlns:a16="http://schemas.microsoft.com/office/drawing/2014/main" id="{8F039E25-C4E0-488C-98E9-82B772172806}"/>
-              </a:ext>
-            </a:extLst>
-          </p:cNvPr>
-          <p:cNvPicPr>
-            <a:picLocks noChangeAspect="1"/>
-          </p:cNvPicPr>
-          <p:nvPr/>
-        </p:nvPicPr>
-        <p:blipFill>
-          <a:blip r:embed="rId3"/>
-          <a:stretch>
-            <a:fillRect/>
-          </a:stretch>
-        </p:blipFill>
-        <p:spPr>
-          <a:xfrm>
-            <a:off x="5176407" y="2906712"/>
-            <a:ext cx="7015593" cy="3380104"/>
-          </a:xfrm>
-          <a:prstGeom prst="rect">
-            <a:avLst/>
-          </a:prstGeom>
-        </p:spPr>
-      </p:pic>
-      <p:pic>
-        <p:nvPicPr>
-          <p:cNvPr id="9" name="Picture 8">
-            <a:extLst>
-              <a:ext uri="{FF2B5EF4-FFF2-40B4-BE49-F238E27FC236}">
-                <a16:creationId xmlns:a16="http://schemas.microsoft.com/office/drawing/2014/main" id="{C9CA0071-F670-4BA6-B663-9A8319ECF5E0}"/>
-              </a:ext>
-            </a:extLst>
-          </p:cNvPr>
-          <p:cNvPicPr>
-            <a:picLocks noChangeAspect="1"/>
-          </p:cNvPicPr>
-          <p:nvPr/>
-        </p:nvPicPr>
-        <p:blipFill>
-          <a:blip r:embed="rId4"/>
-          <a:stretch>
-            <a:fillRect/>
-          </a:stretch>
-        </p:blipFill>
-        <p:spPr>
-          <a:xfrm>
-            <a:off x="0" y="48237"/>
-            <a:ext cx="12192000" cy="2412926"/>
+            <a:off x="950026" y="142503"/>
+            <a:ext cx="10528404" cy="7585894"/>
           </a:xfrm>
           <a:prstGeom prst="rect">
             <a:avLst/>
@@ -3939,182 +3526,17 @@
     </p:spTree>
     <p:extLst>
       <p:ext uri="{BB962C8B-B14F-4D97-AF65-F5344CB8AC3E}">
-        <p14:creationId xmlns:p14="http://schemas.microsoft.com/office/powerpoint/2010/main" val="55526555"/>
+        <p14:creationId xmlns:p14="http://schemas.microsoft.com/office/powerpoint/2010/main" val="3451153547"/>
       </p:ext>
     </p:extLst>
   </p:cSld>
   <p:clrMapOvr>
     <a:masterClrMapping/>
   </p:clrMapOvr>
-  <p:timing>
-    <p:tnLst>
-      <p:par>
-        <p:cTn id="1" dur="indefinite" restart="never" nodeType="tmRoot">
-          <p:childTnLst>
-            <p:seq concurrent="1" nextAc="seek">
-              <p:cTn id="2" dur="indefinite" nodeType="mainSeq">
-                <p:childTnLst>
-                  <p:par>
-                    <p:cTn id="3" fill="hold">
-                      <p:stCondLst>
-                        <p:cond delay="indefinite"/>
-                      </p:stCondLst>
-                      <p:childTnLst>
-                        <p:par>
-                          <p:cTn id="4" fill="hold">
-                            <p:stCondLst>
-                              <p:cond delay="0"/>
-                            </p:stCondLst>
-                            <p:childTnLst>
-                              <p:par>
-                                <p:cTn id="5" presetID="1" presetClass="entr" presetSubtype="0" fill="hold" nodeType="clickEffect">
-                                  <p:stCondLst>
-                                    <p:cond delay="0"/>
-                                  </p:stCondLst>
-                                  <p:childTnLst>
-                                    <p:set>
-                                      <p:cBhvr>
-                                        <p:cTn id="6" dur="1" fill="hold">
-                                          <p:stCondLst>
-                                            <p:cond delay="0"/>
-                                          </p:stCondLst>
-                                        </p:cTn>
-                                        <p:tgtEl>
-                                          <p:spTgt spid="9"/>
-                                        </p:tgtEl>
-                                        <p:attrNameLst>
-                                          <p:attrName>style.visibility</p:attrName>
-                                        </p:attrNameLst>
-                                      </p:cBhvr>
-                                      <p:to>
-                                        <p:strVal val="visible"/>
-                                      </p:to>
-                                    </p:set>
-                                  </p:childTnLst>
-                                </p:cTn>
-                              </p:par>
-                            </p:childTnLst>
-                          </p:cTn>
-                        </p:par>
-                      </p:childTnLst>
-                    </p:cTn>
-                  </p:par>
-                  <p:par>
-                    <p:cTn id="7" fill="hold">
-                      <p:stCondLst>
-                        <p:cond delay="indefinite"/>
-                      </p:stCondLst>
-                      <p:childTnLst>
-                        <p:par>
-                          <p:cTn id="8" fill="hold">
-                            <p:stCondLst>
-                              <p:cond delay="0"/>
-                            </p:stCondLst>
-                            <p:childTnLst>
-                              <p:par>
-                                <p:cTn id="9" presetID="1" presetClass="entr" presetSubtype="0" fill="hold" nodeType="clickEffect">
-                                  <p:stCondLst>
-                                    <p:cond delay="0"/>
-                                  </p:stCondLst>
-                                  <p:childTnLst>
-                                    <p:set>
-                                      <p:cBhvr>
-                                        <p:cTn id="10" dur="1" fill="hold">
-                                          <p:stCondLst>
-                                            <p:cond delay="0"/>
-                                          </p:stCondLst>
-                                        </p:cTn>
-                                        <p:tgtEl>
-                                          <p:spTgt spid="7"/>
-                                        </p:tgtEl>
-                                        <p:attrNameLst>
-                                          <p:attrName>style.visibility</p:attrName>
-                                        </p:attrNameLst>
-                                      </p:cBhvr>
-                                      <p:to>
-                                        <p:strVal val="visible"/>
-                                      </p:to>
-                                    </p:set>
-                                  </p:childTnLst>
-                                </p:cTn>
-                              </p:par>
-                            </p:childTnLst>
-                          </p:cTn>
-                        </p:par>
-                      </p:childTnLst>
-                    </p:cTn>
-                  </p:par>
-                  <p:par>
-                    <p:cTn id="11" fill="hold">
-                      <p:stCondLst>
-                        <p:cond delay="indefinite"/>
-                      </p:stCondLst>
-                      <p:childTnLst>
-                        <p:par>
-                          <p:cTn id="12" fill="hold">
-                            <p:stCondLst>
-                              <p:cond delay="0"/>
-                            </p:stCondLst>
-                            <p:childTnLst>
-                              <p:par>
-                                <p:cTn id="13" presetID="1" presetClass="entr" presetSubtype="0" fill="hold" nodeType="clickEffect">
-                                  <p:stCondLst>
-                                    <p:cond delay="0"/>
-                                  </p:stCondLst>
-                                  <p:childTnLst>
-                                    <p:set>
-                                      <p:cBhvr>
-                                        <p:cTn id="14" dur="1" fill="hold">
-                                          <p:stCondLst>
-                                            <p:cond delay="0"/>
-                                          </p:stCondLst>
-                                        </p:cTn>
-                                        <p:tgtEl>
-                                          <p:spTgt spid="8"/>
-                                        </p:tgtEl>
-                                        <p:attrNameLst>
-                                          <p:attrName>style.visibility</p:attrName>
-                                        </p:attrNameLst>
-                                      </p:cBhvr>
-                                      <p:to>
-                                        <p:strVal val="visible"/>
-                                      </p:to>
-                                    </p:set>
-                                  </p:childTnLst>
-                                </p:cTn>
-                              </p:par>
-                            </p:childTnLst>
-                          </p:cTn>
-                        </p:par>
-                      </p:childTnLst>
-                    </p:cTn>
-                  </p:par>
-                </p:childTnLst>
-              </p:cTn>
-              <p:prevCondLst>
-                <p:cond evt="onPrev" delay="0">
-                  <p:tgtEl>
-                    <p:sldTgt/>
-                  </p:tgtEl>
-                </p:cond>
-              </p:prevCondLst>
-              <p:nextCondLst>
-                <p:cond evt="onNext" delay="0">
-                  <p:tgtEl>
-                    <p:sldTgt/>
-                  </p:tgtEl>
-                </p:cond>
-              </p:nextCondLst>
-            </p:seq>
-          </p:childTnLst>
-        </p:cTn>
-      </p:par>
-    </p:tnLst>
-  </p:timing>
 </p:sld>
 </file>
 
-<file path=ppt/slides/slide4.xml><?xml version="1.0" encoding="utf-8"?>
+<file path=ppt/slides/slide12.xml><?xml version="1.0" encoding="utf-8"?>
 <p:sld xmlns:a="http://schemas.openxmlformats.org/drawingml/2006/main" xmlns:r="http://schemas.openxmlformats.org/officeDocument/2006/relationships" xmlns:p="http://schemas.openxmlformats.org/presentationml/2006/main">
   <p:cSld>
     <p:spTree>
@@ -4131,1226 +3553,50 @@
           <a:chExt cx="0" cy="0"/>
         </a:xfrm>
       </p:grpSpPr>
-      <p:sp>
-        <p:nvSpPr>
-          <p:cNvPr id="2" name="Title 1">
-            <a:extLst>
-              <a:ext uri="{FF2B5EF4-FFF2-40B4-BE49-F238E27FC236}">
-                <a16:creationId xmlns:a16="http://schemas.microsoft.com/office/drawing/2014/main" id="{3DFDFE6E-0F70-4498-A727-114AF49CE2A5}"/>
-              </a:ext>
-            </a:extLst>
-          </p:cNvPr>
-          <p:cNvSpPr>
-            <a:spLocks noGrp="1"/>
-          </p:cNvSpPr>
-          <p:nvPr>
-            <p:ph type="ctrTitle"/>
-          </p:nvPr>
-        </p:nvSpPr>
+      <p:pic>
+        <p:nvPicPr>
+          <p:cNvPr id="3" name="Picture 2">
+            <a:extLst>
+              <a:ext uri="{FF2B5EF4-FFF2-40B4-BE49-F238E27FC236}">
+                <a16:creationId xmlns:a16="http://schemas.microsoft.com/office/drawing/2014/main" id="{5E8C193E-1AE7-469A-92A2-28D8C9C279F8}"/>
+              </a:ext>
+            </a:extLst>
+          </p:cNvPr>
+          <p:cNvPicPr>
+            <a:picLocks noChangeAspect="1"/>
+          </p:cNvPicPr>
+          <p:nvPr/>
+        </p:nvPicPr>
+        <p:blipFill>
+          <a:blip r:embed="rId2"/>
+          <a:stretch>
+            <a:fillRect/>
+          </a:stretch>
+        </p:blipFill>
         <p:spPr>
           <a:xfrm>
-            <a:off x="366318" y="427839"/>
-            <a:ext cx="10472257" cy="3236053"/>
-          </a:xfrm>
-        </p:spPr>
-        <p:txBody>
-          <a:bodyPr>
-            <a:normAutofit/>
-          </a:bodyPr>
-          <a:lstStyle/>
-          <a:p>
-            <a:br>
-              <a:rPr lang="en-US" dirty="0"/>
-            </a:br>
-            <a:br>
-              <a:rPr lang="en-US" dirty="0"/>
-            </a:br>
-            <a:endParaRPr lang="en-US" dirty="0"/>
-          </a:p>
-        </p:txBody>
-      </p:sp>
-      <p:sp>
-        <p:nvSpPr>
-          <p:cNvPr id="3" name="Subtitle 2">
-            <a:extLst>
-              <a:ext uri="{FF2B5EF4-FFF2-40B4-BE49-F238E27FC236}">
-                <a16:creationId xmlns:a16="http://schemas.microsoft.com/office/drawing/2014/main" id="{B9191896-C725-462F-BB08-4D8D8507E31D}"/>
-              </a:ext>
-            </a:extLst>
-          </p:cNvPr>
-          <p:cNvSpPr>
-            <a:spLocks noGrp="1"/>
-          </p:cNvSpPr>
-          <p:nvPr>
-            <p:ph type="subTitle" idx="1"/>
-          </p:nvPr>
-        </p:nvSpPr>
-        <p:spPr>
-          <a:xfrm>
-            <a:off x="159391" y="85471"/>
-            <a:ext cx="11785133" cy="827349"/>
-          </a:xfrm>
-        </p:spPr>
-        <p:txBody>
-          <a:bodyPr>
-            <a:normAutofit/>
-          </a:bodyPr>
-          <a:lstStyle/>
-          <a:p>
-            <a:r>
-              <a:rPr lang="en-US" sz="2800" u="sng" dirty="0"/>
-              <a:t>If a number’s last digit is 5, then is it </a:t>
-            </a:r>
-            <a:r>
-              <a:rPr lang="en-US" sz="2800" i="1" u="sng" dirty="0"/>
-              <a:t>always</a:t>
-            </a:r>
-            <a:r>
-              <a:rPr lang="en-US" sz="2800" u="sng" dirty="0"/>
-              <a:t> 5 times an odd number?</a:t>
-            </a:r>
-          </a:p>
-        </p:txBody>
-      </p:sp>
-      <p:sp>
-        <p:nvSpPr>
-          <p:cNvPr id="4" name="TextBox 3">
-            <a:extLst>
-              <a:ext uri="{FF2B5EF4-FFF2-40B4-BE49-F238E27FC236}">
-                <a16:creationId xmlns:a16="http://schemas.microsoft.com/office/drawing/2014/main" id="{0E4E45B2-07CC-43F3-92B9-C70644650306}"/>
-              </a:ext>
-            </a:extLst>
-          </p:cNvPr>
-          <p:cNvSpPr txBox="1"/>
-          <p:nvPr/>
-        </p:nvSpPr>
-        <p:spPr>
-          <a:xfrm>
-            <a:off x="562850" y="614136"/>
-            <a:ext cx="11697050" cy="5740033"/>
+            <a:off x="1745672" y="366176"/>
+            <a:ext cx="8445336" cy="6125647"/>
           </a:xfrm>
           <a:prstGeom prst="rect">
             <a:avLst/>
           </a:prstGeom>
-          <a:noFill/>
         </p:spPr>
-        <p:txBody>
-          <a:bodyPr wrap="square" rtlCol="0">
-            <a:spAutoFit/>
-          </a:bodyPr>
-          <a:lstStyle/>
-          <a:p>
-            <a:r>
-              <a:rPr lang="en-US" sz="2800" dirty="0"/>
-              <a:t>S =  {Integers for which the last digit is 5}</a:t>
-            </a:r>
-          </a:p>
-          <a:p>
-            <a:endParaRPr lang="en-US" sz="1600" dirty="0"/>
-          </a:p>
-          <a:p>
-            <a:r>
-              <a:rPr lang="en-US" sz="2800" dirty="0"/>
-              <a:t>Ɐ N </a:t>
-            </a:r>
-            <a:r>
-              <a:rPr lang="el-GR" sz="2800" dirty="0"/>
-              <a:t>ϵ</a:t>
-            </a:r>
-            <a:r>
-              <a:rPr lang="en-US" sz="2800" dirty="0"/>
-              <a:t> S  , ∃ m </a:t>
-            </a:r>
-            <a:r>
-              <a:rPr lang="el-GR" sz="2800" dirty="0"/>
-              <a:t>ϵ</a:t>
-            </a:r>
-            <a:r>
-              <a:rPr lang="en-US" sz="2800" dirty="0"/>
-              <a:t> ℤ  , N = 5(2m+1) ?</a:t>
-            </a:r>
-          </a:p>
-          <a:p>
-            <a:endParaRPr lang="en-US" sz="2800" dirty="0"/>
-          </a:p>
-          <a:p>
-            <a:r>
-              <a:rPr lang="en-US" sz="2800" dirty="0"/>
-              <a:t>Ɐ N </a:t>
-            </a:r>
-            <a:r>
-              <a:rPr lang="el-GR" sz="2800" dirty="0"/>
-              <a:t>ϵ</a:t>
-            </a:r>
-            <a:r>
-              <a:rPr lang="en-US" sz="2800" dirty="0"/>
-              <a:t> S,  ∃ a</a:t>
-            </a:r>
-            <a:r>
-              <a:rPr lang="en-US" sz="2800" baseline="-25000" dirty="0"/>
-              <a:t>1</a:t>
-            </a:r>
-            <a:r>
-              <a:rPr lang="en-US" sz="2800" dirty="0"/>
-              <a:t> , a</a:t>
-            </a:r>
-            <a:r>
-              <a:rPr lang="en-US" sz="2800" baseline="-25000" dirty="0"/>
-              <a:t>2</a:t>
-            </a:r>
-            <a:r>
-              <a:rPr lang="en-US" sz="2800" dirty="0"/>
-              <a:t> , … , a</a:t>
-            </a:r>
-            <a:r>
-              <a:rPr lang="en-US" sz="2800" baseline="-25000" dirty="0"/>
-              <a:t>n </a:t>
-            </a:r>
-            <a:r>
-              <a:rPr lang="en-US" sz="2800" dirty="0"/>
-              <a:t>,  N = 10</a:t>
-            </a:r>
-            <a:r>
-              <a:rPr lang="en-US" sz="2800" baseline="30000" dirty="0"/>
-              <a:t>n</a:t>
-            </a:r>
-            <a:r>
-              <a:rPr lang="en-US" sz="2800" baseline="-25000" dirty="0"/>
-              <a:t> </a:t>
-            </a:r>
-            <a:r>
-              <a:rPr lang="en-US" sz="2800" dirty="0"/>
-              <a:t>a</a:t>
-            </a:r>
-            <a:r>
-              <a:rPr lang="en-US" sz="2800" baseline="-25000" dirty="0"/>
-              <a:t>n</a:t>
-            </a:r>
-            <a:r>
-              <a:rPr lang="en-US" sz="2800" dirty="0"/>
-              <a:t> +</a:t>
-            </a:r>
-            <a:r>
-              <a:rPr lang="en-US" sz="2800" baseline="-25000" dirty="0"/>
-              <a:t>  </a:t>
-            </a:r>
-            <a:r>
-              <a:rPr lang="en-US" sz="2800" dirty="0"/>
-              <a:t>10</a:t>
-            </a:r>
-            <a:r>
-              <a:rPr lang="en-US" sz="2800" baseline="30000" dirty="0"/>
-              <a:t>n-1</a:t>
-            </a:r>
-            <a:r>
-              <a:rPr lang="en-US" sz="2800" baseline="-25000" dirty="0"/>
-              <a:t> </a:t>
-            </a:r>
-            <a:r>
-              <a:rPr lang="en-US" sz="2800" dirty="0"/>
-              <a:t>a</a:t>
-            </a:r>
-            <a:r>
-              <a:rPr lang="en-US" sz="2800" baseline="-25000" dirty="0"/>
-              <a:t>n-1</a:t>
-            </a:r>
-            <a:r>
-              <a:rPr lang="en-US" sz="2800" dirty="0"/>
-              <a:t> + …</a:t>
-            </a:r>
-            <a:r>
-              <a:rPr lang="en-US" sz="2800" baseline="-25000" dirty="0"/>
-              <a:t>  </a:t>
-            </a:r>
-            <a:r>
-              <a:rPr lang="en-US" sz="2800" dirty="0"/>
-              <a:t>+10</a:t>
-            </a:r>
-            <a:r>
-              <a:rPr lang="en-US" sz="2800" baseline="30000" dirty="0"/>
-              <a:t>1</a:t>
-            </a:r>
-            <a:r>
-              <a:rPr lang="en-US" sz="2800" baseline="-25000" dirty="0"/>
-              <a:t> </a:t>
-            </a:r>
-            <a:r>
-              <a:rPr lang="en-US" sz="2800" dirty="0"/>
-              <a:t>a</a:t>
-            </a:r>
-            <a:r>
-              <a:rPr lang="en-US" sz="2800" baseline="-25000" dirty="0"/>
-              <a:t>1</a:t>
-            </a:r>
-            <a:r>
-              <a:rPr lang="en-US" sz="2800" dirty="0"/>
-              <a:t> + 5</a:t>
-            </a:r>
-            <a:r>
-              <a:rPr lang="en-US" sz="2800" baseline="-25000" dirty="0"/>
-              <a:t>  </a:t>
-            </a:r>
-          </a:p>
-          <a:p>
-            <a:r>
-              <a:rPr lang="en-US" sz="2800" dirty="0"/>
-              <a:t>                                              N = (5 x 2)</a:t>
-            </a:r>
-            <a:r>
-              <a:rPr lang="en-US" sz="2800" baseline="30000" dirty="0"/>
-              <a:t>n </a:t>
-            </a:r>
-            <a:r>
-              <a:rPr lang="en-US" sz="2800" dirty="0"/>
-              <a:t>a</a:t>
-            </a:r>
-            <a:r>
-              <a:rPr lang="en-US" sz="2800" baseline="-25000" dirty="0"/>
-              <a:t>n</a:t>
-            </a:r>
-            <a:r>
-              <a:rPr lang="en-US" sz="2800" baseline="30000" dirty="0"/>
-              <a:t>  </a:t>
-            </a:r>
-            <a:r>
-              <a:rPr lang="en-US" sz="2800" dirty="0"/>
-              <a:t>+</a:t>
-            </a:r>
-            <a:r>
-              <a:rPr lang="en-US" sz="2800" baseline="-25000" dirty="0"/>
-              <a:t> </a:t>
-            </a:r>
-            <a:r>
-              <a:rPr lang="en-US" sz="2800" dirty="0"/>
-              <a:t>(5 x 2)</a:t>
-            </a:r>
-            <a:r>
-              <a:rPr lang="en-US" sz="2800" baseline="30000" dirty="0"/>
-              <a:t>n-1</a:t>
-            </a:r>
-            <a:r>
-              <a:rPr lang="en-US" sz="2800" baseline="-25000" dirty="0"/>
-              <a:t> </a:t>
-            </a:r>
-            <a:r>
-              <a:rPr lang="en-US" sz="2800" dirty="0"/>
-              <a:t>a</a:t>
-            </a:r>
-            <a:r>
-              <a:rPr lang="en-US" sz="2800" baseline="-25000" dirty="0"/>
-              <a:t>n-1</a:t>
-            </a:r>
-            <a:r>
-              <a:rPr lang="en-US" sz="2800" dirty="0"/>
-              <a:t> + …</a:t>
-            </a:r>
-            <a:r>
-              <a:rPr lang="en-US" sz="2800" baseline="-25000" dirty="0"/>
-              <a:t>  </a:t>
-            </a:r>
-            <a:r>
-              <a:rPr lang="en-US" sz="2800" dirty="0"/>
-              <a:t>+ (5 x 2)</a:t>
-            </a:r>
-            <a:r>
-              <a:rPr lang="en-US" sz="2800" baseline="30000" dirty="0"/>
-              <a:t>1</a:t>
-            </a:r>
-            <a:r>
-              <a:rPr lang="en-US" sz="2800" baseline="-25000" dirty="0"/>
-              <a:t> </a:t>
-            </a:r>
-            <a:r>
-              <a:rPr lang="en-US" sz="2800" dirty="0"/>
-              <a:t>a</a:t>
-            </a:r>
-            <a:r>
-              <a:rPr lang="en-US" sz="2800" baseline="-25000" dirty="0"/>
-              <a:t>1</a:t>
-            </a:r>
-            <a:r>
-              <a:rPr lang="en-US" sz="2800" dirty="0"/>
-              <a:t> + 5</a:t>
-            </a:r>
-            <a:r>
-              <a:rPr lang="en-US" sz="2800" baseline="-25000" dirty="0"/>
-              <a:t>  </a:t>
-            </a:r>
-          </a:p>
-          <a:p>
-            <a:r>
-              <a:rPr lang="en-US" sz="2800" dirty="0"/>
-              <a:t>                                              N = (5</a:t>
-            </a:r>
-            <a:r>
-              <a:rPr lang="en-US" sz="2800" baseline="30000" dirty="0"/>
-              <a:t>n</a:t>
-            </a:r>
-            <a:r>
-              <a:rPr lang="en-US" sz="2800" dirty="0"/>
-              <a:t> x 2</a:t>
-            </a:r>
-            <a:r>
-              <a:rPr lang="en-US" sz="2800" baseline="30000" dirty="0"/>
-              <a:t>n</a:t>
-            </a:r>
-            <a:r>
-              <a:rPr lang="en-US" sz="2800" dirty="0"/>
-              <a:t>) a</a:t>
-            </a:r>
-            <a:r>
-              <a:rPr lang="en-US" sz="2800" baseline="-25000" dirty="0"/>
-              <a:t>n</a:t>
-            </a:r>
-            <a:r>
-              <a:rPr lang="en-US" sz="2800" baseline="30000" dirty="0"/>
-              <a:t> </a:t>
-            </a:r>
-            <a:r>
-              <a:rPr lang="en-US" sz="2800" dirty="0"/>
-              <a:t>+</a:t>
-            </a:r>
-            <a:r>
-              <a:rPr lang="en-US" sz="2800" baseline="-25000" dirty="0"/>
-              <a:t> </a:t>
-            </a:r>
-            <a:r>
-              <a:rPr lang="en-US" sz="2800" dirty="0"/>
-              <a:t>(5</a:t>
-            </a:r>
-            <a:r>
-              <a:rPr lang="en-US" sz="2800" baseline="30000" dirty="0"/>
-              <a:t>n-1</a:t>
-            </a:r>
-            <a:r>
-              <a:rPr lang="en-US" sz="2800" dirty="0"/>
-              <a:t> x 2</a:t>
-            </a:r>
-            <a:r>
-              <a:rPr lang="en-US" sz="2800" baseline="30000" dirty="0"/>
-              <a:t>n-1</a:t>
-            </a:r>
-            <a:r>
-              <a:rPr lang="en-US" sz="2800" dirty="0"/>
-              <a:t>) a</a:t>
-            </a:r>
-            <a:r>
-              <a:rPr lang="en-US" sz="2800" baseline="-25000" dirty="0"/>
-              <a:t>n-1</a:t>
-            </a:r>
-            <a:r>
-              <a:rPr lang="en-US" sz="2800" dirty="0"/>
-              <a:t> + …</a:t>
-            </a:r>
-            <a:r>
-              <a:rPr lang="en-US" sz="2800" baseline="-25000" dirty="0"/>
-              <a:t>  </a:t>
-            </a:r>
-            <a:r>
-              <a:rPr lang="en-US" sz="2800" dirty="0"/>
-              <a:t>+ (5 x 2)</a:t>
-            </a:r>
-            <a:r>
-              <a:rPr lang="en-US" sz="2800" baseline="-25000" dirty="0"/>
-              <a:t> </a:t>
-            </a:r>
-            <a:r>
-              <a:rPr lang="en-US" sz="2800" dirty="0"/>
-              <a:t>a</a:t>
-            </a:r>
-            <a:r>
-              <a:rPr lang="en-US" sz="2800" baseline="-25000" dirty="0"/>
-              <a:t>1</a:t>
-            </a:r>
-            <a:r>
-              <a:rPr lang="en-US" sz="2800" dirty="0"/>
-              <a:t> + 5</a:t>
-            </a:r>
-            <a:r>
-              <a:rPr lang="en-US" sz="2800" baseline="-25000" dirty="0"/>
-              <a:t> </a:t>
-            </a:r>
-          </a:p>
-          <a:p>
-            <a:r>
-              <a:rPr lang="en-US" sz="2800" baseline="-25000" dirty="0"/>
-              <a:t>			</a:t>
-            </a:r>
-            <a:r>
-              <a:rPr lang="en-US" sz="2800" dirty="0"/>
-              <a:t>            N = 5 ( 1 + 2a</a:t>
-            </a:r>
-            <a:r>
-              <a:rPr lang="en-US" sz="2800" baseline="-25000" dirty="0"/>
-              <a:t>1</a:t>
-            </a:r>
-            <a:r>
-              <a:rPr lang="en-US" sz="2800" dirty="0"/>
-              <a:t> + … + 5</a:t>
-            </a:r>
-            <a:r>
-              <a:rPr lang="en-US" sz="2800" baseline="30000" dirty="0"/>
-              <a:t>n-2 </a:t>
-            </a:r>
-            <a:r>
-              <a:rPr lang="en-US" sz="2800" dirty="0"/>
-              <a:t>2</a:t>
-            </a:r>
-            <a:r>
-              <a:rPr lang="en-US" sz="2800" baseline="30000" dirty="0"/>
-              <a:t>n-1</a:t>
-            </a:r>
-            <a:r>
-              <a:rPr lang="en-US" sz="2800" dirty="0"/>
-              <a:t>a</a:t>
-            </a:r>
-            <a:r>
-              <a:rPr lang="en-US" sz="2800" baseline="-25000" dirty="0"/>
-              <a:t>n-1</a:t>
-            </a:r>
-            <a:r>
-              <a:rPr lang="en-US" sz="2800" dirty="0"/>
-              <a:t> + 5</a:t>
-            </a:r>
-            <a:r>
-              <a:rPr lang="en-US" sz="2800" baseline="30000" dirty="0"/>
-              <a:t>n-1 </a:t>
-            </a:r>
-            <a:r>
-              <a:rPr lang="en-US" sz="2800" dirty="0"/>
-              <a:t>2</a:t>
-            </a:r>
-            <a:r>
-              <a:rPr lang="en-US" sz="2800" baseline="30000" dirty="0"/>
-              <a:t>n</a:t>
-            </a:r>
-            <a:r>
-              <a:rPr lang="en-US" sz="2800" dirty="0"/>
-              <a:t> a</a:t>
-            </a:r>
-            <a:r>
-              <a:rPr lang="en-US" sz="2800" baseline="-25000" dirty="0"/>
-              <a:t>n</a:t>
-            </a:r>
-            <a:r>
-              <a:rPr lang="en-US" sz="2800" baseline="30000" dirty="0"/>
-              <a:t> </a:t>
-            </a:r>
-            <a:r>
-              <a:rPr lang="en-US" sz="2800" dirty="0"/>
-              <a:t>)</a:t>
-            </a:r>
-          </a:p>
-          <a:p>
-            <a:r>
-              <a:rPr lang="en-US" sz="2800" dirty="0"/>
-              <a:t>Ɐ N </a:t>
-            </a:r>
-            <a:r>
-              <a:rPr lang="el-GR" sz="2800" dirty="0"/>
-              <a:t>ϵ</a:t>
-            </a:r>
-            <a:r>
-              <a:rPr lang="en-US" sz="2800" dirty="0"/>
-              <a:t> S,  ∃ b </a:t>
-            </a:r>
-            <a:r>
-              <a:rPr lang="el-GR" sz="2800" dirty="0"/>
-              <a:t>ϵ</a:t>
-            </a:r>
-            <a:r>
-              <a:rPr lang="en-US" sz="2800" dirty="0"/>
-              <a:t> ℤ ,	            N = 5b</a:t>
-            </a:r>
-          </a:p>
-          <a:p>
-            <a:endParaRPr lang="en-US" sz="1100" dirty="0"/>
-          </a:p>
-          <a:p>
-            <a:r>
-              <a:rPr lang="en-US" sz="2800" dirty="0"/>
-              <a:t>b is either even or odd. </a:t>
-            </a:r>
-          </a:p>
-          <a:p>
-            <a:endParaRPr lang="en-US" sz="1200" dirty="0"/>
-          </a:p>
-          <a:p>
-            <a:r>
-              <a:rPr lang="en-US" sz="2800" u="sng" dirty="0"/>
-              <a:t>Case 1: b is even:</a:t>
-            </a:r>
-          </a:p>
-          <a:p>
-            <a:r>
-              <a:rPr lang="en-US" sz="2800" dirty="0"/>
-              <a:t>	N = 5b =&gt; N is even.</a:t>
-            </a:r>
-          </a:p>
-          <a:p>
-            <a:r>
-              <a:rPr lang="en-US" sz="2000" dirty="0">
-                <a:solidFill>
-                  <a:srgbClr val="FF0000"/>
-                </a:solidFill>
-              </a:rPr>
-              <a:t>	But if N ends in 5 it must be odd.  Contradiction!  So b must be odd.</a:t>
-            </a:r>
-            <a:endParaRPr lang="en-US" dirty="0">
-              <a:solidFill>
-                <a:srgbClr val="FF0000"/>
-              </a:solidFill>
-            </a:endParaRPr>
-          </a:p>
-        </p:txBody>
-      </p:sp>
-      <p:cxnSp>
-        <p:nvCxnSpPr>
-          <p:cNvPr id="6" name="Straight Connector 5">
-            <a:extLst>
-              <a:ext uri="{FF2B5EF4-FFF2-40B4-BE49-F238E27FC236}">
-                <a16:creationId xmlns:a16="http://schemas.microsoft.com/office/drawing/2014/main" id="{5E5783D7-9C70-481A-91DA-D89300F2CF8D}"/>
-              </a:ext>
-            </a:extLst>
-          </p:cNvPr>
-          <p:cNvCxnSpPr/>
-          <p:nvPr/>
-        </p:nvCxnSpPr>
-        <p:spPr>
-          <a:xfrm>
-            <a:off x="442518" y="1937039"/>
-            <a:ext cx="11003973" cy="0"/>
-          </a:xfrm>
-          <a:prstGeom prst="line">
-            <a:avLst/>
-          </a:prstGeom>
-          <a:ln w="38100"/>
-        </p:spPr>
-        <p:style>
-          <a:lnRef idx="1">
-            <a:schemeClr val="accent1"/>
-          </a:lnRef>
-          <a:fillRef idx="0">
-            <a:schemeClr val="accent1"/>
-          </a:fillRef>
-          <a:effectRef idx="0">
-            <a:schemeClr val="accent1"/>
-          </a:effectRef>
-          <a:fontRef idx="minor">
-            <a:schemeClr val="tx1"/>
-          </a:fontRef>
-        </p:style>
-      </p:cxnSp>
+      </p:pic>
     </p:spTree>
     <p:extLst>
       <p:ext uri="{BB962C8B-B14F-4D97-AF65-F5344CB8AC3E}">
-        <p14:creationId xmlns:p14="http://schemas.microsoft.com/office/powerpoint/2010/main" val="934773067"/>
+        <p14:creationId xmlns:p14="http://schemas.microsoft.com/office/powerpoint/2010/main" val="3710582787"/>
       </p:ext>
     </p:extLst>
   </p:cSld>
   <p:clrMapOvr>
     <a:masterClrMapping/>
   </p:clrMapOvr>
-  <p:timing>
-    <p:tnLst>
-      <p:par>
-        <p:cTn id="1" dur="indefinite" restart="never" nodeType="tmRoot">
-          <p:childTnLst>
-            <p:seq concurrent="1" nextAc="seek">
-              <p:cTn id="2" dur="indefinite" nodeType="mainSeq">
-                <p:childTnLst>
-                  <p:par>
-                    <p:cTn id="3" fill="hold">
-                      <p:stCondLst>
-                        <p:cond delay="indefinite"/>
-                      </p:stCondLst>
-                      <p:childTnLst>
-                        <p:par>
-                          <p:cTn id="4" fill="hold">
-                            <p:stCondLst>
-                              <p:cond delay="0"/>
-                            </p:stCondLst>
-                            <p:childTnLst>
-                              <p:par>
-                                <p:cTn id="5" presetID="1" presetClass="entr" presetSubtype="0" fill="hold" nodeType="clickEffect">
-                                  <p:stCondLst>
-                                    <p:cond delay="0"/>
-                                  </p:stCondLst>
-                                  <p:childTnLst>
-                                    <p:set>
-                                      <p:cBhvr>
-                                        <p:cTn id="6" dur="1" fill="hold">
-                                          <p:stCondLst>
-                                            <p:cond delay="0"/>
-                                          </p:stCondLst>
-                                        </p:cTn>
-                                        <p:tgtEl>
-                                          <p:spTgt spid="4">
-                                            <p:txEl>
-                                              <p:pRg st="0" end="0"/>
-                                            </p:txEl>
-                                          </p:spTgt>
-                                        </p:tgtEl>
-                                        <p:attrNameLst>
-                                          <p:attrName>style.visibility</p:attrName>
-                                        </p:attrNameLst>
-                                      </p:cBhvr>
-                                      <p:to>
-                                        <p:strVal val="visible"/>
-                                      </p:to>
-                                    </p:set>
-                                  </p:childTnLst>
-                                </p:cTn>
-                              </p:par>
-                            </p:childTnLst>
-                          </p:cTn>
-                        </p:par>
-                      </p:childTnLst>
-                    </p:cTn>
-                  </p:par>
-                  <p:par>
-                    <p:cTn id="7" fill="hold">
-                      <p:stCondLst>
-                        <p:cond delay="indefinite"/>
-                      </p:stCondLst>
-                      <p:childTnLst>
-                        <p:par>
-                          <p:cTn id="8" fill="hold">
-                            <p:stCondLst>
-                              <p:cond delay="0"/>
-                            </p:stCondLst>
-                            <p:childTnLst>
-                              <p:par>
-                                <p:cTn id="9" presetID="1" presetClass="entr" presetSubtype="0" fill="hold" nodeType="clickEffect">
-                                  <p:stCondLst>
-                                    <p:cond delay="0"/>
-                                  </p:stCondLst>
-                                  <p:childTnLst>
-                                    <p:set>
-                                      <p:cBhvr>
-                                        <p:cTn id="10" dur="1" fill="hold">
-                                          <p:stCondLst>
-                                            <p:cond delay="0"/>
-                                          </p:stCondLst>
-                                        </p:cTn>
-                                        <p:tgtEl>
-                                          <p:spTgt spid="4">
-                                            <p:txEl>
-                                              <p:pRg st="2" end="2"/>
-                                            </p:txEl>
-                                          </p:spTgt>
-                                        </p:tgtEl>
-                                        <p:attrNameLst>
-                                          <p:attrName>style.visibility</p:attrName>
-                                        </p:attrNameLst>
-                                      </p:cBhvr>
-                                      <p:to>
-                                        <p:strVal val="visible"/>
-                                      </p:to>
-                                    </p:set>
-                                  </p:childTnLst>
-                                </p:cTn>
-                              </p:par>
-                              <p:par>
-                                <p:cTn id="11" presetID="1" presetClass="entr" presetSubtype="0" fill="hold" nodeType="withEffect">
-                                  <p:stCondLst>
-                                    <p:cond delay="0"/>
-                                  </p:stCondLst>
-                                  <p:childTnLst>
-                                    <p:set>
-                                      <p:cBhvr>
-                                        <p:cTn id="12" dur="1" fill="hold">
-                                          <p:stCondLst>
-                                            <p:cond delay="0"/>
-                                          </p:stCondLst>
-                                        </p:cTn>
-                                        <p:tgtEl>
-                                          <p:spTgt spid="6"/>
-                                        </p:tgtEl>
-                                        <p:attrNameLst>
-                                          <p:attrName>style.visibility</p:attrName>
-                                        </p:attrNameLst>
-                                      </p:cBhvr>
-                                      <p:to>
-                                        <p:strVal val="visible"/>
-                                      </p:to>
-                                    </p:set>
-                                  </p:childTnLst>
-                                </p:cTn>
-                              </p:par>
-                            </p:childTnLst>
-                          </p:cTn>
-                        </p:par>
-                      </p:childTnLst>
-                    </p:cTn>
-                  </p:par>
-                  <p:par>
-                    <p:cTn id="13" fill="hold">
-                      <p:stCondLst>
-                        <p:cond delay="indefinite"/>
-                      </p:stCondLst>
-                      <p:childTnLst>
-                        <p:par>
-                          <p:cTn id="14" fill="hold">
-                            <p:stCondLst>
-                              <p:cond delay="0"/>
-                            </p:stCondLst>
-                            <p:childTnLst>
-                              <p:par>
-                                <p:cTn id="15" presetID="1" presetClass="entr" presetSubtype="0" fill="hold" nodeType="clickEffect">
-                                  <p:stCondLst>
-                                    <p:cond delay="0"/>
-                                  </p:stCondLst>
-                                  <p:childTnLst>
-                                    <p:set>
-                                      <p:cBhvr>
-                                        <p:cTn id="16" dur="1" fill="hold">
-                                          <p:stCondLst>
-                                            <p:cond delay="0"/>
-                                          </p:stCondLst>
-                                        </p:cTn>
-                                        <p:tgtEl>
-                                          <p:spTgt spid="4">
-                                            <p:txEl>
-                                              <p:pRg st="4" end="4"/>
-                                            </p:txEl>
-                                          </p:spTgt>
-                                        </p:tgtEl>
-                                        <p:attrNameLst>
-                                          <p:attrName>style.visibility</p:attrName>
-                                        </p:attrNameLst>
-                                      </p:cBhvr>
-                                      <p:to>
-                                        <p:strVal val="visible"/>
-                                      </p:to>
-                                    </p:set>
-                                  </p:childTnLst>
-                                </p:cTn>
-                              </p:par>
-                            </p:childTnLst>
-                          </p:cTn>
-                        </p:par>
-                      </p:childTnLst>
-                    </p:cTn>
-                  </p:par>
-                  <p:par>
-                    <p:cTn id="17" fill="hold">
-                      <p:stCondLst>
-                        <p:cond delay="indefinite"/>
-                      </p:stCondLst>
-                      <p:childTnLst>
-                        <p:par>
-                          <p:cTn id="18" fill="hold">
-                            <p:stCondLst>
-                              <p:cond delay="0"/>
-                            </p:stCondLst>
-                            <p:childTnLst>
-                              <p:par>
-                                <p:cTn id="19" presetID="1" presetClass="entr" presetSubtype="0" fill="hold" nodeType="clickEffect">
-                                  <p:stCondLst>
-                                    <p:cond delay="0"/>
-                                  </p:stCondLst>
-                                  <p:childTnLst>
-                                    <p:set>
-                                      <p:cBhvr>
-                                        <p:cTn id="20" dur="1" fill="hold">
-                                          <p:stCondLst>
-                                            <p:cond delay="0"/>
-                                          </p:stCondLst>
-                                        </p:cTn>
-                                        <p:tgtEl>
-                                          <p:spTgt spid="4">
-                                            <p:txEl>
-                                              <p:pRg st="5" end="5"/>
-                                            </p:txEl>
-                                          </p:spTgt>
-                                        </p:tgtEl>
-                                        <p:attrNameLst>
-                                          <p:attrName>style.visibility</p:attrName>
-                                        </p:attrNameLst>
-                                      </p:cBhvr>
-                                      <p:to>
-                                        <p:strVal val="visible"/>
-                                      </p:to>
-                                    </p:set>
-                                  </p:childTnLst>
-                                </p:cTn>
-                              </p:par>
-                            </p:childTnLst>
-                          </p:cTn>
-                        </p:par>
-                      </p:childTnLst>
-                    </p:cTn>
-                  </p:par>
-                  <p:par>
-                    <p:cTn id="21" fill="hold">
-                      <p:stCondLst>
-                        <p:cond delay="indefinite"/>
-                      </p:stCondLst>
-                      <p:childTnLst>
-                        <p:par>
-                          <p:cTn id="22" fill="hold">
-                            <p:stCondLst>
-                              <p:cond delay="0"/>
-                            </p:stCondLst>
-                            <p:childTnLst>
-                              <p:par>
-                                <p:cTn id="23" presetID="1" presetClass="entr" presetSubtype="0" fill="hold" nodeType="clickEffect">
-                                  <p:stCondLst>
-                                    <p:cond delay="0"/>
-                                  </p:stCondLst>
-                                  <p:childTnLst>
-                                    <p:set>
-                                      <p:cBhvr>
-                                        <p:cTn id="24" dur="1" fill="hold">
-                                          <p:stCondLst>
-                                            <p:cond delay="0"/>
-                                          </p:stCondLst>
-                                        </p:cTn>
-                                        <p:tgtEl>
-                                          <p:spTgt spid="4">
-                                            <p:txEl>
-                                              <p:pRg st="6" end="6"/>
-                                            </p:txEl>
-                                          </p:spTgt>
-                                        </p:tgtEl>
-                                        <p:attrNameLst>
-                                          <p:attrName>style.visibility</p:attrName>
-                                        </p:attrNameLst>
-                                      </p:cBhvr>
-                                      <p:to>
-                                        <p:strVal val="visible"/>
-                                      </p:to>
-                                    </p:set>
-                                  </p:childTnLst>
-                                </p:cTn>
-                              </p:par>
-                            </p:childTnLst>
-                          </p:cTn>
-                        </p:par>
-                      </p:childTnLst>
-                    </p:cTn>
-                  </p:par>
-                  <p:par>
-                    <p:cTn id="25" fill="hold">
-                      <p:stCondLst>
-                        <p:cond delay="indefinite"/>
-                      </p:stCondLst>
-                      <p:childTnLst>
-                        <p:par>
-                          <p:cTn id="26" fill="hold">
-                            <p:stCondLst>
-                              <p:cond delay="0"/>
-                            </p:stCondLst>
-                            <p:childTnLst>
-                              <p:par>
-                                <p:cTn id="27" presetID="1" presetClass="entr" presetSubtype="0" fill="hold" nodeType="clickEffect">
-                                  <p:stCondLst>
-                                    <p:cond delay="0"/>
-                                  </p:stCondLst>
-                                  <p:childTnLst>
-                                    <p:set>
-                                      <p:cBhvr>
-                                        <p:cTn id="28" dur="1" fill="hold">
-                                          <p:stCondLst>
-                                            <p:cond delay="0"/>
-                                          </p:stCondLst>
-                                        </p:cTn>
-                                        <p:tgtEl>
-                                          <p:spTgt spid="4">
-                                            <p:txEl>
-                                              <p:pRg st="7" end="7"/>
-                                            </p:txEl>
-                                          </p:spTgt>
-                                        </p:tgtEl>
-                                        <p:attrNameLst>
-                                          <p:attrName>style.visibility</p:attrName>
-                                        </p:attrNameLst>
-                                      </p:cBhvr>
-                                      <p:to>
-                                        <p:strVal val="visible"/>
-                                      </p:to>
-                                    </p:set>
-                                  </p:childTnLst>
-                                </p:cTn>
-                              </p:par>
-                            </p:childTnLst>
-                          </p:cTn>
-                        </p:par>
-                      </p:childTnLst>
-                    </p:cTn>
-                  </p:par>
-                  <p:par>
-                    <p:cTn id="29" fill="hold">
-                      <p:stCondLst>
-                        <p:cond delay="indefinite"/>
-                      </p:stCondLst>
-                      <p:childTnLst>
-                        <p:par>
-                          <p:cTn id="30" fill="hold">
-                            <p:stCondLst>
-                              <p:cond delay="0"/>
-                            </p:stCondLst>
-                            <p:childTnLst>
-                              <p:par>
-                                <p:cTn id="31" presetID="1" presetClass="entr" presetSubtype="0" fill="hold" nodeType="clickEffect">
-                                  <p:stCondLst>
-                                    <p:cond delay="0"/>
-                                  </p:stCondLst>
-                                  <p:childTnLst>
-                                    <p:set>
-                                      <p:cBhvr>
-                                        <p:cTn id="32" dur="1" fill="hold">
-                                          <p:stCondLst>
-                                            <p:cond delay="0"/>
-                                          </p:stCondLst>
-                                        </p:cTn>
-                                        <p:tgtEl>
-                                          <p:spTgt spid="4">
-                                            <p:txEl>
-                                              <p:pRg st="8" end="8"/>
-                                            </p:txEl>
-                                          </p:spTgt>
-                                        </p:tgtEl>
-                                        <p:attrNameLst>
-                                          <p:attrName>style.visibility</p:attrName>
-                                        </p:attrNameLst>
-                                      </p:cBhvr>
-                                      <p:to>
-                                        <p:strVal val="visible"/>
-                                      </p:to>
-                                    </p:set>
-                                  </p:childTnLst>
-                                </p:cTn>
-                              </p:par>
-                            </p:childTnLst>
-                          </p:cTn>
-                        </p:par>
-                      </p:childTnLst>
-                    </p:cTn>
-                  </p:par>
-                  <p:par>
-                    <p:cTn id="33" fill="hold">
-                      <p:stCondLst>
-                        <p:cond delay="indefinite"/>
-                      </p:stCondLst>
-                      <p:childTnLst>
-                        <p:par>
-                          <p:cTn id="34" fill="hold">
-                            <p:stCondLst>
-                              <p:cond delay="0"/>
-                            </p:stCondLst>
-                            <p:childTnLst>
-                              <p:par>
-                                <p:cTn id="35" presetID="1" presetClass="entr" presetSubtype="0" fill="hold" nodeType="clickEffect">
-                                  <p:stCondLst>
-                                    <p:cond delay="0"/>
-                                  </p:stCondLst>
-                                  <p:childTnLst>
-                                    <p:set>
-                                      <p:cBhvr>
-                                        <p:cTn id="36" dur="1" fill="hold">
-                                          <p:stCondLst>
-                                            <p:cond delay="0"/>
-                                          </p:stCondLst>
-                                        </p:cTn>
-                                        <p:tgtEl>
-                                          <p:spTgt spid="4">
-                                            <p:txEl>
-                                              <p:pRg st="10" end="10"/>
-                                            </p:txEl>
-                                          </p:spTgt>
-                                        </p:tgtEl>
-                                        <p:attrNameLst>
-                                          <p:attrName>style.visibility</p:attrName>
-                                        </p:attrNameLst>
-                                      </p:cBhvr>
-                                      <p:to>
-                                        <p:strVal val="visible"/>
-                                      </p:to>
-                                    </p:set>
-                                  </p:childTnLst>
-                                </p:cTn>
-                              </p:par>
-                            </p:childTnLst>
-                          </p:cTn>
-                        </p:par>
-                      </p:childTnLst>
-                    </p:cTn>
-                  </p:par>
-                  <p:par>
-                    <p:cTn id="37" fill="hold">
-                      <p:stCondLst>
-                        <p:cond delay="indefinite"/>
-                      </p:stCondLst>
-                      <p:childTnLst>
-                        <p:par>
-                          <p:cTn id="38" fill="hold">
-                            <p:stCondLst>
-                              <p:cond delay="0"/>
-                            </p:stCondLst>
-                            <p:childTnLst>
-                              <p:par>
-                                <p:cTn id="39" presetID="1" presetClass="entr" presetSubtype="0" fill="hold" nodeType="clickEffect">
-                                  <p:stCondLst>
-                                    <p:cond delay="0"/>
-                                  </p:stCondLst>
-                                  <p:childTnLst>
-                                    <p:set>
-                                      <p:cBhvr>
-                                        <p:cTn id="40" dur="1" fill="hold">
-                                          <p:stCondLst>
-                                            <p:cond delay="0"/>
-                                          </p:stCondLst>
-                                        </p:cTn>
-                                        <p:tgtEl>
-                                          <p:spTgt spid="4">
-                                            <p:txEl>
-                                              <p:pRg st="12" end="12"/>
-                                            </p:txEl>
-                                          </p:spTgt>
-                                        </p:tgtEl>
-                                        <p:attrNameLst>
-                                          <p:attrName>style.visibility</p:attrName>
-                                        </p:attrNameLst>
-                                      </p:cBhvr>
-                                      <p:to>
-                                        <p:strVal val="visible"/>
-                                      </p:to>
-                                    </p:set>
-                                  </p:childTnLst>
-                                </p:cTn>
-                              </p:par>
-                            </p:childTnLst>
-                          </p:cTn>
-                        </p:par>
-                      </p:childTnLst>
-                    </p:cTn>
-                  </p:par>
-                  <p:par>
-                    <p:cTn id="41" fill="hold">
-                      <p:stCondLst>
-                        <p:cond delay="indefinite"/>
-                      </p:stCondLst>
-                      <p:childTnLst>
-                        <p:par>
-                          <p:cTn id="42" fill="hold">
-                            <p:stCondLst>
-                              <p:cond delay="0"/>
-                            </p:stCondLst>
-                            <p:childTnLst>
-                              <p:par>
-                                <p:cTn id="43" presetID="1" presetClass="entr" presetSubtype="0" fill="hold" nodeType="clickEffect">
-                                  <p:stCondLst>
-                                    <p:cond delay="0"/>
-                                  </p:stCondLst>
-                                  <p:childTnLst>
-                                    <p:set>
-                                      <p:cBhvr>
-                                        <p:cTn id="44" dur="1" fill="hold">
-                                          <p:stCondLst>
-                                            <p:cond delay="0"/>
-                                          </p:stCondLst>
-                                        </p:cTn>
-                                        <p:tgtEl>
-                                          <p:spTgt spid="4">
-                                            <p:txEl>
-                                              <p:pRg st="13" end="13"/>
-                                            </p:txEl>
-                                          </p:spTgt>
-                                        </p:tgtEl>
-                                        <p:attrNameLst>
-                                          <p:attrName>style.visibility</p:attrName>
-                                        </p:attrNameLst>
-                                      </p:cBhvr>
-                                      <p:to>
-                                        <p:strVal val="visible"/>
-                                      </p:to>
-                                    </p:set>
-                                  </p:childTnLst>
-                                </p:cTn>
-                              </p:par>
-                            </p:childTnLst>
-                          </p:cTn>
-                        </p:par>
-                      </p:childTnLst>
-                    </p:cTn>
-                  </p:par>
-                  <p:par>
-                    <p:cTn id="45" fill="hold">
-                      <p:stCondLst>
-                        <p:cond delay="indefinite"/>
-                      </p:stCondLst>
-                      <p:childTnLst>
-                        <p:par>
-                          <p:cTn id="46" fill="hold">
-                            <p:stCondLst>
-                              <p:cond delay="0"/>
-                            </p:stCondLst>
-                            <p:childTnLst>
-                              <p:par>
-                                <p:cTn id="47" presetID="1" presetClass="entr" presetSubtype="0" fill="hold" nodeType="clickEffect">
-                                  <p:stCondLst>
-                                    <p:cond delay="0"/>
-                                  </p:stCondLst>
-                                  <p:childTnLst>
-                                    <p:set>
-                                      <p:cBhvr>
-                                        <p:cTn id="48" dur="1" fill="hold">
-                                          <p:stCondLst>
-                                            <p:cond delay="0"/>
-                                          </p:stCondLst>
-                                        </p:cTn>
-                                        <p:tgtEl>
-                                          <p:spTgt spid="4">
-                                            <p:txEl>
-                                              <p:pRg st="14" end="14"/>
-                                            </p:txEl>
-                                          </p:spTgt>
-                                        </p:tgtEl>
-                                        <p:attrNameLst>
-                                          <p:attrName>style.visibility</p:attrName>
-                                        </p:attrNameLst>
-                                      </p:cBhvr>
-                                      <p:to>
-                                        <p:strVal val="visible"/>
-                                      </p:to>
-                                    </p:set>
-                                  </p:childTnLst>
-                                </p:cTn>
-                              </p:par>
-                            </p:childTnLst>
-                          </p:cTn>
-                        </p:par>
-                      </p:childTnLst>
-                    </p:cTn>
-                  </p:par>
-                </p:childTnLst>
-              </p:cTn>
-              <p:prevCondLst>
-                <p:cond evt="onPrev" delay="0">
-                  <p:tgtEl>
-                    <p:sldTgt/>
-                  </p:tgtEl>
-                </p:cond>
-              </p:prevCondLst>
-              <p:nextCondLst>
-                <p:cond evt="onNext" delay="0">
-                  <p:tgtEl>
-                    <p:sldTgt/>
-                  </p:tgtEl>
-                </p:cond>
-              </p:nextCondLst>
-            </p:seq>
-          </p:childTnLst>
-        </p:cTn>
-      </p:par>
-    </p:tnLst>
-  </p:timing>
 </p:sld>
 </file>
 
-<file path=ppt/slides/slide5.xml><?xml version="1.0" encoding="utf-8"?>
+<file path=ppt/slides/slide13.xml><?xml version="1.0" encoding="utf-8"?>
 <p:sld xmlns:a="http://schemas.openxmlformats.org/drawingml/2006/main" xmlns:r="http://schemas.openxmlformats.org/officeDocument/2006/relationships" xmlns:p="http://schemas.openxmlformats.org/presentationml/2006/main">
   <p:cSld>
     <p:spTree>
@@ -5367,90 +3613,40 @@
           <a:chExt cx="0" cy="0"/>
         </a:xfrm>
       </p:grpSpPr>
-      <p:sp>
-        <p:nvSpPr>
-          <p:cNvPr id="2" name="Title 1">
-            <a:extLst>
-              <a:ext uri="{FF2B5EF4-FFF2-40B4-BE49-F238E27FC236}">
-                <a16:creationId xmlns:a16="http://schemas.microsoft.com/office/drawing/2014/main" id="{3DFDFE6E-0F70-4498-A727-114AF49CE2A5}"/>
-              </a:ext>
-            </a:extLst>
-          </p:cNvPr>
-          <p:cNvSpPr>
-            <a:spLocks noGrp="1"/>
-          </p:cNvSpPr>
-          <p:nvPr>
-            <p:ph type="ctrTitle"/>
-          </p:nvPr>
-        </p:nvSpPr>
+      <p:pic>
+        <p:nvPicPr>
+          <p:cNvPr id="2" name="Picture 1">
+            <a:extLst>
+              <a:ext uri="{FF2B5EF4-FFF2-40B4-BE49-F238E27FC236}">
+                <a16:creationId xmlns:a16="http://schemas.microsoft.com/office/drawing/2014/main" id="{1FBDE9BB-466B-47FF-A4B8-5487B55B9467}"/>
+              </a:ext>
+            </a:extLst>
+          </p:cNvPr>
+          <p:cNvPicPr>
+            <a:picLocks noChangeAspect="1"/>
+          </p:cNvPicPr>
+          <p:nvPr/>
+        </p:nvPicPr>
+        <p:blipFill>
+          <a:blip r:embed="rId2"/>
+          <a:stretch>
+            <a:fillRect/>
+          </a:stretch>
+        </p:blipFill>
         <p:spPr>
           <a:xfrm>
-            <a:off x="433430" y="-310392"/>
-            <a:ext cx="10472257" cy="3236053"/>
+            <a:off x="1542426" y="335416"/>
+            <a:ext cx="8608843" cy="6187168"/>
           </a:xfrm>
+          <a:prstGeom prst="rect">
+            <a:avLst/>
+          </a:prstGeom>
         </p:spPr>
-        <p:txBody>
-          <a:bodyPr>
-            <a:normAutofit/>
-          </a:bodyPr>
-          <a:lstStyle/>
-          <a:p>
-            <a:br>
-              <a:rPr lang="en-US" dirty="0"/>
-            </a:br>
-            <a:br>
-              <a:rPr lang="en-US" dirty="0"/>
-            </a:br>
-            <a:r>
-              <a:rPr lang="en-US" dirty="0"/>
-              <a:t>MATH 135: Lecture 4</a:t>
-            </a:r>
-          </a:p>
-        </p:txBody>
-      </p:sp>
-      <p:sp>
-        <p:nvSpPr>
-          <p:cNvPr id="3" name="Subtitle 2">
-            <a:extLst>
-              <a:ext uri="{FF2B5EF4-FFF2-40B4-BE49-F238E27FC236}">
-                <a16:creationId xmlns:a16="http://schemas.microsoft.com/office/drawing/2014/main" id="{B9191896-C725-462F-BB08-4D8D8507E31D}"/>
-              </a:ext>
-            </a:extLst>
-          </p:cNvPr>
-          <p:cNvSpPr>
-            <a:spLocks noGrp="1"/>
-          </p:cNvSpPr>
-          <p:nvPr>
-            <p:ph type="subTitle" idx="1"/>
-          </p:nvPr>
-        </p:nvSpPr>
-        <p:spPr>
-          <a:xfrm>
-            <a:off x="1038835" y="3518148"/>
-            <a:ext cx="9144000" cy="1655762"/>
-          </a:xfrm>
-        </p:spPr>
-        <p:txBody>
-          <a:bodyPr/>
-          <a:lstStyle/>
-          <a:p>
-            <a:r>
-              <a:rPr lang="en-US" sz="4000" dirty="0"/>
-              <a:t>Dr. Nike Dattani</a:t>
-            </a:r>
-          </a:p>
-          <a:p>
-            <a:r>
-              <a:rPr lang="en-US" dirty="0"/>
-              <a:t>14 September 2021</a:t>
-            </a:r>
-          </a:p>
-        </p:txBody>
-      </p:sp>
+      </p:pic>
     </p:spTree>
     <p:extLst>
       <p:ext uri="{BB962C8B-B14F-4D97-AF65-F5344CB8AC3E}">
-        <p14:creationId xmlns:p14="http://schemas.microsoft.com/office/powerpoint/2010/main" val="2485455611"/>
+        <p14:creationId xmlns:p14="http://schemas.microsoft.com/office/powerpoint/2010/main" val="785780982"/>
       </p:ext>
     </p:extLst>
   </p:cSld>
@@ -5460,7 +3656,7 @@
 </p:sld>
 </file>
 
-<file path=ppt/slides/slide6.xml><?xml version="1.0" encoding="utf-8"?>
+<file path=ppt/slides/slide14.xml><?xml version="1.0" encoding="utf-8"?>
 <p:sld xmlns:a="http://schemas.openxmlformats.org/drawingml/2006/main" xmlns:r="http://schemas.openxmlformats.org/officeDocument/2006/relationships" xmlns:p="http://schemas.openxmlformats.org/presentationml/2006/main">
   <p:cSld>
     <p:spTree>
@@ -5477,146 +3673,40 @@
           <a:chExt cx="0" cy="0"/>
         </a:xfrm>
       </p:grpSpPr>
-      <p:sp>
-        <p:nvSpPr>
-          <p:cNvPr id="4" name="TextBox 3">
-            <a:extLst>
-              <a:ext uri="{FF2B5EF4-FFF2-40B4-BE49-F238E27FC236}">
-                <a16:creationId xmlns:a16="http://schemas.microsoft.com/office/drawing/2014/main" id="{0E4E45B2-07CC-43F3-92B9-C70644650306}"/>
-              </a:ext>
-            </a:extLst>
-          </p:cNvPr>
-          <p:cNvSpPr txBox="1"/>
+      <p:pic>
+        <p:nvPicPr>
+          <p:cNvPr id="3" name="Picture 2">
+            <a:extLst>
+              <a:ext uri="{FF2B5EF4-FFF2-40B4-BE49-F238E27FC236}">
+                <a16:creationId xmlns:a16="http://schemas.microsoft.com/office/drawing/2014/main" id="{7A26CE20-3AD4-472A-A51C-D48E4EAAB269}"/>
+              </a:ext>
+            </a:extLst>
+          </p:cNvPr>
+          <p:cNvPicPr>
+            <a:picLocks noChangeAspect="1"/>
+          </p:cNvPicPr>
           <p:nvPr/>
-        </p:nvSpPr>
+        </p:nvPicPr>
+        <p:blipFill>
+          <a:blip r:embed="rId2"/>
+          <a:stretch>
+            <a:fillRect/>
+          </a:stretch>
+        </p:blipFill>
         <p:spPr>
           <a:xfrm>
-            <a:off x="247476" y="912820"/>
-            <a:ext cx="11944524" cy="3393237"/>
+            <a:off x="1531916" y="269752"/>
+            <a:ext cx="8739868" cy="6318495"/>
           </a:xfrm>
           <a:prstGeom prst="rect">
             <a:avLst/>
           </a:prstGeom>
-          <a:noFill/>
         </p:spPr>
-        <p:txBody>
-          <a:bodyPr wrap="square" rtlCol="0">
-            <a:spAutoFit/>
-          </a:bodyPr>
-          <a:lstStyle/>
-          <a:p>
-            <a:pPr marL="285750" indent="-285750">
-              <a:buFont typeface="Arial" panose="020B0604020202020204" pitchFamily="34" charset="0"/>
-              <a:buChar char="•"/>
-            </a:pPr>
-            <a:r>
-              <a:rPr lang="en-US" sz="2800" dirty="0"/>
-              <a:t>Do not use “</a:t>
-            </a:r>
-            <a:r>
-              <a:rPr lang="en-US" sz="2800" dirty="0" err="1"/>
-              <a:t>s.t.</a:t>
-            </a:r>
-            <a:r>
-              <a:rPr lang="en-US" sz="2800" dirty="0"/>
-              <a:t>”  but you can instead use a comma. </a:t>
-            </a:r>
-          </a:p>
-          <a:p>
-            <a:pPr marL="285750" indent="-285750">
-              <a:buFont typeface="Arial" panose="020B0604020202020204" pitchFamily="34" charset="0"/>
-              <a:buChar char="•"/>
-            </a:pPr>
-            <a:endParaRPr lang="en-US" sz="2800" dirty="0"/>
-          </a:p>
-          <a:p>
-            <a:pPr marL="285750" indent="-285750">
-              <a:buFont typeface="Arial" panose="020B0604020202020204" pitchFamily="34" charset="0"/>
-              <a:buChar char="•"/>
-            </a:pPr>
-            <a:endParaRPr lang="en-US" sz="2800" dirty="0"/>
-          </a:p>
-          <a:p>
-            <a:pPr marL="285750" indent="-285750">
-              <a:buFont typeface="Arial" panose="020B0604020202020204" pitchFamily="34" charset="0"/>
-              <a:buChar char="•"/>
-            </a:pPr>
-            <a:endParaRPr lang="en-US" sz="2800" dirty="0"/>
-          </a:p>
-          <a:p>
-            <a:pPr marL="285750" indent="-285750">
-              <a:buFont typeface="Arial" panose="020B0604020202020204" pitchFamily="34" charset="0"/>
-              <a:buChar char="•"/>
-            </a:pPr>
-            <a:endParaRPr lang="en-US" sz="2800" dirty="0"/>
-          </a:p>
-          <a:p>
-            <a:pPr marL="285750" indent="-285750">
-              <a:buFont typeface="Arial" panose="020B0604020202020204" pitchFamily="34" charset="0"/>
-              <a:buChar char="•"/>
-            </a:pPr>
-            <a:endParaRPr lang="en-US" sz="2800" dirty="0"/>
-          </a:p>
-          <a:p>
-            <a:pPr marL="285750" indent="-285750">
-              <a:buFont typeface="Arial" panose="020B0604020202020204" pitchFamily="34" charset="0"/>
-              <a:buChar char="•"/>
-            </a:pPr>
-            <a:endParaRPr lang="en-US" sz="1050" dirty="0"/>
-          </a:p>
-          <a:p>
-            <a:pPr lvl="1"/>
-            <a:endParaRPr lang="en-US" b="1" dirty="0">
-              <a:solidFill>
-                <a:srgbClr val="00B0F0"/>
-              </a:solidFill>
-            </a:endParaRPr>
-          </a:p>
-          <a:p>
-            <a:pPr lvl="1"/>
-            <a:endParaRPr lang="en-US" dirty="0"/>
-          </a:p>
-        </p:txBody>
-      </p:sp>
-      <p:sp>
-        <p:nvSpPr>
-          <p:cNvPr id="7" name="Subtitle 2">
-            <a:extLst>
-              <a:ext uri="{FF2B5EF4-FFF2-40B4-BE49-F238E27FC236}">
-                <a16:creationId xmlns:a16="http://schemas.microsoft.com/office/drawing/2014/main" id="{1B5C20C4-9C7B-4DCE-9AB6-AB8BA3CE0178}"/>
-              </a:ext>
-            </a:extLst>
-          </p:cNvPr>
-          <p:cNvSpPr>
-            <a:spLocks noGrp="1"/>
-          </p:cNvSpPr>
-          <p:nvPr>
-            <p:ph type="subTitle" idx="1"/>
-          </p:nvPr>
-        </p:nvSpPr>
-        <p:spPr>
-          <a:xfrm>
-            <a:off x="159391" y="85471"/>
-            <a:ext cx="11785133" cy="827349"/>
-          </a:xfrm>
-        </p:spPr>
-        <p:txBody>
-          <a:bodyPr>
-            <a:normAutofit/>
-          </a:bodyPr>
-          <a:lstStyle/>
-          <a:p>
-            <a:r>
-              <a:rPr lang="en-US" sz="4400" u="sng" dirty="0"/>
-              <a:t>Tips for MATH 135!</a:t>
-            </a:r>
-          </a:p>
-        </p:txBody>
-      </p:sp>
+      </p:pic>
     </p:spTree>
     <p:extLst>
       <p:ext uri="{BB962C8B-B14F-4D97-AF65-F5344CB8AC3E}">
-        <p14:creationId xmlns:p14="http://schemas.microsoft.com/office/powerpoint/2010/main" val="2586876365"/>
+        <p14:creationId xmlns:p14="http://schemas.microsoft.com/office/powerpoint/2010/main" val="1238544444"/>
       </p:ext>
     </p:extLst>
   </p:cSld>
@@ -5626,7 +3716,67 @@
 </p:sld>
 </file>
 
-<file path=ppt/slides/slide7.xml><?xml version="1.0" encoding="utf-8"?>
+<file path=ppt/slides/slide15.xml><?xml version="1.0" encoding="utf-8"?>
+<p:sld xmlns:a="http://schemas.openxmlformats.org/drawingml/2006/main" xmlns:r="http://schemas.openxmlformats.org/officeDocument/2006/relationships" xmlns:p="http://schemas.openxmlformats.org/presentationml/2006/main">
+  <p:cSld>
+    <p:spTree>
+      <p:nvGrpSpPr>
+        <p:cNvPr id="1" name=""/>
+        <p:cNvGrpSpPr/>
+        <p:nvPr/>
+      </p:nvGrpSpPr>
+      <p:grpSpPr>
+        <a:xfrm>
+          <a:off x="0" y="0"/>
+          <a:ext cx="0" cy="0"/>
+          <a:chOff x="0" y="0"/>
+          <a:chExt cx="0" cy="0"/>
+        </a:xfrm>
+      </p:grpSpPr>
+      <p:pic>
+        <p:nvPicPr>
+          <p:cNvPr id="2" name="Picture 1">
+            <a:extLst>
+              <a:ext uri="{FF2B5EF4-FFF2-40B4-BE49-F238E27FC236}">
+                <a16:creationId xmlns:a16="http://schemas.microsoft.com/office/drawing/2014/main" id="{4F4B10D9-473E-43E9-B13B-6DDCBA152F4E}"/>
+              </a:ext>
+            </a:extLst>
+          </p:cNvPr>
+          <p:cNvPicPr>
+            <a:picLocks noChangeAspect="1"/>
+          </p:cNvPicPr>
+          <p:nvPr/>
+        </p:nvPicPr>
+        <p:blipFill>
+          <a:blip r:embed="rId2"/>
+          <a:stretch>
+            <a:fillRect/>
+          </a:stretch>
+        </p:blipFill>
+        <p:spPr>
+          <a:xfrm>
+            <a:off x="1552387" y="123344"/>
+            <a:ext cx="9087226" cy="6611312"/>
+          </a:xfrm>
+          <a:prstGeom prst="rect">
+            <a:avLst/>
+          </a:prstGeom>
+        </p:spPr>
+      </p:pic>
+    </p:spTree>
+    <p:extLst>
+      <p:ext uri="{BB962C8B-B14F-4D97-AF65-F5344CB8AC3E}">
+        <p14:creationId xmlns:p14="http://schemas.microsoft.com/office/powerpoint/2010/main" val="3623095357"/>
+      </p:ext>
+    </p:extLst>
+  </p:cSld>
+  <p:clrMapOvr>
+    <a:masterClrMapping/>
+  </p:clrMapOvr>
+</p:sld>
+</file>
+
+<file path=ppt/slides/slide16.xml><?xml version="1.0" encoding="utf-8"?>
 <p:sld xmlns:a="http://schemas.openxmlformats.org/drawingml/2006/main" xmlns:r="http://schemas.openxmlformats.org/officeDocument/2006/relationships" xmlns:p="http://schemas.openxmlformats.org/presentationml/2006/main">
   <p:cSld>
     <p:spTree>
@@ -6526,7 +4676,7 @@
 </p:sld>
 </file>
 
-<file path=ppt/slides/slide8.xml><?xml version="1.0" encoding="utf-8"?>
+<file path=ppt/slides/slide17.xml><?xml version="1.0" encoding="utf-8"?>
 <p:sld xmlns:a="http://schemas.openxmlformats.org/drawingml/2006/main" xmlns:r="http://schemas.openxmlformats.org/officeDocument/2006/relationships" xmlns:p="http://schemas.openxmlformats.org/presentationml/2006/main">
   <p:cSld>
     <p:spTree>
@@ -8018,6 +6168,2465 @@
 </p:sld>
 </file>
 
+<file path=ppt/slides/slide2.xml><?xml version="1.0" encoding="utf-8"?>
+<p:sld xmlns:a="http://schemas.openxmlformats.org/drawingml/2006/main" xmlns:r="http://schemas.openxmlformats.org/officeDocument/2006/relationships" xmlns:p="http://schemas.openxmlformats.org/presentationml/2006/main">
+  <p:cSld>
+    <p:spTree>
+      <p:nvGrpSpPr>
+        <p:cNvPr id="1" name=""/>
+        <p:cNvGrpSpPr/>
+        <p:nvPr/>
+      </p:nvGrpSpPr>
+      <p:grpSpPr>
+        <a:xfrm>
+          <a:off x="0" y="0"/>
+          <a:ext cx="0" cy="0"/>
+          <a:chOff x="0" y="0"/>
+          <a:chExt cx="0" cy="0"/>
+        </a:xfrm>
+      </p:grpSpPr>
+      <p:sp>
+        <p:nvSpPr>
+          <p:cNvPr id="2" name="Title 1">
+            <a:extLst>
+              <a:ext uri="{FF2B5EF4-FFF2-40B4-BE49-F238E27FC236}">
+                <a16:creationId xmlns:a16="http://schemas.microsoft.com/office/drawing/2014/main" id="{3DFDFE6E-0F70-4498-A727-114AF49CE2A5}"/>
+              </a:ext>
+            </a:extLst>
+          </p:cNvPr>
+          <p:cNvSpPr>
+            <a:spLocks noGrp="1"/>
+          </p:cNvSpPr>
+          <p:nvPr>
+            <p:ph type="ctrTitle"/>
+          </p:nvPr>
+        </p:nvSpPr>
+        <p:spPr>
+          <a:xfrm>
+            <a:off x="433430" y="-310392"/>
+            <a:ext cx="10472257" cy="3236053"/>
+          </a:xfrm>
+        </p:spPr>
+        <p:txBody>
+          <a:bodyPr>
+            <a:normAutofit/>
+          </a:bodyPr>
+          <a:lstStyle/>
+          <a:p>
+            <a:br>
+              <a:rPr lang="en-US" dirty="0"/>
+            </a:br>
+            <a:br>
+              <a:rPr lang="en-US" dirty="0"/>
+            </a:br>
+            <a:r>
+              <a:rPr lang="en-US" dirty="0"/>
+              <a:t>MATH 135: Lecture 4</a:t>
+            </a:r>
+          </a:p>
+        </p:txBody>
+      </p:sp>
+      <p:sp>
+        <p:nvSpPr>
+          <p:cNvPr id="3" name="Subtitle 2">
+            <a:extLst>
+              <a:ext uri="{FF2B5EF4-FFF2-40B4-BE49-F238E27FC236}">
+                <a16:creationId xmlns:a16="http://schemas.microsoft.com/office/drawing/2014/main" id="{B9191896-C725-462F-BB08-4D8D8507E31D}"/>
+              </a:ext>
+            </a:extLst>
+          </p:cNvPr>
+          <p:cNvSpPr>
+            <a:spLocks noGrp="1"/>
+          </p:cNvSpPr>
+          <p:nvPr>
+            <p:ph type="subTitle" idx="1"/>
+          </p:nvPr>
+        </p:nvSpPr>
+        <p:spPr>
+          <a:xfrm>
+            <a:off x="1038835" y="3518148"/>
+            <a:ext cx="9144000" cy="1655762"/>
+          </a:xfrm>
+        </p:spPr>
+        <p:txBody>
+          <a:bodyPr/>
+          <a:lstStyle/>
+          <a:p>
+            <a:r>
+              <a:rPr lang="en-US" sz="4000" dirty="0"/>
+              <a:t>Dr. Nike Dattani</a:t>
+            </a:r>
+          </a:p>
+          <a:p>
+            <a:r>
+              <a:rPr lang="en-US" dirty="0"/>
+              <a:t>14 September 2021</a:t>
+            </a:r>
+          </a:p>
+        </p:txBody>
+      </p:sp>
+    </p:spTree>
+    <p:extLst>
+      <p:ext uri="{BB962C8B-B14F-4D97-AF65-F5344CB8AC3E}">
+        <p14:creationId xmlns:p14="http://schemas.microsoft.com/office/powerpoint/2010/main" val="2485455611"/>
+      </p:ext>
+    </p:extLst>
+  </p:cSld>
+  <p:clrMapOvr>
+    <a:masterClrMapping/>
+  </p:clrMapOvr>
+</p:sld>
+</file>
+
+<file path=ppt/slides/slide3.xml><?xml version="1.0" encoding="utf-8"?>
+<p:sld xmlns:a="http://schemas.openxmlformats.org/drawingml/2006/main" xmlns:r="http://schemas.openxmlformats.org/officeDocument/2006/relationships" xmlns:p="http://schemas.openxmlformats.org/presentationml/2006/main">
+  <p:cSld>
+    <p:spTree>
+      <p:nvGrpSpPr>
+        <p:cNvPr id="1" name=""/>
+        <p:cNvGrpSpPr/>
+        <p:nvPr/>
+      </p:nvGrpSpPr>
+      <p:grpSpPr>
+        <a:xfrm>
+          <a:off x="0" y="0"/>
+          <a:ext cx="0" cy="0"/>
+          <a:chOff x="0" y="0"/>
+          <a:chExt cx="0" cy="0"/>
+        </a:xfrm>
+      </p:grpSpPr>
+      <p:sp>
+        <p:nvSpPr>
+          <p:cNvPr id="2" name="Title 1">
+            <a:extLst>
+              <a:ext uri="{FF2B5EF4-FFF2-40B4-BE49-F238E27FC236}">
+                <a16:creationId xmlns:a16="http://schemas.microsoft.com/office/drawing/2014/main" id="{3DFDFE6E-0F70-4498-A727-114AF49CE2A5}"/>
+              </a:ext>
+            </a:extLst>
+          </p:cNvPr>
+          <p:cNvSpPr>
+            <a:spLocks noGrp="1"/>
+          </p:cNvSpPr>
+          <p:nvPr>
+            <p:ph type="ctrTitle"/>
+          </p:nvPr>
+        </p:nvSpPr>
+        <p:spPr>
+          <a:xfrm>
+            <a:off x="366318" y="427839"/>
+            <a:ext cx="10472257" cy="3236053"/>
+          </a:xfrm>
+        </p:spPr>
+        <p:txBody>
+          <a:bodyPr>
+            <a:normAutofit/>
+          </a:bodyPr>
+          <a:lstStyle/>
+          <a:p>
+            <a:br>
+              <a:rPr lang="en-US" dirty="0"/>
+            </a:br>
+            <a:br>
+              <a:rPr lang="en-US" dirty="0"/>
+            </a:br>
+            <a:endParaRPr lang="en-US" dirty="0"/>
+          </a:p>
+        </p:txBody>
+      </p:sp>
+      <p:sp>
+        <p:nvSpPr>
+          <p:cNvPr id="3" name="Subtitle 2">
+            <a:extLst>
+              <a:ext uri="{FF2B5EF4-FFF2-40B4-BE49-F238E27FC236}">
+                <a16:creationId xmlns:a16="http://schemas.microsoft.com/office/drawing/2014/main" id="{B9191896-C725-462F-BB08-4D8D8507E31D}"/>
+              </a:ext>
+            </a:extLst>
+          </p:cNvPr>
+          <p:cNvSpPr>
+            <a:spLocks noGrp="1"/>
+          </p:cNvSpPr>
+          <p:nvPr>
+            <p:ph type="subTitle" idx="1"/>
+          </p:nvPr>
+        </p:nvSpPr>
+        <p:spPr>
+          <a:xfrm>
+            <a:off x="1030446" y="8483"/>
+            <a:ext cx="9144000" cy="827349"/>
+          </a:xfrm>
+        </p:spPr>
+        <p:txBody>
+          <a:bodyPr>
+            <a:normAutofit/>
+          </a:bodyPr>
+          <a:lstStyle/>
+          <a:p>
+            <a:r>
+              <a:rPr lang="en-US" sz="4400" u="sng" dirty="0"/>
+              <a:t>Upcoming responsibilities!</a:t>
+            </a:r>
+          </a:p>
+        </p:txBody>
+      </p:sp>
+      <p:sp>
+        <p:nvSpPr>
+          <p:cNvPr id="4" name="TextBox 3">
+            <a:extLst>
+              <a:ext uri="{FF2B5EF4-FFF2-40B4-BE49-F238E27FC236}">
+                <a16:creationId xmlns:a16="http://schemas.microsoft.com/office/drawing/2014/main" id="{0E4E45B2-07CC-43F3-92B9-C70644650306}"/>
+              </a:ext>
+            </a:extLst>
+          </p:cNvPr>
+          <p:cNvSpPr txBox="1"/>
+          <p:nvPr/>
+        </p:nvSpPr>
+        <p:spPr>
+          <a:xfrm>
+            <a:off x="133928" y="835832"/>
+            <a:ext cx="11924144" cy="7109639"/>
+          </a:xfrm>
+          <a:prstGeom prst="rect">
+            <a:avLst/>
+          </a:prstGeom>
+          <a:noFill/>
+        </p:spPr>
+        <p:txBody>
+          <a:bodyPr wrap="square" rtlCol="0">
+            <a:spAutoFit/>
+          </a:bodyPr>
+          <a:lstStyle/>
+          <a:p>
+            <a:pPr marL="285750" indent="-285750">
+              <a:buFont typeface="Arial" panose="020B0604020202020204" pitchFamily="34" charset="0"/>
+              <a:buChar char="•"/>
+            </a:pPr>
+            <a:endParaRPr lang="en-US" sz="200" dirty="0"/>
+          </a:p>
+          <a:p>
+            <a:pPr marL="742950" lvl="1" indent="-285750">
+              <a:buFont typeface="Arial" panose="020B0604020202020204" pitchFamily="34" charset="0"/>
+              <a:buChar char="•"/>
+            </a:pPr>
+            <a:endParaRPr lang="en-US" sz="200" b="1" dirty="0">
+              <a:solidFill>
+                <a:srgbClr val="FF0000"/>
+              </a:solidFill>
+            </a:endParaRPr>
+          </a:p>
+          <a:p>
+            <a:pPr marL="285750" indent="-285750">
+              <a:buFont typeface="Arial" panose="020B0604020202020204" pitchFamily="34" charset="0"/>
+              <a:buChar char="•"/>
+            </a:pPr>
+            <a:r>
+              <a:rPr lang="en-US" sz="2800" u="sng" dirty="0"/>
+              <a:t>Friday 17 September before class:</a:t>
+            </a:r>
+          </a:p>
+          <a:p>
+            <a:pPr marL="742950" lvl="1" indent="-285750">
+              <a:buFont typeface="Arial" panose="020B0604020202020204" pitchFamily="34" charset="0"/>
+              <a:buChar char="•"/>
+            </a:pPr>
+            <a:r>
+              <a:rPr lang="en-US" sz="2800" dirty="0"/>
+              <a:t>Complete </a:t>
+            </a:r>
+            <a:r>
+              <a:rPr lang="en-US" sz="2800" dirty="0">
+                <a:solidFill>
+                  <a:srgbClr val="7030A0"/>
+                </a:solidFill>
+              </a:rPr>
+              <a:t>reading Chapter 2 </a:t>
+            </a:r>
+            <a:r>
+              <a:rPr lang="en-US" sz="2800" dirty="0"/>
+              <a:t>of the course notes</a:t>
+            </a:r>
+          </a:p>
+          <a:p>
+            <a:pPr marL="285750" indent="-285750">
+              <a:buFont typeface="Arial" panose="020B0604020202020204" pitchFamily="34" charset="0"/>
+              <a:buChar char="•"/>
+            </a:pPr>
+            <a:r>
+              <a:rPr lang="en-US" sz="2800" u="sng" dirty="0"/>
+              <a:t>Friday 17 September:</a:t>
+            </a:r>
+          </a:p>
+          <a:p>
+            <a:pPr marL="742950" lvl="1" indent="-285750">
+              <a:buFont typeface="Arial" panose="020B0604020202020204" pitchFamily="34" charset="0"/>
+              <a:buChar char="•"/>
+            </a:pPr>
+            <a:r>
+              <a:rPr lang="en-US" sz="2800" dirty="0"/>
+              <a:t>Complete </a:t>
+            </a:r>
+            <a:r>
+              <a:rPr lang="en-US" sz="2800" dirty="0">
+                <a:solidFill>
+                  <a:srgbClr val="00B0F0"/>
+                </a:solidFill>
+              </a:rPr>
+              <a:t>Mobius Quiz 3</a:t>
+            </a:r>
+            <a:r>
+              <a:rPr lang="en-US" sz="2800" dirty="0"/>
+              <a:t>: MQ3</a:t>
+            </a:r>
+            <a:endParaRPr lang="en-US" sz="2800" b="1" dirty="0">
+              <a:solidFill>
+                <a:srgbClr val="FF0000"/>
+              </a:solidFill>
+            </a:endParaRPr>
+          </a:p>
+          <a:p>
+            <a:pPr marL="285750" indent="-285750">
+              <a:buFont typeface="Arial" panose="020B0604020202020204" pitchFamily="34" charset="0"/>
+              <a:buChar char="•"/>
+            </a:pPr>
+            <a:r>
+              <a:rPr lang="en-US" sz="2800" u="sng" dirty="0"/>
+              <a:t>Sunday 19 September:</a:t>
+            </a:r>
+          </a:p>
+          <a:p>
+            <a:pPr marL="742950" lvl="1" indent="-285750">
+              <a:buFont typeface="Arial" panose="020B0604020202020204" pitchFamily="34" charset="0"/>
+              <a:buChar char="•"/>
+            </a:pPr>
+            <a:r>
+              <a:rPr lang="en-US" sz="2800" dirty="0"/>
+              <a:t>Complete </a:t>
+            </a:r>
+            <a:r>
+              <a:rPr lang="en-US" sz="2800" dirty="0">
+                <a:solidFill>
+                  <a:srgbClr val="7030A0"/>
+                </a:solidFill>
+              </a:rPr>
+              <a:t>reading</a:t>
+            </a:r>
+            <a:r>
+              <a:rPr lang="en-US" sz="2800" dirty="0"/>
+              <a:t> up to the end of </a:t>
+            </a:r>
+            <a:r>
+              <a:rPr lang="en-US" sz="2800" dirty="0">
+                <a:solidFill>
+                  <a:srgbClr val="7030A0"/>
+                </a:solidFill>
+              </a:rPr>
+              <a:t>Section 0.2 (Polynomials)</a:t>
+            </a:r>
+          </a:p>
+          <a:p>
+            <a:pPr marL="742950" lvl="1" indent="-285750">
+              <a:buFont typeface="Arial" panose="020B0604020202020204" pitchFamily="34" charset="0"/>
+              <a:buChar char="•"/>
+            </a:pPr>
+            <a:r>
+              <a:rPr lang="en-US" sz="2800" dirty="0"/>
+              <a:t>There’s a question on next MQ based on the polynomials reading!</a:t>
+            </a:r>
+          </a:p>
+          <a:p>
+            <a:pPr marL="285750" indent="-285750">
+              <a:buFont typeface="Arial" panose="020B0604020202020204" pitchFamily="34" charset="0"/>
+              <a:buChar char="•"/>
+            </a:pPr>
+            <a:r>
+              <a:rPr lang="en-US" sz="2800" u="sng" dirty="0"/>
+              <a:t>Monday 20 September:</a:t>
+            </a:r>
+          </a:p>
+          <a:p>
+            <a:pPr marL="742950" lvl="1" indent="-285750">
+              <a:buFont typeface="Arial" panose="020B0604020202020204" pitchFamily="34" charset="0"/>
+              <a:buChar char="•"/>
+            </a:pPr>
+            <a:r>
+              <a:rPr lang="en-US" sz="2800" dirty="0"/>
+              <a:t>Complete </a:t>
+            </a:r>
+            <a:r>
+              <a:rPr lang="en-US" sz="2800" dirty="0">
+                <a:solidFill>
+                  <a:srgbClr val="00B0F0"/>
+                </a:solidFill>
+              </a:rPr>
+              <a:t>Mobius Quiz 4</a:t>
+            </a:r>
+            <a:r>
+              <a:rPr lang="en-US" sz="2800" dirty="0"/>
+              <a:t>: MQ4</a:t>
+            </a:r>
+          </a:p>
+          <a:p>
+            <a:pPr marL="285750" indent="-285750">
+              <a:buFont typeface="Arial" panose="020B0604020202020204" pitchFamily="34" charset="0"/>
+              <a:buChar char="•"/>
+            </a:pPr>
+            <a:r>
+              <a:rPr lang="en-US" sz="2800" b="1" u="sng" dirty="0">
+                <a:solidFill>
+                  <a:srgbClr val="FF0000"/>
+                </a:solidFill>
+              </a:rPr>
+              <a:t>Wednesday 22 September:</a:t>
+            </a:r>
+          </a:p>
+          <a:p>
+            <a:pPr marL="742950" lvl="1" indent="-285750">
+              <a:buFont typeface="Arial" panose="020B0604020202020204" pitchFamily="34" charset="0"/>
+              <a:buChar char="•"/>
+            </a:pPr>
+            <a:r>
+              <a:rPr lang="en-US" sz="2800" b="1" dirty="0">
+                <a:solidFill>
+                  <a:srgbClr val="FF0000"/>
+                </a:solidFill>
+              </a:rPr>
+              <a:t>Complete Written Assignment 2: WA2</a:t>
+            </a:r>
+          </a:p>
+          <a:p>
+            <a:pPr marL="285750" indent="-285750">
+              <a:buFont typeface="Arial" panose="020B0604020202020204" pitchFamily="34" charset="0"/>
+              <a:buChar char="•"/>
+            </a:pPr>
+            <a:r>
+              <a:rPr lang="en-US" sz="2800" u="sng" dirty="0"/>
+              <a:t>Wednesday 22 September:</a:t>
+            </a:r>
+          </a:p>
+          <a:p>
+            <a:pPr marL="742950" lvl="1" indent="-285750">
+              <a:buFont typeface="Arial" panose="020B0604020202020204" pitchFamily="34" charset="0"/>
+              <a:buChar char="•"/>
+            </a:pPr>
+            <a:r>
+              <a:rPr lang="en-US" sz="2800" dirty="0"/>
+              <a:t>Complete </a:t>
+            </a:r>
+            <a:r>
+              <a:rPr lang="en-US" sz="2800" dirty="0">
+                <a:solidFill>
+                  <a:srgbClr val="00B0F0"/>
+                </a:solidFill>
+              </a:rPr>
+              <a:t>Mobius Quiz 5</a:t>
+            </a:r>
+            <a:r>
+              <a:rPr lang="en-US" sz="2800" dirty="0"/>
+              <a:t>: MQ5</a:t>
+            </a:r>
+            <a:endParaRPr lang="en-US" sz="3600" dirty="0"/>
+          </a:p>
+          <a:p>
+            <a:pPr marL="742950" lvl="1" indent="-285750">
+              <a:buFont typeface="Arial" panose="020B0604020202020204" pitchFamily="34" charset="0"/>
+              <a:buChar char="•"/>
+            </a:pPr>
+            <a:endParaRPr lang="en-US" sz="3600" dirty="0"/>
+          </a:p>
+          <a:p>
+            <a:pPr lvl="1"/>
+            <a:endParaRPr lang="en-US" sz="2400" dirty="0"/>
+          </a:p>
+          <a:p>
+            <a:pPr marL="742950" lvl="1" indent="-285750">
+              <a:buFont typeface="Arial" panose="020B0604020202020204" pitchFamily="34" charset="0"/>
+              <a:buChar char="•"/>
+            </a:pPr>
+            <a:endParaRPr lang="en-US" sz="2800" b="1" dirty="0">
+              <a:solidFill>
+                <a:srgbClr val="FF0000"/>
+              </a:solidFill>
+            </a:endParaRPr>
+          </a:p>
+        </p:txBody>
+      </p:sp>
+    </p:spTree>
+    <p:extLst>
+      <p:ext uri="{BB962C8B-B14F-4D97-AF65-F5344CB8AC3E}">
+        <p14:creationId xmlns:p14="http://schemas.microsoft.com/office/powerpoint/2010/main" val="783963905"/>
+      </p:ext>
+    </p:extLst>
+  </p:cSld>
+  <p:clrMapOvr>
+    <a:masterClrMapping/>
+  </p:clrMapOvr>
+</p:sld>
+</file>
+
+<file path=ppt/slides/slide4.xml><?xml version="1.0" encoding="utf-8"?>
+<p:sld xmlns:a="http://schemas.openxmlformats.org/drawingml/2006/main" xmlns:r="http://schemas.openxmlformats.org/officeDocument/2006/relationships" xmlns:p="http://schemas.openxmlformats.org/presentationml/2006/main">
+  <p:cSld>
+    <p:spTree>
+      <p:nvGrpSpPr>
+        <p:cNvPr id="1" name=""/>
+        <p:cNvGrpSpPr/>
+        <p:nvPr/>
+      </p:nvGrpSpPr>
+      <p:grpSpPr>
+        <a:xfrm>
+          <a:off x="0" y="0"/>
+          <a:ext cx="0" cy="0"/>
+          <a:chOff x="0" y="0"/>
+          <a:chExt cx="0" cy="0"/>
+        </a:xfrm>
+      </p:grpSpPr>
+      <p:sp>
+        <p:nvSpPr>
+          <p:cNvPr id="2" name="Title 1">
+            <a:extLst>
+              <a:ext uri="{FF2B5EF4-FFF2-40B4-BE49-F238E27FC236}">
+                <a16:creationId xmlns:a16="http://schemas.microsoft.com/office/drawing/2014/main" id="{3DFDFE6E-0F70-4498-A727-114AF49CE2A5}"/>
+              </a:ext>
+            </a:extLst>
+          </p:cNvPr>
+          <p:cNvSpPr>
+            <a:spLocks noGrp="1"/>
+          </p:cNvSpPr>
+          <p:nvPr>
+            <p:ph type="ctrTitle"/>
+          </p:nvPr>
+        </p:nvSpPr>
+        <p:spPr>
+          <a:xfrm>
+            <a:off x="366318" y="427839"/>
+            <a:ext cx="10472257" cy="3236053"/>
+          </a:xfrm>
+        </p:spPr>
+        <p:txBody>
+          <a:bodyPr>
+            <a:normAutofit/>
+          </a:bodyPr>
+          <a:lstStyle/>
+          <a:p>
+            <a:br>
+              <a:rPr lang="en-US" dirty="0"/>
+            </a:br>
+            <a:br>
+              <a:rPr lang="en-US" dirty="0"/>
+            </a:br>
+            <a:endParaRPr lang="en-US" dirty="0"/>
+          </a:p>
+        </p:txBody>
+      </p:sp>
+      <p:pic>
+        <p:nvPicPr>
+          <p:cNvPr id="7" name="Picture 6">
+            <a:extLst>
+              <a:ext uri="{FF2B5EF4-FFF2-40B4-BE49-F238E27FC236}">
+                <a16:creationId xmlns:a16="http://schemas.microsoft.com/office/drawing/2014/main" id="{5FD9917D-8E48-4078-8EE9-A3385B950B14}"/>
+              </a:ext>
+            </a:extLst>
+          </p:cNvPr>
+          <p:cNvPicPr>
+            <a:picLocks noChangeAspect="1"/>
+          </p:cNvPicPr>
+          <p:nvPr/>
+        </p:nvPicPr>
+        <p:blipFill>
+          <a:blip r:embed="rId2"/>
+          <a:stretch>
+            <a:fillRect/>
+          </a:stretch>
+        </p:blipFill>
+        <p:spPr>
+          <a:xfrm>
+            <a:off x="366318" y="2591917"/>
+            <a:ext cx="4465489" cy="4009693"/>
+          </a:xfrm>
+          <a:prstGeom prst="rect">
+            <a:avLst/>
+          </a:prstGeom>
+          <a:ln w="38100">
+            <a:solidFill>
+              <a:schemeClr val="accent1"/>
+            </a:solidFill>
+          </a:ln>
+        </p:spPr>
+      </p:pic>
+      <p:pic>
+        <p:nvPicPr>
+          <p:cNvPr id="8" name="Picture 7">
+            <a:extLst>
+              <a:ext uri="{FF2B5EF4-FFF2-40B4-BE49-F238E27FC236}">
+                <a16:creationId xmlns:a16="http://schemas.microsoft.com/office/drawing/2014/main" id="{8F039E25-C4E0-488C-98E9-82B772172806}"/>
+              </a:ext>
+            </a:extLst>
+          </p:cNvPr>
+          <p:cNvPicPr>
+            <a:picLocks noChangeAspect="1"/>
+          </p:cNvPicPr>
+          <p:nvPr/>
+        </p:nvPicPr>
+        <p:blipFill>
+          <a:blip r:embed="rId3"/>
+          <a:stretch>
+            <a:fillRect/>
+          </a:stretch>
+        </p:blipFill>
+        <p:spPr>
+          <a:xfrm>
+            <a:off x="5176407" y="2906712"/>
+            <a:ext cx="7015593" cy="3380104"/>
+          </a:xfrm>
+          <a:prstGeom prst="rect">
+            <a:avLst/>
+          </a:prstGeom>
+          <a:ln w="38100">
+            <a:solidFill>
+              <a:schemeClr val="accent1"/>
+            </a:solidFill>
+          </a:ln>
+        </p:spPr>
+      </p:pic>
+      <p:pic>
+        <p:nvPicPr>
+          <p:cNvPr id="9" name="Picture 8">
+            <a:extLst>
+              <a:ext uri="{FF2B5EF4-FFF2-40B4-BE49-F238E27FC236}">
+                <a16:creationId xmlns:a16="http://schemas.microsoft.com/office/drawing/2014/main" id="{C9CA0071-F670-4BA6-B663-9A8319ECF5E0}"/>
+              </a:ext>
+            </a:extLst>
+          </p:cNvPr>
+          <p:cNvPicPr>
+            <a:picLocks noChangeAspect="1"/>
+          </p:cNvPicPr>
+          <p:nvPr/>
+        </p:nvPicPr>
+        <p:blipFill>
+          <a:blip r:embed="rId4"/>
+          <a:stretch>
+            <a:fillRect/>
+          </a:stretch>
+        </p:blipFill>
+        <p:spPr>
+          <a:xfrm>
+            <a:off x="0" y="48237"/>
+            <a:ext cx="12192000" cy="2412926"/>
+          </a:xfrm>
+          <a:prstGeom prst="rect">
+            <a:avLst/>
+          </a:prstGeom>
+        </p:spPr>
+      </p:pic>
+    </p:spTree>
+    <p:extLst>
+      <p:ext uri="{BB962C8B-B14F-4D97-AF65-F5344CB8AC3E}">
+        <p14:creationId xmlns:p14="http://schemas.microsoft.com/office/powerpoint/2010/main" val="55526555"/>
+      </p:ext>
+    </p:extLst>
+  </p:cSld>
+  <p:clrMapOvr>
+    <a:masterClrMapping/>
+  </p:clrMapOvr>
+  <p:timing>
+    <p:tnLst>
+      <p:par>
+        <p:cTn id="1" dur="indefinite" restart="never" nodeType="tmRoot">
+          <p:childTnLst>
+            <p:seq concurrent="1" nextAc="seek">
+              <p:cTn id="2" dur="indefinite" nodeType="mainSeq">
+                <p:childTnLst>
+                  <p:par>
+                    <p:cTn id="3" fill="hold">
+                      <p:stCondLst>
+                        <p:cond delay="indefinite"/>
+                      </p:stCondLst>
+                      <p:childTnLst>
+                        <p:par>
+                          <p:cTn id="4" fill="hold">
+                            <p:stCondLst>
+                              <p:cond delay="0"/>
+                            </p:stCondLst>
+                            <p:childTnLst>
+                              <p:par>
+                                <p:cTn id="5" presetID="1" presetClass="entr" presetSubtype="0" fill="hold" nodeType="clickEffect">
+                                  <p:stCondLst>
+                                    <p:cond delay="0"/>
+                                  </p:stCondLst>
+                                  <p:childTnLst>
+                                    <p:set>
+                                      <p:cBhvr>
+                                        <p:cTn id="6" dur="1" fill="hold">
+                                          <p:stCondLst>
+                                            <p:cond delay="0"/>
+                                          </p:stCondLst>
+                                        </p:cTn>
+                                        <p:tgtEl>
+                                          <p:spTgt spid="9"/>
+                                        </p:tgtEl>
+                                        <p:attrNameLst>
+                                          <p:attrName>style.visibility</p:attrName>
+                                        </p:attrNameLst>
+                                      </p:cBhvr>
+                                      <p:to>
+                                        <p:strVal val="visible"/>
+                                      </p:to>
+                                    </p:set>
+                                  </p:childTnLst>
+                                </p:cTn>
+                              </p:par>
+                            </p:childTnLst>
+                          </p:cTn>
+                        </p:par>
+                      </p:childTnLst>
+                    </p:cTn>
+                  </p:par>
+                  <p:par>
+                    <p:cTn id="7" fill="hold">
+                      <p:stCondLst>
+                        <p:cond delay="indefinite"/>
+                      </p:stCondLst>
+                      <p:childTnLst>
+                        <p:par>
+                          <p:cTn id="8" fill="hold">
+                            <p:stCondLst>
+                              <p:cond delay="0"/>
+                            </p:stCondLst>
+                            <p:childTnLst>
+                              <p:par>
+                                <p:cTn id="9" presetID="1" presetClass="entr" presetSubtype="0" fill="hold" nodeType="clickEffect">
+                                  <p:stCondLst>
+                                    <p:cond delay="0"/>
+                                  </p:stCondLst>
+                                  <p:childTnLst>
+                                    <p:set>
+                                      <p:cBhvr>
+                                        <p:cTn id="10" dur="1" fill="hold">
+                                          <p:stCondLst>
+                                            <p:cond delay="0"/>
+                                          </p:stCondLst>
+                                        </p:cTn>
+                                        <p:tgtEl>
+                                          <p:spTgt spid="8"/>
+                                        </p:tgtEl>
+                                        <p:attrNameLst>
+                                          <p:attrName>style.visibility</p:attrName>
+                                        </p:attrNameLst>
+                                      </p:cBhvr>
+                                      <p:to>
+                                        <p:strVal val="visible"/>
+                                      </p:to>
+                                    </p:set>
+                                  </p:childTnLst>
+                                </p:cTn>
+                              </p:par>
+                            </p:childTnLst>
+                          </p:cTn>
+                        </p:par>
+                      </p:childTnLst>
+                    </p:cTn>
+                  </p:par>
+                  <p:par>
+                    <p:cTn id="11" fill="hold">
+                      <p:stCondLst>
+                        <p:cond delay="indefinite"/>
+                      </p:stCondLst>
+                      <p:childTnLst>
+                        <p:par>
+                          <p:cTn id="12" fill="hold">
+                            <p:stCondLst>
+                              <p:cond delay="0"/>
+                            </p:stCondLst>
+                            <p:childTnLst>
+                              <p:par>
+                                <p:cTn id="13" presetID="1" presetClass="entr" presetSubtype="0" fill="hold" nodeType="clickEffect">
+                                  <p:stCondLst>
+                                    <p:cond delay="0"/>
+                                  </p:stCondLst>
+                                  <p:childTnLst>
+                                    <p:set>
+                                      <p:cBhvr>
+                                        <p:cTn id="14" dur="1" fill="hold">
+                                          <p:stCondLst>
+                                            <p:cond delay="0"/>
+                                          </p:stCondLst>
+                                        </p:cTn>
+                                        <p:tgtEl>
+                                          <p:spTgt spid="7"/>
+                                        </p:tgtEl>
+                                        <p:attrNameLst>
+                                          <p:attrName>style.visibility</p:attrName>
+                                        </p:attrNameLst>
+                                      </p:cBhvr>
+                                      <p:to>
+                                        <p:strVal val="visible"/>
+                                      </p:to>
+                                    </p:set>
+                                  </p:childTnLst>
+                                </p:cTn>
+                              </p:par>
+                            </p:childTnLst>
+                          </p:cTn>
+                        </p:par>
+                      </p:childTnLst>
+                    </p:cTn>
+                  </p:par>
+                </p:childTnLst>
+              </p:cTn>
+              <p:prevCondLst>
+                <p:cond evt="onPrev" delay="0">
+                  <p:tgtEl>
+                    <p:sldTgt/>
+                  </p:tgtEl>
+                </p:cond>
+              </p:prevCondLst>
+              <p:nextCondLst>
+                <p:cond evt="onNext" delay="0">
+                  <p:tgtEl>
+                    <p:sldTgt/>
+                  </p:tgtEl>
+                </p:cond>
+              </p:nextCondLst>
+            </p:seq>
+          </p:childTnLst>
+        </p:cTn>
+      </p:par>
+    </p:tnLst>
+  </p:timing>
+</p:sld>
+</file>
+
+<file path=ppt/slides/slide5.xml><?xml version="1.0" encoding="utf-8"?>
+<p:sld xmlns:a="http://schemas.openxmlformats.org/drawingml/2006/main" xmlns:r="http://schemas.openxmlformats.org/officeDocument/2006/relationships" xmlns:p="http://schemas.openxmlformats.org/presentationml/2006/main">
+  <p:cSld>
+    <p:spTree>
+      <p:nvGrpSpPr>
+        <p:cNvPr id="1" name=""/>
+        <p:cNvGrpSpPr/>
+        <p:nvPr/>
+      </p:nvGrpSpPr>
+      <p:grpSpPr>
+        <a:xfrm>
+          <a:off x="0" y="0"/>
+          <a:ext cx="0" cy="0"/>
+          <a:chOff x="0" y="0"/>
+          <a:chExt cx="0" cy="0"/>
+        </a:xfrm>
+      </p:grpSpPr>
+      <p:sp>
+        <p:nvSpPr>
+          <p:cNvPr id="2" name="Title 1">
+            <a:extLst>
+              <a:ext uri="{FF2B5EF4-FFF2-40B4-BE49-F238E27FC236}">
+                <a16:creationId xmlns:a16="http://schemas.microsoft.com/office/drawing/2014/main" id="{3DFDFE6E-0F70-4498-A727-114AF49CE2A5}"/>
+              </a:ext>
+            </a:extLst>
+          </p:cNvPr>
+          <p:cNvSpPr>
+            <a:spLocks noGrp="1"/>
+          </p:cNvSpPr>
+          <p:nvPr>
+            <p:ph type="ctrTitle"/>
+          </p:nvPr>
+        </p:nvSpPr>
+        <p:spPr>
+          <a:xfrm>
+            <a:off x="366318" y="427839"/>
+            <a:ext cx="10472257" cy="3236053"/>
+          </a:xfrm>
+        </p:spPr>
+        <p:txBody>
+          <a:bodyPr>
+            <a:normAutofit/>
+          </a:bodyPr>
+          <a:lstStyle/>
+          <a:p>
+            <a:br>
+              <a:rPr lang="en-US" dirty="0"/>
+            </a:br>
+            <a:br>
+              <a:rPr lang="en-US" dirty="0"/>
+            </a:br>
+            <a:endParaRPr lang="en-US" dirty="0"/>
+          </a:p>
+        </p:txBody>
+      </p:sp>
+      <p:sp>
+        <p:nvSpPr>
+          <p:cNvPr id="3" name="Subtitle 2">
+            <a:extLst>
+              <a:ext uri="{FF2B5EF4-FFF2-40B4-BE49-F238E27FC236}">
+                <a16:creationId xmlns:a16="http://schemas.microsoft.com/office/drawing/2014/main" id="{B9191896-C725-462F-BB08-4D8D8507E31D}"/>
+              </a:ext>
+            </a:extLst>
+          </p:cNvPr>
+          <p:cNvSpPr>
+            <a:spLocks noGrp="1"/>
+          </p:cNvSpPr>
+          <p:nvPr>
+            <p:ph type="subTitle" idx="1"/>
+          </p:nvPr>
+        </p:nvSpPr>
+        <p:spPr>
+          <a:xfrm>
+            <a:off x="159391" y="85471"/>
+            <a:ext cx="11785133" cy="827349"/>
+          </a:xfrm>
+        </p:spPr>
+        <p:txBody>
+          <a:bodyPr>
+            <a:normAutofit/>
+          </a:bodyPr>
+          <a:lstStyle/>
+          <a:p>
+            <a:r>
+              <a:rPr lang="en-US" sz="2800" u="sng" dirty="0"/>
+              <a:t>If a number’s last digit is 5, then is it </a:t>
+            </a:r>
+            <a:r>
+              <a:rPr lang="en-US" sz="2800" i="1" u="sng" dirty="0"/>
+              <a:t>always</a:t>
+            </a:r>
+            <a:r>
+              <a:rPr lang="en-US" sz="2800" u="sng" dirty="0"/>
+              <a:t> 5 times an odd number?</a:t>
+            </a:r>
+          </a:p>
+        </p:txBody>
+      </p:sp>
+      <p:sp>
+        <p:nvSpPr>
+          <p:cNvPr id="4" name="TextBox 3">
+            <a:extLst>
+              <a:ext uri="{FF2B5EF4-FFF2-40B4-BE49-F238E27FC236}">
+                <a16:creationId xmlns:a16="http://schemas.microsoft.com/office/drawing/2014/main" id="{0E4E45B2-07CC-43F3-92B9-C70644650306}"/>
+              </a:ext>
+            </a:extLst>
+          </p:cNvPr>
+          <p:cNvSpPr txBox="1"/>
+          <p:nvPr/>
+        </p:nvSpPr>
+        <p:spPr>
+          <a:xfrm>
+            <a:off x="1524751" y="755403"/>
+            <a:ext cx="11697050" cy="5970865"/>
+          </a:xfrm>
+          <a:prstGeom prst="rect">
+            <a:avLst/>
+          </a:prstGeom>
+          <a:noFill/>
+        </p:spPr>
+        <p:txBody>
+          <a:bodyPr wrap="square" rtlCol="0">
+            <a:spAutoFit/>
+          </a:bodyPr>
+          <a:lstStyle/>
+          <a:p>
+            <a:r>
+              <a:rPr lang="en-US" sz="3200" dirty="0"/>
+              <a:t>S =  {Integers for which the last digit is 5}</a:t>
+            </a:r>
+          </a:p>
+          <a:p>
+            <a:endParaRPr lang="en-US" dirty="0"/>
+          </a:p>
+          <a:p>
+            <a:r>
+              <a:rPr lang="en-US" sz="3200" dirty="0"/>
+              <a:t>Ɐ N </a:t>
+            </a:r>
+            <a:r>
+              <a:rPr lang="el-GR" sz="3200" dirty="0"/>
+              <a:t>ϵ</a:t>
+            </a:r>
+            <a:r>
+              <a:rPr lang="en-US" sz="3200" dirty="0"/>
+              <a:t> S  , ∃ m </a:t>
+            </a:r>
+            <a:r>
+              <a:rPr lang="el-GR" sz="3200" dirty="0"/>
+              <a:t>ϵ</a:t>
+            </a:r>
+            <a:r>
+              <a:rPr lang="en-US" sz="3200" dirty="0"/>
+              <a:t> ℤ  , N = 5(2m+1) ?</a:t>
+            </a:r>
+          </a:p>
+          <a:p>
+            <a:endParaRPr lang="en-US" sz="3200" dirty="0"/>
+          </a:p>
+          <a:p>
+            <a:r>
+              <a:rPr lang="en-US" sz="3200" dirty="0"/>
+              <a:t>Ɐ N </a:t>
+            </a:r>
+            <a:r>
+              <a:rPr lang="el-GR" sz="3200" dirty="0"/>
+              <a:t>ϵ</a:t>
+            </a:r>
+            <a:r>
+              <a:rPr lang="en-US" sz="3200" dirty="0"/>
+              <a:t> S,  ∃ a </a:t>
+            </a:r>
+            <a:r>
+              <a:rPr lang="el-GR" sz="3200" dirty="0"/>
+              <a:t>ϵ</a:t>
+            </a:r>
+            <a:r>
+              <a:rPr lang="en-US" sz="3200" dirty="0"/>
+              <a:t> ℤ</a:t>
+            </a:r>
+            <a:r>
+              <a:rPr lang="en-US" sz="3200" baseline="-25000" dirty="0"/>
+              <a:t> </a:t>
+            </a:r>
+            <a:r>
+              <a:rPr lang="en-US" sz="3200" dirty="0"/>
+              <a:t>,     N = 10a</a:t>
+            </a:r>
+            <a:r>
+              <a:rPr lang="en-US" sz="3200" baseline="30000" dirty="0"/>
+              <a:t> </a:t>
+            </a:r>
+            <a:r>
+              <a:rPr lang="en-US" sz="3200" dirty="0"/>
+              <a:t>+ 5</a:t>
+            </a:r>
+          </a:p>
+          <a:p>
+            <a:r>
+              <a:rPr lang="en-US" sz="3200" dirty="0"/>
+              <a:t>                                  </a:t>
+            </a:r>
+            <a:r>
+              <a:rPr lang="en-US" sz="2000" dirty="0"/>
+              <a:t> </a:t>
+            </a:r>
+            <a:r>
+              <a:rPr lang="en-US" sz="3200" dirty="0"/>
+              <a:t>N = 5(a+1)</a:t>
+            </a:r>
+          </a:p>
+          <a:p>
+            <a:endParaRPr lang="en-US" sz="1200" dirty="0"/>
+          </a:p>
+          <a:p>
+            <a:r>
+              <a:rPr lang="en-US" sz="3200" dirty="0"/>
+              <a:t>Ɐ N </a:t>
+            </a:r>
+            <a:r>
+              <a:rPr lang="el-GR" sz="3200" dirty="0"/>
+              <a:t>ϵ</a:t>
+            </a:r>
+            <a:r>
+              <a:rPr lang="en-US" sz="3200" dirty="0"/>
+              <a:t> S,  ∃ b </a:t>
+            </a:r>
+            <a:r>
+              <a:rPr lang="el-GR" sz="3200" dirty="0"/>
+              <a:t>ϵ</a:t>
+            </a:r>
+            <a:r>
+              <a:rPr lang="en-US" sz="3200" dirty="0"/>
+              <a:t> ℤ ,    </a:t>
+            </a:r>
+            <a:r>
+              <a:rPr lang="en-US" sz="2000" dirty="0"/>
+              <a:t> </a:t>
+            </a:r>
+            <a:r>
+              <a:rPr lang="en-US" sz="3200" dirty="0"/>
+              <a:t>N = 5b</a:t>
+            </a:r>
+          </a:p>
+          <a:p>
+            <a:endParaRPr lang="en-US" sz="1000" dirty="0"/>
+          </a:p>
+          <a:p>
+            <a:endParaRPr lang="en-US" sz="1100" dirty="0"/>
+          </a:p>
+          <a:p>
+            <a:r>
+              <a:rPr lang="en-US" sz="3200" dirty="0"/>
+              <a:t>b is either even or odd. </a:t>
+            </a:r>
+          </a:p>
+          <a:p>
+            <a:endParaRPr lang="en-US" sz="1400" dirty="0"/>
+          </a:p>
+          <a:p>
+            <a:r>
+              <a:rPr lang="en-US" sz="3200" u="sng" dirty="0"/>
+              <a:t>Case 1: b is even:</a:t>
+            </a:r>
+          </a:p>
+          <a:p>
+            <a:r>
+              <a:rPr lang="en-US" sz="3200" dirty="0"/>
+              <a:t>	N = 5b =&gt; N is even.</a:t>
+            </a:r>
+          </a:p>
+          <a:p>
+            <a:r>
+              <a:rPr lang="en-US" sz="2400" dirty="0">
+                <a:solidFill>
+                  <a:srgbClr val="FF0000"/>
+                </a:solidFill>
+              </a:rPr>
+              <a:t>	But if N ends in 5 it must be odd.  Contradiction!  So b must be odd.</a:t>
+            </a:r>
+            <a:endParaRPr lang="en-US" dirty="0">
+              <a:solidFill>
+                <a:srgbClr val="FF0000"/>
+              </a:solidFill>
+            </a:endParaRPr>
+          </a:p>
+        </p:txBody>
+      </p:sp>
+      <p:cxnSp>
+        <p:nvCxnSpPr>
+          <p:cNvPr id="6" name="Straight Connector 5">
+            <a:extLst>
+              <a:ext uri="{FF2B5EF4-FFF2-40B4-BE49-F238E27FC236}">
+                <a16:creationId xmlns:a16="http://schemas.microsoft.com/office/drawing/2014/main" id="{5E5783D7-9C70-481A-91DA-D89300F2CF8D}"/>
+              </a:ext>
+            </a:extLst>
+          </p:cNvPr>
+          <p:cNvCxnSpPr/>
+          <p:nvPr/>
+        </p:nvCxnSpPr>
+        <p:spPr>
+          <a:xfrm>
+            <a:off x="594013" y="2352675"/>
+            <a:ext cx="11003973" cy="0"/>
+          </a:xfrm>
+          <a:prstGeom prst="line">
+            <a:avLst/>
+          </a:prstGeom>
+          <a:ln w="38100"/>
+        </p:spPr>
+        <p:style>
+          <a:lnRef idx="1">
+            <a:schemeClr val="accent1"/>
+          </a:lnRef>
+          <a:fillRef idx="0">
+            <a:schemeClr val="accent1"/>
+          </a:fillRef>
+          <a:effectRef idx="0">
+            <a:schemeClr val="accent1"/>
+          </a:effectRef>
+          <a:fontRef idx="minor">
+            <a:schemeClr val="tx1"/>
+          </a:fontRef>
+        </p:style>
+      </p:cxnSp>
+    </p:spTree>
+    <p:extLst>
+      <p:ext uri="{BB962C8B-B14F-4D97-AF65-F5344CB8AC3E}">
+        <p14:creationId xmlns:p14="http://schemas.microsoft.com/office/powerpoint/2010/main" val="934773067"/>
+      </p:ext>
+    </p:extLst>
+  </p:cSld>
+  <p:clrMapOvr>
+    <a:masterClrMapping/>
+  </p:clrMapOvr>
+  <p:timing>
+    <p:tnLst>
+      <p:par>
+        <p:cTn id="1" dur="indefinite" restart="never" nodeType="tmRoot">
+          <p:childTnLst>
+            <p:seq concurrent="1" nextAc="seek">
+              <p:cTn id="2" dur="indefinite" nodeType="mainSeq">
+                <p:childTnLst>
+                  <p:par>
+                    <p:cTn id="3" fill="hold">
+                      <p:stCondLst>
+                        <p:cond delay="indefinite"/>
+                      </p:stCondLst>
+                      <p:childTnLst>
+                        <p:par>
+                          <p:cTn id="4" fill="hold">
+                            <p:stCondLst>
+                              <p:cond delay="0"/>
+                            </p:stCondLst>
+                            <p:childTnLst>
+                              <p:par>
+                                <p:cTn id="5" presetID="1" presetClass="entr" presetSubtype="0" fill="hold" nodeType="clickEffect">
+                                  <p:stCondLst>
+                                    <p:cond delay="0"/>
+                                  </p:stCondLst>
+                                  <p:childTnLst>
+                                    <p:set>
+                                      <p:cBhvr>
+                                        <p:cTn id="6" dur="1" fill="hold">
+                                          <p:stCondLst>
+                                            <p:cond delay="0"/>
+                                          </p:stCondLst>
+                                        </p:cTn>
+                                        <p:tgtEl>
+                                          <p:spTgt spid="4">
+                                            <p:txEl>
+                                              <p:pRg st="0" end="0"/>
+                                            </p:txEl>
+                                          </p:spTgt>
+                                        </p:tgtEl>
+                                        <p:attrNameLst>
+                                          <p:attrName>style.visibility</p:attrName>
+                                        </p:attrNameLst>
+                                      </p:cBhvr>
+                                      <p:to>
+                                        <p:strVal val="visible"/>
+                                      </p:to>
+                                    </p:set>
+                                  </p:childTnLst>
+                                </p:cTn>
+                              </p:par>
+                            </p:childTnLst>
+                          </p:cTn>
+                        </p:par>
+                      </p:childTnLst>
+                    </p:cTn>
+                  </p:par>
+                  <p:par>
+                    <p:cTn id="7" fill="hold">
+                      <p:stCondLst>
+                        <p:cond delay="indefinite"/>
+                      </p:stCondLst>
+                      <p:childTnLst>
+                        <p:par>
+                          <p:cTn id="8" fill="hold">
+                            <p:stCondLst>
+                              <p:cond delay="0"/>
+                            </p:stCondLst>
+                            <p:childTnLst>
+                              <p:par>
+                                <p:cTn id="9" presetID="1" presetClass="entr" presetSubtype="0" fill="hold" nodeType="clickEffect">
+                                  <p:stCondLst>
+                                    <p:cond delay="0"/>
+                                  </p:stCondLst>
+                                  <p:childTnLst>
+                                    <p:set>
+                                      <p:cBhvr>
+                                        <p:cTn id="10" dur="1" fill="hold">
+                                          <p:stCondLst>
+                                            <p:cond delay="0"/>
+                                          </p:stCondLst>
+                                        </p:cTn>
+                                        <p:tgtEl>
+                                          <p:spTgt spid="4">
+                                            <p:txEl>
+                                              <p:pRg st="2" end="2"/>
+                                            </p:txEl>
+                                          </p:spTgt>
+                                        </p:tgtEl>
+                                        <p:attrNameLst>
+                                          <p:attrName>style.visibility</p:attrName>
+                                        </p:attrNameLst>
+                                      </p:cBhvr>
+                                      <p:to>
+                                        <p:strVal val="visible"/>
+                                      </p:to>
+                                    </p:set>
+                                  </p:childTnLst>
+                                </p:cTn>
+                              </p:par>
+                              <p:par>
+                                <p:cTn id="11" presetID="1" presetClass="entr" presetSubtype="0" fill="hold" nodeType="withEffect">
+                                  <p:stCondLst>
+                                    <p:cond delay="0"/>
+                                  </p:stCondLst>
+                                  <p:childTnLst>
+                                    <p:set>
+                                      <p:cBhvr>
+                                        <p:cTn id="12" dur="1" fill="hold">
+                                          <p:stCondLst>
+                                            <p:cond delay="0"/>
+                                          </p:stCondLst>
+                                        </p:cTn>
+                                        <p:tgtEl>
+                                          <p:spTgt spid="6"/>
+                                        </p:tgtEl>
+                                        <p:attrNameLst>
+                                          <p:attrName>style.visibility</p:attrName>
+                                        </p:attrNameLst>
+                                      </p:cBhvr>
+                                      <p:to>
+                                        <p:strVal val="visible"/>
+                                      </p:to>
+                                    </p:set>
+                                  </p:childTnLst>
+                                </p:cTn>
+                              </p:par>
+                            </p:childTnLst>
+                          </p:cTn>
+                        </p:par>
+                      </p:childTnLst>
+                    </p:cTn>
+                  </p:par>
+                  <p:par>
+                    <p:cTn id="13" fill="hold">
+                      <p:stCondLst>
+                        <p:cond delay="indefinite"/>
+                      </p:stCondLst>
+                      <p:childTnLst>
+                        <p:par>
+                          <p:cTn id="14" fill="hold">
+                            <p:stCondLst>
+                              <p:cond delay="0"/>
+                            </p:stCondLst>
+                            <p:childTnLst>
+                              <p:par>
+                                <p:cTn id="15" presetID="1" presetClass="entr" presetSubtype="0" fill="hold" nodeType="clickEffect">
+                                  <p:stCondLst>
+                                    <p:cond delay="0"/>
+                                  </p:stCondLst>
+                                  <p:childTnLst>
+                                    <p:set>
+                                      <p:cBhvr>
+                                        <p:cTn id="16" dur="1" fill="hold">
+                                          <p:stCondLst>
+                                            <p:cond delay="0"/>
+                                          </p:stCondLst>
+                                        </p:cTn>
+                                        <p:tgtEl>
+                                          <p:spTgt spid="4">
+                                            <p:txEl>
+                                              <p:pRg st="4" end="4"/>
+                                            </p:txEl>
+                                          </p:spTgt>
+                                        </p:tgtEl>
+                                        <p:attrNameLst>
+                                          <p:attrName>style.visibility</p:attrName>
+                                        </p:attrNameLst>
+                                      </p:cBhvr>
+                                      <p:to>
+                                        <p:strVal val="visible"/>
+                                      </p:to>
+                                    </p:set>
+                                  </p:childTnLst>
+                                </p:cTn>
+                              </p:par>
+                            </p:childTnLst>
+                          </p:cTn>
+                        </p:par>
+                      </p:childTnLst>
+                    </p:cTn>
+                  </p:par>
+                  <p:par>
+                    <p:cTn id="17" fill="hold">
+                      <p:stCondLst>
+                        <p:cond delay="indefinite"/>
+                      </p:stCondLst>
+                      <p:childTnLst>
+                        <p:par>
+                          <p:cTn id="18" fill="hold">
+                            <p:stCondLst>
+                              <p:cond delay="0"/>
+                            </p:stCondLst>
+                            <p:childTnLst>
+                              <p:par>
+                                <p:cTn id="19" presetID="1" presetClass="entr" presetSubtype="0" fill="hold" nodeType="clickEffect">
+                                  <p:stCondLst>
+                                    <p:cond delay="0"/>
+                                  </p:stCondLst>
+                                  <p:childTnLst>
+                                    <p:set>
+                                      <p:cBhvr>
+                                        <p:cTn id="20" dur="1" fill="hold">
+                                          <p:stCondLst>
+                                            <p:cond delay="0"/>
+                                          </p:stCondLst>
+                                        </p:cTn>
+                                        <p:tgtEl>
+                                          <p:spTgt spid="4">
+                                            <p:txEl>
+                                              <p:pRg st="5" end="5"/>
+                                            </p:txEl>
+                                          </p:spTgt>
+                                        </p:tgtEl>
+                                        <p:attrNameLst>
+                                          <p:attrName>style.visibility</p:attrName>
+                                        </p:attrNameLst>
+                                      </p:cBhvr>
+                                      <p:to>
+                                        <p:strVal val="visible"/>
+                                      </p:to>
+                                    </p:set>
+                                  </p:childTnLst>
+                                </p:cTn>
+                              </p:par>
+                            </p:childTnLst>
+                          </p:cTn>
+                        </p:par>
+                      </p:childTnLst>
+                    </p:cTn>
+                  </p:par>
+                  <p:par>
+                    <p:cTn id="21" fill="hold">
+                      <p:stCondLst>
+                        <p:cond delay="indefinite"/>
+                      </p:stCondLst>
+                      <p:childTnLst>
+                        <p:par>
+                          <p:cTn id="22" fill="hold">
+                            <p:stCondLst>
+                              <p:cond delay="0"/>
+                            </p:stCondLst>
+                            <p:childTnLst>
+                              <p:par>
+                                <p:cTn id="23" presetID="1" presetClass="entr" presetSubtype="0" fill="hold" nodeType="clickEffect">
+                                  <p:stCondLst>
+                                    <p:cond delay="0"/>
+                                  </p:stCondLst>
+                                  <p:childTnLst>
+                                    <p:set>
+                                      <p:cBhvr>
+                                        <p:cTn id="24" dur="1" fill="hold">
+                                          <p:stCondLst>
+                                            <p:cond delay="0"/>
+                                          </p:stCondLst>
+                                        </p:cTn>
+                                        <p:tgtEl>
+                                          <p:spTgt spid="4">
+                                            <p:txEl>
+                                              <p:pRg st="7" end="7"/>
+                                            </p:txEl>
+                                          </p:spTgt>
+                                        </p:tgtEl>
+                                        <p:attrNameLst>
+                                          <p:attrName>style.visibility</p:attrName>
+                                        </p:attrNameLst>
+                                      </p:cBhvr>
+                                      <p:to>
+                                        <p:strVal val="visible"/>
+                                      </p:to>
+                                    </p:set>
+                                  </p:childTnLst>
+                                </p:cTn>
+                              </p:par>
+                            </p:childTnLst>
+                          </p:cTn>
+                        </p:par>
+                      </p:childTnLst>
+                    </p:cTn>
+                  </p:par>
+                  <p:par>
+                    <p:cTn id="25" fill="hold">
+                      <p:stCondLst>
+                        <p:cond delay="indefinite"/>
+                      </p:stCondLst>
+                      <p:childTnLst>
+                        <p:par>
+                          <p:cTn id="26" fill="hold">
+                            <p:stCondLst>
+                              <p:cond delay="0"/>
+                            </p:stCondLst>
+                            <p:childTnLst>
+                              <p:par>
+                                <p:cTn id="27" presetID="1" presetClass="entr" presetSubtype="0" fill="hold" nodeType="clickEffect">
+                                  <p:stCondLst>
+                                    <p:cond delay="0"/>
+                                  </p:stCondLst>
+                                  <p:childTnLst>
+                                    <p:set>
+                                      <p:cBhvr>
+                                        <p:cTn id="28" dur="1" fill="hold">
+                                          <p:stCondLst>
+                                            <p:cond delay="0"/>
+                                          </p:stCondLst>
+                                        </p:cTn>
+                                        <p:tgtEl>
+                                          <p:spTgt spid="4">
+                                            <p:txEl>
+                                              <p:pRg st="10" end="10"/>
+                                            </p:txEl>
+                                          </p:spTgt>
+                                        </p:tgtEl>
+                                        <p:attrNameLst>
+                                          <p:attrName>style.visibility</p:attrName>
+                                        </p:attrNameLst>
+                                      </p:cBhvr>
+                                      <p:to>
+                                        <p:strVal val="visible"/>
+                                      </p:to>
+                                    </p:set>
+                                  </p:childTnLst>
+                                </p:cTn>
+                              </p:par>
+                            </p:childTnLst>
+                          </p:cTn>
+                        </p:par>
+                      </p:childTnLst>
+                    </p:cTn>
+                  </p:par>
+                  <p:par>
+                    <p:cTn id="29" fill="hold">
+                      <p:stCondLst>
+                        <p:cond delay="indefinite"/>
+                      </p:stCondLst>
+                      <p:childTnLst>
+                        <p:par>
+                          <p:cTn id="30" fill="hold">
+                            <p:stCondLst>
+                              <p:cond delay="0"/>
+                            </p:stCondLst>
+                            <p:childTnLst>
+                              <p:par>
+                                <p:cTn id="31" presetID="1" presetClass="entr" presetSubtype="0" fill="hold" nodeType="clickEffect">
+                                  <p:stCondLst>
+                                    <p:cond delay="0"/>
+                                  </p:stCondLst>
+                                  <p:childTnLst>
+                                    <p:set>
+                                      <p:cBhvr>
+                                        <p:cTn id="32" dur="1" fill="hold">
+                                          <p:stCondLst>
+                                            <p:cond delay="0"/>
+                                          </p:stCondLst>
+                                        </p:cTn>
+                                        <p:tgtEl>
+                                          <p:spTgt spid="4">
+                                            <p:txEl>
+                                              <p:pRg st="12" end="12"/>
+                                            </p:txEl>
+                                          </p:spTgt>
+                                        </p:tgtEl>
+                                        <p:attrNameLst>
+                                          <p:attrName>style.visibility</p:attrName>
+                                        </p:attrNameLst>
+                                      </p:cBhvr>
+                                      <p:to>
+                                        <p:strVal val="visible"/>
+                                      </p:to>
+                                    </p:set>
+                                  </p:childTnLst>
+                                </p:cTn>
+                              </p:par>
+                            </p:childTnLst>
+                          </p:cTn>
+                        </p:par>
+                      </p:childTnLst>
+                    </p:cTn>
+                  </p:par>
+                  <p:par>
+                    <p:cTn id="33" fill="hold">
+                      <p:stCondLst>
+                        <p:cond delay="indefinite"/>
+                      </p:stCondLst>
+                      <p:childTnLst>
+                        <p:par>
+                          <p:cTn id="34" fill="hold">
+                            <p:stCondLst>
+                              <p:cond delay="0"/>
+                            </p:stCondLst>
+                            <p:childTnLst>
+                              <p:par>
+                                <p:cTn id="35" presetID="1" presetClass="entr" presetSubtype="0" fill="hold" nodeType="clickEffect">
+                                  <p:stCondLst>
+                                    <p:cond delay="0"/>
+                                  </p:stCondLst>
+                                  <p:childTnLst>
+                                    <p:set>
+                                      <p:cBhvr>
+                                        <p:cTn id="36" dur="1" fill="hold">
+                                          <p:stCondLst>
+                                            <p:cond delay="0"/>
+                                          </p:stCondLst>
+                                        </p:cTn>
+                                        <p:tgtEl>
+                                          <p:spTgt spid="4">
+                                            <p:txEl>
+                                              <p:pRg st="13" end="13"/>
+                                            </p:txEl>
+                                          </p:spTgt>
+                                        </p:tgtEl>
+                                        <p:attrNameLst>
+                                          <p:attrName>style.visibility</p:attrName>
+                                        </p:attrNameLst>
+                                      </p:cBhvr>
+                                      <p:to>
+                                        <p:strVal val="visible"/>
+                                      </p:to>
+                                    </p:set>
+                                  </p:childTnLst>
+                                </p:cTn>
+                              </p:par>
+                            </p:childTnLst>
+                          </p:cTn>
+                        </p:par>
+                      </p:childTnLst>
+                    </p:cTn>
+                  </p:par>
+                  <p:par>
+                    <p:cTn id="37" fill="hold">
+                      <p:stCondLst>
+                        <p:cond delay="indefinite"/>
+                      </p:stCondLst>
+                      <p:childTnLst>
+                        <p:par>
+                          <p:cTn id="38" fill="hold">
+                            <p:stCondLst>
+                              <p:cond delay="0"/>
+                            </p:stCondLst>
+                            <p:childTnLst>
+                              <p:par>
+                                <p:cTn id="39" presetID="1" presetClass="entr" presetSubtype="0" fill="hold" nodeType="clickEffect">
+                                  <p:stCondLst>
+                                    <p:cond delay="0"/>
+                                  </p:stCondLst>
+                                  <p:childTnLst>
+                                    <p:set>
+                                      <p:cBhvr>
+                                        <p:cTn id="40" dur="1" fill="hold">
+                                          <p:stCondLst>
+                                            <p:cond delay="0"/>
+                                          </p:stCondLst>
+                                        </p:cTn>
+                                        <p:tgtEl>
+                                          <p:spTgt spid="4">
+                                            <p:txEl>
+                                              <p:pRg st="14" end="14"/>
+                                            </p:txEl>
+                                          </p:spTgt>
+                                        </p:tgtEl>
+                                        <p:attrNameLst>
+                                          <p:attrName>style.visibility</p:attrName>
+                                        </p:attrNameLst>
+                                      </p:cBhvr>
+                                      <p:to>
+                                        <p:strVal val="visible"/>
+                                      </p:to>
+                                    </p:set>
+                                  </p:childTnLst>
+                                </p:cTn>
+                              </p:par>
+                            </p:childTnLst>
+                          </p:cTn>
+                        </p:par>
+                      </p:childTnLst>
+                    </p:cTn>
+                  </p:par>
+                </p:childTnLst>
+              </p:cTn>
+              <p:prevCondLst>
+                <p:cond evt="onPrev" delay="0">
+                  <p:tgtEl>
+                    <p:sldTgt/>
+                  </p:tgtEl>
+                </p:cond>
+              </p:prevCondLst>
+              <p:nextCondLst>
+                <p:cond evt="onNext" delay="0">
+                  <p:tgtEl>
+                    <p:sldTgt/>
+                  </p:tgtEl>
+                </p:cond>
+              </p:nextCondLst>
+            </p:seq>
+          </p:childTnLst>
+        </p:cTn>
+      </p:par>
+    </p:tnLst>
+  </p:timing>
+</p:sld>
+</file>
+
+<file path=ppt/slides/slide6.xml><?xml version="1.0" encoding="utf-8"?>
+<p:sld xmlns:a="http://schemas.openxmlformats.org/drawingml/2006/main" xmlns:r="http://schemas.openxmlformats.org/officeDocument/2006/relationships" xmlns:p="http://schemas.openxmlformats.org/presentationml/2006/main">
+  <p:cSld>
+    <p:spTree>
+      <p:nvGrpSpPr>
+        <p:cNvPr id="1" name=""/>
+        <p:cNvGrpSpPr/>
+        <p:nvPr/>
+      </p:nvGrpSpPr>
+      <p:grpSpPr>
+        <a:xfrm>
+          <a:off x="0" y="0"/>
+          <a:ext cx="0" cy="0"/>
+          <a:chOff x="0" y="0"/>
+          <a:chExt cx="0" cy="0"/>
+        </a:xfrm>
+      </p:grpSpPr>
+      <p:sp>
+        <p:nvSpPr>
+          <p:cNvPr id="4" name="TextBox 3">
+            <a:extLst>
+              <a:ext uri="{FF2B5EF4-FFF2-40B4-BE49-F238E27FC236}">
+                <a16:creationId xmlns:a16="http://schemas.microsoft.com/office/drawing/2014/main" id="{0E4E45B2-07CC-43F3-92B9-C70644650306}"/>
+              </a:ext>
+            </a:extLst>
+          </p:cNvPr>
+          <p:cNvSpPr txBox="1"/>
+          <p:nvPr/>
+        </p:nvSpPr>
+        <p:spPr>
+          <a:xfrm>
+            <a:off x="247476" y="912820"/>
+            <a:ext cx="11944524" cy="7648248"/>
+          </a:xfrm>
+          <a:prstGeom prst="rect">
+            <a:avLst/>
+          </a:prstGeom>
+          <a:noFill/>
+        </p:spPr>
+        <p:txBody>
+          <a:bodyPr wrap="square" rtlCol="0">
+            <a:spAutoFit/>
+          </a:bodyPr>
+          <a:lstStyle/>
+          <a:p>
+            <a:pPr marL="285750" indent="-285750">
+              <a:buFont typeface="Arial" panose="020B0604020202020204" pitchFamily="34" charset="0"/>
+              <a:buChar char="•"/>
+            </a:pPr>
+            <a:r>
+              <a:rPr lang="en-US" sz="2800" dirty="0"/>
+              <a:t>Do not use “</a:t>
+            </a:r>
+            <a:r>
+              <a:rPr lang="en-US" sz="2800" dirty="0" err="1"/>
+              <a:t>s.t.</a:t>
+            </a:r>
+            <a:r>
+              <a:rPr lang="en-US" sz="2800" dirty="0"/>
+              <a:t>”  but you can instead use a comma.</a:t>
+            </a:r>
+          </a:p>
+          <a:p>
+            <a:pPr marL="285750" indent="-285750">
+              <a:buFont typeface="Arial" panose="020B0604020202020204" pitchFamily="34" charset="0"/>
+              <a:buChar char="•"/>
+            </a:pPr>
+            <a:endParaRPr lang="en-US" dirty="0"/>
+          </a:p>
+          <a:p>
+            <a:pPr marL="285750" indent="-285750">
+              <a:buFont typeface="Arial" panose="020B0604020202020204" pitchFamily="34" charset="0"/>
+              <a:buChar char="•"/>
+            </a:pPr>
+            <a:r>
+              <a:rPr lang="en-US" sz="3600" u="sng" dirty="0"/>
+              <a:t>How many people here use GitHub?</a:t>
+            </a:r>
+            <a:endParaRPr lang="en-US" sz="3600" dirty="0"/>
+          </a:p>
+          <a:p>
+            <a:pPr marL="285750" indent="-285750">
+              <a:buFont typeface="Arial" panose="020B0604020202020204" pitchFamily="34" charset="0"/>
+              <a:buChar char="•"/>
+            </a:pPr>
+            <a:endParaRPr lang="en-US" dirty="0"/>
+          </a:p>
+          <a:p>
+            <a:r>
+              <a:rPr lang="en-US" sz="2800" dirty="0"/>
+              <a:t>    Lecture Notes:</a:t>
+            </a:r>
+          </a:p>
+          <a:p>
+            <a:pPr marL="742950" lvl="1" indent="-285750">
+              <a:buFont typeface="Arial" panose="020B0604020202020204" pitchFamily="34" charset="0"/>
+              <a:buChar char="•"/>
+            </a:pPr>
+            <a:endParaRPr lang="en-US" sz="1400" dirty="0"/>
+          </a:p>
+          <a:p>
+            <a:pPr marL="742950" lvl="1" indent="-285750">
+              <a:buFont typeface="Arial" panose="020B0604020202020204" pitchFamily="34" charset="0"/>
+              <a:buChar char="•"/>
+            </a:pPr>
+            <a:r>
+              <a:rPr lang="en-US" sz="2800" dirty="0" err="1"/>
+              <a:t>Github</a:t>
+            </a:r>
+            <a:r>
+              <a:rPr lang="en-US" sz="2800" dirty="0"/>
+              <a:t> </a:t>
+            </a:r>
+            <a:r>
+              <a:rPr lang="en-US" sz="2800" dirty="0">
+                <a:sym typeface="Wingdings" panose="05000000000000000000" pitchFamily="2" charset="2"/>
+              </a:rPr>
+              <a:t> </a:t>
+            </a:r>
+            <a:r>
+              <a:rPr lang="en-US" sz="2800" dirty="0" err="1">
+                <a:sym typeface="Wingdings" panose="05000000000000000000" pitchFamily="2" charset="2"/>
+              </a:rPr>
+              <a:t>ndattani</a:t>
+            </a:r>
+            <a:r>
+              <a:rPr lang="en-US" sz="2800" dirty="0">
+                <a:sym typeface="Wingdings" panose="05000000000000000000" pitchFamily="2" charset="2"/>
+              </a:rPr>
+              <a:t>  </a:t>
+            </a:r>
+            <a:r>
+              <a:rPr lang="en-US" sz="2800" dirty="0" err="1">
+                <a:sym typeface="Wingdings" panose="05000000000000000000" pitchFamily="2" charset="2"/>
+              </a:rPr>
+              <a:t>Lecture_Notes</a:t>
+            </a:r>
+            <a:endParaRPr lang="en-US" sz="2800" dirty="0">
+              <a:sym typeface="Wingdings" panose="05000000000000000000" pitchFamily="2" charset="2"/>
+            </a:endParaRPr>
+          </a:p>
+          <a:p>
+            <a:pPr marL="742950" lvl="1" indent="-285750">
+              <a:buFont typeface="Arial" panose="020B0604020202020204" pitchFamily="34" charset="0"/>
+              <a:buChar char="•"/>
+            </a:pPr>
+            <a:endParaRPr lang="en-US" sz="1050" dirty="0"/>
+          </a:p>
+          <a:p>
+            <a:pPr marL="742950" lvl="1" indent="-285750">
+              <a:buFont typeface="Arial" panose="020B0604020202020204" pitchFamily="34" charset="0"/>
+              <a:buChar char="•"/>
+            </a:pPr>
+            <a:r>
+              <a:rPr lang="en-US" sz="2800" dirty="0">
+                <a:hlinkClick r:id="rId2"/>
+              </a:rPr>
+              <a:t>https://github.com/ndattani/Lecture_Notes</a:t>
+            </a:r>
+            <a:endParaRPr lang="en-US" sz="2800" dirty="0"/>
+          </a:p>
+          <a:p>
+            <a:pPr marL="285750" indent="-285750">
+              <a:buFont typeface="Arial" panose="020B0604020202020204" pitchFamily="34" charset="0"/>
+              <a:buChar char="•"/>
+            </a:pPr>
+            <a:endParaRPr lang="en-US" sz="1600" dirty="0"/>
+          </a:p>
+          <a:p>
+            <a:pPr marL="742950" lvl="1" indent="-285750">
+              <a:buFont typeface="Arial" panose="020B0604020202020204" pitchFamily="34" charset="0"/>
+              <a:buChar char="•"/>
+            </a:pPr>
+            <a:r>
+              <a:rPr lang="en-US" sz="2800" dirty="0"/>
+              <a:t>Private repository: send me your username and I’ll give you access!</a:t>
+            </a:r>
+          </a:p>
+          <a:p>
+            <a:pPr marL="742950" lvl="1" indent="-285750">
+              <a:buFont typeface="Arial" panose="020B0604020202020204" pitchFamily="34" charset="0"/>
+              <a:buChar char="•"/>
+            </a:pPr>
+            <a:endParaRPr lang="en-US" sz="1200" dirty="0"/>
+          </a:p>
+          <a:p>
+            <a:pPr marL="742950" lvl="1" indent="-285750">
+              <a:buFont typeface="Arial" panose="020B0604020202020204" pitchFamily="34" charset="0"/>
+              <a:buChar char="•"/>
+            </a:pPr>
+            <a:r>
+              <a:rPr lang="en-US" sz="2800" dirty="0"/>
+              <a:t>Tips for username: Just use your actual name!</a:t>
+            </a:r>
+          </a:p>
+          <a:p>
+            <a:pPr marL="1200150" lvl="2" indent="-285750">
+              <a:buFont typeface="Arial" panose="020B0604020202020204" pitchFamily="34" charset="0"/>
+              <a:buChar char="•"/>
+            </a:pPr>
+            <a:r>
+              <a:rPr lang="en-US" sz="2800" dirty="0"/>
+              <a:t>GitHub is a portfolio of all of your academic work, and later career work</a:t>
+            </a:r>
+          </a:p>
+          <a:p>
+            <a:pPr lvl="2"/>
+            <a:r>
+              <a:rPr lang="en-US" sz="2800" dirty="0"/>
+              <a:t>	</a:t>
+            </a:r>
+          </a:p>
+          <a:p>
+            <a:pPr marL="285750" indent="-285750">
+              <a:buFont typeface="Arial" panose="020B0604020202020204" pitchFamily="34" charset="0"/>
+              <a:buChar char="•"/>
+            </a:pPr>
+            <a:endParaRPr lang="en-US" sz="2800" dirty="0"/>
+          </a:p>
+          <a:p>
+            <a:pPr marL="285750" indent="-285750">
+              <a:buFont typeface="Arial" panose="020B0604020202020204" pitchFamily="34" charset="0"/>
+              <a:buChar char="•"/>
+            </a:pPr>
+            <a:endParaRPr lang="en-US" sz="2800" dirty="0"/>
+          </a:p>
+          <a:p>
+            <a:pPr marL="285750" indent="-285750">
+              <a:buFont typeface="Arial" panose="020B0604020202020204" pitchFamily="34" charset="0"/>
+              <a:buChar char="•"/>
+            </a:pPr>
+            <a:endParaRPr lang="en-US" sz="2800" dirty="0"/>
+          </a:p>
+          <a:p>
+            <a:pPr marL="285750" indent="-285750">
+              <a:buFont typeface="Arial" panose="020B0604020202020204" pitchFamily="34" charset="0"/>
+              <a:buChar char="•"/>
+            </a:pPr>
+            <a:endParaRPr lang="en-US" sz="1050" dirty="0"/>
+          </a:p>
+          <a:p>
+            <a:pPr lvl="1"/>
+            <a:endParaRPr lang="en-US" b="1" dirty="0">
+              <a:solidFill>
+                <a:srgbClr val="00B0F0"/>
+              </a:solidFill>
+            </a:endParaRPr>
+          </a:p>
+          <a:p>
+            <a:pPr lvl="1"/>
+            <a:endParaRPr lang="en-US" dirty="0"/>
+          </a:p>
+        </p:txBody>
+      </p:sp>
+      <p:sp>
+        <p:nvSpPr>
+          <p:cNvPr id="7" name="Subtitle 2">
+            <a:extLst>
+              <a:ext uri="{FF2B5EF4-FFF2-40B4-BE49-F238E27FC236}">
+                <a16:creationId xmlns:a16="http://schemas.microsoft.com/office/drawing/2014/main" id="{1B5C20C4-9C7B-4DCE-9AB6-AB8BA3CE0178}"/>
+              </a:ext>
+            </a:extLst>
+          </p:cNvPr>
+          <p:cNvSpPr>
+            <a:spLocks noGrp="1"/>
+          </p:cNvSpPr>
+          <p:nvPr>
+            <p:ph type="subTitle" idx="1"/>
+          </p:nvPr>
+        </p:nvSpPr>
+        <p:spPr>
+          <a:xfrm>
+            <a:off x="159391" y="85471"/>
+            <a:ext cx="11785133" cy="827349"/>
+          </a:xfrm>
+        </p:spPr>
+        <p:txBody>
+          <a:bodyPr>
+            <a:normAutofit/>
+          </a:bodyPr>
+          <a:lstStyle/>
+          <a:p>
+            <a:r>
+              <a:rPr lang="en-US" sz="4400" u="sng" dirty="0"/>
+              <a:t>Tips for MATH 135!</a:t>
+            </a:r>
+          </a:p>
+        </p:txBody>
+      </p:sp>
+    </p:spTree>
+    <p:extLst>
+      <p:ext uri="{BB962C8B-B14F-4D97-AF65-F5344CB8AC3E}">
+        <p14:creationId xmlns:p14="http://schemas.microsoft.com/office/powerpoint/2010/main" val="2586876365"/>
+      </p:ext>
+    </p:extLst>
+  </p:cSld>
+  <p:clrMapOvr>
+    <a:masterClrMapping/>
+  </p:clrMapOvr>
+  <p:timing>
+    <p:tnLst>
+      <p:par>
+        <p:cTn id="1" dur="indefinite" restart="never" nodeType="tmRoot">
+          <p:childTnLst>
+            <p:seq concurrent="1" nextAc="seek">
+              <p:cTn id="2" dur="indefinite" nodeType="mainSeq">
+                <p:childTnLst>
+                  <p:par>
+                    <p:cTn id="3" fill="hold">
+                      <p:stCondLst>
+                        <p:cond delay="indefinite"/>
+                      </p:stCondLst>
+                      <p:childTnLst>
+                        <p:par>
+                          <p:cTn id="4" fill="hold">
+                            <p:stCondLst>
+                              <p:cond delay="0"/>
+                            </p:stCondLst>
+                            <p:childTnLst>
+                              <p:par>
+                                <p:cTn id="5" presetID="1" presetClass="entr" presetSubtype="0" fill="hold" nodeType="clickEffect">
+                                  <p:stCondLst>
+                                    <p:cond delay="0"/>
+                                  </p:stCondLst>
+                                  <p:childTnLst>
+                                    <p:set>
+                                      <p:cBhvr>
+                                        <p:cTn id="6" dur="1" fill="hold">
+                                          <p:stCondLst>
+                                            <p:cond delay="0"/>
+                                          </p:stCondLst>
+                                        </p:cTn>
+                                        <p:tgtEl>
+                                          <p:spTgt spid="4">
+                                            <p:txEl>
+                                              <p:pRg st="2" end="2"/>
+                                            </p:txEl>
+                                          </p:spTgt>
+                                        </p:tgtEl>
+                                        <p:attrNameLst>
+                                          <p:attrName>style.visibility</p:attrName>
+                                        </p:attrNameLst>
+                                      </p:cBhvr>
+                                      <p:to>
+                                        <p:strVal val="visible"/>
+                                      </p:to>
+                                    </p:set>
+                                  </p:childTnLst>
+                                </p:cTn>
+                              </p:par>
+                            </p:childTnLst>
+                          </p:cTn>
+                        </p:par>
+                      </p:childTnLst>
+                    </p:cTn>
+                  </p:par>
+                  <p:par>
+                    <p:cTn id="7" fill="hold">
+                      <p:stCondLst>
+                        <p:cond delay="indefinite"/>
+                      </p:stCondLst>
+                      <p:childTnLst>
+                        <p:par>
+                          <p:cTn id="8" fill="hold">
+                            <p:stCondLst>
+                              <p:cond delay="0"/>
+                            </p:stCondLst>
+                            <p:childTnLst>
+                              <p:par>
+                                <p:cTn id="9" presetID="1" presetClass="entr" presetSubtype="0" fill="hold" nodeType="clickEffect">
+                                  <p:stCondLst>
+                                    <p:cond delay="0"/>
+                                  </p:stCondLst>
+                                  <p:childTnLst>
+                                    <p:set>
+                                      <p:cBhvr>
+                                        <p:cTn id="10" dur="1" fill="hold">
+                                          <p:stCondLst>
+                                            <p:cond delay="0"/>
+                                          </p:stCondLst>
+                                        </p:cTn>
+                                        <p:tgtEl>
+                                          <p:spTgt spid="4">
+                                            <p:txEl>
+                                              <p:pRg st="4" end="4"/>
+                                            </p:txEl>
+                                          </p:spTgt>
+                                        </p:tgtEl>
+                                        <p:attrNameLst>
+                                          <p:attrName>style.visibility</p:attrName>
+                                        </p:attrNameLst>
+                                      </p:cBhvr>
+                                      <p:to>
+                                        <p:strVal val="visible"/>
+                                      </p:to>
+                                    </p:set>
+                                  </p:childTnLst>
+                                </p:cTn>
+                              </p:par>
+                              <p:par>
+                                <p:cTn id="11" presetID="1" presetClass="entr" presetSubtype="0" fill="hold" nodeType="withEffect">
+                                  <p:stCondLst>
+                                    <p:cond delay="0"/>
+                                  </p:stCondLst>
+                                  <p:childTnLst>
+                                    <p:set>
+                                      <p:cBhvr>
+                                        <p:cTn id="12" dur="1" fill="hold">
+                                          <p:stCondLst>
+                                            <p:cond delay="0"/>
+                                          </p:stCondLst>
+                                        </p:cTn>
+                                        <p:tgtEl>
+                                          <p:spTgt spid="4">
+                                            <p:txEl>
+                                              <p:pRg st="6" end="6"/>
+                                            </p:txEl>
+                                          </p:spTgt>
+                                        </p:tgtEl>
+                                        <p:attrNameLst>
+                                          <p:attrName>style.visibility</p:attrName>
+                                        </p:attrNameLst>
+                                      </p:cBhvr>
+                                      <p:to>
+                                        <p:strVal val="visible"/>
+                                      </p:to>
+                                    </p:set>
+                                  </p:childTnLst>
+                                </p:cTn>
+                              </p:par>
+                              <p:par>
+                                <p:cTn id="13" presetID="1" presetClass="entr" presetSubtype="0" fill="hold" nodeType="withEffect">
+                                  <p:stCondLst>
+                                    <p:cond delay="0"/>
+                                  </p:stCondLst>
+                                  <p:childTnLst>
+                                    <p:set>
+                                      <p:cBhvr>
+                                        <p:cTn id="14" dur="1" fill="hold">
+                                          <p:stCondLst>
+                                            <p:cond delay="0"/>
+                                          </p:stCondLst>
+                                        </p:cTn>
+                                        <p:tgtEl>
+                                          <p:spTgt spid="4">
+                                            <p:txEl>
+                                              <p:pRg st="8" end="8"/>
+                                            </p:txEl>
+                                          </p:spTgt>
+                                        </p:tgtEl>
+                                        <p:attrNameLst>
+                                          <p:attrName>style.visibility</p:attrName>
+                                        </p:attrNameLst>
+                                      </p:cBhvr>
+                                      <p:to>
+                                        <p:strVal val="visible"/>
+                                      </p:to>
+                                    </p:set>
+                                  </p:childTnLst>
+                                </p:cTn>
+                              </p:par>
+                              <p:par>
+                                <p:cTn id="15" presetID="1" presetClass="entr" presetSubtype="0" fill="hold" nodeType="withEffect">
+                                  <p:stCondLst>
+                                    <p:cond delay="0"/>
+                                  </p:stCondLst>
+                                  <p:childTnLst>
+                                    <p:set>
+                                      <p:cBhvr>
+                                        <p:cTn id="16" dur="1" fill="hold">
+                                          <p:stCondLst>
+                                            <p:cond delay="0"/>
+                                          </p:stCondLst>
+                                        </p:cTn>
+                                        <p:tgtEl>
+                                          <p:spTgt spid="4">
+                                            <p:txEl>
+                                              <p:pRg st="10" end="10"/>
+                                            </p:txEl>
+                                          </p:spTgt>
+                                        </p:tgtEl>
+                                        <p:attrNameLst>
+                                          <p:attrName>style.visibility</p:attrName>
+                                        </p:attrNameLst>
+                                      </p:cBhvr>
+                                      <p:to>
+                                        <p:strVal val="visible"/>
+                                      </p:to>
+                                    </p:set>
+                                  </p:childTnLst>
+                                </p:cTn>
+                              </p:par>
+                              <p:par>
+                                <p:cTn id="17" presetID="1" presetClass="entr" presetSubtype="0" fill="hold" nodeType="withEffect">
+                                  <p:stCondLst>
+                                    <p:cond delay="0"/>
+                                  </p:stCondLst>
+                                  <p:childTnLst>
+                                    <p:set>
+                                      <p:cBhvr>
+                                        <p:cTn id="18" dur="1" fill="hold">
+                                          <p:stCondLst>
+                                            <p:cond delay="0"/>
+                                          </p:stCondLst>
+                                        </p:cTn>
+                                        <p:tgtEl>
+                                          <p:spTgt spid="4">
+                                            <p:txEl>
+                                              <p:pRg st="12" end="12"/>
+                                            </p:txEl>
+                                          </p:spTgt>
+                                        </p:tgtEl>
+                                        <p:attrNameLst>
+                                          <p:attrName>style.visibility</p:attrName>
+                                        </p:attrNameLst>
+                                      </p:cBhvr>
+                                      <p:to>
+                                        <p:strVal val="visible"/>
+                                      </p:to>
+                                    </p:set>
+                                  </p:childTnLst>
+                                </p:cTn>
+                              </p:par>
+                              <p:par>
+                                <p:cTn id="19" presetID="1" presetClass="entr" presetSubtype="0" fill="hold" nodeType="withEffect">
+                                  <p:stCondLst>
+                                    <p:cond delay="0"/>
+                                  </p:stCondLst>
+                                  <p:childTnLst>
+                                    <p:set>
+                                      <p:cBhvr>
+                                        <p:cTn id="20" dur="1" fill="hold">
+                                          <p:stCondLst>
+                                            <p:cond delay="0"/>
+                                          </p:stCondLst>
+                                        </p:cTn>
+                                        <p:tgtEl>
+                                          <p:spTgt spid="4">
+                                            <p:txEl>
+                                              <p:pRg st="13" end="13"/>
+                                            </p:txEl>
+                                          </p:spTgt>
+                                        </p:tgtEl>
+                                        <p:attrNameLst>
+                                          <p:attrName>style.visibility</p:attrName>
+                                        </p:attrNameLst>
+                                      </p:cBhvr>
+                                      <p:to>
+                                        <p:strVal val="visible"/>
+                                      </p:to>
+                                    </p:set>
+                                  </p:childTnLst>
+                                </p:cTn>
+                              </p:par>
+                              <p:par>
+                                <p:cTn id="21" presetID="1" presetClass="entr" presetSubtype="0" fill="hold" nodeType="withEffect">
+                                  <p:stCondLst>
+                                    <p:cond delay="0"/>
+                                  </p:stCondLst>
+                                  <p:childTnLst>
+                                    <p:set>
+                                      <p:cBhvr>
+                                        <p:cTn id="22" dur="1" fill="hold">
+                                          <p:stCondLst>
+                                            <p:cond delay="0"/>
+                                          </p:stCondLst>
+                                        </p:cTn>
+                                        <p:tgtEl>
+                                          <p:spTgt spid="4">
+                                            <p:txEl>
+                                              <p:pRg st="14" end="14"/>
+                                            </p:txEl>
+                                          </p:spTgt>
+                                        </p:tgtEl>
+                                        <p:attrNameLst>
+                                          <p:attrName>style.visibility</p:attrName>
+                                        </p:attrNameLst>
+                                      </p:cBhvr>
+                                      <p:to>
+                                        <p:strVal val="visible"/>
+                                      </p:to>
+                                    </p:set>
+                                  </p:childTnLst>
+                                </p:cTn>
+                              </p:par>
+                            </p:childTnLst>
+                          </p:cTn>
+                        </p:par>
+                      </p:childTnLst>
+                    </p:cTn>
+                  </p:par>
+                </p:childTnLst>
+              </p:cTn>
+              <p:prevCondLst>
+                <p:cond evt="onPrev" delay="0">
+                  <p:tgtEl>
+                    <p:sldTgt/>
+                  </p:tgtEl>
+                </p:cond>
+              </p:prevCondLst>
+              <p:nextCondLst>
+                <p:cond evt="onNext" delay="0">
+                  <p:tgtEl>
+                    <p:sldTgt/>
+                  </p:tgtEl>
+                </p:cond>
+              </p:nextCondLst>
+            </p:seq>
+          </p:childTnLst>
+        </p:cTn>
+      </p:par>
+    </p:tnLst>
+  </p:timing>
+</p:sld>
+</file>
+
+<file path=ppt/slides/slide7.xml><?xml version="1.0" encoding="utf-8"?>
+<p:sld xmlns:a="http://schemas.openxmlformats.org/drawingml/2006/main" xmlns:r="http://schemas.openxmlformats.org/officeDocument/2006/relationships" xmlns:p="http://schemas.openxmlformats.org/presentationml/2006/main">
+  <p:cSld>
+    <p:spTree>
+      <p:nvGrpSpPr>
+        <p:cNvPr id="1" name=""/>
+        <p:cNvGrpSpPr/>
+        <p:nvPr/>
+      </p:nvGrpSpPr>
+      <p:grpSpPr>
+        <a:xfrm>
+          <a:off x="0" y="0"/>
+          <a:ext cx="0" cy="0"/>
+          <a:chOff x="0" y="0"/>
+          <a:chExt cx="0" cy="0"/>
+        </a:xfrm>
+      </p:grpSpPr>
+      <p:pic>
+        <p:nvPicPr>
+          <p:cNvPr id="5" name="Picture 4">
+            <a:extLst>
+              <a:ext uri="{FF2B5EF4-FFF2-40B4-BE49-F238E27FC236}">
+                <a16:creationId xmlns:a16="http://schemas.microsoft.com/office/drawing/2014/main" id="{F0AA68B9-4A86-410C-AB2C-0EE653268F17}"/>
+              </a:ext>
+            </a:extLst>
+          </p:cNvPr>
+          <p:cNvPicPr>
+            <a:picLocks noChangeAspect="1"/>
+          </p:cNvPicPr>
+          <p:nvPr/>
+        </p:nvPicPr>
+        <p:blipFill>
+          <a:blip r:embed="rId2"/>
+          <a:stretch>
+            <a:fillRect/>
+          </a:stretch>
+        </p:blipFill>
+        <p:spPr>
+          <a:xfrm>
+            <a:off x="2018806" y="548680"/>
+            <a:ext cx="7614062" cy="5760639"/>
+          </a:xfrm>
+          <a:prstGeom prst="rect">
+            <a:avLst/>
+          </a:prstGeom>
+        </p:spPr>
+      </p:pic>
+    </p:spTree>
+    <p:extLst>
+      <p:ext uri="{BB962C8B-B14F-4D97-AF65-F5344CB8AC3E}">
+        <p14:creationId xmlns:p14="http://schemas.microsoft.com/office/powerpoint/2010/main" val="2163444980"/>
+      </p:ext>
+    </p:extLst>
+  </p:cSld>
+  <p:clrMapOvr>
+    <a:masterClrMapping/>
+  </p:clrMapOvr>
+</p:sld>
+</file>
+
+<file path=ppt/slides/slide8.xml><?xml version="1.0" encoding="utf-8"?>
+<p:sld xmlns:a="http://schemas.openxmlformats.org/drawingml/2006/main" xmlns:r="http://schemas.openxmlformats.org/officeDocument/2006/relationships" xmlns:p="http://schemas.openxmlformats.org/presentationml/2006/main">
+  <p:cSld>
+    <p:spTree>
+      <p:nvGrpSpPr>
+        <p:cNvPr id="1" name=""/>
+        <p:cNvGrpSpPr/>
+        <p:nvPr/>
+      </p:nvGrpSpPr>
+      <p:grpSpPr>
+        <a:xfrm>
+          <a:off x="0" y="0"/>
+          <a:ext cx="0" cy="0"/>
+          <a:chOff x="0" y="0"/>
+          <a:chExt cx="0" cy="0"/>
+        </a:xfrm>
+      </p:grpSpPr>
+      <p:pic>
+        <p:nvPicPr>
+          <p:cNvPr id="2" name="Picture 1">
+            <a:extLst>
+              <a:ext uri="{FF2B5EF4-FFF2-40B4-BE49-F238E27FC236}">
+                <a16:creationId xmlns:a16="http://schemas.microsoft.com/office/drawing/2014/main" id="{0204E58A-0EB6-43CF-8F44-B39F7A98EAE6}"/>
+              </a:ext>
+            </a:extLst>
+          </p:cNvPr>
+          <p:cNvPicPr>
+            <a:picLocks noChangeAspect="1"/>
+          </p:cNvPicPr>
+          <p:nvPr/>
+        </p:nvPicPr>
+        <p:blipFill>
+          <a:blip r:embed="rId2"/>
+          <a:stretch>
+            <a:fillRect/>
+          </a:stretch>
+        </p:blipFill>
+        <p:spPr>
+          <a:xfrm>
+            <a:off x="1524196" y="197582"/>
+            <a:ext cx="8664461" cy="6462836"/>
+          </a:xfrm>
+          <a:prstGeom prst="rect">
+            <a:avLst/>
+          </a:prstGeom>
+        </p:spPr>
+      </p:pic>
+    </p:spTree>
+    <p:extLst>
+      <p:ext uri="{BB962C8B-B14F-4D97-AF65-F5344CB8AC3E}">
+        <p14:creationId xmlns:p14="http://schemas.microsoft.com/office/powerpoint/2010/main" val="3897838079"/>
+      </p:ext>
+    </p:extLst>
+  </p:cSld>
+  <p:clrMapOvr>
+    <a:masterClrMapping/>
+  </p:clrMapOvr>
+</p:sld>
+</file>
+
+<file path=ppt/slides/slide9.xml><?xml version="1.0" encoding="utf-8"?>
+<p:sld xmlns:a="http://schemas.openxmlformats.org/drawingml/2006/main" xmlns:r="http://schemas.openxmlformats.org/officeDocument/2006/relationships" xmlns:p="http://schemas.openxmlformats.org/presentationml/2006/main">
+  <p:cSld>
+    <p:spTree>
+      <p:nvGrpSpPr>
+        <p:cNvPr id="1" name=""/>
+        <p:cNvGrpSpPr/>
+        <p:nvPr/>
+      </p:nvGrpSpPr>
+      <p:grpSpPr>
+        <a:xfrm>
+          <a:off x="0" y="0"/>
+          <a:ext cx="0" cy="0"/>
+          <a:chOff x="0" y="0"/>
+          <a:chExt cx="0" cy="0"/>
+        </a:xfrm>
+      </p:grpSpPr>
+      <p:pic>
+        <p:nvPicPr>
+          <p:cNvPr id="3" name="Picture 2">
+            <a:extLst>
+              <a:ext uri="{FF2B5EF4-FFF2-40B4-BE49-F238E27FC236}">
+                <a16:creationId xmlns:a16="http://schemas.microsoft.com/office/drawing/2014/main" id="{7A4E710C-15BB-4E86-8D88-325344E23C79}"/>
+              </a:ext>
+            </a:extLst>
+          </p:cNvPr>
+          <p:cNvPicPr>
+            <a:picLocks noChangeAspect="1"/>
+          </p:cNvPicPr>
+          <p:nvPr/>
+        </p:nvPicPr>
+        <p:blipFill>
+          <a:blip r:embed="rId2"/>
+          <a:stretch>
+            <a:fillRect/>
+          </a:stretch>
+        </p:blipFill>
+        <p:spPr>
+          <a:xfrm>
+            <a:off x="1650670" y="263845"/>
+            <a:ext cx="8511701" cy="6330310"/>
+          </a:xfrm>
+          <a:prstGeom prst="rect">
+            <a:avLst/>
+          </a:prstGeom>
+        </p:spPr>
+      </p:pic>
+    </p:spTree>
+    <p:extLst>
+      <p:ext uri="{BB962C8B-B14F-4D97-AF65-F5344CB8AC3E}">
+        <p14:creationId xmlns:p14="http://schemas.microsoft.com/office/powerpoint/2010/main" val="3183186961"/>
+      </p:ext>
+    </p:extLst>
+  </p:cSld>
+  <p:clrMapOvr>
+    <a:masterClrMapping/>
+  </p:clrMapOvr>
+</p:sld>
+</file>
+
 <file path=ppt/theme/theme1.xml><?xml version="1.0" encoding="utf-8"?>
 <a:theme xmlns:a="http://schemas.openxmlformats.org/drawingml/2006/main" name="Office Theme">
   <a:themeElements>

--- a/University_of_Waterloo/Fall_2021/MATH135/UW_Fall2021_MATH135_Lecture4.pptx
+++ b/University_of_Waterloo/Fall_2021/MATH135/UW_Fall2021_MATH135_Lecture4.pptx
@@ -4,6 +4,9 @@
   <p:sldMasterIdLst>
     <p:sldMasterId id="2147483648" r:id="rId1"/>
   </p:sldMasterIdLst>
+  <p:notesMasterIdLst>
+    <p:notesMasterId r:id="rId36"/>
+  </p:notesMasterIdLst>
   <p:sldIdLst>
     <p:sldId id="269" r:id="rId2"/>
     <p:sldId id="256" r:id="rId3"/>
@@ -37,20 +40,8 @@
     <p:sldId id="307" r:id="rId31"/>
     <p:sldId id="308" r:id="rId32"/>
     <p:sldId id="309" r:id="rId33"/>
-    <p:sldId id="272" r:id="rId34"/>
-    <p:sldId id="305" r:id="rId35"/>
-    <p:sldId id="306" r:id="rId36"/>
-    <p:sldId id="304" r:id="rId37"/>
-    <p:sldId id="273" r:id="rId38"/>
-    <p:sldId id="274" r:id="rId39"/>
-    <p:sldId id="275" r:id="rId40"/>
-    <p:sldId id="276" r:id="rId41"/>
-    <p:sldId id="277" r:id="rId42"/>
-    <p:sldId id="278" r:id="rId43"/>
-    <p:sldId id="279" r:id="rId44"/>
-    <p:sldId id="280" r:id="rId45"/>
-    <p:sldId id="267" r:id="rId46"/>
-    <p:sldId id="268" r:id="rId47"/>
+    <p:sldId id="305" r:id="rId34"/>
+    <p:sldId id="311" r:id="rId35"/>
   </p:sldIdLst>
   <p:sldSz cx="12192000" cy="6858000"/>
   <p:notesSz cx="6858000" cy="9144000"/>
@@ -157,6 +148,355 @@
 </p:presentation>
 </file>
 
+<file path=ppt/notesMasters/notesMaster1.xml><?xml version="1.0" encoding="utf-8"?>
+<p:notesMaster xmlns:a="http://schemas.openxmlformats.org/drawingml/2006/main" xmlns:r="http://schemas.openxmlformats.org/officeDocument/2006/relationships" xmlns:p="http://schemas.openxmlformats.org/presentationml/2006/main">
+  <p:cSld>
+    <p:bg>
+      <p:bgRef idx="1001">
+        <a:schemeClr val="bg1"/>
+      </p:bgRef>
+    </p:bg>
+    <p:spTree>
+      <p:nvGrpSpPr>
+        <p:cNvPr id="1" name=""/>
+        <p:cNvGrpSpPr/>
+        <p:nvPr/>
+      </p:nvGrpSpPr>
+      <p:grpSpPr>
+        <a:xfrm>
+          <a:off x="0" y="0"/>
+          <a:ext cx="0" cy="0"/>
+          <a:chOff x="0" y="0"/>
+          <a:chExt cx="0" cy="0"/>
+        </a:xfrm>
+      </p:grpSpPr>
+      <p:sp>
+        <p:nvSpPr>
+          <p:cNvPr id="2" name="Header Placeholder 1"/>
+          <p:cNvSpPr>
+            <a:spLocks noGrp="1"/>
+          </p:cNvSpPr>
+          <p:nvPr>
+            <p:ph type="hdr" sz="quarter"/>
+          </p:nvPr>
+        </p:nvSpPr>
+        <p:spPr>
+          <a:xfrm>
+            <a:off x="0" y="0"/>
+            <a:ext cx="2971800" cy="458788"/>
+          </a:xfrm>
+          <a:prstGeom prst="rect">
+            <a:avLst/>
+          </a:prstGeom>
+        </p:spPr>
+        <p:txBody>
+          <a:bodyPr vert="horz" lIns="91440" tIns="45720" rIns="91440" bIns="45720" rtlCol="0"/>
+          <a:lstStyle>
+            <a:lvl1pPr algn="l">
+              <a:defRPr sz="1200"/>
+            </a:lvl1pPr>
+          </a:lstStyle>
+          <a:p>
+            <a:endParaRPr lang="en-US"/>
+          </a:p>
+        </p:txBody>
+      </p:sp>
+      <p:sp>
+        <p:nvSpPr>
+          <p:cNvPr id="3" name="Date Placeholder 2"/>
+          <p:cNvSpPr>
+            <a:spLocks noGrp="1"/>
+          </p:cNvSpPr>
+          <p:nvPr>
+            <p:ph type="dt" idx="1"/>
+          </p:nvPr>
+        </p:nvSpPr>
+        <p:spPr>
+          <a:xfrm>
+            <a:off x="3884613" y="0"/>
+            <a:ext cx="2971800" cy="458788"/>
+          </a:xfrm>
+          <a:prstGeom prst="rect">
+            <a:avLst/>
+          </a:prstGeom>
+        </p:spPr>
+        <p:txBody>
+          <a:bodyPr vert="horz" lIns="91440" tIns="45720" rIns="91440" bIns="45720" rtlCol="0"/>
+          <a:lstStyle>
+            <a:lvl1pPr algn="r">
+              <a:defRPr sz="1200"/>
+            </a:lvl1pPr>
+          </a:lstStyle>
+          <a:p>
+            <a:fld id="{FDFA072B-9469-468D-A7B7-ED2DE3498A74}" type="datetimeFigureOut">
+              <a:rPr lang="en-US" smtClean="0"/>
+              <a:t>9/15/2021</a:t>
+            </a:fld>
+            <a:endParaRPr lang="en-US"/>
+          </a:p>
+        </p:txBody>
+      </p:sp>
+      <p:sp>
+        <p:nvSpPr>
+          <p:cNvPr id="4" name="Slide Image Placeholder 3"/>
+          <p:cNvSpPr>
+            <a:spLocks noGrp="1" noRot="1" noChangeAspect="1"/>
+          </p:cNvSpPr>
+          <p:nvPr>
+            <p:ph type="sldImg" idx="2"/>
+          </p:nvPr>
+        </p:nvSpPr>
+        <p:spPr>
+          <a:xfrm>
+            <a:off x="685800" y="1143000"/>
+            <a:ext cx="5486400" cy="3086100"/>
+          </a:xfrm>
+          <a:prstGeom prst="rect">
+            <a:avLst/>
+          </a:prstGeom>
+          <a:noFill/>
+          <a:ln w="12700">
+            <a:solidFill>
+              <a:prstClr val="black"/>
+            </a:solidFill>
+          </a:ln>
+        </p:spPr>
+        <p:txBody>
+          <a:bodyPr vert="horz" lIns="91440" tIns="45720" rIns="91440" bIns="45720" rtlCol="0" anchor="ctr"/>
+          <a:lstStyle/>
+          <a:p>
+            <a:endParaRPr lang="en-US"/>
+          </a:p>
+        </p:txBody>
+      </p:sp>
+      <p:sp>
+        <p:nvSpPr>
+          <p:cNvPr id="5" name="Notes Placeholder 4"/>
+          <p:cNvSpPr>
+            <a:spLocks noGrp="1"/>
+          </p:cNvSpPr>
+          <p:nvPr>
+            <p:ph type="body" sz="quarter" idx="3"/>
+          </p:nvPr>
+        </p:nvSpPr>
+        <p:spPr>
+          <a:xfrm>
+            <a:off x="685800" y="4400550"/>
+            <a:ext cx="5486400" cy="3600450"/>
+          </a:xfrm>
+          <a:prstGeom prst="rect">
+            <a:avLst/>
+          </a:prstGeom>
+        </p:spPr>
+        <p:txBody>
+          <a:bodyPr vert="horz" lIns="91440" tIns="45720" rIns="91440" bIns="45720" rtlCol="0"/>
+          <a:lstStyle/>
+          <a:p>
+            <a:pPr lvl="0"/>
+            <a:r>
+              <a:rPr lang="en-US"/>
+              <a:t>Edit Master text styles</a:t>
+            </a:r>
+          </a:p>
+          <a:p>
+            <a:pPr lvl="1"/>
+            <a:r>
+              <a:rPr lang="en-US"/>
+              <a:t>Second level</a:t>
+            </a:r>
+          </a:p>
+          <a:p>
+            <a:pPr lvl="2"/>
+            <a:r>
+              <a:rPr lang="en-US"/>
+              <a:t>Third level</a:t>
+            </a:r>
+          </a:p>
+          <a:p>
+            <a:pPr lvl="3"/>
+            <a:r>
+              <a:rPr lang="en-US"/>
+              <a:t>Fourth level</a:t>
+            </a:r>
+          </a:p>
+          <a:p>
+            <a:pPr lvl="4"/>
+            <a:r>
+              <a:rPr lang="en-US"/>
+              <a:t>Fifth level</a:t>
+            </a:r>
+          </a:p>
+        </p:txBody>
+      </p:sp>
+      <p:sp>
+        <p:nvSpPr>
+          <p:cNvPr id="6" name="Footer Placeholder 5"/>
+          <p:cNvSpPr>
+            <a:spLocks noGrp="1"/>
+          </p:cNvSpPr>
+          <p:nvPr>
+            <p:ph type="ftr" sz="quarter" idx="4"/>
+          </p:nvPr>
+        </p:nvSpPr>
+        <p:spPr>
+          <a:xfrm>
+            <a:off x="0" y="8685213"/>
+            <a:ext cx="2971800" cy="458787"/>
+          </a:xfrm>
+          <a:prstGeom prst="rect">
+            <a:avLst/>
+          </a:prstGeom>
+        </p:spPr>
+        <p:txBody>
+          <a:bodyPr vert="horz" lIns="91440" tIns="45720" rIns="91440" bIns="45720" rtlCol="0" anchor="b"/>
+          <a:lstStyle>
+            <a:lvl1pPr algn="l">
+              <a:defRPr sz="1200"/>
+            </a:lvl1pPr>
+          </a:lstStyle>
+          <a:p>
+            <a:endParaRPr lang="en-US"/>
+          </a:p>
+        </p:txBody>
+      </p:sp>
+      <p:sp>
+        <p:nvSpPr>
+          <p:cNvPr id="7" name="Slide Number Placeholder 6"/>
+          <p:cNvSpPr>
+            <a:spLocks noGrp="1"/>
+          </p:cNvSpPr>
+          <p:nvPr>
+            <p:ph type="sldNum" sz="quarter" idx="5"/>
+          </p:nvPr>
+        </p:nvSpPr>
+        <p:spPr>
+          <a:xfrm>
+            <a:off x="3884613" y="8685213"/>
+            <a:ext cx="2971800" cy="458787"/>
+          </a:xfrm>
+          <a:prstGeom prst="rect">
+            <a:avLst/>
+          </a:prstGeom>
+        </p:spPr>
+        <p:txBody>
+          <a:bodyPr vert="horz" lIns="91440" tIns="45720" rIns="91440" bIns="45720" rtlCol="0" anchor="b"/>
+          <a:lstStyle>
+            <a:lvl1pPr algn="r">
+              <a:defRPr sz="1200"/>
+            </a:lvl1pPr>
+          </a:lstStyle>
+          <a:p>
+            <a:fld id="{CF3170AD-C141-490C-99B6-D86CEC071EE0}" type="slidenum">
+              <a:rPr lang="en-US" smtClean="0"/>
+              <a:t>‹#›</a:t>
+            </a:fld>
+            <a:endParaRPr lang="en-US"/>
+          </a:p>
+        </p:txBody>
+      </p:sp>
+    </p:spTree>
+    <p:extLst>
+      <p:ext uri="{BB962C8B-B14F-4D97-AF65-F5344CB8AC3E}">
+        <p14:creationId xmlns:p14="http://schemas.microsoft.com/office/powerpoint/2010/main" val="3857800808"/>
+      </p:ext>
+    </p:extLst>
+  </p:cSld>
+  <p:clrMap bg1="lt1" tx1="dk1" bg2="lt2" tx2="dk2" accent1="accent1" accent2="accent2" accent3="accent3" accent4="accent4" accent5="accent5" accent6="accent6" hlink="hlink" folHlink="folHlink"/>
+  <p:notesStyle>
+    <a:lvl1pPr marL="0" algn="l" defTabSz="914400" rtl="0" eaLnBrk="1" latinLnBrk="0" hangingPunct="1">
+      <a:defRPr sz="1200" kern="1200">
+        <a:solidFill>
+          <a:schemeClr val="tx1"/>
+        </a:solidFill>
+        <a:latin typeface="+mn-lt"/>
+        <a:ea typeface="+mn-ea"/>
+        <a:cs typeface="+mn-cs"/>
+      </a:defRPr>
+    </a:lvl1pPr>
+    <a:lvl2pPr marL="457200" algn="l" defTabSz="914400" rtl="0" eaLnBrk="1" latinLnBrk="0" hangingPunct="1">
+      <a:defRPr sz="1200" kern="1200">
+        <a:solidFill>
+          <a:schemeClr val="tx1"/>
+        </a:solidFill>
+        <a:latin typeface="+mn-lt"/>
+        <a:ea typeface="+mn-ea"/>
+        <a:cs typeface="+mn-cs"/>
+      </a:defRPr>
+    </a:lvl2pPr>
+    <a:lvl3pPr marL="914400" algn="l" defTabSz="914400" rtl="0" eaLnBrk="1" latinLnBrk="0" hangingPunct="1">
+      <a:defRPr sz="1200" kern="1200">
+        <a:solidFill>
+          <a:schemeClr val="tx1"/>
+        </a:solidFill>
+        <a:latin typeface="+mn-lt"/>
+        <a:ea typeface="+mn-ea"/>
+        <a:cs typeface="+mn-cs"/>
+      </a:defRPr>
+    </a:lvl3pPr>
+    <a:lvl4pPr marL="1371600" algn="l" defTabSz="914400" rtl="0" eaLnBrk="1" latinLnBrk="0" hangingPunct="1">
+      <a:defRPr sz="1200" kern="1200">
+        <a:solidFill>
+          <a:schemeClr val="tx1"/>
+        </a:solidFill>
+        <a:latin typeface="+mn-lt"/>
+        <a:ea typeface="+mn-ea"/>
+        <a:cs typeface="+mn-cs"/>
+      </a:defRPr>
+    </a:lvl4pPr>
+    <a:lvl5pPr marL="1828800" algn="l" defTabSz="914400" rtl="0" eaLnBrk="1" latinLnBrk="0" hangingPunct="1">
+      <a:defRPr sz="1200" kern="1200">
+        <a:solidFill>
+          <a:schemeClr val="tx1"/>
+        </a:solidFill>
+        <a:latin typeface="+mn-lt"/>
+        <a:ea typeface="+mn-ea"/>
+        <a:cs typeface="+mn-cs"/>
+      </a:defRPr>
+    </a:lvl5pPr>
+    <a:lvl6pPr marL="2286000" algn="l" defTabSz="914400" rtl="0" eaLnBrk="1" latinLnBrk="0" hangingPunct="1">
+      <a:defRPr sz="1200" kern="1200">
+        <a:solidFill>
+          <a:schemeClr val="tx1"/>
+        </a:solidFill>
+        <a:latin typeface="+mn-lt"/>
+        <a:ea typeface="+mn-ea"/>
+        <a:cs typeface="+mn-cs"/>
+      </a:defRPr>
+    </a:lvl6pPr>
+    <a:lvl7pPr marL="2743200" algn="l" defTabSz="914400" rtl="0" eaLnBrk="1" latinLnBrk="0" hangingPunct="1">
+      <a:defRPr sz="1200" kern="1200">
+        <a:solidFill>
+          <a:schemeClr val="tx1"/>
+        </a:solidFill>
+        <a:latin typeface="+mn-lt"/>
+        <a:ea typeface="+mn-ea"/>
+        <a:cs typeface="+mn-cs"/>
+      </a:defRPr>
+    </a:lvl7pPr>
+    <a:lvl8pPr marL="3200400" algn="l" defTabSz="914400" rtl="0" eaLnBrk="1" latinLnBrk="0" hangingPunct="1">
+      <a:defRPr sz="1200" kern="1200">
+        <a:solidFill>
+          <a:schemeClr val="tx1"/>
+        </a:solidFill>
+        <a:latin typeface="+mn-lt"/>
+        <a:ea typeface="+mn-ea"/>
+        <a:cs typeface="+mn-cs"/>
+      </a:defRPr>
+    </a:lvl8pPr>
+    <a:lvl9pPr marL="3657600" algn="l" defTabSz="914400" rtl="0" eaLnBrk="1" latinLnBrk="0" hangingPunct="1">
+      <a:defRPr sz="1200" kern="1200">
+        <a:solidFill>
+          <a:schemeClr val="tx1"/>
+        </a:solidFill>
+        <a:latin typeface="+mn-lt"/>
+        <a:ea typeface="+mn-ea"/>
+        <a:cs typeface="+mn-cs"/>
+      </a:defRPr>
+    </a:lvl9pPr>
+  </p:notesStyle>
+</p:notesMaster>
+</file>
+
 <file path=ppt/slideLayouts/slideLayout1.xml><?xml version="1.0" encoding="utf-8"?>
 <p:sldLayout xmlns:a="http://schemas.openxmlformats.org/drawingml/2006/main" xmlns:r="http://schemas.openxmlformats.org/officeDocument/2006/relationships" xmlns:p="http://schemas.openxmlformats.org/presentationml/2006/main" type="title" preserve="1">
   <p:cSld name="Title Slide">
@@ -302,7 +642,7 @@
           <a:bodyPr/>
           <a:lstStyle/>
           <a:p>
-            <a:fld id="{6290209C-503C-4F42-9D62-38FCC3384F43}" type="datetimeFigureOut">
+            <a:fld id="{1C2423CD-2273-4DC4-8E3F-83883238502A}" type="datetime1">
               <a:rPr lang="en-US" smtClean="0"/>
               <a:t>9/15/2021</a:t>
             </a:fld>
@@ -326,41 +666,20 @@
             <p:ph type="ftr" sz="quarter" idx="11"/>
           </p:nvPr>
         </p:nvSpPr>
-        <p:spPr/>
+        <p:spPr>
+          <a:xfrm>
+            <a:off x="8850630" y="6539864"/>
+            <a:ext cx="4114800" cy="365125"/>
+          </a:xfrm>
+        </p:spPr>
         <p:txBody>
           <a:bodyPr/>
           <a:lstStyle/>
           <a:p>
-            <a:endParaRPr lang="en-US"/>
-          </a:p>
-        </p:txBody>
-      </p:sp>
-      <p:sp>
-        <p:nvSpPr>
-          <p:cNvPr id="6" name="Slide Number Placeholder 5">
-            <a:extLst>
-              <a:ext uri="{FF2B5EF4-FFF2-40B4-BE49-F238E27FC236}">
-                <a16:creationId xmlns:a16="http://schemas.microsoft.com/office/drawing/2014/main" id="{0C4019FA-7821-4938-BCFD-E19FA93F995C}"/>
-              </a:ext>
-            </a:extLst>
-          </p:cNvPr>
-          <p:cNvSpPr>
-            <a:spLocks noGrp="1"/>
-          </p:cNvSpPr>
-          <p:nvPr>
-            <p:ph type="sldNum" sz="quarter" idx="12"/>
-          </p:nvPr>
-        </p:nvSpPr>
-        <p:spPr/>
-        <p:txBody>
-          <a:bodyPr/>
-          <a:lstStyle/>
-          <a:p>
-            <a:fld id="{F76B1B54-9536-4654-B658-6C9F83E3D8D2}" type="slidenum">
-              <a:rPr lang="en-US" smtClean="0"/>
-              <a:t>‹#›</a:t>
-            </a:fld>
-            <a:endParaRPr lang="en-US"/>
+            <a:r>
+              <a:rPr lang="en-US" dirty="0"/>
+              <a:t>Dr. Nike Dattani, MATH 135, Fall 2021</a:t>
+            </a:r>
           </a:p>
         </p:txBody>
       </p:sp>
@@ -500,7 +819,7 @@
           <a:bodyPr/>
           <a:lstStyle/>
           <a:p>
-            <a:fld id="{6290209C-503C-4F42-9D62-38FCC3384F43}" type="datetimeFigureOut">
+            <a:fld id="{798285AA-0DCE-4B51-9123-EC4AC79557F9}" type="datetime1">
               <a:rPr lang="en-US" smtClean="0"/>
               <a:t>9/15/2021</a:t>
             </a:fld>
@@ -529,6 +848,10 @@
           <a:bodyPr/>
           <a:lstStyle/>
           <a:p>
+            <a:r>
+              <a:rPr lang="sv-SE"/>
+              <a:t>Dr. Nike Dattani, MATH 135, Fall 2021</a:t>
+            </a:r>
             <a:endParaRPr lang="en-US"/>
           </a:p>
         </p:txBody>
@@ -708,7 +1031,7 @@
           <a:bodyPr/>
           <a:lstStyle/>
           <a:p>
-            <a:fld id="{6290209C-503C-4F42-9D62-38FCC3384F43}" type="datetimeFigureOut">
+            <a:fld id="{1BCBA4FB-A7F6-42FA-8CC6-75C3908C54C0}" type="datetime1">
               <a:rPr lang="en-US" smtClean="0"/>
               <a:t>9/15/2021</a:t>
             </a:fld>
@@ -737,6 +1060,10 @@
           <a:bodyPr/>
           <a:lstStyle/>
           <a:p>
+            <a:r>
+              <a:rPr lang="sv-SE"/>
+              <a:t>Dr. Nike Dattani, MATH 135, Fall 2021</a:t>
+            </a:r>
             <a:endParaRPr lang="en-US"/>
           </a:p>
         </p:txBody>
@@ -906,7 +1233,7 @@
           <a:bodyPr/>
           <a:lstStyle/>
           <a:p>
-            <a:fld id="{6290209C-503C-4F42-9D62-38FCC3384F43}" type="datetimeFigureOut">
+            <a:fld id="{FF98B6DF-C511-453D-80D1-6A936F24DDAD}" type="datetime1">
               <a:rPr lang="en-US" smtClean="0"/>
               <a:t>9/15/2021</a:t>
             </a:fld>
@@ -935,6 +1262,10 @@
           <a:bodyPr/>
           <a:lstStyle/>
           <a:p>
+            <a:r>
+              <a:rPr lang="sv-SE"/>
+              <a:t>Dr. Nike Dattani, MATH 135, Fall 2021</a:t>
+            </a:r>
             <a:endParaRPr lang="en-US"/>
           </a:p>
         </p:txBody>
@@ -1181,7 +1512,7 @@
           <a:bodyPr/>
           <a:lstStyle/>
           <a:p>
-            <a:fld id="{6290209C-503C-4F42-9D62-38FCC3384F43}" type="datetimeFigureOut">
+            <a:fld id="{4589B1C4-3072-46BA-82C6-A48724D00CAB}" type="datetime1">
               <a:rPr lang="en-US" smtClean="0"/>
               <a:t>9/15/2021</a:t>
             </a:fld>
@@ -1210,6 +1541,10 @@
           <a:bodyPr/>
           <a:lstStyle/>
           <a:p>
+            <a:r>
+              <a:rPr lang="sv-SE"/>
+              <a:t>Dr. Nike Dattani, MATH 135, Fall 2021</a:t>
+            </a:r>
             <a:endParaRPr lang="en-US"/>
           </a:p>
         </p:txBody>
@@ -1446,7 +1781,7 @@
           <a:bodyPr/>
           <a:lstStyle/>
           <a:p>
-            <a:fld id="{6290209C-503C-4F42-9D62-38FCC3384F43}" type="datetimeFigureOut">
+            <a:fld id="{76F95E83-A363-46BB-8E14-19BADAC5D9FE}" type="datetime1">
               <a:rPr lang="en-US" smtClean="0"/>
               <a:t>9/15/2021</a:t>
             </a:fld>
@@ -1475,6 +1810,10 @@
           <a:bodyPr/>
           <a:lstStyle/>
           <a:p>
+            <a:r>
+              <a:rPr lang="sv-SE"/>
+              <a:t>Dr. Nike Dattani, MATH 135, Fall 2021</a:t>
+            </a:r>
             <a:endParaRPr lang="en-US"/>
           </a:p>
         </p:txBody>
@@ -1858,7 +2197,7 @@
           <a:bodyPr/>
           <a:lstStyle/>
           <a:p>
-            <a:fld id="{6290209C-503C-4F42-9D62-38FCC3384F43}" type="datetimeFigureOut">
+            <a:fld id="{97442E9A-7D8A-46F5-9106-F2FD57E08547}" type="datetime1">
               <a:rPr lang="en-US" smtClean="0"/>
               <a:t>9/15/2021</a:t>
             </a:fld>
@@ -1887,6 +2226,10 @@
           <a:bodyPr/>
           <a:lstStyle/>
           <a:p>
+            <a:r>
+              <a:rPr lang="sv-SE"/>
+              <a:t>Dr. Nike Dattani, MATH 135, Fall 2021</a:t>
+            </a:r>
             <a:endParaRPr lang="en-US"/>
           </a:p>
         </p:txBody>
@@ -1999,7 +2342,7 @@
           <a:bodyPr/>
           <a:lstStyle/>
           <a:p>
-            <a:fld id="{6290209C-503C-4F42-9D62-38FCC3384F43}" type="datetimeFigureOut">
+            <a:fld id="{9A7168F9-25D4-43D1-9D40-3A911DA1FF47}" type="datetime1">
               <a:rPr lang="en-US" smtClean="0"/>
               <a:t>9/15/2021</a:t>
             </a:fld>
@@ -2028,6 +2371,10 @@
           <a:bodyPr/>
           <a:lstStyle/>
           <a:p>
+            <a:r>
+              <a:rPr lang="sv-SE"/>
+              <a:t>Dr. Nike Dattani, MATH 135, Fall 2021</a:t>
+            </a:r>
             <a:endParaRPr lang="en-US"/>
           </a:p>
         </p:txBody>
@@ -2112,7 +2459,7 @@
           <a:bodyPr/>
           <a:lstStyle/>
           <a:p>
-            <a:fld id="{6290209C-503C-4F42-9D62-38FCC3384F43}" type="datetimeFigureOut">
+            <a:fld id="{C40F1D92-52DE-4FA4-BF89-650DC17B91CE}" type="datetime1">
               <a:rPr lang="en-US" smtClean="0"/>
               <a:t>9/15/2021</a:t>
             </a:fld>
@@ -2141,6 +2488,10 @@
           <a:bodyPr/>
           <a:lstStyle/>
           <a:p>
+            <a:r>
+              <a:rPr lang="sv-SE"/>
+              <a:t>Dr. Nike Dattani, MATH 135, Fall 2021</a:t>
+            </a:r>
             <a:endParaRPr lang="en-US"/>
           </a:p>
         </p:txBody>
@@ -2423,7 +2774,7 @@
           <a:bodyPr/>
           <a:lstStyle/>
           <a:p>
-            <a:fld id="{6290209C-503C-4F42-9D62-38FCC3384F43}" type="datetimeFigureOut">
+            <a:fld id="{FD36810C-E8AC-4C34-BC13-2B0240CC477A}" type="datetime1">
               <a:rPr lang="en-US" smtClean="0"/>
               <a:t>9/15/2021</a:t>
             </a:fld>
@@ -2452,6 +2803,10 @@
           <a:bodyPr/>
           <a:lstStyle/>
           <a:p>
+            <a:r>
+              <a:rPr lang="sv-SE"/>
+              <a:t>Dr. Nike Dattani, MATH 135, Fall 2021</a:t>
+            </a:r>
             <a:endParaRPr lang="en-US"/>
           </a:p>
         </p:txBody>
@@ -2711,7 +3066,7 @@
           <a:bodyPr/>
           <a:lstStyle/>
           <a:p>
-            <a:fld id="{6290209C-503C-4F42-9D62-38FCC3384F43}" type="datetimeFigureOut">
+            <a:fld id="{83FFA161-7F83-4796-A0A2-12AE4E5369DE}" type="datetime1">
               <a:rPr lang="en-US" smtClean="0"/>
               <a:t>9/15/2021</a:t>
             </a:fld>
@@ -2740,6 +3095,10 @@
           <a:bodyPr/>
           <a:lstStyle/>
           <a:p>
+            <a:r>
+              <a:rPr lang="sv-SE"/>
+              <a:t>Dr. Nike Dattani, MATH 135, Fall 2021</a:t>
+            </a:r>
             <a:endParaRPr lang="en-US"/>
           </a:p>
         </p:txBody>
@@ -2952,7 +3311,7 @@
             </a:lvl1pPr>
           </a:lstStyle>
           <a:p>
-            <a:fld id="{6290209C-503C-4F42-9D62-38FCC3384F43}" type="datetimeFigureOut">
+            <a:fld id="{2838366F-C4C1-4766-8824-82CE78B09586}" type="datetime1">
               <a:rPr lang="en-US" smtClean="0"/>
               <a:t>9/15/2021</a:t>
             </a:fld>
@@ -2999,6 +3358,10 @@
             </a:lvl1pPr>
           </a:lstStyle>
           <a:p>
+            <a:r>
+              <a:rPr lang="sv-SE"/>
+              <a:t>Dr. Nike Dattani, MATH 135, Fall 2021</a:t>
+            </a:r>
             <a:endParaRPr lang="en-US"/>
           </a:p>
         </p:txBody>
@@ -3071,6 +3434,7 @@
     <p:sldLayoutId id="2147483658" r:id="rId10"/>
     <p:sldLayoutId id="2147483659" r:id="rId11"/>
   </p:sldLayoutIdLst>
+  <p:hf sldNum="0" hdr="0" dt="0"/>
   <p:txStyles>
     <p:titleStyle>
       <a:lvl1pPr algn="l" defTabSz="914400" rtl="0" eaLnBrk="1" latinLnBrk="0" hangingPunct="1">
@@ -3429,6 +3793,34 @@
           </a:p>
           <a:p>
             <a:endParaRPr lang="en-US" sz="4400" dirty="0"/>
+          </a:p>
+        </p:txBody>
+      </p:sp>
+      <p:sp>
+        <p:nvSpPr>
+          <p:cNvPr id="2" name="Footer Placeholder 1">
+            <a:extLst>
+              <a:ext uri="{FF2B5EF4-FFF2-40B4-BE49-F238E27FC236}">
+                <a16:creationId xmlns:a16="http://schemas.microsoft.com/office/drawing/2014/main" id="{3B39C1FA-D945-4AD8-9523-7EA74F5A0299}"/>
+              </a:ext>
+            </a:extLst>
+          </p:cNvPr>
+          <p:cNvSpPr>
+            <a:spLocks noGrp="1"/>
+          </p:cNvSpPr>
+          <p:nvPr>
+            <p:ph type="ftr" sz="quarter" idx="11"/>
+          </p:nvPr>
+        </p:nvSpPr>
+        <p:spPr/>
+        <p:txBody>
+          <a:bodyPr/>
+          <a:lstStyle/>
+          <a:p>
+            <a:r>
+              <a:rPr lang="en-US" dirty="0"/>
+              <a:t>Dr. Nike Dattani, MATH 135, Fall 2021</a:t>
+            </a:r>
           </a:p>
         </p:txBody>
       </p:sp>
@@ -4864,6 +5256,35 @@
           </a:p>
         </p:txBody>
       </p:sp>
+      <p:sp>
+        <p:nvSpPr>
+          <p:cNvPr id="2" name="Footer Placeholder 1">
+            <a:extLst>
+              <a:ext uri="{FF2B5EF4-FFF2-40B4-BE49-F238E27FC236}">
+                <a16:creationId xmlns:a16="http://schemas.microsoft.com/office/drawing/2014/main" id="{F0DF353D-F403-4CD0-9D37-C874876D4A7F}"/>
+              </a:ext>
+            </a:extLst>
+          </p:cNvPr>
+          <p:cNvSpPr>
+            <a:spLocks noGrp="1"/>
+          </p:cNvSpPr>
+          <p:nvPr>
+            <p:ph type="ftr" sz="quarter" idx="11"/>
+          </p:nvPr>
+        </p:nvSpPr>
+        <p:spPr/>
+        <p:txBody>
+          <a:bodyPr/>
+          <a:lstStyle/>
+          <a:p>
+            <a:r>
+              <a:rPr lang="en-US"/>
+              <a:t>Dr. Nike Dattani, MATH 135, Fall 2021</a:t>
+            </a:r>
+            <a:endParaRPr lang="en-US" dirty="0"/>
+          </a:p>
+        </p:txBody>
+      </p:sp>
     </p:spTree>
     <p:extLst>
       <p:ext uri="{BB962C8B-B14F-4D97-AF65-F5344CB8AC3E}">
@@ -6242,6 +6663,35 @@
           </a:p>
         </p:txBody>
       </p:sp>
+      <p:sp>
+        <p:nvSpPr>
+          <p:cNvPr id="2" name="Footer Placeholder 1">
+            <a:extLst>
+              <a:ext uri="{FF2B5EF4-FFF2-40B4-BE49-F238E27FC236}">
+                <a16:creationId xmlns:a16="http://schemas.microsoft.com/office/drawing/2014/main" id="{D39D3A85-C382-415A-9CFC-56B3D6CE604F}"/>
+              </a:ext>
+            </a:extLst>
+          </p:cNvPr>
+          <p:cNvSpPr>
+            <a:spLocks noGrp="1"/>
+          </p:cNvSpPr>
+          <p:nvPr>
+            <p:ph type="ftr" sz="quarter" idx="11"/>
+          </p:nvPr>
+        </p:nvSpPr>
+        <p:spPr/>
+        <p:txBody>
+          <a:bodyPr/>
+          <a:lstStyle/>
+          <a:p>
+            <a:r>
+              <a:rPr lang="en-US"/>
+              <a:t>Dr. Nike Dattani, MATH 135, Fall 2021</a:t>
+            </a:r>
+            <a:endParaRPr lang="en-US" dirty="0"/>
+          </a:p>
+        </p:txBody>
+      </p:sp>
     </p:spTree>
     <p:extLst>
       <p:ext uri="{BB962C8B-B14F-4D97-AF65-F5344CB8AC3E}">
@@ -7566,6 +8016,35 @@
           </a:p>
         </p:txBody>
       </p:sp>
+      <p:sp>
+        <p:nvSpPr>
+          <p:cNvPr id="2" name="Footer Placeholder 1">
+            <a:extLst>
+              <a:ext uri="{FF2B5EF4-FFF2-40B4-BE49-F238E27FC236}">
+                <a16:creationId xmlns:a16="http://schemas.microsoft.com/office/drawing/2014/main" id="{E39273CF-7DFF-447B-8B18-C419FFFC8074}"/>
+              </a:ext>
+            </a:extLst>
+          </p:cNvPr>
+          <p:cNvSpPr>
+            <a:spLocks noGrp="1"/>
+          </p:cNvSpPr>
+          <p:nvPr>
+            <p:ph type="ftr" sz="quarter" idx="11"/>
+          </p:nvPr>
+        </p:nvSpPr>
+        <p:spPr/>
+        <p:txBody>
+          <a:bodyPr/>
+          <a:lstStyle/>
+          <a:p>
+            <a:r>
+              <a:rPr lang="en-US"/>
+              <a:t>Dr. Nike Dattani, MATH 135, Fall 2021</a:t>
+            </a:r>
+            <a:endParaRPr lang="en-US" dirty="0"/>
+          </a:p>
+        </p:txBody>
+      </p:sp>
     </p:spTree>
     <p:extLst>
       <p:ext uri="{BB962C8B-B14F-4D97-AF65-F5344CB8AC3E}">
@@ -8836,6 +9315,35 @@
           </a:p>
         </p:txBody>
       </p:sp>
+      <p:sp>
+        <p:nvSpPr>
+          <p:cNvPr id="2" name="Footer Placeholder 1">
+            <a:extLst>
+              <a:ext uri="{FF2B5EF4-FFF2-40B4-BE49-F238E27FC236}">
+                <a16:creationId xmlns:a16="http://schemas.microsoft.com/office/drawing/2014/main" id="{E4913C3A-C118-4A94-AB78-8AE74025BC45}"/>
+              </a:ext>
+            </a:extLst>
+          </p:cNvPr>
+          <p:cNvSpPr>
+            <a:spLocks noGrp="1"/>
+          </p:cNvSpPr>
+          <p:nvPr>
+            <p:ph type="ftr" sz="quarter" idx="11"/>
+          </p:nvPr>
+        </p:nvSpPr>
+        <p:spPr/>
+        <p:txBody>
+          <a:bodyPr/>
+          <a:lstStyle/>
+          <a:p>
+            <a:r>
+              <a:rPr lang="en-US"/>
+              <a:t>Dr. Nike Dattani, MATH 135, Fall 2021</a:t>
+            </a:r>
+            <a:endParaRPr lang="en-US" dirty="0"/>
+          </a:p>
+        </p:txBody>
+      </p:sp>
     </p:spTree>
     <p:extLst>
       <p:ext uri="{BB962C8B-B14F-4D97-AF65-F5344CB8AC3E}">
@@ -10052,6 +10560,35 @@
           </a:p>
         </p:txBody>
       </p:sp>
+      <p:sp>
+        <p:nvSpPr>
+          <p:cNvPr id="2" name="Footer Placeholder 1">
+            <a:extLst>
+              <a:ext uri="{FF2B5EF4-FFF2-40B4-BE49-F238E27FC236}">
+                <a16:creationId xmlns:a16="http://schemas.microsoft.com/office/drawing/2014/main" id="{74BCD678-E0FD-4E02-A2F9-9C684939AA46}"/>
+              </a:ext>
+            </a:extLst>
+          </p:cNvPr>
+          <p:cNvSpPr>
+            <a:spLocks noGrp="1"/>
+          </p:cNvSpPr>
+          <p:nvPr>
+            <p:ph type="ftr" sz="quarter" idx="11"/>
+          </p:nvPr>
+        </p:nvSpPr>
+        <p:spPr/>
+        <p:txBody>
+          <a:bodyPr/>
+          <a:lstStyle/>
+          <a:p>
+            <a:r>
+              <a:rPr lang="en-US"/>
+              <a:t>Dr. Nike Dattani, MATH 135, Fall 2021</a:t>
+            </a:r>
+            <a:endParaRPr lang="en-US" dirty="0"/>
+          </a:p>
+        </p:txBody>
+      </p:sp>
     </p:spTree>
     <p:extLst>
       <p:ext uri="{BB962C8B-B14F-4D97-AF65-F5344CB8AC3E}">
@@ -11214,6 +11751,35 @@
           </a:p>
         </p:txBody>
       </p:sp>
+      <p:sp>
+        <p:nvSpPr>
+          <p:cNvPr id="2" name="Footer Placeholder 1">
+            <a:extLst>
+              <a:ext uri="{FF2B5EF4-FFF2-40B4-BE49-F238E27FC236}">
+                <a16:creationId xmlns:a16="http://schemas.microsoft.com/office/drawing/2014/main" id="{CC580FBE-F71C-41B6-B551-9090D7B3F9CD}"/>
+              </a:ext>
+            </a:extLst>
+          </p:cNvPr>
+          <p:cNvSpPr>
+            <a:spLocks noGrp="1"/>
+          </p:cNvSpPr>
+          <p:nvPr>
+            <p:ph type="ftr" sz="quarter" idx="11"/>
+          </p:nvPr>
+        </p:nvSpPr>
+        <p:spPr/>
+        <p:txBody>
+          <a:bodyPr/>
+          <a:lstStyle/>
+          <a:p>
+            <a:r>
+              <a:rPr lang="en-US"/>
+              <a:t>Dr. Nike Dattani, MATH 135, Fall 2021</a:t>
+            </a:r>
+            <a:endParaRPr lang="en-US" dirty="0"/>
+          </a:p>
+        </p:txBody>
+      </p:sp>
     </p:spTree>
     <p:extLst>
       <p:ext uri="{BB962C8B-B14F-4D97-AF65-F5344CB8AC3E}">
@@ -12322,6 +12888,35 @@
           </a:p>
         </p:txBody>
       </p:sp>
+      <p:sp>
+        <p:nvSpPr>
+          <p:cNvPr id="2" name="Footer Placeholder 1">
+            <a:extLst>
+              <a:ext uri="{FF2B5EF4-FFF2-40B4-BE49-F238E27FC236}">
+                <a16:creationId xmlns:a16="http://schemas.microsoft.com/office/drawing/2014/main" id="{442599BE-2207-4BC4-8AA8-B334561D6E1A}"/>
+              </a:ext>
+            </a:extLst>
+          </p:cNvPr>
+          <p:cNvSpPr>
+            <a:spLocks noGrp="1"/>
+          </p:cNvSpPr>
+          <p:nvPr>
+            <p:ph type="ftr" sz="quarter" idx="11"/>
+          </p:nvPr>
+        </p:nvSpPr>
+        <p:spPr/>
+        <p:txBody>
+          <a:bodyPr/>
+          <a:lstStyle/>
+          <a:p>
+            <a:r>
+              <a:rPr lang="en-US"/>
+              <a:t>Dr. Nike Dattani, MATH 135, Fall 2021</a:t>
+            </a:r>
+            <a:endParaRPr lang="en-US" dirty="0"/>
+          </a:p>
+        </p:txBody>
+      </p:sp>
     </p:spTree>
     <p:extLst>
       <p:ext uri="{BB962C8B-B14F-4D97-AF65-F5344CB8AC3E}">
@@ -13376,6 +13971,35 @@
           </a:p>
         </p:txBody>
       </p:sp>
+      <p:sp>
+        <p:nvSpPr>
+          <p:cNvPr id="2" name="Footer Placeholder 1">
+            <a:extLst>
+              <a:ext uri="{FF2B5EF4-FFF2-40B4-BE49-F238E27FC236}">
+                <a16:creationId xmlns:a16="http://schemas.microsoft.com/office/drawing/2014/main" id="{DF309BC7-4135-4B38-A177-22824B3E10B7}"/>
+              </a:ext>
+            </a:extLst>
+          </p:cNvPr>
+          <p:cNvSpPr>
+            <a:spLocks noGrp="1"/>
+          </p:cNvSpPr>
+          <p:nvPr>
+            <p:ph type="ftr" sz="quarter" idx="11"/>
+          </p:nvPr>
+        </p:nvSpPr>
+        <p:spPr/>
+        <p:txBody>
+          <a:bodyPr/>
+          <a:lstStyle/>
+          <a:p>
+            <a:r>
+              <a:rPr lang="en-US"/>
+              <a:t>Dr. Nike Dattani, MATH 135, Fall 2021</a:t>
+            </a:r>
+            <a:endParaRPr lang="en-US" dirty="0"/>
+          </a:p>
+        </p:txBody>
+      </p:sp>
     </p:spTree>
     <p:extLst>
       <p:ext uri="{BB962C8B-B14F-4D97-AF65-F5344CB8AC3E}">
@@ -14376,6 +15000,35 @@
           </a:p>
         </p:txBody>
       </p:sp>
+      <p:sp>
+        <p:nvSpPr>
+          <p:cNvPr id="2" name="Footer Placeholder 1">
+            <a:extLst>
+              <a:ext uri="{FF2B5EF4-FFF2-40B4-BE49-F238E27FC236}">
+                <a16:creationId xmlns:a16="http://schemas.microsoft.com/office/drawing/2014/main" id="{A9F753F8-1FC8-43BD-9572-0BE652997258}"/>
+              </a:ext>
+            </a:extLst>
+          </p:cNvPr>
+          <p:cNvSpPr>
+            <a:spLocks noGrp="1"/>
+          </p:cNvSpPr>
+          <p:nvPr>
+            <p:ph type="ftr" sz="quarter" idx="11"/>
+          </p:nvPr>
+        </p:nvSpPr>
+        <p:spPr/>
+        <p:txBody>
+          <a:bodyPr/>
+          <a:lstStyle/>
+          <a:p>
+            <a:r>
+              <a:rPr lang="en-US"/>
+              <a:t>Dr. Nike Dattani, MATH 135, Fall 2021</a:t>
+            </a:r>
+            <a:endParaRPr lang="en-US" dirty="0"/>
+          </a:p>
+        </p:txBody>
+      </p:sp>
     </p:spTree>
     <p:extLst>
       <p:ext uri="{BB962C8B-B14F-4D97-AF65-F5344CB8AC3E}">
@@ -15322,6 +15975,35 @@
           </a:p>
         </p:txBody>
       </p:sp>
+      <p:sp>
+        <p:nvSpPr>
+          <p:cNvPr id="2" name="Footer Placeholder 1">
+            <a:extLst>
+              <a:ext uri="{FF2B5EF4-FFF2-40B4-BE49-F238E27FC236}">
+                <a16:creationId xmlns:a16="http://schemas.microsoft.com/office/drawing/2014/main" id="{6FBB23D6-7611-4D83-B70C-FD3588038AF3}"/>
+              </a:ext>
+            </a:extLst>
+          </p:cNvPr>
+          <p:cNvSpPr>
+            <a:spLocks noGrp="1"/>
+          </p:cNvSpPr>
+          <p:nvPr>
+            <p:ph type="ftr" sz="quarter" idx="11"/>
+          </p:nvPr>
+        </p:nvSpPr>
+        <p:spPr/>
+        <p:txBody>
+          <a:bodyPr/>
+          <a:lstStyle/>
+          <a:p>
+            <a:r>
+              <a:rPr lang="en-US"/>
+              <a:t>Dr. Nike Dattani, MATH 135, Fall 2021</a:t>
+            </a:r>
+            <a:endParaRPr lang="en-US" dirty="0"/>
+          </a:p>
+        </p:txBody>
+      </p:sp>
     </p:spTree>
     <p:extLst>
       <p:ext uri="{BB962C8B-B14F-4D97-AF65-F5344CB8AC3E}">
@@ -15427,7 +16109,7 @@
           <a:p>
             <a:r>
               <a:rPr lang="en-US" dirty="0"/>
-              <a:t>14 September 2021</a:t>
+              <a:t>15 September 2021</a:t>
             </a:r>
           </a:p>
         </p:txBody>
@@ -16324,6 +17006,35 @@
           </a:p>
         </p:txBody>
       </p:sp>
+      <p:sp>
+        <p:nvSpPr>
+          <p:cNvPr id="2" name="Footer Placeholder 1">
+            <a:extLst>
+              <a:ext uri="{FF2B5EF4-FFF2-40B4-BE49-F238E27FC236}">
+                <a16:creationId xmlns:a16="http://schemas.microsoft.com/office/drawing/2014/main" id="{9D48A72B-95C5-4CDE-BC3A-FEBE2B3280BF}"/>
+              </a:ext>
+            </a:extLst>
+          </p:cNvPr>
+          <p:cNvSpPr>
+            <a:spLocks noGrp="1"/>
+          </p:cNvSpPr>
+          <p:nvPr>
+            <p:ph type="ftr" sz="quarter" idx="11"/>
+          </p:nvPr>
+        </p:nvSpPr>
+        <p:spPr/>
+        <p:txBody>
+          <a:bodyPr/>
+          <a:lstStyle/>
+          <a:p>
+            <a:r>
+              <a:rPr lang="en-US"/>
+              <a:t>Dr. Nike Dattani, MATH 135, Fall 2021</a:t>
+            </a:r>
+            <a:endParaRPr lang="en-US" dirty="0"/>
+          </a:p>
+        </p:txBody>
+      </p:sp>
     </p:spTree>
     <p:extLst>
       <p:ext uri="{BB962C8B-B14F-4D97-AF65-F5344CB8AC3E}">
@@ -17162,6 +17873,35 @@
           </a:p>
         </p:txBody>
       </p:sp>
+      <p:sp>
+        <p:nvSpPr>
+          <p:cNvPr id="2" name="Footer Placeholder 1">
+            <a:extLst>
+              <a:ext uri="{FF2B5EF4-FFF2-40B4-BE49-F238E27FC236}">
+                <a16:creationId xmlns:a16="http://schemas.microsoft.com/office/drawing/2014/main" id="{0CAC7DF4-E0D6-4A37-966E-FEEEF59C7F29}"/>
+              </a:ext>
+            </a:extLst>
+          </p:cNvPr>
+          <p:cNvSpPr>
+            <a:spLocks noGrp="1"/>
+          </p:cNvSpPr>
+          <p:nvPr>
+            <p:ph type="ftr" sz="quarter" idx="11"/>
+          </p:nvPr>
+        </p:nvSpPr>
+        <p:spPr/>
+        <p:txBody>
+          <a:bodyPr/>
+          <a:lstStyle/>
+          <a:p>
+            <a:r>
+              <a:rPr lang="en-US"/>
+              <a:t>Dr. Nike Dattani, MATH 135, Fall 2021</a:t>
+            </a:r>
+            <a:endParaRPr lang="en-US" dirty="0"/>
+          </a:p>
+        </p:txBody>
+      </p:sp>
     </p:spTree>
     <p:extLst>
       <p:ext uri="{BB962C8B-B14F-4D97-AF65-F5344CB8AC3E}">
@@ -17946,6 +18686,35 @@
           </a:p>
         </p:txBody>
       </p:sp>
+      <p:sp>
+        <p:nvSpPr>
+          <p:cNvPr id="2" name="Footer Placeholder 1">
+            <a:extLst>
+              <a:ext uri="{FF2B5EF4-FFF2-40B4-BE49-F238E27FC236}">
+                <a16:creationId xmlns:a16="http://schemas.microsoft.com/office/drawing/2014/main" id="{0AD289A5-6490-4C74-8570-799B53196F73}"/>
+              </a:ext>
+            </a:extLst>
+          </p:cNvPr>
+          <p:cNvSpPr>
+            <a:spLocks noGrp="1"/>
+          </p:cNvSpPr>
+          <p:nvPr>
+            <p:ph type="ftr" sz="quarter" idx="11"/>
+          </p:nvPr>
+        </p:nvSpPr>
+        <p:spPr/>
+        <p:txBody>
+          <a:bodyPr/>
+          <a:lstStyle/>
+          <a:p>
+            <a:r>
+              <a:rPr lang="en-US"/>
+              <a:t>Dr. Nike Dattani, MATH 135, Fall 2021</a:t>
+            </a:r>
+            <a:endParaRPr lang="en-US" dirty="0"/>
+          </a:p>
+        </p:txBody>
+      </p:sp>
     </p:spTree>
     <p:extLst>
       <p:ext uri="{BB962C8B-B14F-4D97-AF65-F5344CB8AC3E}">
@@ -18676,6 +19445,35 @@
           </a:p>
         </p:txBody>
       </p:sp>
+      <p:sp>
+        <p:nvSpPr>
+          <p:cNvPr id="2" name="Footer Placeholder 1">
+            <a:extLst>
+              <a:ext uri="{FF2B5EF4-FFF2-40B4-BE49-F238E27FC236}">
+                <a16:creationId xmlns:a16="http://schemas.microsoft.com/office/drawing/2014/main" id="{648AFECB-6719-439A-AC1F-252088D62099}"/>
+              </a:ext>
+            </a:extLst>
+          </p:cNvPr>
+          <p:cNvSpPr>
+            <a:spLocks noGrp="1"/>
+          </p:cNvSpPr>
+          <p:nvPr>
+            <p:ph type="ftr" sz="quarter" idx="11"/>
+          </p:nvPr>
+        </p:nvSpPr>
+        <p:spPr/>
+        <p:txBody>
+          <a:bodyPr/>
+          <a:lstStyle/>
+          <a:p>
+            <a:r>
+              <a:rPr lang="en-US"/>
+              <a:t>Dr. Nike Dattani, MATH 135, Fall 2021</a:t>
+            </a:r>
+            <a:endParaRPr lang="en-US" dirty="0"/>
+          </a:p>
+        </p:txBody>
+      </p:sp>
     </p:spTree>
     <p:extLst>
       <p:ext uri="{BB962C8B-B14F-4D97-AF65-F5344CB8AC3E}">
@@ -19352,6 +20150,35 @@
           </a:p>
         </p:txBody>
       </p:sp>
+      <p:sp>
+        <p:nvSpPr>
+          <p:cNvPr id="2" name="Footer Placeholder 1">
+            <a:extLst>
+              <a:ext uri="{FF2B5EF4-FFF2-40B4-BE49-F238E27FC236}">
+                <a16:creationId xmlns:a16="http://schemas.microsoft.com/office/drawing/2014/main" id="{4497D87F-40A3-4D4E-BD66-DBA0485981E9}"/>
+              </a:ext>
+            </a:extLst>
+          </p:cNvPr>
+          <p:cNvSpPr>
+            <a:spLocks noGrp="1"/>
+          </p:cNvSpPr>
+          <p:nvPr>
+            <p:ph type="ftr" sz="quarter" idx="11"/>
+          </p:nvPr>
+        </p:nvSpPr>
+        <p:spPr/>
+        <p:txBody>
+          <a:bodyPr/>
+          <a:lstStyle/>
+          <a:p>
+            <a:r>
+              <a:rPr lang="en-US"/>
+              <a:t>Dr. Nike Dattani, MATH 135, Fall 2021</a:t>
+            </a:r>
+            <a:endParaRPr lang="en-US" dirty="0"/>
+          </a:p>
+        </p:txBody>
+      </p:sp>
     </p:spTree>
     <p:extLst>
       <p:ext uri="{BB962C8B-B14F-4D97-AF65-F5344CB8AC3E}">
@@ -19974,6 +20801,35 @@
           </a:p>
         </p:txBody>
       </p:sp>
+      <p:sp>
+        <p:nvSpPr>
+          <p:cNvPr id="2" name="Footer Placeholder 1">
+            <a:extLst>
+              <a:ext uri="{FF2B5EF4-FFF2-40B4-BE49-F238E27FC236}">
+                <a16:creationId xmlns:a16="http://schemas.microsoft.com/office/drawing/2014/main" id="{64A5D667-BEB1-4084-A7DB-FF6A303D200C}"/>
+              </a:ext>
+            </a:extLst>
+          </p:cNvPr>
+          <p:cNvSpPr>
+            <a:spLocks noGrp="1"/>
+          </p:cNvSpPr>
+          <p:nvPr>
+            <p:ph type="ftr" sz="quarter" idx="11"/>
+          </p:nvPr>
+        </p:nvSpPr>
+        <p:spPr/>
+        <p:txBody>
+          <a:bodyPr/>
+          <a:lstStyle/>
+          <a:p>
+            <a:r>
+              <a:rPr lang="en-US"/>
+              <a:t>Dr. Nike Dattani, MATH 135, Fall 2021</a:t>
+            </a:r>
+            <a:endParaRPr lang="en-US" dirty="0"/>
+          </a:p>
+        </p:txBody>
+      </p:sp>
     </p:spTree>
     <p:extLst>
       <p:ext uri="{BB962C8B-B14F-4D97-AF65-F5344CB8AC3E}">
@@ -20542,6 +21398,35 @@
           </a:p>
         </p:txBody>
       </p:sp>
+      <p:sp>
+        <p:nvSpPr>
+          <p:cNvPr id="2" name="Footer Placeholder 1">
+            <a:extLst>
+              <a:ext uri="{FF2B5EF4-FFF2-40B4-BE49-F238E27FC236}">
+                <a16:creationId xmlns:a16="http://schemas.microsoft.com/office/drawing/2014/main" id="{F852A2EB-48E3-4518-93A2-5D06404FCC0C}"/>
+              </a:ext>
+            </a:extLst>
+          </p:cNvPr>
+          <p:cNvSpPr>
+            <a:spLocks noGrp="1"/>
+          </p:cNvSpPr>
+          <p:nvPr>
+            <p:ph type="ftr" sz="quarter" idx="11"/>
+          </p:nvPr>
+        </p:nvSpPr>
+        <p:spPr/>
+        <p:txBody>
+          <a:bodyPr/>
+          <a:lstStyle/>
+          <a:p>
+            <a:r>
+              <a:rPr lang="en-US"/>
+              <a:t>Dr. Nike Dattani, MATH 135, Fall 2021</a:t>
+            </a:r>
+            <a:endParaRPr lang="en-US" dirty="0"/>
+          </a:p>
+        </p:txBody>
+      </p:sp>
     </p:spTree>
     <p:extLst>
       <p:ext uri="{BB962C8B-B14F-4D97-AF65-F5344CB8AC3E}">
@@ -21056,6 +21941,35 @@
           </a:p>
         </p:txBody>
       </p:sp>
+      <p:sp>
+        <p:nvSpPr>
+          <p:cNvPr id="2" name="Footer Placeholder 1">
+            <a:extLst>
+              <a:ext uri="{FF2B5EF4-FFF2-40B4-BE49-F238E27FC236}">
+                <a16:creationId xmlns:a16="http://schemas.microsoft.com/office/drawing/2014/main" id="{A8511F41-42A5-423F-A569-D47BF38FA7CE}"/>
+              </a:ext>
+            </a:extLst>
+          </p:cNvPr>
+          <p:cNvSpPr>
+            <a:spLocks noGrp="1"/>
+          </p:cNvSpPr>
+          <p:nvPr>
+            <p:ph type="ftr" sz="quarter" idx="11"/>
+          </p:nvPr>
+        </p:nvSpPr>
+        <p:spPr/>
+        <p:txBody>
+          <a:bodyPr/>
+          <a:lstStyle/>
+          <a:p>
+            <a:r>
+              <a:rPr lang="en-US"/>
+              <a:t>Dr. Nike Dattani, MATH 135, Fall 2021</a:t>
+            </a:r>
+            <a:endParaRPr lang="en-US" dirty="0"/>
+          </a:p>
+        </p:txBody>
+      </p:sp>
     </p:spTree>
     <p:extLst>
       <p:ext uri="{BB962C8B-B14F-4D97-AF65-F5344CB8AC3E}">
@@ -21516,6 +22430,35 @@
           </a:p>
         </p:txBody>
       </p:sp>
+      <p:sp>
+        <p:nvSpPr>
+          <p:cNvPr id="2" name="Footer Placeholder 1">
+            <a:extLst>
+              <a:ext uri="{FF2B5EF4-FFF2-40B4-BE49-F238E27FC236}">
+                <a16:creationId xmlns:a16="http://schemas.microsoft.com/office/drawing/2014/main" id="{8A8CCC36-8B05-4FA0-91BC-88B98D76216A}"/>
+              </a:ext>
+            </a:extLst>
+          </p:cNvPr>
+          <p:cNvSpPr>
+            <a:spLocks noGrp="1"/>
+          </p:cNvSpPr>
+          <p:nvPr>
+            <p:ph type="ftr" sz="quarter" idx="11"/>
+          </p:nvPr>
+        </p:nvSpPr>
+        <p:spPr/>
+        <p:txBody>
+          <a:bodyPr/>
+          <a:lstStyle/>
+          <a:p>
+            <a:r>
+              <a:rPr lang="en-US"/>
+              <a:t>Dr. Nike Dattani, MATH 135, Fall 2021</a:t>
+            </a:r>
+            <a:endParaRPr lang="en-US" dirty="0"/>
+          </a:p>
+        </p:txBody>
+      </p:sp>
     </p:spTree>
     <p:extLst>
       <p:ext uri="{BB962C8B-B14F-4D97-AF65-F5344CB8AC3E}">
@@ -21922,6 +22865,35 @@
           </a:p>
         </p:txBody>
       </p:sp>
+      <p:sp>
+        <p:nvSpPr>
+          <p:cNvPr id="2" name="Footer Placeholder 1">
+            <a:extLst>
+              <a:ext uri="{FF2B5EF4-FFF2-40B4-BE49-F238E27FC236}">
+                <a16:creationId xmlns:a16="http://schemas.microsoft.com/office/drawing/2014/main" id="{5721603D-45D0-4107-A2D5-A3835CAA45C6}"/>
+              </a:ext>
+            </a:extLst>
+          </p:cNvPr>
+          <p:cNvSpPr>
+            <a:spLocks noGrp="1"/>
+          </p:cNvSpPr>
+          <p:nvPr>
+            <p:ph type="ftr" sz="quarter" idx="11"/>
+          </p:nvPr>
+        </p:nvSpPr>
+        <p:spPr/>
+        <p:txBody>
+          <a:bodyPr/>
+          <a:lstStyle/>
+          <a:p>
+            <a:r>
+              <a:rPr lang="en-US"/>
+              <a:t>Dr. Nike Dattani, MATH 135, Fall 2021</a:t>
+            </a:r>
+            <a:endParaRPr lang="en-US" dirty="0"/>
+          </a:p>
+        </p:txBody>
+      </p:sp>
     </p:spTree>
     <p:extLst>
       <p:ext uri="{BB962C8B-B14F-4D97-AF65-F5344CB8AC3E}">
@@ -22338,6 +23310,35 @@
           </a:p>
         </p:txBody>
       </p:sp>
+      <p:sp>
+        <p:nvSpPr>
+          <p:cNvPr id="5" name="Footer Placeholder 4">
+            <a:extLst>
+              <a:ext uri="{FF2B5EF4-FFF2-40B4-BE49-F238E27FC236}">
+                <a16:creationId xmlns:a16="http://schemas.microsoft.com/office/drawing/2014/main" id="{AA99C336-ED0B-4645-B697-B71980959F26}"/>
+              </a:ext>
+            </a:extLst>
+          </p:cNvPr>
+          <p:cNvSpPr>
+            <a:spLocks noGrp="1"/>
+          </p:cNvSpPr>
+          <p:nvPr>
+            <p:ph type="ftr" sz="quarter" idx="11"/>
+          </p:nvPr>
+        </p:nvSpPr>
+        <p:spPr/>
+        <p:txBody>
+          <a:bodyPr/>
+          <a:lstStyle/>
+          <a:p>
+            <a:r>
+              <a:rPr lang="en-US"/>
+              <a:t>Dr. Nike Dattani, MATH 135, Fall 2021</a:t>
+            </a:r>
+            <a:endParaRPr lang="en-US" dirty="0"/>
+          </a:p>
+        </p:txBody>
+      </p:sp>
     </p:spTree>
     <p:extLst>
       <p:ext uri="{BB962C8B-B14F-4D97-AF65-F5344CB8AC3E}">
@@ -22690,6 +23691,35 @@
           </a:p>
         </p:txBody>
       </p:sp>
+      <p:sp>
+        <p:nvSpPr>
+          <p:cNvPr id="2" name="Footer Placeholder 1">
+            <a:extLst>
+              <a:ext uri="{FF2B5EF4-FFF2-40B4-BE49-F238E27FC236}">
+                <a16:creationId xmlns:a16="http://schemas.microsoft.com/office/drawing/2014/main" id="{E0AD7ADC-34B2-44D8-8D08-8CD229A3312F}"/>
+              </a:ext>
+            </a:extLst>
+          </p:cNvPr>
+          <p:cNvSpPr>
+            <a:spLocks noGrp="1"/>
+          </p:cNvSpPr>
+          <p:nvPr>
+            <p:ph type="ftr" sz="quarter" idx="11"/>
+          </p:nvPr>
+        </p:nvSpPr>
+        <p:spPr/>
+        <p:txBody>
+          <a:bodyPr/>
+          <a:lstStyle/>
+          <a:p>
+            <a:r>
+              <a:rPr lang="en-US"/>
+              <a:t>Dr. Nike Dattani, MATH 135, Fall 2021</a:t>
+            </a:r>
+            <a:endParaRPr lang="en-US" dirty="0"/>
+          </a:p>
+        </p:txBody>
+      </p:sp>
     </p:spTree>
     <p:extLst>
       <p:ext uri="{BB962C8B-B14F-4D97-AF65-F5344CB8AC3E}">
@@ -22988,6 +24018,35 @@
           </a:p>
         </p:txBody>
       </p:sp>
+      <p:sp>
+        <p:nvSpPr>
+          <p:cNvPr id="2" name="Footer Placeholder 1">
+            <a:extLst>
+              <a:ext uri="{FF2B5EF4-FFF2-40B4-BE49-F238E27FC236}">
+                <a16:creationId xmlns:a16="http://schemas.microsoft.com/office/drawing/2014/main" id="{42CA6942-DD50-4710-AA33-73E8776CD0D3}"/>
+              </a:ext>
+            </a:extLst>
+          </p:cNvPr>
+          <p:cNvSpPr>
+            <a:spLocks noGrp="1"/>
+          </p:cNvSpPr>
+          <p:nvPr>
+            <p:ph type="ftr" sz="quarter" idx="11"/>
+          </p:nvPr>
+        </p:nvSpPr>
+        <p:spPr/>
+        <p:txBody>
+          <a:bodyPr/>
+          <a:lstStyle/>
+          <a:p>
+            <a:r>
+              <a:rPr lang="en-US"/>
+              <a:t>Dr. Nike Dattani, MATH 135, Fall 2021</a:t>
+            </a:r>
+            <a:endParaRPr lang="en-US" dirty="0"/>
+          </a:p>
+        </p:txBody>
+      </p:sp>
     </p:spTree>
     <p:extLst>
       <p:ext uri="{BB962C8B-B14F-4D97-AF65-F5344CB8AC3E}">
@@ -23232,6 +24291,35 @@
           </a:p>
         </p:txBody>
       </p:sp>
+      <p:sp>
+        <p:nvSpPr>
+          <p:cNvPr id="2" name="Footer Placeholder 1">
+            <a:extLst>
+              <a:ext uri="{FF2B5EF4-FFF2-40B4-BE49-F238E27FC236}">
+                <a16:creationId xmlns:a16="http://schemas.microsoft.com/office/drawing/2014/main" id="{B33CFCDC-E5E8-464D-9E68-373679D410B8}"/>
+              </a:ext>
+            </a:extLst>
+          </p:cNvPr>
+          <p:cNvSpPr>
+            <a:spLocks noGrp="1"/>
+          </p:cNvSpPr>
+          <p:nvPr>
+            <p:ph type="ftr" sz="quarter" idx="11"/>
+          </p:nvPr>
+        </p:nvSpPr>
+        <p:spPr/>
+        <p:txBody>
+          <a:bodyPr/>
+          <a:lstStyle/>
+          <a:p>
+            <a:r>
+              <a:rPr lang="en-US"/>
+              <a:t>Dr. Nike Dattani, MATH 135, Fall 2021</a:t>
+            </a:r>
+            <a:endParaRPr lang="en-US" dirty="0"/>
+          </a:p>
+        </p:txBody>
+      </p:sp>
     </p:spTree>
     <p:extLst>
       <p:ext uri="{BB962C8B-B14F-4D97-AF65-F5344CB8AC3E}">
@@ -23262,12 +24350,743 @@
           <a:chExt cx="0" cy="0"/>
         </a:xfrm>
       </p:grpSpPr>
+      <p:sp>
+        <p:nvSpPr>
+          <p:cNvPr id="3" name="Rectangle 2">
+            <a:extLst>
+              <a:ext uri="{FF2B5EF4-FFF2-40B4-BE49-F238E27FC236}">
+                <a16:creationId xmlns:a16="http://schemas.microsoft.com/office/drawing/2014/main" id="{25C9728F-2044-42A6-9DD9-EA052EA5C07D}"/>
+              </a:ext>
+            </a:extLst>
+          </p:cNvPr>
+          <p:cNvSpPr/>
+          <p:nvPr/>
+        </p:nvSpPr>
+        <p:spPr>
+          <a:xfrm>
+            <a:off x="4893077" y="5184563"/>
+            <a:ext cx="433526" cy="266331"/>
+          </a:xfrm>
+          <a:prstGeom prst="rect">
+            <a:avLst/>
+          </a:prstGeom>
+          <a:solidFill>
+            <a:schemeClr val="bg1"/>
+          </a:solidFill>
+          <a:ln>
+            <a:solidFill>
+              <a:schemeClr val="bg1"/>
+            </a:solidFill>
+          </a:ln>
+        </p:spPr>
+        <p:style>
+          <a:lnRef idx="2">
+            <a:schemeClr val="accent1">
+              <a:shade val="50000"/>
+            </a:schemeClr>
+          </a:lnRef>
+          <a:fillRef idx="1">
+            <a:schemeClr val="accent1"/>
+          </a:fillRef>
+          <a:effectRef idx="0">
+            <a:schemeClr val="accent1"/>
+          </a:effectRef>
+          <a:fontRef idx="minor">
+            <a:schemeClr val="lt1"/>
+          </a:fontRef>
+        </p:style>
+        <p:txBody>
+          <a:bodyPr rtlCol="0" anchor="ctr"/>
+          <a:lstStyle/>
+          <a:p>
+            <a:pPr algn="ctr"/>
+            <a:endParaRPr lang="en-US"/>
+          </a:p>
+        </p:txBody>
+      </p:sp>
+      <p:sp>
+        <p:nvSpPr>
+          <p:cNvPr id="4" name="Rectangle 3">
+            <a:extLst>
+              <a:ext uri="{FF2B5EF4-FFF2-40B4-BE49-F238E27FC236}">
+                <a16:creationId xmlns:a16="http://schemas.microsoft.com/office/drawing/2014/main" id="{0F9594C5-155D-46B0-8861-CBC068AC1F66}"/>
+              </a:ext>
+            </a:extLst>
+          </p:cNvPr>
+          <p:cNvSpPr/>
+          <p:nvPr/>
+        </p:nvSpPr>
+        <p:spPr>
+          <a:xfrm>
+            <a:off x="7460203" y="4859045"/>
+            <a:ext cx="433526" cy="266331"/>
+          </a:xfrm>
+          <a:prstGeom prst="rect">
+            <a:avLst/>
+          </a:prstGeom>
+          <a:solidFill>
+            <a:schemeClr val="bg1"/>
+          </a:solidFill>
+          <a:ln>
+            <a:solidFill>
+              <a:schemeClr val="bg1"/>
+            </a:solidFill>
+          </a:ln>
+        </p:spPr>
+        <p:style>
+          <a:lnRef idx="2">
+            <a:schemeClr val="accent1">
+              <a:shade val="50000"/>
+            </a:schemeClr>
+          </a:lnRef>
+          <a:fillRef idx="1">
+            <a:schemeClr val="accent1"/>
+          </a:fillRef>
+          <a:effectRef idx="0">
+            <a:schemeClr val="accent1"/>
+          </a:effectRef>
+          <a:fontRef idx="minor">
+            <a:schemeClr val="lt1"/>
+          </a:fontRef>
+        </p:style>
+        <p:txBody>
+          <a:bodyPr rtlCol="0" anchor="ctr"/>
+          <a:lstStyle/>
+          <a:p>
+            <a:pPr algn="ctr"/>
+            <a:endParaRPr lang="en-US"/>
+          </a:p>
+        </p:txBody>
+      </p:sp>
+      <p:sp>
+        <p:nvSpPr>
+          <p:cNvPr id="6" name="Rectangle 5">
+            <a:extLst>
+              <a:ext uri="{FF2B5EF4-FFF2-40B4-BE49-F238E27FC236}">
+                <a16:creationId xmlns:a16="http://schemas.microsoft.com/office/drawing/2014/main" id="{3C8E3BA1-D526-4030-9953-9AC120817B0B}"/>
+              </a:ext>
+            </a:extLst>
+          </p:cNvPr>
+          <p:cNvSpPr/>
+          <p:nvPr/>
+        </p:nvSpPr>
+        <p:spPr>
+          <a:xfrm>
+            <a:off x="7535524" y="5177162"/>
+            <a:ext cx="433526" cy="266331"/>
+          </a:xfrm>
+          <a:prstGeom prst="rect">
+            <a:avLst/>
+          </a:prstGeom>
+          <a:solidFill>
+            <a:schemeClr val="bg1"/>
+          </a:solidFill>
+          <a:ln>
+            <a:solidFill>
+              <a:schemeClr val="bg1"/>
+            </a:solidFill>
+          </a:ln>
+        </p:spPr>
+        <p:style>
+          <a:lnRef idx="2">
+            <a:schemeClr val="accent1">
+              <a:shade val="50000"/>
+            </a:schemeClr>
+          </a:lnRef>
+          <a:fillRef idx="1">
+            <a:schemeClr val="accent1"/>
+          </a:fillRef>
+          <a:effectRef idx="0">
+            <a:schemeClr val="accent1"/>
+          </a:effectRef>
+          <a:fontRef idx="minor">
+            <a:schemeClr val="lt1"/>
+          </a:fontRef>
+        </p:style>
+        <p:txBody>
+          <a:bodyPr rtlCol="0" anchor="ctr"/>
+          <a:lstStyle/>
+          <a:p>
+            <a:pPr algn="ctr"/>
+            <a:endParaRPr lang="en-US"/>
+          </a:p>
+        </p:txBody>
+      </p:sp>
+      <p:sp>
+        <p:nvSpPr>
+          <p:cNvPr id="7" name="Rectangle 6">
+            <a:extLst>
+              <a:ext uri="{FF2B5EF4-FFF2-40B4-BE49-F238E27FC236}">
+                <a16:creationId xmlns:a16="http://schemas.microsoft.com/office/drawing/2014/main" id="{09D295C6-620C-4F29-B14B-1F4854583011}"/>
+              </a:ext>
+            </a:extLst>
+          </p:cNvPr>
+          <p:cNvSpPr/>
+          <p:nvPr/>
+        </p:nvSpPr>
+        <p:spPr>
+          <a:xfrm>
+            <a:off x="5871706" y="4866441"/>
+            <a:ext cx="433526" cy="266331"/>
+          </a:xfrm>
+          <a:prstGeom prst="rect">
+            <a:avLst/>
+          </a:prstGeom>
+          <a:solidFill>
+            <a:schemeClr val="bg1"/>
+          </a:solidFill>
+          <a:ln>
+            <a:solidFill>
+              <a:schemeClr val="bg1"/>
+            </a:solidFill>
+          </a:ln>
+        </p:spPr>
+        <p:style>
+          <a:lnRef idx="2">
+            <a:schemeClr val="accent1">
+              <a:shade val="50000"/>
+            </a:schemeClr>
+          </a:lnRef>
+          <a:fillRef idx="1">
+            <a:schemeClr val="accent1"/>
+          </a:fillRef>
+          <a:effectRef idx="0">
+            <a:schemeClr val="accent1"/>
+          </a:effectRef>
+          <a:fontRef idx="minor">
+            <a:schemeClr val="lt1"/>
+          </a:fontRef>
+        </p:style>
+        <p:txBody>
+          <a:bodyPr rtlCol="0" anchor="ctr"/>
+          <a:lstStyle/>
+          <a:p>
+            <a:pPr algn="ctr"/>
+            <a:endParaRPr lang="en-US"/>
+          </a:p>
+        </p:txBody>
+      </p:sp>
+      <p:sp>
+        <p:nvSpPr>
+          <p:cNvPr id="8" name="Rectangle 7">
+            <a:extLst>
+              <a:ext uri="{FF2B5EF4-FFF2-40B4-BE49-F238E27FC236}">
+                <a16:creationId xmlns:a16="http://schemas.microsoft.com/office/drawing/2014/main" id="{87FC4ED4-8B17-43EE-A03F-D392E2A8FCE7}"/>
+              </a:ext>
+            </a:extLst>
+          </p:cNvPr>
+          <p:cNvSpPr/>
+          <p:nvPr/>
+        </p:nvSpPr>
+        <p:spPr>
+          <a:xfrm>
+            <a:off x="4893077" y="4856085"/>
+            <a:ext cx="433526" cy="266331"/>
+          </a:xfrm>
+          <a:prstGeom prst="rect">
+            <a:avLst/>
+          </a:prstGeom>
+          <a:solidFill>
+            <a:schemeClr val="bg1"/>
+          </a:solidFill>
+          <a:ln>
+            <a:solidFill>
+              <a:schemeClr val="bg1"/>
+            </a:solidFill>
+          </a:ln>
+        </p:spPr>
+        <p:style>
+          <a:lnRef idx="2">
+            <a:schemeClr val="accent1">
+              <a:shade val="50000"/>
+            </a:schemeClr>
+          </a:lnRef>
+          <a:fillRef idx="1">
+            <a:schemeClr val="accent1"/>
+          </a:fillRef>
+          <a:effectRef idx="0">
+            <a:schemeClr val="accent1"/>
+          </a:effectRef>
+          <a:fontRef idx="minor">
+            <a:schemeClr val="lt1"/>
+          </a:fontRef>
+        </p:style>
+        <p:txBody>
+          <a:bodyPr rtlCol="0" anchor="ctr"/>
+          <a:lstStyle/>
+          <a:p>
+            <a:pPr algn="ctr"/>
+            <a:endParaRPr lang="en-US"/>
+          </a:p>
+        </p:txBody>
+      </p:sp>
+      <p:sp>
+        <p:nvSpPr>
+          <p:cNvPr id="9" name="Rectangle 8">
+            <a:extLst>
+              <a:ext uri="{FF2B5EF4-FFF2-40B4-BE49-F238E27FC236}">
+                <a16:creationId xmlns:a16="http://schemas.microsoft.com/office/drawing/2014/main" id="{D0FE678D-D40E-40CF-83C2-42357A1B909A}"/>
+              </a:ext>
+            </a:extLst>
+          </p:cNvPr>
+          <p:cNvSpPr/>
+          <p:nvPr/>
+        </p:nvSpPr>
+        <p:spPr>
+          <a:xfrm>
+            <a:off x="5834041" y="5184563"/>
+            <a:ext cx="433526" cy="266331"/>
+          </a:xfrm>
+          <a:prstGeom prst="rect">
+            <a:avLst/>
+          </a:prstGeom>
+          <a:solidFill>
+            <a:schemeClr val="bg1"/>
+          </a:solidFill>
+          <a:ln>
+            <a:solidFill>
+              <a:schemeClr val="bg1"/>
+            </a:solidFill>
+          </a:ln>
+        </p:spPr>
+        <p:style>
+          <a:lnRef idx="2">
+            <a:schemeClr val="accent1">
+              <a:shade val="50000"/>
+            </a:schemeClr>
+          </a:lnRef>
+          <a:fillRef idx="1">
+            <a:schemeClr val="accent1"/>
+          </a:fillRef>
+          <a:effectRef idx="0">
+            <a:schemeClr val="accent1"/>
+          </a:effectRef>
+          <a:fontRef idx="minor">
+            <a:schemeClr val="lt1"/>
+          </a:fontRef>
+        </p:style>
+        <p:txBody>
+          <a:bodyPr rtlCol="0" anchor="ctr"/>
+          <a:lstStyle/>
+          <a:p>
+            <a:pPr algn="ctr"/>
+            <a:endParaRPr lang="en-US"/>
+          </a:p>
+        </p:txBody>
+      </p:sp>
+      <p:sp>
+        <p:nvSpPr>
+          <p:cNvPr id="10" name="Rectangle 9">
+            <a:extLst>
+              <a:ext uri="{FF2B5EF4-FFF2-40B4-BE49-F238E27FC236}">
+                <a16:creationId xmlns:a16="http://schemas.microsoft.com/office/drawing/2014/main" id="{FA346FCA-21D6-495A-8237-AF590F0E0416}"/>
+              </a:ext>
+            </a:extLst>
+          </p:cNvPr>
+          <p:cNvSpPr/>
+          <p:nvPr/>
+        </p:nvSpPr>
+        <p:spPr>
+          <a:xfrm>
+            <a:off x="4893077" y="5504163"/>
+            <a:ext cx="433526" cy="233900"/>
+          </a:xfrm>
+          <a:prstGeom prst="rect">
+            <a:avLst/>
+          </a:prstGeom>
+          <a:solidFill>
+            <a:schemeClr val="bg1"/>
+          </a:solidFill>
+          <a:ln>
+            <a:solidFill>
+              <a:schemeClr val="bg1"/>
+            </a:solidFill>
+          </a:ln>
+        </p:spPr>
+        <p:style>
+          <a:lnRef idx="2">
+            <a:schemeClr val="accent1">
+              <a:shade val="50000"/>
+            </a:schemeClr>
+          </a:lnRef>
+          <a:fillRef idx="1">
+            <a:schemeClr val="accent1"/>
+          </a:fillRef>
+          <a:effectRef idx="0">
+            <a:schemeClr val="accent1"/>
+          </a:effectRef>
+          <a:fontRef idx="minor">
+            <a:schemeClr val="lt1"/>
+          </a:fontRef>
+        </p:style>
+        <p:txBody>
+          <a:bodyPr rtlCol="0" anchor="ctr"/>
+          <a:lstStyle/>
+          <a:p>
+            <a:pPr algn="ctr"/>
+            <a:endParaRPr lang="en-US"/>
+          </a:p>
+        </p:txBody>
+      </p:sp>
+      <p:sp>
+        <p:nvSpPr>
+          <p:cNvPr id="11" name="Rectangle 10">
+            <a:extLst>
+              <a:ext uri="{FF2B5EF4-FFF2-40B4-BE49-F238E27FC236}">
+                <a16:creationId xmlns:a16="http://schemas.microsoft.com/office/drawing/2014/main" id="{3A046B4D-AAF7-4DA2-BBF8-A58B5832E0E3}"/>
+              </a:ext>
+            </a:extLst>
+          </p:cNvPr>
+          <p:cNvSpPr/>
+          <p:nvPr/>
+        </p:nvSpPr>
+        <p:spPr>
+          <a:xfrm>
+            <a:off x="5871706" y="5489368"/>
+            <a:ext cx="433526" cy="266331"/>
+          </a:xfrm>
+          <a:prstGeom prst="rect">
+            <a:avLst/>
+          </a:prstGeom>
+          <a:solidFill>
+            <a:schemeClr val="bg1"/>
+          </a:solidFill>
+          <a:ln>
+            <a:solidFill>
+              <a:schemeClr val="bg1"/>
+            </a:solidFill>
+          </a:ln>
+        </p:spPr>
+        <p:style>
+          <a:lnRef idx="2">
+            <a:schemeClr val="accent1">
+              <a:shade val="50000"/>
+            </a:schemeClr>
+          </a:lnRef>
+          <a:fillRef idx="1">
+            <a:schemeClr val="accent1"/>
+          </a:fillRef>
+          <a:effectRef idx="0">
+            <a:schemeClr val="accent1"/>
+          </a:effectRef>
+          <a:fontRef idx="minor">
+            <a:schemeClr val="lt1"/>
+          </a:fontRef>
+        </p:style>
+        <p:txBody>
+          <a:bodyPr rtlCol="0" anchor="ctr"/>
+          <a:lstStyle/>
+          <a:p>
+            <a:pPr algn="ctr"/>
+            <a:endParaRPr lang="en-US"/>
+          </a:p>
+        </p:txBody>
+      </p:sp>
+      <p:sp>
+        <p:nvSpPr>
+          <p:cNvPr id="12" name="Rectangle 11">
+            <a:extLst>
+              <a:ext uri="{FF2B5EF4-FFF2-40B4-BE49-F238E27FC236}">
+                <a16:creationId xmlns:a16="http://schemas.microsoft.com/office/drawing/2014/main" id="{CC5C4F75-C478-4D5C-9371-58E0FD2529F3}"/>
+              </a:ext>
+            </a:extLst>
+          </p:cNvPr>
+          <p:cNvSpPr/>
+          <p:nvPr/>
+        </p:nvSpPr>
+        <p:spPr>
+          <a:xfrm>
+            <a:off x="7460203" y="5495285"/>
+            <a:ext cx="433526" cy="266331"/>
+          </a:xfrm>
+          <a:prstGeom prst="rect">
+            <a:avLst/>
+          </a:prstGeom>
+          <a:solidFill>
+            <a:schemeClr val="bg1"/>
+          </a:solidFill>
+          <a:ln>
+            <a:solidFill>
+              <a:schemeClr val="bg1"/>
+            </a:solidFill>
+          </a:ln>
+        </p:spPr>
+        <p:style>
+          <a:lnRef idx="2">
+            <a:schemeClr val="accent1">
+              <a:shade val="50000"/>
+            </a:schemeClr>
+          </a:lnRef>
+          <a:fillRef idx="1">
+            <a:schemeClr val="accent1"/>
+          </a:fillRef>
+          <a:effectRef idx="0">
+            <a:schemeClr val="accent1"/>
+          </a:effectRef>
+          <a:fontRef idx="minor">
+            <a:schemeClr val="lt1"/>
+          </a:fontRef>
+        </p:style>
+        <p:txBody>
+          <a:bodyPr rtlCol="0" anchor="ctr"/>
+          <a:lstStyle/>
+          <a:p>
+            <a:pPr algn="ctr"/>
+            <a:endParaRPr lang="en-US"/>
+          </a:p>
+        </p:txBody>
+      </p:sp>
+      <p:sp>
+        <p:nvSpPr>
+          <p:cNvPr id="13" name="Rectangle 12">
+            <a:extLst>
+              <a:ext uri="{FF2B5EF4-FFF2-40B4-BE49-F238E27FC236}">
+                <a16:creationId xmlns:a16="http://schemas.microsoft.com/office/drawing/2014/main" id="{2BBE8D50-AE35-4BC3-8861-657847901AF4}"/>
+              </a:ext>
+            </a:extLst>
+          </p:cNvPr>
+          <p:cNvSpPr/>
+          <p:nvPr/>
+        </p:nvSpPr>
+        <p:spPr>
+          <a:xfrm>
+            <a:off x="7535524" y="5822280"/>
+            <a:ext cx="433526" cy="266331"/>
+          </a:xfrm>
+          <a:prstGeom prst="rect">
+            <a:avLst/>
+          </a:prstGeom>
+          <a:solidFill>
+            <a:schemeClr val="bg1"/>
+          </a:solidFill>
+          <a:ln>
+            <a:solidFill>
+              <a:schemeClr val="bg1"/>
+            </a:solidFill>
+          </a:ln>
+        </p:spPr>
+        <p:style>
+          <a:lnRef idx="2">
+            <a:schemeClr val="accent1">
+              <a:shade val="50000"/>
+            </a:schemeClr>
+          </a:lnRef>
+          <a:fillRef idx="1">
+            <a:schemeClr val="accent1"/>
+          </a:fillRef>
+          <a:effectRef idx="0">
+            <a:schemeClr val="accent1"/>
+          </a:effectRef>
+          <a:fontRef idx="minor">
+            <a:schemeClr val="lt1"/>
+          </a:fontRef>
+        </p:style>
+        <p:txBody>
+          <a:bodyPr rtlCol="0" anchor="ctr"/>
+          <a:lstStyle/>
+          <a:p>
+            <a:pPr algn="ctr"/>
+            <a:endParaRPr lang="en-US"/>
+          </a:p>
+        </p:txBody>
+      </p:sp>
+      <p:sp>
+        <p:nvSpPr>
+          <p:cNvPr id="14" name="Rectangle 13">
+            <a:extLst>
+              <a:ext uri="{FF2B5EF4-FFF2-40B4-BE49-F238E27FC236}">
+                <a16:creationId xmlns:a16="http://schemas.microsoft.com/office/drawing/2014/main" id="{DE74EA0A-35F4-4036-940C-2C035225FC7D}"/>
+              </a:ext>
+            </a:extLst>
+          </p:cNvPr>
+          <p:cNvSpPr/>
+          <p:nvPr/>
+        </p:nvSpPr>
+        <p:spPr>
+          <a:xfrm>
+            <a:off x="5970838" y="5810449"/>
+            <a:ext cx="433526" cy="266331"/>
+          </a:xfrm>
+          <a:prstGeom prst="rect">
+            <a:avLst/>
+          </a:prstGeom>
+          <a:solidFill>
+            <a:schemeClr val="bg1"/>
+          </a:solidFill>
+          <a:ln>
+            <a:solidFill>
+              <a:schemeClr val="bg1"/>
+            </a:solidFill>
+          </a:ln>
+        </p:spPr>
+        <p:style>
+          <a:lnRef idx="2">
+            <a:schemeClr val="accent1">
+              <a:shade val="50000"/>
+            </a:schemeClr>
+          </a:lnRef>
+          <a:fillRef idx="1">
+            <a:schemeClr val="accent1"/>
+          </a:fillRef>
+          <a:effectRef idx="0">
+            <a:schemeClr val="accent1"/>
+          </a:effectRef>
+          <a:fontRef idx="minor">
+            <a:schemeClr val="lt1"/>
+          </a:fontRef>
+        </p:style>
+        <p:txBody>
+          <a:bodyPr rtlCol="0" anchor="ctr"/>
+          <a:lstStyle/>
+          <a:p>
+            <a:pPr algn="ctr"/>
+            <a:endParaRPr lang="en-US"/>
+          </a:p>
+        </p:txBody>
+      </p:sp>
+      <p:sp>
+        <p:nvSpPr>
+          <p:cNvPr id="15" name="Rectangle 14">
+            <a:extLst>
+              <a:ext uri="{FF2B5EF4-FFF2-40B4-BE49-F238E27FC236}">
+                <a16:creationId xmlns:a16="http://schemas.microsoft.com/office/drawing/2014/main" id="{B06B88A8-D534-41E8-9CBA-6B727F100B53}"/>
+              </a:ext>
+            </a:extLst>
+          </p:cNvPr>
+          <p:cNvSpPr/>
+          <p:nvPr/>
+        </p:nvSpPr>
+        <p:spPr>
+          <a:xfrm>
+            <a:off x="4870017" y="5810450"/>
+            <a:ext cx="433526" cy="266331"/>
+          </a:xfrm>
+          <a:prstGeom prst="rect">
+            <a:avLst/>
+          </a:prstGeom>
+          <a:solidFill>
+            <a:schemeClr val="bg1"/>
+          </a:solidFill>
+          <a:ln>
+            <a:solidFill>
+              <a:schemeClr val="bg1"/>
+            </a:solidFill>
+          </a:ln>
+        </p:spPr>
+        <p:style>
+          <a:lnRef idx="2">
+            <a:schemeClr val="accent1">
+              <a:shade val="50000"/>
+            </a:schemeClr>
+          </a:lnRef>
+          <a:fillRef idx="1">
+            <a:schemeClr val="accent1"/>
+          </a:fillRef>
+          <a:effectRef idx="0">
+            <a:schemeClr val="accent1"/>
+          </a:effectRef>
+          <a:fontRef idx="minor">
+            <a:schemeClr val="lt1"/>
+          </a:fontRef>
+        </p:style>
+        <p:txBody>
+          <a:bodyPr rtlCol="0" anchor="ctr"/>
+          <a:lstStyle/>
+          <a:p>
+            <a:pPr algn="ctr"/>
+            <a:endParaRPr lang="en-US"/>
+          </a:p>
+        </p:txBody>
+      </p:sp>
+      <p:sp>
+        <p:nvSpPr>
+          <p:cNvPr id="16" name="Rectangle 15">
+            <a:extLst>
+              <a:ext uri="{FF2B5EF4-FFF2-40B4-BE49-F238E27FC236}">
+                <a16:creationId xmlns:a16="http://schemas.microsoft.com/office/drawing/2014/main" id="{BD506ADA-1C16-4573-B13D-A904F9C958D0}"/>
+              </a:ext>
+            </a:extLst>
+          </p:cNvPr>
+          <p:cNvSpPr/>
+          <p:nvPr/>
+        </p:nvSpPr>
+        <p:spPr>
+          <a:xfrm>
+            <a:off x="2342368" y="1830279"/>
+            <a:ext cx="7290499" cy="797511"/>
+          </a:xfrm>
+          <a:prstGeom prst="rect">
+            <a:avLst/>
+          </a:prstGeom>
+          <a:solidFill>
+            <a:schemeClr val="bg1"/>
+          </a:solidFill>
+          <a:ln>
+            <a:solidFill>
+              <a:schemeClr val="bg1"/>
+            </a:solidFill>
+          </a:ln>
+        </p:spPr>
+        <p:style>
+          <a:lnRef idx="2">
+            <a:schemeClr val="accent1">
+              <a:shade val="50000"/>
+            </a:schemeClr>
+          </a:lnRef>
+          <a:fillRef idx="1">
+            <a:schemeClr val="accent1"/>
+          </a:fillRef>
+          <a:effectRef idx="0">
+            <a:schemeClr val="accent1"/>
+          </a:effectRef>
+          <a:fontRef idx="minor">
+            <a:schemeClr val="lt1"/>
+          </a:fontRef>
+        </p:style>
+        <p:txBody>
+          <a:bodyPr rtlCol="0" anchor="ctr"/>
+          <a:lstStyle/>
+          <a:p>
+            <a:pPr algn="ctr"/>
+            <a:endParaRPr lang="en-US"/>
+          </a:p>
+        </p:txBody>
+      </p:sp>
+      <p:sp>
+        <p:nvSpPr>
+          <p:cNvPr id="2" name="Footer Placeholder 1">
+            <a:extLst>
+              <a:ext uri="{FF2B5EF4-FFF2-40B4-BE49-F238E27FC236}">
+                <a16:creationId xmlns:a16="http://schemas.microsoft.com/office/drawing/2014/main" id="{F64E14E6-4F33-4AFE-BEBC-BAB574EE861A}"/>
+              </a:ext>
+            </a:extLst>
+          </p:cNvPr>
+          <p:cNvSpPr>
+            <a:spLocks noGrp="1"/>
+          </p:cNvSpPr>
+          <p:nvPr>
+            <p:ph type="ftr" sz="quarter" idx="11"/>
+          </p:nvPr>
+        </p:nvSpPr>
+        <p:spPr/>
+        <p:txBody>
+          <a:bodyPr/>
+          <a:lstStyle/>
+          <a:p>
+            <a:r>
+              <a:rPr lang="en-US"/>
+              <a:t>Dr. Nike Dattani, MATH 135, Fall 2021</a:t>
+            </a:r>
+            <a:endParaRPr lang="en-US" dirty="0"/>
+          </a:p>
+        </p:txBody>
+      </p:sp>
       <p:pic>
         <p:nvPicPr>
-          <p:cNvPr id="5" name="Picture 4">
-            <a:extLst>
-              <a:ext uri="{FF2B5EF4-FFF2-40B4-BE49-F238E27FC236}">
-                <a16:creationId xmlns:a16="http://schemas.microsoft.com/office/drawing/2014/main" id="{F0AA68B9-4A86-410C-AB2C-0EE653268F17}"/>
+          <p:cNvPr id="18" name="Picture 17">
+            <a:extLst>
+              <a:ext uri="{FF2B5EF4-FFF2-40B4-BE49-F238E27FC236}">
+                <a16:creationId xmlns:a16="http://schemas.microsoft.com/office/drawing/2014/main" id="{2E8EE8CB-D58D-4EC7-BD74-331EDA1B79A8}"/>
               </a:ext>
             </a:extLst>
           </p:cNvPr>
@@ -23284,720 +25103,48 @@
         </p:blipFill>
         <p:spPr>
           <a:xfrm>
-            <a:off x="2018806" y="548680"/>
-            <a:ext cx="7614062" cy="5760639"/>
+            <a:off x="1943050" y="236717"/>
+            <a:ext cx="7271626" cy="948473"/>
           </a:xfrm>
           <a:prstGeom prst="rect">
             <a:avLst/>
           </a:prstGeom>
         </p:spPr>
       </p:pic>
-      <p:sp>
-        <p:nvSpPr>
-          <p:cNvPr id="3" name="Rectangle 2">
-            <a:extLst>
-              <a:ext uri="{FF2B5EF4-FFF2-40B4-BE49-F238E27FC236}">
-                <a16:creationId xmlns:a16="http://schemas.microsoft.com/office/drawing/2014/main" id="{25C9728F-2044-42A6-9DD9-EA052EA5C07D}"/>
-              </a:ext>
-            </a:extLst>
-          </p:cNvPr>
-          <p:cNvSpPr/>
-          <p:nvPr/>
-        </p:nvSpPr>
-        <p:spPr>
-          <a:xfrm>
-            <a:off x="4893077" y="5184563"/>
-            <a:ext cx="433526" cy="266331"/>
-          </a:xfrm>
-          <a:prstGeom prst="rect">
-            <a:avLst/>
-          </a:prstGeom>
-          <a:solidFill>
-            <a:schemeClr val="bg1"/>
-          </a:solidFill>
-          <a:ln>
-            <a:solidFill>
-              <a:schemeClr val="bg1"/>
-            </a:solidFill>
-          </a:ln>
-        </p:spPr>
-        <p:style>
-          <a:lnRef idx="2">
-            <a:schemeClr val="accent1">
-              <a:shade val="50000"/>
-            </a:schemeClr>
-          </a:lnRef>
-          <a:fillRef idx="1">
-            <a:schemeClr val="accent1"/>
-          </a:fillRef>
-          <a:effectRef idx="0">
-            <a:schemeClr val="accent1"/>
-          </a:effectRef>
-          <a:fontRef idx="minor">
-            <a:schemeClr val="lt1"/>
-          </a:fontRef>
-        </p:style>
-        <p:txBody>
-          <a:bodyPr rtlCol="0" anchor="ctr"/>
-          <a:lstStyle/>
-          <a:p>
-            <a:pPr algn="ctr"/>
-            <a:endParaRPr lang="en-US"/>
-          </a:p>
-        </p:txBody>
-      </p:sp>
-      <p:sp>
-        <p:nvSpPr>
-          <p:cNvPr id="4" name="Rectangle 3">
-            <a:extLst>
-              <a:ext uri="{FF2B5EF4-FFF2-40B4-BE49-F238E27FC236}">
-                <a16:creationId xmlns:a16="http://schemas.microsoft.com/office/drawing/2014/main" id="{0F9594C5-155D-46B0-8861-CBC068AC1F66}"/>
-              </a:ext>
-            </a:extLst>
-          </p:cNvPr>
-          <p:cNvSpPr/>
-          <p:nvPr/>
-        </p:nvSpPr>
-        <p:spPr>
-          <a:xfrm>
-            <a:off x="7460203" y="4859045"/>
-            <a:ext cx="433526" cy="266331"/>
-          </a:xfrm>
-          <a:prstGeom prst="rect">
-            <a:avLst/>
-          </a:prstGeom>
-          <a:solidFill>
-            <a:schemeClr val="bg1"/>
-          </a:solidFill>
-          <a:ln>
-            <a:solidFill>
-              <a:schemeClr val="bg1"/>
-            </a:solidFill>
-          </a:ln>
-        </p:spPr>
-        <p:style>
-          <a:lnRef idx="2">
-            <a:schemeClr val="accent1">
-              <a:shade val="50000"/>
-            </a:schemeClr>
-          </a:lnRef>
-          <a:fillRef idx="1">
-            <a:schemeClr val="accent1"/>
-          </a:fillRef>
-          <a:effectRef idx="0">
-            <a:schemeClr val="accent1"/>
-          </a:effectRef>
-          <a:fontRef idx="minor">
-            <a:schemeClr val="lt1"/>
-          </a:fontRef>
-        </p:style>
-        <p:txBody>
-          <a:bodyPr rtlCol="0" anchor="ctr"/>
-          <a:lstStyle/>
-          <a:p>
-            <a:pPr algn="ctr"/>
-            <a:endParaRPr lang="en-US"/>
-          </a:p>
-        </p:txBody>
-      </p:sp>
-      <p:sp>
-        <p:nvSpPr>
-          <p:cNvPr id="6" name="Rectangle 5">
-            <a:extLst>
-              <a:ext uri="{FF2B5EF4-FFF2-40B4-BE49-F238E27FC236}">
-                <a16:creationId xmlns:a16="http://schemas.microsoft.com/office/drawing/2014/main" id="{3C8E3BA1-D526-4030-9953-9AC120817B0B}"/>
-              </a:ext>
-            </a:extLst>
-          </p:cNvPr>
-          <p:cNvSpPr/>
-          <p:nvPr/>
-        </p:nvSpPr>
-        <p:spPr>
-          <a:xfrm>
-            <a:off x="7535524" y="5177162"/>
-            <a:ext cx="433526" cy="266331"/>
-          </a:xfrm>
-          <a:prstGeom prst="rect">
-            <a:avLst/>
-          </a:prstGeom>
-          <a:solidFill>
-            <a:schemeClr val="bg1"/>
-          </a:solidFill>
-          <a:ln>
-            <a:solidFill>
-              <a:schemeClr val="bg1"/>
-            </a:solidFill>
-          </a:ln>
-        </p:spPr>
-        <p:style>
-          <a:lnRef idx="2">
-            <a:schemeClr val="accent1">
-              <a:shade val="50000"/>
-            </a:schemeClr>
-          </a:lnRef>
-          <a:fillRef idx="1">
-            <a:schemeClr val="accent1"/>
-          </a:fillRef>
-          <a:effectRef idx="0">
-            <a:schemeClr val="accent1"/>
-          </a:effectRef>
-          <a:fontRef idx="minor">
-            <a:schemeClr val="lt1"/>
-          </a:fontRef>
-        </p:style>
-        <p:txBody>
-          <a:bodyPr rtlCol="0" anchor="ctr"/>
-          <a:lstStyle/>
-          <a:p>
-            <a:pPr algn="ctr"/>
-            <a:endParaRPr lang="en-US"/>
-          </a:p>
-        </p:txBody>
-      </p:sp>
-      <p:sp>
-        <p:nvSpPr>
-          <p:cNvPr id="7" name="Rectangle 6">
-            <a:extLst>
-              <a:ext uri="{FF2B5EF4-FFF2-40B4-BE49-F238E27FC236}">
-                <a16:creationId xmlns:a16="http://schemas.microsoft.com/office/drawing/2014/main" id="{09D295C6-620C-4F29-B14B-1F4854583011}"/>
-              </a:ext>
-            </a:extLst>
-          </p:cNvPr>
-          <p:cNvSpPr/>
-          <p:nvPr/>
-        </p:nvSpPr>
-        <p:spPr>
-          <a:xfrm>
-            <a:off x="5871706" y="4866441"/>
-            <a:ext cx="433526" cy="266331"/>
-          </a:xfrm>
-          <a:prstGeom prst="rect">
-            <a:avLst/>
-          </a:prstGeom>
-          <a:solidFill>
-            <a:schemeClr val="bg1"/>
-          </a:solidFill>
-          <a:ln>
-            <a:solidFill>
-              <a:schemeClr val="bg1"/>
-            </a:solidFill>
-          </a:ln>
-        </p:spPr>
-        <p:style>
-          <a:lnRef idx="2">
-            <a:schemeClr val="accent1">
-              <a:shade val="50000"/>
-            </a:schemeClr>
-          </a:lnRef>
-          <a:fillRef idx="1">
-            <a:schemeClr val="accent1"/>
-          </a:fillRef>
-          <a:effectRef idx="0">
-            <a:schemeClr val="accent1"/>
-          </a:effectRef>
-          <a:fontRef idx="minor">
-            <a:schemeClr val="lt1"/>
-          </a:fontRef>
-        </p:style>
-        <p:txBody>
-          <a:bodyPr rtlCol="0" anchor="ctr"/>
-          <a:lstStyle/>
-          <a:p>
-            <a:pPr algn="ctr"/>
-            <a:endParaRPr lang="en-US"/>
-          </a:p>
-        </p:txBody>
-      </p:sp>
-      <p:sp>
-        <p:nvSpPr>
-          <p:cNvPr id="8" name="Rectangle 7">
-            <a:extLst>
-              <a:ext uri="{FF2B5EF4-FFF2-40B4-BE49-F238E27FC236}">
-                <a16:creationId xmlns:a16="http://schemas.microsoft.com/office/drawing/2014/main" id="{87FC4ED4-8B17-43EE-A03F-D392E2A8FCE7}"/>
-              </a:ext>
-            </a:extLst>
-          </p:cNvPr>
-          <p:cNvSpPr/>
-          <p:nvPr/>
-        </p:nvSpPr>
-        <p:spPr>
-          <a:xfrm>
-            <a:off x="4893077" y="4856085"/>
-            <a:ext cx="433526" cy="266331"/>
-          </a:xfrm>
-          <a:prstGeom prst="rect">
-            <a:avLst/>
-          </a:prstGeom>
-          <a:solidFill>
-            <a:schemeClr val="bg1"/>
-          </a:solidFill>
-          <a:ln>
-            <a:solidFill>
-              <a:schemeClr val="bg1"/>
-            </a:solidFill>
-          </a:ln>
-        </p:spPr>
-        <p:style>
-          <a:lnRef idx="2">
-            <a:schemeClr val="accent1">
-              <a:shade val="50000"/>
-            </a:schemeClr>
-          </a:lnRef>
-          <a:fillRef idx="1">
-            <a:schemeClr val="accent1"/>
-          </a:fillRef>
-          <a:effectRef idx="0">
-            <a:schemeClr val="accent1"/>
-          </a:effectRef>
-          <a:fontRef idx="minor">
-            <a:schemeClr val="lt1"/>
-          </a:fontRef>
-        </p:style>
-        <p:txBody>
-          <a:bodyPr rtlCol="0" anchor="ctr"/>
-          <a:lstStyle/>
-          <a:p>
-            <a:pPr algn="ctr"/>
-            <a:endParaRPr lang="en-US"/>
-          </a:p>
-        </p:txBody>
-      </p:sp>
-      <p:sp>
-        <p:nvSpPr>
-          <p:cNvPr id="9" name="Rectangle 8">
-            <a:extLst>
-              <a:ext uri="{FF2B5EF4-FFF2-40B4-BE49-F238E27FC236}">
-                <a16:creationId xmlns:a16="http://schemas.microsoft.com/office/drawing/2014/main" id="{D0FE678D-D40E-40CF-83C2-42357A1B909A}"/>
-              </a:ext>
-            </a:extLst>
-          </p:cNvPr>
-          <p:cNvSpPr/>
-          <p:nvPr/>
-        </p:nvSpPr>
-        <p:spPr>
-          <a:xfrm>
-            <a:off x="5834041" y="5184563"/>
-            <a:ext cx="433526" cy="266331"/>
-          </a:xfrm>
-          <a:prstGeom prst="rect">
-            <a:avLst/>
-          </a:prstGeom>
-          <a:solidFill>
-            <a:schemeClr val="bg1"/>
-          </a:solidFill>
-          <a:ln>
-            <a:solidFill>
-              <a:schemeClr val="bg1"/>
-            </a:solidFill>
-          </a:ln>
-        </p:spPr>
-        <p:style>
-          <a:lnRef idx="2">
-            <a:schemeClr val="accent1">
-              <a:shade val="50000"/>
-            </a:schemeClr>
-          </a:lnRef>
-          <a:fillRef idx="1">
-            <a:schemeClr val="accent1"/>
-          </a:fillRef>
-          <a:effectRef idx="0">
-            <a:schemeClr val="accent1"/>
-          </a:effectRef>
-          <a:fontRef idx="minor">
-            <a:schemeClr val="lt1"/>
-          </a:fontRef>
-        </p:style>
-        <p:txBody>
-          <a:bodyPr rtlCol="0" anchor="ctr"/>
-          <a:lstStyle/>
-          <a:p>
-            <a:pPr algn="ctr"/>
-            <a:endParaRPr lang="en-US"/>
-          </a:p>
-        </p:txBody>
-      </p:sp>
-      <p:sp>
-        <p:nvSpPr>
-          <p:cNvPr id="10" name="Rectangle 9">
-            <a:extLst>
-              <a:ext uri="{FF2B5EF4-FFF2-40B4-BE49-F238E27FC236}">
-                <a16:creationId xmlns:a16="http://schemas.microsoft.com/office/drawing/2014/main" id="{FA346FCA-21D6-495A-8237-AF590F0E0416}"/>
-              </a:ext>
-            </a:extLst>
-          </p:cNvPr>
-          <p:cNvSpPr/>
-          <p:nvPr/>
-        </p:nvSpPr>
-        <p:spPr>
-          <a:xfrm>
-            <a:off x="4893077" y="5504163"/>
-            <a:ext cx="433526" cy="233900"/>
-          </a:xfrm>
-          <a:prstGeom prst="rect">
-            <a:avLst/>
-          </a:prstGeom>
-          <a:solidFill>
-            <a:schemeClr val="bg1"/>
-          </a:solidFill>
-          <a:ln>
-            <a:solidFill>
-              <a:schemeClr val="bg1"/>
-            </a:solidFill>
-          </a:ln>
-        </p:spPr>
-        <p:style>
-          <a:lnRef idx="2">
-            <a:schemeClr val="accent1">
-              <a:shade val="50000"/>
-            </a:schemeClr>
-          </a:lnRef>
-          <a:fillRef idx="1">
-            <a:schemeClr val="accent1"/>
-          </a:fillRef>
-          <a:effectRef idx="0">
-            <a:schemeClr val="accent1"/>
-          </a:effectRef>
-          <a:fontRef idx="minor">
-            <a:schemeClr val="lt1"/>
-          </a:fontRef>
-        </p:style>
-        <p:txBody>
-          <a:bodyPr rtlCol="0" anchor="ctr"/>
-          <a:lstStyle/>
-          <a:p>
-            <a:pPr algn="ctr"/>
-            <a:endParaRPr lang="en-US"/>
-          </a:p>
-        </p:txBody>
-      </p:sp>
-      <p:sp>
-        <p:nvSpPr>
-          <p:cNvPr id="11" name="Rectangle 10">
-            <a:extLst>
-              <a:ext uri="{FF2B5EF4-FFF2-40B4-BE49-F238E27FC236}">
-                <a16:creationId xmlns:a16="http://schemas.microsoft.com/office/drawing/2014/main" id="{3A046B4D-AAF7-4DA2-BBF8-A58B5832E0E3}"/>
-              </a:ext>
-            </a:extLst>
-          </p:cNvPr>
-          <p:cNvSpPr/>
-          <p:nvPr/>
-        </p:nvSpPr>
-        <p:spPr>
-          <a:xfrm>
-            <a:off x="5871706" y="5489368"/>
-            <a:ext cx="433526" cy="266331"/>
-          </a:xfrm>
-          <a:prstGeom prst="rect">
-            <a:avLst/>
-          </a:prstGeom>
-          <a:solidFill>
-            <a:schemeClr val="bg1"/>
-          </a:solidFill>
-          <a:ln>
-            <a:solidFill>
-              <a:schemeClr val="bg1"/>
-            </a:solidFill>
-          </a:ln>
-        </p:spPr>
-        <p:style>
-          <a:lnRef idx="2">
-            <a:schemeClr val="accent1">
-              <a:shade val="50000"/>
-            </a:schemeClr>
-          </a:lnRef>
-          <a:fillRef idx="1">
-            <a:schemeClr val="accent1"/>
-          </a:fillRef>
-          <a:effectRef idx="0">
-            <a:schemeClr val="accent1"/>
-          </a:effectRef>
-          <a:fontRef idx="minor">
-            <a:schemeClr val="lt1"/>
-          </a:fontRef>
-        </p:style>
-        <p:txBody>
-          <a:bodyPr rtlCol="0" anchor="ctr"/>
-          <a:lstStyle/>
-          <a:p>
-            <a:pPr algn="ctr"/>
-            <a:endParaRPr lang="en-US"/>
-          </a:p>
-        </p:txBody>
-      </p:sp>
-      <p:sp>
-        <p:nvSpPr>
-          <p:cNvPr id="12" name="Rectangle 11">
-            <a:extLst>
-              <a:ext uri="{FF2B5EF4-FFF2-40B4-BE49-F238E27FC236}">
-                <a16:creationId xmlns:a16="http://schemas.microsoft.com/office/drawing/2014/main" id="{CC5C4F75-C478-4D5C-9371-58E0FD2529F3}"/>
-              </a:ext>
-            </a:extLst>
-          </p:cNvPr>
-          <p:cNvSpPr/>
-          <p:nvPr/>
-        </p:nvSpPr>
-        <p:spPr>
-          <a:xfrm>
-            <a:off x="7460203" y="5495285"/>
-            <a:ext cx="433526" cy="266331"/>
-          </a:xfrm>
-          <a:prstGeom prst="rect">
-            <a:avLst/>
-          </a:prstGeom>
-          <a:solidFill>
-            <a:schemeClr val="bg1"/>
-          </a:solidFill>
-          <a:ln>
-            <a:solidFill>
-              <a:schemeClr val="bg1"/>
-            </a:solidFill>
-          </a:ln>
-        </p:spPr>
-        <p:style>
-          <a:lnRef idx="2">
-            <a:schemeClr val="accent1">
-              <a:shade val="50000"/>
-            </a:schemeClr>
-          </a:lnRef>
-          <a:fillRef idx="1">
-            <a:schemeClr val="accent1"/>
-          </a:fillRef>
-          <a:effectRef idx="0">
-            <a:schemeClr val="accent1"/>
-          </a:effectRef>
-          <a:fontRef idx="minor">
-            <a:schemeClr val="lt1"/>
-          </a:fontRef>
-        </p:style>
-        <p:txBody>
-          <a:bodyPr rtlCol="0" anchor="ctr"/>
-          <a:lstStyle/>
-          <a:p>
-            <a:pPr algn="ctr"/>
-            <a:endParaRPr lang="en-US"/>
-          </a:p>
-        </p:txBody>
-      </p:sp>
-      <p:sp>
-        <p:nvSpPr>
-          <p:cNvPr id="13" name="Rectangle 12">
-            <a:extLst>
-              <a:ext uri="{FF2B5EF4-FFF2-40B4-BE49-F238E27FC236}">
-                <a16:creationId xmlns:a16="http://schemas.microsoft.com/office/drawing/2014/main" id="{2BBE8D50-AE35-4BC3-8861-657847901AF4}"/>
-              </a:ext>
-            </a:extLst>
-          </p:cNvPr>
-          <p:cNvSpPr/>
-          <p:nvPr/>
-        </p:nvSpPr>
-        <p:spPr>
-          <a:xfrm>
-            <a:off x="7535524" y="5822280"/>
-            <a:ext cx="433526" cy="266331"/>
-          </a:xfrm>
-          <a:prstGeom prst="rect">
-            <a:avLst/>
-          </a:prstGeom>
-          <a:solidFill>
-            <a:schemeClr val="bg1"/>
-          </a:solidFill>
-          <a:ln>
-            <a:solidFill>
-              <a:schemeClr val="bg1"/>
-            </a:solidFill>
-          </a:ln>
-        </p:spPr>
-        <p:style>
-          <a:lnRef idx="2">
-            <a:schemeClr val="accent1">
-              <a:shade val="50000"/>
-            </a:schemeClr>
-          </a:lnRef>
-          <a:fillRef idx="1">
-            <a:schemeClr val="accent1"/>
-          </a:fillRef>
-          <a:effectRef idx="0">
-            <a:schemeClr val="accent1"/>
-          </a:effectRef>
-          <a:fontRef idx="minor">
-            <a:schemeClr val="lt1"/>
-          </a:fontRef>
-        </p:style>
-        <p:txBody>
-          <a:bodyPr rtlCol="0" anchor="ctr"/>
-          <a:lstStyle/>
-          <a:p>
-            <a:pPr algn="ctr"/>
-            <a:endParaRPr lang="en-US"/>
-          </a:p>
-        </p:txBody>
-      </p:sp>
-      <p:sp>
-        <p:nvSpPr>
-          <p:cNvPr id="14" name="Rectangle 13">
-            <a:extLst>
-              <a:ext uri="{FF2B5EF4-FFF2-40B4-BE49-F238E27FC236}">
-                <a16:creationId xmlns:a16="http://schemas.microsoft.com/office/drawing/2014/main" id="{DE74EA0A-35F4-4036-940C-2C035225FC7D}"/>
-              </a:ext>
-            </a:extLst>
-          </p:cNvPr>
-          <p:cNvSpPr/>
-          <p:nvPr/>
-        </p:nvSpPr>
-        <p:spPr>
-          <a:xfrm>
-            <a:off x="5970838" y="5810449"/>
-            <a:ext cx="433526" cy="266331"/>
-          </a:xfrm>
-          <a:prstGeom prst="rect">
-            <a:avLst/>
-          </a:prstGeom>
-          <a:solidFill>
-            <a:schemeClr val="bg1"/>
-          </a:solidFill>
-          <a:ln>
-            <a:solidFill>
-              <a:schemeClr val="bg1"/>
-            </a:solidFill>
-          </a:ln>
-        </p:spPr>
-        <p:style>
-          <a:lnRef idx="2">
-            <a:schemeClr val="accent1">
-              <a:shade val="50000"/>
-            </a:schemeClr>
-          </a:lnRef>
-          <a:fillRef idx="1">
-            <a:schemeClr val="accent1"/>
-          </a:fillRef>
-          <a:effectRef idx="0">
-            <a:schemeClr val="accent1"/>
-          </a:effectRef>
-          <a:fontRef idx="minor">
-            <a:schemeClr val="lt1"/>
-          </a:fontRef>
-        </p:style>
-        <p:txBody>
-          <a:bodyPr rtlCol="0" anchor="ctr"/>
-          <a:lstStyle/>
-          <a:p>
-            <a:pPr algn="ctr"/>
-            <a:endParaRPr lang="en-US"/>
-          </a:p>
-        </p:txBody>
-      </p:sp>
-      <p:sp>
-        <p:nvSpPr>
-          <p:cNvPr id="15" name="Rectangle 14">
-            <a:extLst>
-              <a:ext uri="{FF2B5EF4-FFF2-40B4-BE49-F238E27FC236}">
-                <a16:creationId xmlns:a16="http://schemas.microsoft.com/office/drawing/2014/main" id="{B06B88A8-D534-41E8-9CBA-6B727F100B53}"/>
-              </a:ext>
-            </a:extLst>
-          </p:cNvPr>
-          <p:cNvSpPr/>
-          <p:nvPr/>
-        </p:nvSpPr>
-        <p:spPr>
-          <a:xfrm>
-            <a:off x="4870017" y="5810450"/>
-            <a:ext cx="433526" cy="266331"/>
-          </a:xfrm>
-          <a:prstGeom prst="rect">
-            <a:avLst/>
-          </a:prstGeom>
-          <a:solidFill>
-            <a:schemeClr val="bg1"/>
-          </a:solidFill>
-          <a:ln>
-            <a:solidFill>
-              <a:schemeClr val="bg1"/>
-            </a:solidFill>
-          </a:ln>
-        </p:spPr>
-        <p:style>
-          <a:lnRef idx="2">
-            <a:schemeClr val="accent1">
-              <a:shade val="50000"/>
-            </a:schemeClr>
-          </a:lnRef>
-          <a:fillRef idx="1">
-            <a:schemeClr val="accent1"/>
-          </a:fillRef>
-          <a:effectRef idx="0">
-            <a:schemeClr val="accent1"/>
-          </a:effectRef>
-          <a:fontRef idx="minor">
-            <a:schemeClr val="lt1"/>
-          </a:fontRef>
-        </p:style>
-        <p:txBody>
-          <a:bodyPr rtlCol="0" anchor="ctr"/>
-          <a:lstStyle/>
-          <a:p>
-            <a:pPr algn="ctr"/>
-            <a:endParaRPr lang="en-US"/>
-          </a:p>
-        </p:txBody>
-      </p:sp>
-      <p:sp>
-        <p:nvSpPr>
-          <p:cNvPr id="16" name="Rectangle 15">
-            <a:extLst>
-              <a:ext uri="{FF2B5EF4-FFF2-40B4-BE49-F238E27FC236}">
-                <a16:creationId xmlns:a16="http://schemas.microsoft.com/office/drawing/2014/main" id="{BD506ADA-1C16-4573-B13D-A904F9C958D0}"/>
-              </a:ext>
-            </a:extLst>
-          </p:cNvPr>
-          <p:cNvSpPr/>
-          <p:nvPr/>
-        </p:nvSpPr>
-        <p:spPr>
-          <a:xfrm>
-            <a:off x="2342368" y="1830279"/>
-            <a:ext cx="7290499" cy="4712564"/>
-          </a:xfrm>
-          <a:prstGeom prst="rect">
-            <a:avLst/>
-          </a:prstGeom>
-          <a:solidFill>
-            <a:schemeClr val="bg1"/>
-          </a:solidFill>
-          <a:ln>
-            <a:solidFill>
-              <a:schemeClr val="bg1"/>
-            </a:solidFill>
-          </a:ln>
-        </p:spPr>
-        <p:style>
-          <a:lnRef idx="2">
-            <a:schemeClr val="accent1">
-              <a:shade val="50000"/>
-            </a:schemeClr>
-          </a:lnRef>
-          <a:fillRef idx="1">
-            <a:schemeClr val="accent1"/>
-          </a:fillRef>
-          <a:effectRef idx="0">
-            <a:schemeClr val="accent1"/>
-          </a:effectRef>
-          <a:fontRef idx="minor">
-            <a:schemeClr val="lt1"/>
-          </a:fontRef>
-        </p:style>
-        <p:txBody>
-          <a:bodyPr rtlCol="0" anchor="ctr"/>
-          <a:lstStyle/>
-          <a:p>
-            <a:pPr algn="ctr"/>
-            <a:endParaRPr lang="en-US"/>
-          </a:p>
-        </p:txBody>
-      </p:sp>
+      <p:pic>
+        <p:nvPicPr>
+          <p:cNvPr id="19" name="Picture 18">
+            <a:extLst>
+              <a:ext uri="{FF2B5EF4-FFF2-40B4-BE49-F238E27FC236}">
+                <a16:creationId xmlns:a16="http://schemas.microsoft.com/office/drawing/2014/main" id="{1F86F6C5-E30A-468A-B192-9D976B26CA03}"/>
+              </a:ext>
+            </a:extLst>
+          </p:cNvPr>
+          <p:cNvPicPr>
+            <a:picLocks noChangeAspect="1"/>
+          </p:cNvPicPr>
+          <p:nvPr/>
+        </p:nvPicPr>
+        <p:blipFill>
+          <a:blip r:embed="rId3"/>
+          <a:stretch>
+            <a:fillRect/>
+          </a:stretch>
+        </p:blipFill>
+        <p:spPr>
+          <a:xfrm>
+            <a:off x="782265" y="1918594"/>
+            <a:ext cx="10178881" cy="3076575"/>
+          </a:xfrm>
+          <a:prstGeom prst="rect">
+            <a:avLst/>
+          </a:prstGeom>
+        </p:spPr>
+      </p:pic>
     </p:spTree>
     <p:extLst>
       <p:ext uri="{BB962C8B-B14F-4D97-AF65-F5344CB8AC3E}">
-        <p14:creationId xmlns:p14="http://schemas.microsoft.com/office/powerpoint/2010/main" val="2163444980"/>
+        <p14:creationId xmlns:p14="http://schemas.microsoft.com/office/powerpoint/2010/main" val="1425054708"/>
       </p:ext>
     </p:extLst>
   </p:cSld>
@@ -24024,12 +25171,743 @@
           <a:chExt cx="0" cy="0"/>
         </a:xfrm>
       </p:grpSpPr>
+      <p:sp>
+        <p:nvSpPr>
+          <p:cNvPr id="3" name="Rectangle 2">
+            <a:extLst>
+              <a:ext uri="{FF2B5EF4-FFF2-40B4-BE49-F238E27FC236}">
+                <a16:creationId xmlns:a16="http://schemas.microsoft.com/office/drawing/2014/main" id="{25C9728F-2044-42A6-9DD9-EA052EA5C07D}"/>
+              </a:ext>
+            </a:extLst>
+          </p:cNvPr>
+          <p:cNvSpPr/>
+          <p:nvPr/>
+        </p:nvSpPr>
+        <p:spPr>
+          <a:xfrm>
+            <a:off x="4893077" y="5184563"/>
+            <a:ext cx="433526" cy="266331"/>
+          </a:xfrm>
+          <a:prstGeom prst="rect">
+            <a:avLst/>
+          </a:prstGeom>
+          <a:solidFill>
+            <a:schemeClr val="bg1"/>
+          </a:solidFill>
+          <a:ln>
+            <a:solidFill>
+              <a:schemeClr val="bg1"/>
+            </a:solidFill>
+          </a:ln>
+        </p:spPr>
+        <p:style>
+          <a:lnRef idx="2">
+            <a:schemeClr val="accent1">
+              <a:shade val="50000"/>
+            </a:schemeClr>
+          </a:lnRef>
+          <a:fillRef idx="1">
+            <a:schemeClr val="accent1"/>
+          </a:fillRef>
+          <a:effectRef idx="0">
+            <a:schemeClr val="accent1"/>
+          </a:effectRef>
+          <a:fontRef idx="minor">
+            <a:schemeClr val="lt1"/>
+          </a:fontRef>
+        </p:style>
+        <p:txBody>
+          <a:bodyPr rtlCol="0" anchor="ctr"/>
+          <a:lstStyle/>
+          <a:p>
+            <a:pPr algn="ctr"/>
+            <a:endParaRPr lang="en-US"/>
+          </a:p>
+        </p:txBody>
+      </p:sp>
+      <p:sp>
+        <p:nvSpPr>
+          <p:cNvPr id="4" name="Rectangle 3">
+            <a:extLst>
+              <a:ext uri="{FF2B5EF4-FFF2-40B4-BE49-F238E27FC236}">
+                <a16:creationId xmlns:a16="http://schemas.microsoft.com/office/drawing/2014/main" id="{0F9594C5-155D-46B0-8861-CBC068AC1F66}"/>
+              </a:ext>
+            </a:extLst>
+          </p:cNvPr>
+          <p:cNvSpPr/>
+          <p:nvPr/>
+        </p:nvSpPr>
+        <p:spPr>
+          <a:xfrm>
+            <a:off x="7460203" y="4859045"/>
+            <a:ext cx="433526" cy="266331"/>
+          </a:xfrm>
+          <a:prstGeom prst="rect">
+            <a:avLst/>
+          </a:prstGeom>
+          <a:solidFill>
+            <a:schemeClr val="bg1"/>
+          </a:solidFill>
+          <a:ln>
+            <a:solidFill>
+              <a:schemeClr val="bg1"/>
+            </a:solidFill>
+          </a:ln>
+        </p:spPr>
+        <p:style>
+          <a:lnRef idx="2">
+            <a:schemeClr val="accent1">
+              <a:shade val="50000"/>
+            </a:schemeClr>
+          </a:lnRef>
+          <a:fillRef idx="1">
+            <a:schemeClr val="accent1"/>
+          </a:fillRef>
+          <a:effectRef idx="0">
+            <a:schemeClr val="accent1"/>
+          </a:effectRef>
+          <a:fontRef idx="minor">
+            <a:schemeClr val="lt1"/>
+          </a:fontRef>
+        </p:style>
+        <p:txBody>
+          <a:bodyPr rtlCol="0" anchor="ctr"/>
+          <a:lstStyle/>
+          <a:p>
+            <a:pPr algn="ctr"/>
+            <a:endParaRPr lang="en-US"/>
+          </a:p>
+        </p:txBody>
+      </p:sp>
+      <p:sp>
+        <p:nvSpPr>
+          <p:cNvPr id="6" name="Rectangle 5">
+            <a:extLst>
+              <a:ext uri="{FF2B5EF4-FFF2-40B4-BE49-F238E27FC236}">
+                <a16:creationId xmlns:a16="http://schemas.microsoft.com/office/drawing/2014/main" id="{3C8E3BA1-D526-4030-9953-9AC120817B0B}"/>
+              </a:ext>
+            </a:extLst>
+          </p:cNvPr>
+          <p:cNvSpPr/>
+          <p:nvPr/>
+        </p:nvSpPr>
+        <p:spPr>
+          <a:xfrm>
+            <a:off x="7535524" y="5177162"/>
+            <a:ext cx="433526" cy="266331"/>
+          </a:xfrm>
+          <a:prstGeom prst="rect">
+            <a:avLst/>
+          </a:prstGeom>
+          <a:solidFill>
+            <a:schemeClr val="bg1"/>
+          </a:solidFill>
+          <a:ln>
+            <a:solidFill>
+              <a:schemeClr val="bg1"/>
+            </a:solidFill>
+          </a:ln>
+        </p:spPr>
+        <p:style>
+          <a:lnRef idx="2">
+            <a:schemeClr val="accent1">
+              <a:shade val="50000"/>
+            </a:schemeClr>
+          </a:lnRef>
+          <a:fillRef idx="1">
+            <a:schemeClr val="accent1"/>
+          </a:fillRef>
+          <a:effectRef idx="0">
+            <a:schemeClr val="accent1"/>
+          </a:effectRef>
+          <a:fontRef idx="minor">
+            <a:schemeClr val="lt1"/>
+          </a:fontRef>
+        </p:style>
+        <p:txBody>
+          <a:bodyPr rtlCol="0" anchor="ctr"/>
+          <a:lstStyle/>
+          <a:p>
+            <a:pPr algn="ctr"/>
+            <a:endParaRPr lang="en-US"/>
+          </a:p>
+        </p:txBody>
+      </p:sp>
+      <p:sp>
+        <p:nvSpPr>
+          <p:cNvPr id="7" name="Rectangle 6">
+            <a:extLst>
+              <a:ext uri="{FF2B5EF4-FFF2-40B4-BE49-F238E27FC236}">
+                <a16:creationId xmlns:a16="http://schemas.microsoft.com/office/drawing/2014/main" id="{09D295C6-620C-4F29-B14B-1F4854583011}"/>
+              </a:ext>
+            </a:extLst>
+          </p:cNvPr>
+          <p:cNvSpPr/>
+          <p:nvPr/>
+        </p:nvSpPr>
+        <p:spPr>
+          <a:xfrm>
+            <a:off x="5871706" y="4866441"/>
+            <a:ext cx="433526" cy="266331"/>
+          </a:xfrm>
+          <a:prstGeom prst="rect">
+            <a:avLst/>
+          </a:prstGeom>
+          <a:solidFill>
+            <a:schemeClr val="bg1"/>
+          </a:solidFill>
+          <a:ln>
+            <a:solidFill>
+              <a:schemeClr val="bg1"/>
+            </a:solidFill>
+          </a:ln>
+        </p:spPr>
+        <p:style>
+          <a:lnRef idx="2">
+            <a:schemeClr val="accent1">
+              <a:shade val="50000"/>
+            </a:schemeClr>
+          </a:lnRef>
+          <a:fillRef idx="1">
+            <a:schemeClr val="accent1"/>
+          </a:fillRef>
+          <a:effectRef idx="0">
+            <a:schemeClr val="accent1"/>
+          </a:effectRef>
+          <a:fontRef idx="minor">
+            <a:schemeClr val="lt1"/>
+          </a:fontRef>
+        </p:style>
+        <p:txBody>
+          <a:bodyPr rtlCol="0" anchor="ctr"/>
+          <a:lstStyle/>
+          <a:p>
+            <a:pPr algn="ctr"/>
+            <a:endParaRPr lang="en-US"/>
+          </a:p>
+        </p:txBody>
+      </p:sp>
+      <p:sp>
+        <p:nvSpPr>
+          <p:cNvPr id="8" name="Rectangle 7">
+            <a:extLst>
+              <a:ext uri="{FF2B5EF4-FFF2-40B4-BE49-F238E27FC236}">
+                <a16:creationId xmlns:a16="http://schemas.microsoft.com/office/drawing/2014/main" id="{87FC4ED4-8B17-43EE-A03F-D392E2A8FCE7}"/>
+              </a:ext>
+            </a:extLst>
+          </p:cNvPr>
+          <p:cNvSpPr/>
+          <p:nvPr/>
+        </p:nvSpPr>
+        <p:spPr>
+          <a:xfrm>
+            <a:off x="4893077" y="4856085"/>
+            <a:ext cx="433526" cy="266331"/>
+          </a:xfrm>
+          <a:prstGeom prst="rect">
+            <a:avLst/>
+          </a:prstGeom>
+          <a:solidFill>
+            <a:schemeClr val="bg1"/>
+          </a:solidFill>
+          <a:ln>
+            <a:solidFill>
+              <a:schemeClr val="bg1"/>
+            </a:solidFill>
+          </a:ln>
+        </p:spPr>
+        <p:style>
+          <a:lnRef idx="2">
+            <a:schemeClr val="accent1">
+              <a:shade val="50000"/>
+            </a:schemeClr>
+          </a:lnRef>
+          <a:fillRef idx="1">
+            <a:schemeClr val="accent1"/>
+          </a:fillRef>
+          <a:effectRef idx="0">
+            <a:schemeClr val="accent1"/>
+          </a:effectRef>
+          <a:fontRef idx="minor">
+            <a:schemeClr val="lt1"/>
+          </a:fontRef>
+        </p:style>
+        <p:txBody>
+          <a:bodyPr rtlCol="0" anchor="ctr"/>
+          <a:lstStyle/>
+          <a:p>
+            <a:pPr algn="ctr"/>
+            <a:endParaRPr lang="en-US"/>
+          </a:p>
+        </p:txBody>
+      </p:sp>
+      <p:sp>
+        <p:nvSpPr>
+          <p:cNvPr id="9" name="Rectangle 8">
+            <a:extLst>
+              <a:ext uri="{FF2B5EF4-FFF2-40B4-BE49-F238E27FC236}">
+                <a16:creationId xmlns:a16="http://schemas.microsoft.com/office/drawing/2014/main" id="{D0FE678D-D40E-40CF-83C2-42357A1B909A}"/>
+              </a:ext>
+            </a:extLst>
+          </p:cNvPr>
+          <p:cNvSpPr/>
+          <p:nvPr/>
+        </p:nvSpPr>
+        <p:spPr>
+          <a:xfrm>
+            <a:off x="5834041" y="5184563"/>
+            <a:ext cx="433526" cy="266331"/>
+          </a:xfrm>
+          <a:prstGeom prst="rect">
+            <a:avLst/>
+          </a:prstGeom>
+          <a:solidFill>
+            <a:schemeClr val="bg1"/>
+          </a:solidFill>
+          <a:ln>
+            <a:solidFill>
+              <a:schemeClr val="bg1"/>
+            </a:solidFill>
+          </a:ln>
+        </p:spPr>
+        <p:style>
+          <a:lnRef idx="2">
+            <a:schemeClr val="accent1">
+              <a:shade val="50000"/>
+            </a:schemeClr>
+          </a:lnRef>
+          <a:fillRef idx="1">
+            <a:schemeClr val="accent1"/>
+          </a:fillRef>
+          <a:effectRef idx="0">
+            <a:schemeClr val="accent1"/>
+          </a:effectRef>
+          <a:fontRef idx="minor">
+            <a:schemeClr val="lt1"/>
+          </a:fontRef>
+        </p:style>
+        <p:txBody>
+          <a:bodyPr rtlCol="0" anchor="ctr"/>
+          <a:lstStyle/>
+          <a:p>
+            <a:pPr algn="ctr"/>
+            <a:endParaRPr lang="en-US"/>
+          </a:p>
+        </p:txBody>
+      </p:sp>
+      <p:sp>
+        <p:nvSpPr>
+          <p:cNvPr id="10" name="Rectangle 9">
+            <a:extLst>
+              <a:ext uri="{FF2B5EF4-FFF2-40B4-BE49-F238E27FC236}">
+                <a16:creationId xmlns:a16="http://schemas.microsoft.com/office/drawing/2014/main" id="{FA346FCA-21D6-495A-8237-AF590F0E0416}"/>
+              </a:ext>
+            </a:extLst>
+          </p:cNvPr>
+          <p:cNvSpPr/>
+          <p:nvPr/>
+        </p:nvSpPr>
+        <p:spPr>
+          <a:xfrm>
+            <a:off x="4893077" y="5504163"/>
+            <a:ext cx="433526" cy="233900"/>
+          </a:xfrm>
+          <a:prstGeom prst="rect">
+            <a:avLst/>
+          </a:prstGeom>
+          <a:solidFill>
+            <a:schemeClr val="bg1"/>
+          </a:solidFill>
+          <a:ln>
+            <a:solidFill>
+              <a:schemeClr val="bg1"/>
+            </a:solidFill>
+          </a:ln>
+        </p:spPr>
+        <p:style>
+          <a:lnRef idx="2">
+            <a:schemeClr val="accent1">
+              <a:shade val="50000"/>
+            </a:schemeClr>
+          </a:lnRef>
+          <a:fillRef idx="1">
+            <a:schemeClr val="accent1"/>
+          </a:fillRef>
+          <a:effectRef idx="0">
+            <a:schemeClr val="accent1"/>
+          </a:effectRef>
+          <a:fontRef idx="minor">
+            <a:schemeClr val="lt1"/>
+          </a:fontRef>
+        </p:style>
+        <p:txBody>
+          <a:bodyPr rtlCol="0" anchor="ctr"/>
+          <a:lstStyle/>
+          <a:p>
+            <a:pPr algn="ctr"/>
+            <a:endParaRPr lang="en-US"/>
+          </a:p>
+        </p:txBody>
+      </p:sp>
+      <p:sp>
+        <p:nvSpPr>
+          <p:cNvPr id="11" name="Rectangle 10">
+            <a:extLst>
+              <a:ext uri="{FF2B5EF4-FFF2-40B4-BE49-F238E27FC236}">
+                <a16:creationId xmlns:a16="http://schemas.microsoft.com/office/drawing/2014/main" id="{3A046B4D-AAF7-4DA2-BBF8-A58B5832E0E3}"/>
+              </a:ext>
+            </a:extLst>
+          </p:cNvPr>
+          <p:cNvSpPr/>
+          <p:nvPr/>
+        </p:nvSpPr>
+        <p:spPr>
+          <a:xfrm>
+            <a:off x="5871706" y="5489368"/>
+            <a:ext cx="433526" cy="266331"/>
+          </a:xfrm>
+          <a:prstGeom prst="rect">
+            <a:avLst/>
+          </a:prstGeom>
+          <a:solidFill>
+            <a:schemeClr val="bg1"/>
+          </a:solidFill>
+          <a:ln>
+            <a:solidFill>
+              <a:schemeClr val="bg1"/>
+            </a:solidFill>
+          </a:ln>
+        </p:spPr>
+        <p:style>
+          <a:lnRef idx="2">
+            <a:schemeClr val="accent1">
+              <a:shade val="50000"/>
+            </a:schemeClr>
+          </a:lnRef>
+          <a:fillRef idx="1">
+            <a:schemeClr val="accent1"/>
+          </a:fillRef>
+          <a:effectRef idx="0">
+            <a:schemeClr val="accent1"/>
+          </a:effectRef>
+          <a:fontRef idx="minor">
+            <a:schemeClr val="lt1"/>
+          </a:fontRef>
+        </p:style>
+        <p:txBody>
+          <a:bodyPr rtlCol="0" anchor="ctr"/>
+          <a:lstStyle/>
+          <a:p>
+            <a:pPr algn="ctr"/>
+            <a:endParaRPr lang="en-US"/>
+          </a:p>
+        </p:txBody>
+      </p:sp>
+      <p:sp>
+        <p:nvSpPr>
+          <p:cNvPr id="12" name="Rectangle 11">
+            <a:extLst>
+              <a:ext uri="{FF2B5EF4-FFF2-40B4-BE49-F238E27FC236}">
+                <a16:creationId xmlns:a16="http://schemas.microsoft.com/office/drawing/2014/main" id="{CC5C4F75-C478-4D5C-9371-58E0FD2529F3}"/>
+              </a:ext>
+            </a:extLst>
+          </p:cNvPr>
+          <p:cNvSpPr/>
+          <p:nvPr/>
+        </p:nvSpPr>
+        <p:spPr>
+          <a:xfrm>
+            <a:off x="7460203" y="5495285"/>
+            <a:ext cx="433526" cy="266331"/>
+          </a:xfrm>
+          <a:prstGeom prst="rect">
+            <a:avLst/>
+          </a:prstGeom>
+          <a:solidFill>
+            <a:schemeClr val="bg1"/>
+          </a:solidFill>
+          <a:ln>
+            <a:solidFill>
+              <a:schemeClr val="bg1"/>
+            </a:solidFill>
+          </a:ln>
+        </p:spPr>
+        <p:style>
+          <a:lnRef idx="2">
+            <a:schemeClr val="accent1">
+              <a:shade val="50000"/>
+            </a:schemeClr>
+          </a:lnRef>
+          <a:fillRef idx="1">
+            <a:schemeClr val="accent1"/>
+          </a:fillRef>
+          <a:effectRef idx="0">
+            <a:schemeClr val="accent1"/>
+          </a:effectRef>
+          <a:fontRef idx="minor">
+            <a:schemeClr val="lt1"/>
+          </a:fontRef>
+        </p:style>
+        <p:txBody>
+          <a:bodyPr rtlCol="0" anchor="ctr"/>
+          <a:lstStyle/>
+          <a:p>
+            <a:pPr algn="ctr"/>
+            <a:endParaRPr lang="en-US"/>
+          </a:p>
+        </p:txBody>
+      </p:sp>
+      <p:sp>
+        <p:nvSpPr>
+          <p:cNvPr id="13" name="Rectangle 12">
+            <a:extLst>
+              <a:ext uri="{FF2B5EF4-FFF2-40B4-BE49-F238E27FC236}">
+                <a16:creationId xmlns:a16="http://schemas.microsoft.com/office/drawing/2014/main" id="{2BBE8D50-AE35-4BC3-8861-657847901AF4}"/>
+              </a:ext>
+            </a:extLst>
+          </p:cNvPr>
+          <p:cNvSpPr/>
+          <p:nvPr/>
+        </p:nvSpPr>
+        <p:spPr>
+          <a:xfrm>
+            <a:off x="7535524" y="5822280"/>
+            <a:ext cx="433526" cy="266331"/>
+          </a:xfrm>
+          <a:prstGeom prst="rect">
+            <a:avLst/>
+          </a:prstGeom>
+          <a:solidFill>
+            <a:schemeClr val="bg1"/>
+          </a:solidFill>
+          <a:ln>
+            <a:solidFill>
+              <a:schemeClr val="bg1"/>
+            </a:solidFill>
+          </a:ln>
+        </p:spPr>
+        <p:style>
+          <a:lnRef idx="2">
+            <a:schemeClr val="accent1">
+              <a:shade val="50000"/>
+            </a:schemeClr>
+          </a:lnRef>
+          <a:fillRef idx="1">
+            <a:schemeClr val="accent1"/>
+          </a:fillRef>
+          <a:effectRef idx="0">
+            <a:schemeClr val="accent1"/>
+          </a:effectRef>
+          <a:fontRef idx="minor">
+            <a:schemeClr val="lt1"/>
+          </a:fontRef>
+        </p:style>
+        <p:txBody>
+          <a:bodyPr rtlCol="0" anchor="ctr"/>
+          <a:lstStyle/>
+          <a:p>
+            <a:pPr algn="ctr"/>
+            <a:endParaRPr lang="en-US"/>
+          </a:p>
+        </p:txBody>
+      </p:sp>
+      <p:sp>
+        <p:nvSpPr>
+          <p:cNvPr id="14" name="Rectangle 13">
+            <a:extLst>
+              <a:ext uri="{FF2B5EF4-FFF2-40B4-BE49-F238E27FC236}">
+                <a16:creationId xmlns:a16="http://schemas.microsoft.com/office/drawing/2014/main" id="{DE74EA0A-35F4-4036-940C-2C035225FC7D}"/>
+              </a:ext>
+            </a:extLst>
+          </p:cNvPr>
+          <p:cNvSpPr/>
+          <p:nvPr/>
+        </p:nvSpPr>
+        <p:spPr>
+          <a:xfrm>
+            <a:off x="5970838" y="5810449"/>
+            <a:ext cx="433526" cy="266331"/>
+          </a:xfrm>
+          <a:prstGeom prst="rect">
+            <a:avLst/>
+          </a:prstGeom>
+          <a:solidFill>
+            <a:schemeClr val="bg1"/>
+          </a:solidFill>
+          <a:ln>
+            <a:solidFill>
+              <a:schemeClr val="bg1"/>
+            </a:solidFill>
+          </a:ln>
+        </p:spPr>
+        <p:style>
+          <a:lnRef idx="2">
+            <a:schemeClr val="accent1">
+              <a:shade val="50000"/>
+            </a:schemeClr>
+          </a:lnRef>
+          <a:fillRef idx="1">
+            <a:schemeClr val="accent1"/>
+          </a:fillRef>
+          <a:effectRef idx="0">
+            <a:schemeClr val="accent1"/>
+          </a:effectRef>
+          <a:fontRef idx="minor">
+            <a:schemeClr val="lt1"/>
+          </a:fontRef>
+        </p:style>
+        <p:txBody>
+          <a:bodyPr rtlCol="0" anchor="ctr"/>
+          <a:lstStyle/>
+          <a:p>
+            <a:pPr algn="ctr"/>
+            <a:endParaRPr lang="en-US"/>
+          </a:p>
+        </p:txBody>
+      </p:sp>
+      <p:sp>
+        <p:nvSpPr>
+          <p:cNvPr id="15" name="Rectangle 14">
+            <a:extLst>
+              <a:ext uri="{FF2B5EF4-FFF2-40B4-BE49-F238E27FC236}">
+                <a16:creationId xmlns:a16="http://schemas.microsoft.com/office/drawing/2014/main" id="{B06B88A8-D534-41E8-9CBA-6B727F100B53}"/>
+              </a:ext>
+            </a:extLst>
+          </p:cNvPr>
+          <p:cNvSpPr/>
+          <p:nvPr/>
+        </p:nvSpPr>
+        <p:spPr>
+          <a:xfrm>
+            <a:off x="4870017" y="5810450"/>
+            <a:ext cx="433526" cy="266331"/>
+          </a:xfrm>
+          <a:prstGeom prst="rect">
+            <a:avLst/>
+          </a:prstGeom>
+          <a:solidFill>
+            <a:schemeClr val="bg1"/>
+          </a:solidFill>
+          <a:ln>
+            <a:solidFill>
+              <a:schemeClr val="bg1"/>
+            </a:solidFill>
+          </a:ln>
+        </p:spPr>
+        <p:style>
+          <a:lnRef idx="2">
+            <a:schemeClr val="accent1">
+              <a:shade val="50000"/>
+            </a:schemeClr>
+          </a:lnRef>
+          <a:fillRef idx="1">
+            <a:schemeClr val="accent1"/>
+          </a:fillRef>
+          <a:effectRef idx="0">
+            <a:schemeClr val="accent1"/>
+          </a:effectRef>
+          <a:fontRef idx="minor">
+            <a:schemeClr val="lt1"/>
+          </a:fontRef>
+        </p:style>
+        <p:txBody>
+          <a:bodyPr rtlCol="0" anchor="ctr"/>
+          <a:lstStyle/>
+          <a:p>
+            <a:pPr algn="ctr"/>
+            <a:endParaRPr lang="en-US"/>
+          </a:p>
+        </p:txBody>
+      </p:sp>
+      <p:sp>
+        <p:nvSpPr>
+          <p:cNvPr id="16" name="Rectangle 15">
+            <a:extLst>
+              <a:ext uri="{FF2B5EF4-FFF2-40B4-BE49-F238E27FC236}">
+                <a16:creationId xmlns:a16="http://schemas.microsoft.com/office/drawing/2014/main" id="{BD506ADA-1C16-4573-B13D-A904F9C958D0}"/>
+              </a:ext>
+            </a:extLst>
+          </p:cNvPr>
+          <p:cNvSpPr/>
+          <p:nvPr/>
+        </p:nvSpPr>
+        <p:spPr>
+          <a:xfrm>
+            <a:off x="2342368" y="1830279"/>
+            <a:ext cx="7290499" cy="797511"/>
+          </a:xfrm>
+          <a:prstGeom prst="rect">
+            <a:avLst/>
+          </a:prstGeom>
+          <a:solidFill>
+            <a:schemeClr val="bg1"/>
+          </a:solidFill>
+          <a:ln>
+            <a:solidFill>
+              <a:schemeClr val="bg1"/>
+            </a:solidFill>
+          </a:ln>
+        </p:spPr>
+        <p:style>
+          <a:lnRef idx="2">
+            <a:schemeClr val="accent1">
+              <a:shade val="50000"/>
+            </a:schemeClr>
+          </a:lnRef>
+          <a:fillRef idx="1">
+            <a:schemeClr val="accent1"/>
+          </a:fillRef>
+          <a:effectRef idx="0">
+            <a:schemeClr val="accent1"/>
+          </a:effectRef>
+          <a:fontRef idx="minor">
+            <a:schemeClr val="lt1"/>
+          </a:fontRef>
+        </p:style>
+        <p:txBody>
+          <a:bodyPr rtlCol="0" anchor="ctr"/>
+          <a:lstStyle/>
+          <a:p>
+            <a:pPr algn="ctr"/>
+            <a:endParaRPr lang="en-US"/>
+          </a:p>
+        </p:txBody>
+      </p:sp>
+      <p:sp>
+        <p:nvSpPr>
+          <p:cNvPr id="2" name="Footer Placeholder 1">
+            <a:extLst>
+              <a:ext uri="{FF2B5EF4-FFF2-40B4-BE49-F238E27FC236}">
+                <a16:creationId xmlns:a16="http://schemas.microsoft.com/office/drawing/2014/main" id="{F64E14E6-4F33-4AFE-BEBC-BAB574EE861A}"/>
+              </a:ext>
+            </a:extLst>
+          </p:cNvPr>
+          <p:cNvSpPr>
+            <a:spLocks noGrp="1"/>
+          </p:cNvSpPr>
+          <p:nvPr>
+            <p:ph type="ftr" sz="quarter" idx="11"/>
+          </p:nvPr>
+        </p:nvSpPr>
+        <p:spPr/>
+        <p:txBody>
+          <a:bodyPr/>
+          <a:lstStyle/>
+          <a:p>
+            <a:r>
+              <a:rPr lang="en-US"/>
+              <a:t>Dr. Nike Dattani, MATH 135, Fall 2021</a:t>
+            </a:r>
+            <a:endParaRPr lang="en-US" dirty="0"/>
+          </a:p>
+        </p:txBody>
+      </p:sp>
       <p:pic>
         <p:nvPicPr>
-          <p:cNvPr id="5" name="Picture 4">
-            <a:extLst>
-              <a:ext uri="{FF2B5EF4-FFF2-40B4-BE49-F238E27FC236}">
-                <a16:creationId xmlns:a16="http://schemas.microsoft.com/office/drawing/2014/main" id="{F0AA68B9-4A86-410C-AB2C-0EE653268F17}"/>
+          <p:cNvPr id="18" name="Picture 17">
+            <a:extLst>
+              <a:ext uri="{FF2B5EF4-FFF2-40B4-BE49-F238E27FC236}">
+                <a16:creationId xmlns:a16="http://schemas.microsoft.com/office/drawing/2014/main" id="{2E8EE8CB-D58D-4EC7-BD74-331EDA1B79A8}"/>
               </a:ext>
             </a:extLst>
           </p:cNvPr>
@@ -24046,806 +25924,20 @@
         </p:blipFill>
         <p:spPr>
           <a:xfrm>
-            <a:off x="2018806" y="548680"/>
-            <a:ext cx="7614062" cy="5760639"/>
+            <a:off x="1943050" y="236717"/>
+            <a:ext cx="7271626" cy="948473"/>
           </a:xfrm>
           <a:prstGeom prst="rect">
             <a:avLst/>
           </a:prstGeom>
         </p:spPr>
       </p:pic>
-      <p:sp>
-        <p:nvSpPr>
-          <p:cNvPr id="3" name="Rectangle 2">
-            <a:extLst>
-              <a:ext uri="{FF2B5EF4-FFF2-40B4-BE49-F238E27FC236}">
-                <a16:creationId xmlns:a16="http://schemas.microsoft.com/office/drawing/2014/main" id="{25C9728F-2044-42A6-9DD9-EA052EA5C07D}"/>
-              </a:ext>
-            </a:extLst>
-          </p:cNvPr>
-          <p:cNvSpPr/>
-          <p:nvPr/>
-        </p:nvSpPr>
-        <p:spPr>
-          <a:xfrm>
-            <a:off x="4893077" y="5184563"/>
-            <a:ext cx="433526" cy="266331"/>
-          </a:xfrm>
-          <a:prstGeom prst="rect">
-            <a:avLst/>
-          </a:prstGeom>
-          <a:solidFill>
-            <a:schemeClr val="bg1"/>
-          </a:solidFill>
-          <a:ln>
-            <a:solidFill>
-              <a:schemeClr val="bg1"/>
-            </a:solidFill>
-          </a:ln>
-        </p:spPr>
-        <p:style>
-          <a:lnRef idx="2">
-            <a:schemeClr val="accent1">
-              <a:shade val="50000"/>
-            </a:schemeClr>
-          </a:lnRef>
-          <a:fillRef idx="1">
-            <a:schemeClr val="accent1"/>
-          </a:fillRef>
-          <a:effectRef idx="0">
-            <a:schemeClr val="accent1"/>
-          </a:effectRef>
-          <a:fontRef idx="minor">
-            <a:schemeClr val="lt1"/>
-          </a:fontRef>
-        </p:style>
-        <p:txBody>
-          <a:bodyPr rtlCol="0" anchor="ctr"/>
-          <a:lstStyle/>
-          <a:p>
-            <a:pPr algn="ctr"/>
-            <a:endParaRPr lang="en-US"/>
-          </a:p>
-        </p:txBody>
-      </p:sp>
-      <p:sp>
-        <p:nvSpPr>
-          <p:cNvPr id="4" name="Rectangle 3">
-            <a:extLst>
-              <a:ext uri="{FF2B5EF4-FFF2-40B4-BE49-F238E27FC236}">
-                <a16:creationId xmlns:a16="http://schemas.microsoft.com/office/drawing/2014/main" id="{0F9594C5-155D-46B0-8861-CBC068AC1F66}"/>
-              </a:ext>
-            </a:extLst>
-          </p:cNvPr>
-          <p:cNvSpPr/>
-          <p:nvPr/>
-        </p:nvSpPr>
-        <p:spPr>
-          <a:xfrm>
-            <a:off x="7460203" y="4859045"/>
-            <a:ext cx="433526" cy="266331"/>
-          </a:xfrm>
-          <a:prstGeom prst="rect">
-            <a:avLst/>
-          </a:prstGeom>
-          <a:solidFill>
-            <a:schemeClr val="bg1"/>
-          </a:solidFill>
-          <a:ln>
-            <a:solidFill>
-              <a:schemeClr val="bg1"/>
-            </a:solidFill>
-          </a:ln>
-        </p:spPr>
-        <p:style>
-          <a:lnRef idx="2">
-            <a:schemeClr val="accent1">
-              <a:shade val="50000"/>
-            </a:schemeClr>
-          </a:lnRef>
-          <a:fillRef idx="1">
-            <a:schemeClr val="accent1"/>
-          </a:fillRef>
-          <a:effectRef idx="0">
-            <a:schemeClr val="accent1"/>
-          </a:effectRef>
-          <a:fontRef idx="minor">
-            <a:schemeClr val="lt1"/>
-          </a:fontRef>
-        </p:style>
-        <p:txBody>
-          <a:bodyPr rtlCol="0" anchor="ctr"/>
-          <a:lstStyle/>
-          <a:p>
-            <a:pPr algn="ctr"/>
-            <a:endParaRPr lang="en-US"/>
-          </a:p>
-        </p:txBody>
-      </p:sp>
-      <p:sp>
-        <p:nvSpPr>
-          <p:cNvPr id="6" name="Rectangle 5">
-            <a:extLst>
-              <a:ext uri="{FF2B5EF4-FFF2-40B4-BE49-F238E27FC236}">
-                <a16:creationId xmlns:a16="http://schemas.microsoft.com/office/drawing/2014/main" id="{3C8E3BA1-D526-4030-9953-9AC120817B0B}"/>
-              </a:ext>
-            </a:extLst>
-          </p:cNvPr>
-          <p:cNvSpPr/>
-          <p:nvPr/>
-        </p:nvSpPr>
-        <p:spPr>
-          <a:xfrm>
-            <a:off x="7535524" y="5177162"/>
-            <a:ext cx="433526" cy="266331"/>
-          </a:xfrm>
-          <a:prstGeom prst="rect">
-            <a:avLst/>
-          </a:prstGeom>
-          <a:solidFill>
-            <a:schemeClr val="bg1"/>
-          </a:solidFill>
-          <a:ln>
-            <a:solidFill>
-              <a:schemeClr val="bg1"/>
-            </a:solidFill>
-          </a:ln>
-        </p:spPr>
-        <p:style>
-          <a:lnRef idx="2">
-            <a:schemeClr val="accent1">
-              <a:shade val="50000"/>
-            </a:schemeClr>
-          </a:lnRef>
-          <a:fillRef idx="1">
-            <a:schemeClr val="accent1"/>
-          </a:fillRef>
-          <a:effectRef idx="0">
-            <a:schemeClr val="accent1"/>
-          </a:effectRef>
-          <a:fontRef idx="minor">
-            <a:schemeClr val="lt1"/>
-          </a:fontRef>
-        </p:style>
-        <p:txBody>
-          <a:bodyPr rtlCol="0" anchor="ctr"/>
-          <a:lstStyle/>
-          <a:p>
-            <a:pPr algn="ctr"/>
-            <a:endParaRPr lang="en-US"/>
-          </a:p>
-        </p:txBody>
-      </p:sp>
-      <p:sp>
-        <p:nvSpPr>
-          <p:cNvPr id="7" name="Rectangle 6">
-            <a:extLst>
-              <a:ext uri="{FF2B5EF4-FFF2-40B4-BE49-F238E27FC236}">
-                <a16:creationId xmlns:a16="http://schemas.microsoft.com/office/drawing/2014/main" id="{09D295C6-620C-4F29-B14B-1F4854583011}"/>
-              </a:ext>
-            </a:extLst>
-          </p:cNvPr>
-          <p:cNvSpPr/>
-          <p:nvPr/>
-        </p:nvSpPr>
-        <p:spPr>
-          <a:xfrm>
-            <a:off x="5871706" y="4866441"/>
-            <a:ext cx="433526" cy="266331"/>
-          </a:xfrm>
-          <a:prstGeom prst="rect">
-            <a:avLst/>
-          </a:prstGeom>
-          <a:solidFill>
-            <a:schemeClr val="bg1"/>
-          </a:solidFill>
-          <a:ln>
-            <a:solidFill>
-              <a:schemeClr val="bg1"/>
-            </a:solidFill>
-          </a:ln>
-        </p:spPr>
-        <p:style>
-          <a:lnRef idx="2">
-            <a:schemeClr val="accent1">
-              <a:shade val="50000"/>
-            </a:schemeClr>
-          </a:lnRef>
-          <a:fillRef idx="1">
-            <a:schemeClr val="accent1"/>
-          </a:fillRef>
-          <a:effectRef idx="0">
-            <a:schemeClr val="accent1"/>
-          </a:effectRef>
-          <a:fontRef idx="minor">
-            <a:schemeClr val="lt1"/>
-          </a:fontRef>
-        </p:style>
-        <p:txBody>
-          <a:bodyPr rtlCol="0" anchor="ctr"/>
-          <a:lstStyle/>
-          <a:p>
-            <a:pPr algn="ctr"/>
-            <a:endParaRPr lang="en-US"/>
-          </a:p>
-        </p:txBody>
-      </p:sp>
-      <p:sp>
-        <p:nvSpPr>
-          <p:cNvPr id="8" name="Rectangle 7">
-            <a:extLst>
-              <a:ext uri="{FF2B5EF4-FFF2-40B4-BE49-F238E27FC236}">
-                <a16:creationId xmlns:a16="http://schemas.microsoft.com/office/drawing/2014/main" id="{87FC4ED4-8B17-43EE-A03F-D392E2A8FCE7}"/>
-              </a:ext>
-            </a:extLst>
-          </p:cNvPr>
-          <p:cNvSpPr/>
-          <p:nvPr/>
-        </p:nvSpPr>
-        <p:spPr>
-          <a:xfrm>
-            <a:off x="4893077" y="4856085"/>
-            <a:ext cx="433526" cy="266331"/>
-          </a:xfrm>
-          <a:prstGeom prst="rect">
-            <a:avLst/>
-          </a:prstGeom>
-          <a:solidFill>
-            <a:schemeClr val="bg1"/>
-          </a:solidFill>
-          <a:ln>
-            <a:solidFill>
-              <a:schemeClr val="bg1"/>
-            </a:solidFill>
-          </a:ln>
-        </p:spPr>
-        <p:style>
-          <a:lnRef idx="2">
-            <a:schemeClr val="accent1">
-              <a:shade val="50000"/>
-            </a:schemeClr>
-          </a:lnRef>
-          <a:fillRef idx="1">
-            <a:schemeClr val="accent1"/>
-          </a:fillRef>
-          <a:effectRef idx="0">
-            <a:schemeClr val="accent1"/>
-          </a:effectRef>
-          <a:fontRef idx="minor">
-            <a:schemeClr val="lt1"/>
-          </a:fontRef>
-        </p:style>
-        <p:txBody>
-          <a:bodyPr rtlCol="0" anchor="ctr"/>
-          <a:lstStyle/>
-          <a:p>
-            <a:pPr algn="ctr"/>
-            <a:endParaRPr lang="en-US"/>
-          </a:p>
-        </p:txBody>
-      </p:sp>
-      <p:sp>
-        <p:nvSpPr>
-          <p:cNvPr id="9" name="Rectangle 8">
-            <a:extLst>
-              <a:ext uri="{FF2B5EF4-FFF2-40B4-BE49-F238E27FC236}">
-                <a16:creationId xmlns:a16="http://schemas.microsoft.com/office/drawing/2014/main" id="{D0FE678D-D40E-40CF-83C2-42357A1B909A}"/>
-              </a:ext>
-            </a:extLst>
-          </p:cNvPr>
-          <p:cNvSpPr/>
-          <p:nvPr/>
-        </p:nvSpPr>
-        <p:spPr>
-          <a:xfrm>
-            <a:off x="5834041" y="5184563"/>
-            <a:ext cx="433526" cy="266331"/>
-          </a:xfrm>
-          <a:prstGeom prst="rect">
-            <a:avLst/>
-          </a:prstGeom>
-          <a:solidFill>
-            <a:schemeClr val="bg1"/>
-          </a:solidFill>
-          <a:ln>
-            <a:solidFill>
-              <a:schemeClr val="bg1"/>
-            </a:solidFill>
-          </a:ln>
-        </p:spPr>
-        <p:style>
-          <a:lnRef idx="2">
-            <a:schemeClr val="accent1">
-              <a:shade val="50000"/>
-            </a:schemeClr>
-          </a:lnRef>
-          <a:fillRef idx="1">
-            <a:schemeClr val="accent1"/>
-          </a:fillRef>
-          <a:effectRef idx="0">
-            <a:schemeClr val="accent1"/>
-          </a:effectRef>
-          <a:fontRef idx="minor">
-            <a:schemeClr val="lt1"/>
-          </a:fontRef>
-        </p:style>
-        <p:txBody>
-          <a:bodyPr rtlCol="0" anchor="ctr"/>
-          <a:lstStyle/>
-          <a:p>
-            <a:pPr algn="ctr"/>
-            <a:endParaRPr lang="en-US"/>
-          </a:p>
-        </p:txBody>
-      </p:sp>
-      <p:sp>
-        <p:nvSpPr>
-          <p:cNvPr id="10" name="Rectangle 9">
-            <a:extLst>
-              <a:ext uri="{FF2B5EF4-FFF2-40B4-BE49-F238E27FC236}">
-                <a16:creationId xmlns:a16="http://schemas.microsoft.com/office/drawing/2014/main" id="{FA346FCA-21D6-495A-8237-AF590F0E0416}"/>
-              </a:ext>
-            </a:extLst>
-          </p:cNvPr>
-          <p:cNvSpPr/>
-          <p:nvPr/>
-        </p:nvSpPr>
-        <p:spPr>
-          <a:xfrm>
-            <a:off x="4893077" y="5504163"/>
-            <a:ext cx="433526" cy="233900"/>
-          </a:xfrm>
-          <a:prstGeom prst="rect">
-            <a:avLst/>
-          </a:prstGeom>
-          <a:solidFill>
-            <a:schemeClr val="bg1"/>
-          </a:solidFill>
-          <a:ln>
-            <a:solidFill>
-              <a:schemeClr val="bg1"/>
-            </a:solidFill>
-          </a:ln>
-        </p:spPr>
-        <p:style>
-          <a:lnRef idx="2">
-            <a:schemeClr val="accent1">
-              <a:shade val="50000"/>
-            </a:schemeClr>
-          </a:lnRef>
-          <a:fillRef idx="1">
-            <a:schemeClr val="accent1"/>
-          </a:fillRef>
-          <a:effectRef idx="0">
-            <a:schemeClr val="accent1"/>
-          </a:effectRef>
-          <a:fontRef idx="minor">
-            <a:schemeClr val="lt1"/>
-          </a:fontRef>
-        </p:style>
-        <p:txBody>
-          <a:bodyPr rtlCol="0" anchor="ctr"/>
-          <a:lstStyle/>
-          <a:p>
-            <a:pPr algn="ctr"/>
-            <a:endParaRPr lang="en-US"/>
-          </a:p>
-        </p:txBody>
-      </p:sp>
-      <p:sp>
-        <p:nvSpPr>
-          <p:cNvPr id="11" name="Rectangle 10">
-            <a:extLst>
-              <a:ext uri="{FF2B5EF4-FFF2-40B4-BE49-F238E27FC236}">
-                <a16:creationId xmlns:a16="http://schemas.microsoft.com/office/drawing/2014/main" id="{3A046B4D-AAF7-4DA2-BBF8-A58B5832E0E3}"/>
-              </a:ext>
-            </a:extLst>
-          </p:cNvPr>
-          <p:cNvSpPr/>
-          <p:nvPr/>
-        </p:nvSpPr>
-        <p:spPr>
-          <a:xfrm>
-            <a:off x="5871706" y="5489368"/>
-            <a:ext cx="433526" cy="266331"/>
-          </a:xfrm>
-          <a:prstGeom prst="rect">
-            <a:avLst/>
-          </a:prstGeom>
-          <a:solidFill>
-            <a:schemeClr val="bg1"/>
-          </a:solidFill>
-          <a:ln>
-            <a:solidFill>
-              <a:schemeClr val="bg1"/>
-            </a:solidFill>
-          </a:ln>
-        </p:spPr>
-        <p:style>
-          <a:lnRef idx="2">
-            <a:schemeClr val="accent1">
-              <a:shade val="50000"/>
-            </a:schemeClr>
-          </a:lnRef>
-          <a:fillRef idx="1">
-            <a:schemeClr val="accent1"/>
-          </a:fillRef>
-          <a:effectRef idx="0">
-            <a:schemeClr val="accent1"/>
-          </a:effectRef>
-          <a:fontRef idx="minor">
-            <a:schemeClr val="lt1"/>
-          </a:fontRef>
-        </p:style>
-        <p:txBody>
-          <a:bodyPr rtlCol="0" anchor="ctr"/>
-          <a:lstStyle/>
-          <a:p>
-            <a:pPr algn="ctr"/>
-            <a:endParaRPr lang="en-US"/>
-          </a:p>
-        </p:txBody>
-      </p:sp>
-      <p:sp>
-        <p:nvSpPr>
-          <p:cNvPr id="12" name="Rectangle 11">
-            <a:extLst>
-              <a:ext uri="{FF2B5EF4-FFF2-40B4-BE49-F238E27FC236}">
-                <a16:creationId xmlns:a16="http://schemas.microsoft.com/office/drawing/2014/main" id="{CC5C4F75-C478-4D5C-9371-58E0FD2529F3}"/>
-              </a:ext>
-            </a:extLst>
-          </p:cNvPr>
-          <p:cNvSpPr/>
-          <p:nvPr/>
-        </p:nvSpPr>
-        <p:spPr>
-          <a:xfrm>
-            <a:off x="7460203" y="5495285"/>
-            <a:ext cx="433526" cy="266331"/>
-          </a:xfrm>
-          <a:prstGeom prst="rect">
-            <a:avLst/>
-          </a:prstGeom>
-          <a:solidFill>
-            <a:schemeClr val="bg1"/>
-          </a:solidFill>
-          <a:ln>
-            <a:solidFill>
-              <a:schemeClr val="bg1"/>
-            </a:solidFill>
-          </a:ln>
-        </p:spPr>
-        <p:style>
-          <a:lnRef idx="2">
-            <a:schemeClr val="accent1">
-              <a:shade val="50000"/>
-            </a:schemeClr>
-          </a:lnRef>
-          <a:fillRef idx="1">
-            <a:schemeClr val="accent1"/>
-          </a:fillRef>
-          <a:effectRef idx="0">
-            <a:schemeClr val="accent1"/>
-          </a:effectRef>
-          <a:fontRef idx="minor">
-            <a:schemeClr val="lt1"/>
-          </a:fontRef>
-        </p:style>
-        <p:txBody>
-          <a:bodyPr rtlCol="0" anchor="ctr"/>
-          <a:lstStyle/>
-          <a:p>
-            <a:pPr algn="ctr"/>
-            <a:endParaRPr lang="en-US"/>
-          </a:p>
-        </p:txBody>
-      </p:sp>
-      <p:sp>
-        <p:nvSpPr>
-          <p:cNvPr id="13" name="Rectangle 12">
-            <a:extLst>
-              <a:ext uri="{FF2B5EF4-FFF2-40B4-BE49-F238E27FC236}">
-                <a16:creationId xmlns:a16="http://schemas.microsoft.com/office/drawing/2014/main" id="{2BBE8D50-AE35-4BC3-8861-657847901AF4}"/>
-              </a:ext>
-            </a:extLst>
-          </p:cNvPr>
-          <p:cNvSpPr/>
-          <p:nvPr/>
-        </p:nvSpPr>
-        <p:spPr>
-          <a:xfrm>
-            <a:off x="7535524" y="5822280"/>
-            <a:ext cx="433526" cy="266331"/>
-          </a:xfrm>
-          <a:prstGeom prst="rect">
-            <a:avLst/>
-          </a:prstGeom>
-          <a:solidFill>
-            <a:schemeClr val="bg1"/>
-          </a:solidFill>
-          <a:ln>
-            <a:solidFill>
-              <a:schemeClr val="bg1"/>
-            </a:solidFill>
-          </a:ln>
-        </p:spPr>
-        <p:style>
-          <a:lnRef idx="2">
-            <a:schemeClr val="accent1">
-              <a:shade val="50000"/>
-            </a:schemeClr>
-          </a:lnRef>
-          <a:fillRef idx="1">
-            <a:schemeClr val="accent1"/>
-          </a:fillRef>
-          <a:effectRef idx="0">
-            <a:schemeClr val="accent1"/>
-          </a:effectRef>
-          <a:fontRef idx="minor">
-            <a:schemeClr val="lt1"/>
-          </a:fontRef>
-        </p:style>
-        <p:txBody>
-          <a:bodyPr rtlCol="0" anchor="ctr"/>
-          <a:lstStyle/>
-          <a:p>
-            <a:pPr algn="ctr"/>
-            <a:endParaRPr lang="en-US"/>
-          </a:p>
-        </p:txBody>
-      </p:sp>
-      <p:sp>
-        <p:nvSpPr>
-          <p:cNvPr id="14" name="Rectangle 13">
-            <a:extLst>
-              <a:ext uri="{FF2B5EF4-FFF2-40B4-BE49-F238E27FC236}">
-                <a16:creationId xmlns:a16="http://schemas.microsoft.com/office/drawing/2014/main" id="{DE74EA0A-35F4-4036-940C-2C035225FC7D}"/>
-              </a:ext>
-            </a:extLst>
-          </p:cNvPr>
-          <p:cNvSpPr/>
-          <p:nvPr/>
-        </p:nvSpPr>
-        <p:spPr>
-          <a:xfrm>
-            <a:off x="5970838" y="5810449"/>
-            <a:ext cx="433526" cy="266331"/>
-          </a:xfrm>
-          <a:prstGeom prst="rect">
-            <a:avLst/>
-          </a:prstGeom>
-          <a:solidFill>
-            <a:schemeClr val="bg1"/>
-          </a:solidFill>
-          <a:ln>
-            <a:solidFill>
-              <a:schemeClr val="bg1"/>
-            </a:solidFill>
-          </a:ln>
-        </p:spPr>
-        <p:style>
-          <a:lnRef idx="2">
-            <a:schemeClr val="accent1">
-              <a:shade val="50000"/>
-            </a:schemeClr>
-          </a:lnRef>
-          <a:fillRef idx="1">
-            <a:schemeClr val="accent1"/>
-          </a:fillRef>
-          <a:effectRef idx="0">
-            <a:schemeClr val="accent1"/>
-          </a:effectRef>
-          <a:fontRef idx="minor">
-            <a:schemeClr val="lt1"/>
-          </a:fontRef>
-        </p:style>
-        <p:txBody>
-          <a:bodyPr rtlCol="0" anchor="ctr"/>
-          <a:lstStyle/>
-          <a:p>
-            <a:pPr algn="ctr"/>
-            <a:endParaRPr lang="en-US"/>
-          </a:p>
-        </p:txBody>
-      </p:sp>
-      <p:sp>
-        <p:nvSpPr>
-          <p:cNvPr id="15" name="Rectangle 14">
-            <a:extLst>
-              <a:ext uri="{FF2B5EF4-FFF2-40B4-BE49-F238E27FC236}">
-                <a16:creationId xmlns:a16="http://schemas.microsoft.com/office/drawing/2014/main" id="{B06B88A8-D534-41E8-9CBA-6B727F100B53}"/>
-              </a:ext>
-            </a:extLst>
-          </p:cNvPr>
-          <p:cNvSpPr/>
-          <p:nvPr/>
-        </p:nvSpPr>
-        <p:spPr>
-          <a:xfrm>
-            <a:off x="4870017" y="5810450"/>
-            <a:ext cx="433526" cy="266331"/>
-          </a:xfrm>
-          <a:prstGeom prst="rect">
-            <a:avLst/>
-          </a:prstGeom>
-          <a:solidFill>
-            <a:schemeClr val="bg1"/>
-          </a:solidFill>
-          <a:ln>
-            <a:solidFill>
-              <a:schemeClr val="bg1"/>
-            </a:solidFill>
-          </a:ln>
-        </p:spPr>
-        <p:style>
-          <a:lnRef idx="2">
-            <a:schemeClr val="accent1">
-              <a:shade val="50000"/>
-            </a:schemeClr>
-          </a:lnRef>
-          <a:fillRef idx="1">
-            <a:schemeClr val="accent1"/>
-          </a:fillRef>
-          <a:effectRef idx="0">
-            <a:schemeClr val="accent1"/>
-          </a:effectRef>
-          <a:fontRef idx="minor">
-            <a:schemeClr val="lt1"/>
-          </a:fontRef>
-        </p:style>
-        <p:txBody>
-          <a:bodyPr rtlCol="0" anchor="ctr"/>
-          <a:lstStyle/>
-          <a:p>
-            <a:pPr algn="ctr"/>
-            <a:endParaRPr lang="en-US"/>
-          </a:p>
-        </p:txBody>
-      </p:sp>
-      <p:sp>
-        <p:nvSpPr>
-          <p:cNvPr id="16" name="Rectangle 15">
-            <a:extLst>
-              <a:ext uri="{FF2B5EF4-FFF2-40B4-BE49-F238E27FC236}">
-                <a16:creationId xmlns:a16="http://schemas.microsoft.com/office/drawing/2014/main" id="{BD506ADA-1C16-4573-B13D-A904F9C958D0}"/>
-              </a:ext>
-            </a:extLst>
-          </p:cNvPr>
-          <p:cNvSpPr/>
-          <p:nvPr/>
-        </p:nvSpPr>
-        <p:spPr>
-          <a:xfrm>
-            <a:off x="2342368" y="1830279"/>
-            <a:ext cx="7290499" cy="797511"/>
-          </a:xfrm>
-          <a:prstGeom prst="rect">
-            <a:avLst/>
-          </a:prstGeom>
-          <a:solidFill>
-            <a:schemeClr val="bg1"/>
-          </a:solidFill>
-          <a:ln>
-            <a:solidFill>
-              <a:schemeClr val="bg1"/>
-            </a:solidFill>
-          </a:ln>
-        </p:spPr>
-        <p:style>
-          <a:lnRef idx="2">
-            <a:schemeClr val="accent1">
-              <a:shade val="50000"/>
-            </a:schemeClr>
-          </a:lnRef>
-          <a:fillRef idx="1">
-            <a:schemeClr val="accent1"/>
-          </a:fillRef>
-          <a:effectRef idx="0">
-            <a:schemeClr val="accent1"/>
-          </a:effectRef>
-          <a:fontRef idx="minor">
-            <a:schemeClr val="lt1"/>
-          </a:fontRef>
-        </p:style>
-        <p:txBody>
-          <a:bodyPr rtlCol="0" anchor="ctr"/>
-          <a:lstStyle/>
-          <a:p>
-            <a:pPr algn="ctr"/>
-            <a:endParaRPr lang="en-US"/>
-          </a:p>
-        </p:txBody>
-      </p:sp>
-      <p:sp>
-        <p:nvSpPr>
-          <p:cNvPr id="17" name="Rectangle 16">
-            <a:extLst>
-              <a:ext uri="{FF2B5EF4-FFF2-40B4-BE49-F238E27FC236}">
-                <a16:creationId xmlns:a16="http://schemas.microsoft.com/office/drawing/2014/main" id="{42E6A438-53C9-402E-A0F2-FA6F2A6725E7}"/>
-              </a:ext>
-            </a:extLst>
-          </p:cNvPr>
-          <p:cNvSpPr/>
-          <p:nvPr/>
-        </p:nvSpPr>
-        <p:spPr>
-          <a:xfrm>
-            <a:off x="2226456" y="3344661"/>
-            <a:ext cx="7290499" cy="2964657"/>
-          </a:xfrm>
-          <a:prstGeom prst="rect">
-            <a:avLst/>
-          </a:prstGeom>
-          <a:solidFill>
-            <a:schemeClr val="bg1"/>
-          </a:solidFill>
-          <a:ln>
-            <a:solidFill>
-              <a:schemeClr val="bg1"/>
-            </a:solidFill>
-          </a:ln>
-        </p:spPr>
-        <p:style>
-          <a:lnRef idx="2">
-            <a:schemeClr val="accent1">
-              <a:shade val="50000"/>
-            </a:schemeClr>
-          </a:lnRef>
-          <a:fillRef idx="1">
-            <a:schemeClr val="accent1"/>
-          </a:fillRef>
-          <a:effectRef idx="0">
-            <a:schemeClr val="accent1"/>
-          </a:effectRef>
-          <a:fontRef idx="minor">
-            <a:schemeClr val="lt1"/>
-          </a:fontRef>
-        </p:style>
-        <p:txBody>
-          <a:bodyPr rtlCol="0" anchor="ctr"/>
-          <a:lstStyle/>
-          <a:p>
-            <a:pPr algn="ctr"/>
-            <a:endParaRPr lang="en-US"/>
-          </a:p>
-        </p:txBody>
-      </p:sp>
-    </p:spTree>
-    <p:extLst>
-      <p:ext uri="{BB962C8B-B14F-4D97-AF65-F5344CB8AC3E}">
-        <p14:creationId xmlns:p14="http://schemas.microsoft.com/office/powerpoint/2010/main" val="1425054708"/>
-      </p:ext>
-    </p:extLst>
-  </p:cSld>
-  <p:clrMapOvr>
-    <a:masterClrMapping/>
-  </p:clrMapOvr>
-</p:sld>
-</file>
-
-<file path=ppt/slides/slide35.xml><?xml version="1.0" encoding="utf-8"?>
-<p:sld xmlns:a="http://schemas.openxmlformats.org/drawingml/2006/main" xmlns:r="http://schemas.openxmlformats.org/officeDocument/2006/relationships" xmlns:p="http://schemas.openxmlformats.org/presentationml/2006/main">
-  <p:cSld>
-    <p:spTree>
-      <p:nvGrpSpPr>
-        <p:cNvPr id="1" name=""/>
-        <p:cNvGrpSpPr/>
-        <p:nvPr/>
-      </p:nvGrpSpPr>
-      <p:grpSpPr>
-        <a:xfrm>
-          <a:off x="0" y="0"/>
-          <a:ext cx="0" cy="0"/>
-          <a:chOff x="0" y="0"/>
-          <a:chExt cx="0" cy="0"/>
-        </a:xfrm>
-      </p:grpSpPr>
       <p:pic>
         <p:nvPicPr>
-          <p:cNvPr id="5" name="Picture 4">
-            <a:extLst>
-              <a:ext uri="{FF2B5EF4-FFF2-40B4-BE49-F238E27FC236}">
-                <a16:creationId xmlns:a16="http://schemas.microsoft.com/office/drawing/2014/main" id="{F0AA68B9-4A86-410C-AB2C-0EE653268F17}"/>
+          <p:cNvPr id="19" name="Picture 18">
+            <a:extLst>
+              <a:ext uri="{FF2B5EF4-FFF2-40B4-BE49-F238E27FC236}">
+                <a16:creationId xmlns:a16="http://schemas.microsoft.com/office/drawing/2014/main" id="{1F86F6C5-E30A-468A-B192-9D976B26CA03}"/>
               </a:ext>
             </a:extLst>
           </p:cNvPr>
@@ -24855,813 +25947,27 @@
           <p:nvPr/>
         </p:nvPicPr>
         <p:blipFill>
-          <a:blip r:embed="rId2"/>
+          <a:blip r:embed="rId3"/>
           <a:stretch>
             <a:fillRect/>
           </a:stretch>
         </p:blipFill>
         <p:spPr>
           <a:xfrm>
-            <a:off x="2018806" y="548680"/>
-            <a:ext cx="7614062" cy="5760639"/>
+            <a:off x="782265" y="1918594"/>
+            <a:ext cx="10178881" cy="3076575"/>
           </a:xfrm>
           <a:prstGeom prst="rect">
             <a:avLst/>
           </a:prstGeom>
         </p:spPr>
       </p:pic>
-      <p:sp>
-        <p:nvSpPr>
-          <p:cNvPr id="3" name="Rectangle 2">
-            <a:extLst>
-              <a:ext uri="{FF2B5EF4-FFF2-40B4-BE49-F238E27FC236}">
-                <a16:creationId xmlns:a16="http://schemas.microsoft.com/office/drawing/2014/main" id="{25C9728F-2044-42A6-9DD9-EA052EA5C07D}"/>
-              </a:ext>
-            </a:extLst>
-          </p:cNvPr>
-          <p:cNvSpPr/>
-          <p:nvPr/>
-        </p:nvSpPr>
-        <p:spPr>
-          <a:xfrm>
-            <a:off x="4893077" y="5184563"/>
-            <a:ext cx="433526" cy="266331"/>
-          </a:xfrm>
-          <a:prstGeom prst="rect">
-            <a:avLst/>
-          </a:prstGeom>
-          <a:solidFill>
-            <a:schemeClr val="bg1"/>
-          </a:solidFill>
-          <a:ln>
-            <a:solidFill>
-              <a:schemeClr val="bg1"/>
-            </a:solidFill>
-          </a:ln>
-        </p:spPr>
-        <p:style>
-          <a:lnRef idx="2">
-            <a:schemeClr val="accent1">
-              <a:shade val="50000"/>
-            </a:schemeClr>
-          </a:lnRef>
-          <a:fillRef idx="1">
-            <a:schemeClr val="accent1"/>
-          </a:fillRef>
-          <a:effectRef idx="0">
-            <a:schemeClr val="accent1"/>
-          </a:effectRef>
-          <a:fontRef idx="minor">
-            <a:schemeClr val="lt1"/>
-          </a:fontRef>
-        </p:style>
-        <p:txBody>
-          <a:bodyPr rtlCol="0" anchor="ctr"/>
-          <a:lstStyle/>
-          <a:p>
-            <a:pPr algn="ctr"/>
-            <a:endParaRPr lang="en-US"/>
-          </a:p>
-        </p:txBody>
-      </p:sp>
-      <p:sp>
-        <p:nvSpPr>
-          <p:cNvPr id="4" name="Rectangle 3">
-            <a:extLst>
-              <a:ext uri="{FF2B5EF4-FFF2-40B4-BE49-F238E27FC236}">
-                <a16:creationId xmlns:a16="http://schemas.microsoft.com/office/drawing/2014/main" id="{0F9594C5-155D-46B0-8861-CBC068AC1F66}"/>
-              </a:ext>
-            </a:extLst>
-          </p:cNvPr>
-          <p:cNvSpPr/>
-          <p:nvPr/>
-        </p:nvSpPr>
-        <p:spPr>
-          <a:xfrm>
-            <a:off x="7460203" y="4859045"/>
-            <a:ext cx="433526" cy="266331"/>
-          </a:xfrm>
-          <a:prstGeom prst="rect">
-            <a:avLst/>
-          </a:prstGeom>
-          <a:solidFill>
-            <a:schemeClr val="bg1"/>
-          </a:solidFill>
-          <a:ln>
-            <a:solidFill>
-              <a:schemeClr val="bg1"/>
-            </a:solidFill>
-          </a:ln>
-        </p:spPr>
-        <p:style>
-          <a:lnRef idx="2">
-            <a:schemeClr val="accent1">
-              <a:shade val="50000"/>
-            </a:schemeClr>
-          </a:lnRef>
-          <a:fillRef idx="1">
-            <a:schemeClr val="accent1"/>
-          </a:fillRef>
-          <a:effectRef idx="0">
-            <a:schemeClr val="accent1"/>
-          </a:effectRef>
-          <a:fontRef idx="minor">
-            <a:schemeClr val="lt1"/>
-          </a:fontRef>
-        </p:style>
-        <p:txBody>
-          <a:bodyPr rtlCol="0" anchor="ctr"/>
-          <a:lstStyle/>
-          <a:p>
-            <a:pPr algn="ctr"/>
-            <a:endParaRPr lang="en-US"/>
-          </a:p>
-        </p:txBody>
-      </p:sp>
-      <p:sp>
-        <p:nvSpPr>
-          <p:cNvPr id="6" name="Rectangle 5">
-            <a:extLst>
-              <a:ext uri="{FF2B5EF4-FFF2-40B4-BE49-F238E27FC236}">
-                <a16:creationId xmlns:a16="http://schemas.microsoft.com/office/drawing/2014/main" id="{3C8E3BA1-D526-4030-9953-9AC120817B0B}"/>
-              </a:ext>
-            </a:extLst>
-          </p:cNvPr>
-          <p:cNvSpPr/>
-          <p:nvPr/>
-        </p:nvSpPr>
-        <p:spPr>
-          <a:xfrm>
-            <a:off x="7535524" y="5177162"/>
-            <a:ext cx="433526" cy="266331"/>
-          </a:xfrm>
-          <a:prstGeom prst="rect">
-            <a:avLst/>
-          </a:prstGeom>
-          <a:solidFill>
-            <a:schemeClr val="bg1"/>
-          </a:solidFill>
-          <a:ln>
-            <a:solidFill>
-              <a:schemeClr val="bg1"/>
-            </a:solidFill>
-          </a:ln>
-        </p:spPr>
-        <p:style>
-          <a:lnRef idx="2">
-            <a:schemeClr val="accent1">
-              <a:shade val="50000"/>
-            </a:schemeClr>
-          </a:lnRef>
-          <a:fillRef idx="1">
-            <a:schemeClr val="accent1"/>
-          </a:fillRef>
-          <a:effectRef idx="0">
-            <a:schemeClr val="accent1"/>
-          </a:effectRef>
-          <a:fontRef idx="minor">
-            <a:schemeClr val="lt1"/>
-          </a:fontRef>
-        </p:style>
-        <p:txBody>
-          <a:bodyPr rtlCol="0" anchor="ctr"/>
-          <a:lstStyle/>
-          <a:p>
-            <a:pPr algn="ctr"/>
-            <a:endParaRPr lang="en-US"/>
-          </a:p>
-        </p:txBody>
-      </p:sp>
-      <p:sp>
-        <p:nvSpPr>
-          <p:cNvPr id="7" name="Rectangle 6">
-            <a:extLst>
-              <a:ext uri="{FF2B5EF4-FFF2-40B4-BE49-F238E27FC236}">
-                <a16:creationId xmlns:a16="http://schemas.microsoft.com/office/drawing/2014/main" id="{09D295C6-620C-4F29-B14B-1F4854583011}"/>
-              </a:ext>
-            </a:extLst>
-          </p:cNvPr>
-          <p:cNvSpPr/>
-          <p:nvPr/>
-        </p:nvSpPr>
-        <p:spPr>
-          <a:xfrm>
-            <a:off x="5871706" y="4866441"/>
-            <a:ext cx="433526" cy="266331"/>
-          </a:xfrm>
-          <a:prstGeom prst="rect">
-            <a:avLst/>
-          </a:prstGeom>
-          <a:solidFill>
-            <a:schemeClr val="bg1"/>
-          </a:solidFill>
-          <a:ln>
-            <a:solidFill>
-              <a:schemeClr val="bg1"/>
-            </a:solidFill>
-          </a:ln>
-        </p:spPr>
-        <p:style>
-          <a:lnRef idx="2">
-            <a:schemeClr val="accent1">
-              <a:shade val="50000"/>
-            </a:schemeClr>
-          </a:lnRef>
-          <a:fillRef idx="1">
-            <a:schemeClr val="accent1"/>
-          </a:fillRef>
-          <a:effectRef idx="0">
-            <a:schemeClr val="accent1"/>
-          </a:effectRef>
-          <a:fontRef idx="minor">
-            <a:schemeClr val="lt1"/>
-          </a:fontRef>
-        </p:style>
-        <p:txBody>
-          <a:bodyPr rtlCol="0" anchor="ctr"/>
-          <a:lstStyle/>
-          <a:p>
-            <a:pPr algn="ctr"/>
-            <a:endParaRPr lang="en-US"/>
-          </a:p>
-        </p:txBody>
-      </p:sp>
-      <p:sp>
-        <p:nvSpPr>
-          <p:cNvPr id="8" name="Rectangle 7">
-            <a:extLst>
-              <a:ext uri="{FF2B5EF4-FFF2-40B4-BE49-F238E27FC236}">
-                <a16:creationId xmlns:a16="http://schemas.microsoft.com/office/drawing/2014/main" id="{87FC4ED4-8B17-43EE-A03F-D392E2A8FCE7}"/>
-              </a:ext>
-            </a:extLst>
-          </p:cNvPr>
-          <p:cNvSpPr/>
-          <p:nvPr/>
-        </p:nvSpPr>
-        <p:spPr>
-          <a:xfrm>
-            <a:off x="4893077" y="4856085"/>
-            <a:ext cx="433526" cy="266331"/>
-          </a:xfrm>
-          <a:prstGeom prst="rect">
-            <a:avLst/>
-          </a:prstGeom>
-          <a:solidFill>
-            <a:schemeClr val="bg1"/>
-          </a:solidFill>
-          <a:ln>
-            <a:solidFill>
-              <a:schemeClr val="bg1"/>
-            </a:solidFill>
-          </a:ln>
-        </p:spPr>
-        <p:style>
-          <a:lnRef idx="2">
-            <a:schemeClr val="accent1">
-              <a:shade val="50000"/>
-            </a:schemeClr>
-          </a:lnRef>
-          <a:fillRef idx="1">
-            <a:schemeClr val="accent1"/>
-          </a:fillRef>
-          <a:effectRef idx="0">
-            <a:schemeClr val="accent1"/>
-          </a:effectRef>
-          <a:fontRef idx="minor">
-            <a:schemeClr val="lt1"/>
-          </a:fontRef>
-        </p:style>
-        <p:txBody>
-          <a:bodyPr rtlCol="0" anchor="ctr"/>
-          <a:lstStyle/>
-          <a:p>
-            <a:pPr algn="ctr"/>
-            <a:endParaRPr lang="en-US"/>
-          </a:p>
-        </p:txBody>
-      </p:sp>
-      <p:sp>
-        <p:nvSpPr>
-          <p:cNvPr id="9" name="Rectangle 8">
-            <a:extLst>
-              <a:ext uri="{FF2B5EF4-FFF2-40B4-BE49-F238E27FC236}">
-                <a16:creationId xmlns:a16="http://schemas.microsoft.com/office/drawing/2014/main" id="{D0FE678D-D40E-40CF-83C2-42357A1B909A}"/>
-              </a:ext>
-            </a:extLst>
-          </p:cNvPr>
-          <p:cNvSpPr/>
-          <p:nvPr/>
-        </p:nvSpPr>
-        <p:spPr>
-          <a:xfrm>
-            <a:off x="5834041" y="5184563"/>
-            <a:ext cx="433526" cy="266331"/>
-          </a:xfrm>
-          <a:prstGeom prst="rect">
-            <a:avLst/>
-          </a:prstGeom>
-          <a:solidFill>
-            <a:schemeClr val="bg1"/>
-          </a:solidFill>
-          <a:ln>
-            <a:solidFill>
-              <a:schemeClr val="bg1"/>
-            </a:solidFill>
-          </a:ln>
-        </p:spPr>
-        <p:style>
-          <a:lnRef idx="2">
-            <a:schemeClr val="accent1">
-              <a:shade val="50000"/>
-            </a:schemeClr>
-          </a:lnRef>
-          <a:fillRef idx="1">
-            <a:schemeClr val="accent1"/>
-          </a:fillRef>
-          <a:effectRef idx="0">
-            <a:schemeClr val="accent1"/>
-          </a:effectRef>
-          <a:fontRef idx="minor">
-            <a:schemeClr val="lt1"/>
-          </a:fontRef>
-        </p:style>
-        <p:txBody>
-          <a:bodyPr rtlCol="0" anchor="ctr"/>
-          <a:lstStyle/>
-          <a:p>
-            <a:pPr algn="ctr"/>
-            <a:endParaRPr lang="en-US"/>
-          </a:p>
-        </p:txBody>
-      </p:sp>
-      <p:sp>
-        <p:nvSpPr>
-          <p:cNvPr id="10" name="Rectangle 9">
-            <a:extLst>
-              <a:ext uri="{FF2B5EF4-FFF2-40B4-BE49-F238E27FC236}">
-                <a16:creationId xmlns:a16="http://schemas.microsoft.com/office/drawing/2014/main" id="{FA346FCA-21D6-495A-8237-AF590F0E0416}"/>
-              </a:ext>
-            </a:extLst>
-          </p:cNvPr>
-          <p:cNvSpPr/>
-          <p:nvPr/>
-        </p:nvSpPr>
-        <p:spPr>
-          <a:xfrm>
-            <a:off x="4893077" y="5504163"/>
-            <a:ext cx="433526" cy="233900"/>
-          </a:xfrm>
-          <a:prstGeom prst="rect">
-            <a:avLst/>
-          </a:prstGeom>
-          <a:solidFill>
-            <a:schemeClr val="bg1"/>
-          </a:solidFill>
-          <a:ln>
-            <a:solidFill>
-              <a:schemeClr val="bg1"/>
-            </a:solidFill>
-          </a:ln>
-        </p:spPr>
-        <p:style>
-          <a:lnRef idx="2">
-            <a:schemeClr val="accent1">
-              <a:shade val="50000"/>
-            </a:schemeClr>
-          </a:lnRef>
-          <a:fillRef idx="1">
-            <a:schemeClr val="accent1"/>
-          </a:fillRef>
-          <a:effectRef idx="0">
-            <a:schemeClr val="accent1"/>
-          </a:effectRef>
-          <a:fontRef idx="minor">
-            <a:schemeClr val="lt1"/>
-          </a:fontRef>
-        </p:style>
-        <p:txBody>
-          <a:bodyPr rtlCol="0" anchor="ctr"/>
-          <a:lstStyle/>
-          <a:p>
-            <a:pPr algn="ctr"/>
-            <a:endParaRPr lang="en-US"/>
-          </a:p>
-        </p:txBody>
-      </p:sp>
-      <p:sp>
-        <p:nvSpPr>
-          <p:cNvPr id="11" name="Rectangle 10">
-            <a:extLst>
-              <a:ext uri="{FF2B5EF4-FFF2-40B4-BE49-F238E27FC236}">
-                <a16:creationId xmlns:a16="http://schemas.microsoft.com/office/drawing/2014/main" id="{3A046B4D-AAF7-4DA2-BBF8-A58B5832E0E3}"/>
-              </a:ext>
-            </a:extLst>
-          </p:cNvPr>
-          <p:cNvSpPr/>
-          <p:nvPr/>
-        </p:nvSpPr>
-        <p:spPr>
-          <a:xfrm>
-            <a:off x="5871706" y="5489368"/>
-            <a:ext cx="433526" cy="266331"/>
-          </a:xfrm>
-          <a:prstGeom prst="rect">
-            <a:avLst/>
-          </a:prstGeom>
-          <a:solidFill>
-            <a:schemeClr val="bg1"/>
-          </a:solidFill>
-          <a:ln>
-            <a:solidFill>
-              <a:schemeClr val="bg1"/>
-            </a:solidFill>
-          </a:ln>
-        </p:spPr>
-        <p:style>
-          <a:lnRef idx="2">
-            <a:schemeClr val="accent1">
-              <a:shade val="50000"/>
-            </a:schemeClr>
-          </a:lnRef>
-          <a:fillRef idx="1">
-            <a:schemeClr val="accent1"/>
-          </a:fillRef>
-          <a:effectRef idx="0">
-            <a:schemeClr val="accent1"/>
-          </a:effectRef>
-          <a:fontRef idx="minor">
-            <a:schemeClr val="lt1"/>
-          </a:fontRef>
-        </p:style>
-        <p:txBody>
-          <a:bodyPr rtlCol="0" anchor="ctr"/>
-          <a:lstStyle/>
-          <a:p>
-            <a:pPr algn="ctr"/>
-            <a:endParaRPr lang="en-US"/>
-          </a:p>
-        </p:txBody>
-      </p:sp>
-      <p:sp>
-        <p:nvSpPr>
-          <p:cNvPr id="12" name="Rectangle 11">
-            <a:extLst>
-              <a:ext uri="{FF2B5EF4-FFF2-40B4-BE49-F238E27FC236}">
-                <a16:creationId xmlns:a16="http://schemas.microsoft.com/office/drawing/2014/main" id="{CC5C4F75-C478-4D5C-9371-58E0FD2529F3}"/>
-              </a:ext>
-            </a:extLst>
-          </p:cNvPr>
-          <p:cNvSpPr/>
-          <p:nvPr/>
-        </p:nvSpPr>
-        <p:spPr>
-          <a:xfrm>
-            <a:off x="7460203" y="5495285"/>
-            <a:ext cx="433526" cy="266331"/>
-          </a:xfrm>
-          <a:prstGeom prst="rect">
-            <a:avLst/>
-          </a:prstGeom>
-          <a:solidFill>
-            <a:schemeClr val="bg1"/>
-          </a:solidFill>
-          <a:ln>
-            <a:solidFill>
-              <a:schemeClr val="bg1"/>
-            </a:solidFill>
-          </a:ln>
-        </p:spPr>
-        <p:style>
-          <a:lnRef idx="2">
-            <a:schemeClr val="accent1">
-              <a:shade val="50000"/>
-            </a:schemeClr>
-          </a:lnRef>
-          <a:fillRef idx="1">
-            <a:schemeClr val="accent1"/>
-          </a:fillRef>
-          <a:effectRef idx="0">
-            <a:schemeClr val="accent1"/>
-          </a:effectRef>
-          <a:fontRef idx="minor">
-            <a:schemeClr val="lt1"/>
-          </a:fontRef>
-        </p:style>
-        <p:txBody>
-          <a:bodyPr rtlCol="0" anchor="ctr"/>
-          <a:lstStyle/>
-          <a:p>
-            <a:pPr algn="ctr"/>
-            <a:endParaRPr lang="en-US"/>
-          </a:p>
-        </p:txBody>
-      </p:sp>
-      <p:sp>
-        <p:nvSpPr>
-          <p:cNvPr id="13" name="Rectangle 12">
-            <a:extLst>
-              <a:ext uri="{FF2B5EF4-FFF2-40B4-BE49-F238E27FC236}">
-                <a16:creationId xmlns:a16="http://schemas.microsoft.com/office/drawing/2014/main" id="{2BBE8D50-AE35-4BC3-8861-657847901AF4}"/>
-              </a:ext>
-            </a:extLst>
-          </p:cNvPr>
-          <p:cNvSpPr/>
-          <p:nvPr/>
-        </p:nvSpPr>
-        <p:spPr>
-          <a:xfrm>
-            <a:off x="7535524" y="5822280"/>
-            <a:ext cx="433526" cy="266331"/>
-          </a:xfrm>
-          <a:prstGeom prst="rect">
-            <a:avLst/>
-          </a:prstGeom>
-          <a:solidFill>
-            <a:schemeClr val="bg1"/>
-          </a:solidFill>
-          <a:ln>
-            <a:solidFill>
-              <a:schemeClr val="bg1"/>
-            </a:solidFill>
-          </a:ln>
-        </p:spPr>
-        <p:style>
-          <a:lnRef idx="2">
-            <a:schemeClr val="accent1">
-              <a:shade val="50000"/>
-            </a:schemeClr>
-          </a:lnRef>
-          <a:fillRef idx="1">
-            <a:schemeClr val="accent1"/>
-          </a:fillRef>
-          <a:effectRef idx="0">
-            <a:schemeClr val="accent1"/>
-          </a:effectRef>
-          <a:fontRef idx="minor">
-            <a:schemeClr val="lt1"/>
-          </a:fontRef>
-        </p:style>
-        <p:txBody>
-          <a:bodyPr rtlCol="0" anchor="ctr"/>
-          <a:lstStyle/>
-          <a:p>
-            <a:pPr algn="ctr"/>
-            <a:endParaRPr lang="en-US"/>
-          </a:p>
-        </p:txBody>
-      </p:sp>
-      <p:sp>
-        <p:nvSpPr>
-          <p:cNvPr id="14" name="Rectangle 13">
-            <a:extLst>
-              <a:ext uri="{FF2B5EF4-FFF2-40B4-BE49-F238E27FC236}">
-                <a16:creationId xmlns:a16="http://schemas.microsoft.com/office/drawing/2014/main" id="{DE74EA0A-35F4-4036-940C-2C035225FC7D}"/>
-              </a:ext>
-            </a:extLst>
-          </p:cNvPr>
-          <p:cNvSpPr/>
-          <p:nvPr/>
-        </p:nvSpPr>
-        <p:spPr>
-          <a:xfrm>
-            <a:off x="5970838" y="5810449"/>
-            <a:ext cx="433526" cy="266331"/>
-          </a:xfrm>
-          <a:prstGeom prst="rect">
-            <a:avLst/>
-          </a:prstGeom>
-          <a:solidFill>
-            <a:schemeClr val="bg1"/>
-          </a:solidFill>
-          <a:ln>
-            <a:solidFill>
-              <a:schemeClr val="bg1"/>
-            </a:solidFill>
-          </a:ln>
-        </p:spPr>
-        <p:style>
-          <a:lnRef idx="2">
-            <a:schemeClr val="accent1">
-              <a:shade val="50000"/>
-            </a:schemeClr>
-          </a:lnRef>
-          <a:fillRef idx="1">
-            <a:schemeClr val="accent1"/>
-          </a:fillRef>
-          <a:effectRef idx="0">
-            <a:schemeClr val="accent1"/>
-          </a:effectRef>
-          <a:fontRef idx="minor">
-            <a:schemeClr val="lt1"/>
-          </a:fontRef>
-        </p:style>
-        <p:txBody>
-          <a:bodyPr rtlCol="0" anchor="ctr"/>
-          <a:lstStyle/>
-          <a:p>
-            <a:pPr algn="ctr"/>
-            <a:endParaRPr lang="en-US"/>
-          </a:p>
-        </p:txBody>
-      </p:sp>
-      <p:sp>
-        <p:nvSpPr>
-          <p:cNvPr id="15" name="Rectangle 14">
-            <a:extLst>
-              <a:ext uri="{FF2B5EF4-FFF2-40B4-BE49-F238E27FC236}">
-                <a16:creationId xmlns:a16="http://schemas.microsoft.com/office/drawing/2014/main" id="{B06B88A8-D534-41E8-9CBA-6B727F100B53}"/>
-              </a:ext>
-            </a:extLst>
-          </p:cNvPr>
-          <p:cNvSpPr/>
-          <p:nvPr/>
-        </p:nvSpPr>
-        <p:spPr>
-          <a:xfrm>
-            <a:off x="4870017" y="5810450"/>
-            <a:ext cx="433526" cy="266331"/>
-          </a:xfrm>
-          <a:prstGeom prst="rect">
-            <a:avLst/>
-          </a:prstGeom>
-          <a:solidFill>
-            <a:schemeClr val="bg1"/>
-          </a:solidFill>
-          <a:ln>
-            <a:solidFill>
-              <a:schemeClr val="bg1"/>
-            </a:solidFill>
-          </a:ln>
-        </p:spPr>
-        <p:style>
-          <a:lnRef idx="2">
-            <a:schemeClr val="accent1">
-              <a:shade val="50000"/>
-            </a:schemeClr>
-          </a:lnRef>
-          <a:fillRef idx="1">
-            <a:schemeClr val="accent1"/>
-          </a:fillRef>
-          <a:effectRef idx="0">
-            <a:schemeClr val="accent1"/>
-          </a:effectRef>
-          <a:fontRef idx="minor">
-            <a:schemeClr val="lt1"/>
-          </a:fontRef>
-        </p:style>
-        <p:txBody>
-          <a:bodyPr rtlCol="0" anchor="ctr"/>
-          <a:lstStyle/>
-          <a:p>
-            <a:pPr algn="ctr"/>
-            <a:endParaRPr lang="en-US"/>
-          </a:p>
-        </p:txBody>
-      </p:sp>
-      <p:sp>
-        <p:nvSpPr>
-          <p:cNvPr id="16" name="Rectangle 15">
-            <a:extLst>
-              <a:ext uri="{FF2B5EF4-FFF2-40B4-BE49-F238E27FC236}">
-                <a16:creationId xmlns:a16="http://schemas.microsoft.com/office/drawing/2014/main" id="{BD506ADA-1C16-4573-B13D-A904F9C958D0}"/>
-              </a:ext>
-            </a:extLst>
-          </p:cNvPr>
-          <p:cNvSpPr/>
-          <p:nvPr/>
-        </p:nvSpPr>
-        <p:spPr>
-          <a:xfrm>
-            <a:off x="2342368" y="1830279"/>
-            <a:ext cx="7290499" cy="797511"/>
-          </a:xfrm>
-          <a:prstGeom prst="rect">
-            <a:avLst/>
-          </a:prstGeom>
-          <a:solidFill>
-            <a:schemeClr val="bg1"/>
-          </a:solidFill>
-          <a:ln>
-            <a:solidFill>
-              <a:schemeClr val="bg1"/>
-            </a:solidFill>
-          </a:ln>
-        </p:spPr>
-        <p:style>
-          <a:lnRef idx="2">
-            <a:schemeClr val="accent1">
-              <a:shade val="50000"/>
-            </a:schemeClr>
-          </a:lnRef>
-          <a:fillRef idx="1">
-            <a:schemeClr val="accent1"/>
-          </a:fillRef>
-          <a:effectRef idx="0">
-            <a:schemeClr val="accent1"/>
-          </a:effectRef>
-          <a:fontRef idx="minor">
-            <a:schemeClr val="lt1"/>
-          </a:fontRef>
-        </p:style>
-        <p:txBody>
-          <a:bodyPr rtlCol="0" anchor="ctr"/>
-          <a:lstStyle/>
-          <a:p>
-            <a:pPr algn="ctr"/>
-            <a:endParaRPr lang="en-US"/>
-          </a:p>
-        </p:txBody>
-      </p:sp>
-      <p:sp>
-        <p:nvSpPr>
-          <p:cNvPr id="17" name="Rectangle 16">
-            <a:extLst>
-              <a:ext uri="{FF2B5EF4-FFF2-40B4-BE49-F238E27FC236}">
-                <a16:creationId xmlns:a16="http://schemas.microsoft.com/office/drawing/2014/main" id="{42E6A438-53C9-402E-A0F2-FA6F2A6725E7}"/>
-              </a:ext>
-            </a:extLst>
-          </p:cNvPr>
-          <p:cNvSpPr/>
-          <p:nvPr/>
-        </p:nvSpPr>
-        <p:spPr>
-          <a:xfrm>
-            <a:off x="2226456" y="3344662"/>
-            <a:ext cx="7290499" cy="981476"/>
-          </a:xfrm>
-          <a:prstGeom prst="rect">
-            <a:avLst/>
-          </a:prstGeom>
-          <a:solidFill>
-            <a:schemeClr val="bg1"/>
-          </a:solidFill>
-          <a:ln>
-            <a:solidFill>
-              <a:schemeClr val="bg1"/>
-            </a:solidFill>
-          </a:ln>
-        </p:spPr>
-        <p:style>
-          <a:lnRef idx="2">
-            <a:schemeClr val="accent1">
-              <a:shade val="50000"/>
-            </a:schemeClr>
-          </a:lnRef>
-          <a:fillRef idx="1">
-            <a:schemeClr val="accent1"/>
-          </a:fillRef>
-          <a:effectRef idx="0">
-            <a:schemeClr val="accent1"/>
-          </a:effectRef>
-          <a:fontRef idx="minor">
-            <a:schemeClr val="lt1"/>
-          </a:fontRef>
-        </p:style>
-        <p:txBody>
-          <a:bodyPr rtlCol="0" anchor="ctr"/>
-          <a:lstStyle/>
-          <a:p>
-            <a:pPr algn="ctr"/>
-            <a:endParaRPr lang="en-US"/>
-          </a:p>
-        </p:txBody>
-      </p:sp>
-    </p:spTree>
-    <p:extLst>
-      <p:ext uri="{BB962C8B-B14F-4D97-AF65-F5344CB8AC3E}">
-        <p14:creationId xmlns:p14="http://schemas.microsoft.com/office/powerpoint/2010/main" val="680142204"/>
-      </p:ext>
-    </p:extLst>
-  </p:cSld>
-  <p:clrMapOvr>
-    <a:masterClrMapping/>
-  </p:clrMapOvr>
-</p:sld>
-</file>
-
-<file path=ppt/slides/slide36.xml><?xml version="1.0" encoding="utf-8"?>
-<p:sld xmlns:a="http://schemas.openxmlformats.org/drawingml/2006/main" xmlns:r="http://schemas.openxmlformats.org/officeDocument/2006/relationships" xmlns:p="http://schemas.openxmlformats.org/presentationml/2006/main">
-  <p:cSld>
-    <p:spTree>
-      <p:nvGrpSpPr>
-        <p:cNvPr id="1" name=""/>
-        <p:cNvGrpSpPr/>
-        <p:nvPr/>
-      </p:nvGrpSpPr>
-      <p:grpSpPr>
-        <a:xfrm>
-          <a:off x="0" y="0"/>
-          <a:ext cx="0" cy="0"/>
-          <a:chOff x="0" y="0"/>
-          <a:chExt cx="0" cy="0"/>
-        </a:xfrm>
-      </p:grpSpPr>
       <p:pic>
         <p:nvPicPr>
-          <p:cNvPr id="5" name="Picture 4">
-            <a:extLst>
-              <a:ext uri="{FF2B5EF4-FFF2-40B4-BE49-F238E27FC236}">
-                <a16:creationId xmlns:a16="http://schemas.microsoft.com/office/drawing/2014/main" id="{F0AA68B9-4A86-410C-AB2C-0EE653268F17}"/>
+          <p:cNvPr id="20" name="Picture 19">
+            <a:extLst>
+              <a:ext uri="{FF2B5EF4-FFF2-40B4-BE49-F238E27FC236}">
+                <a16:creationId xmlns:a16="http://schemas.microsoft.com/office/drawing/2014/main" id="{A39CD62A-DE0C-47A1-BC35-387B62BC7323}"/>
               </a:ext>
             </a:extLst>
           </p:cNvPr>
@@ -25671,15 +25977,15 @@
           <p:nvPr/>
         </p:nvPicPr>
         <p:blipFill>
-          <a:blip r:embed="rId2"/>
+          <a:blip r:embed="rId4"/>
           <a:stretch>
             <a:fillRect/>
           </a:stretch>
         </p:blipFill>
         <p:spPr>
           <a:xfrm>
-            <a:off x="2018806" y="548680"/>
-            <a:ext cx="7614062" cy="5760639"/>
+            <a:off x="647700" y="1915979"/>
+            <a:ext cx="10355496" cy="3068903"/>
           </a:xfrm>
           <a:prstGeom prst="rect">
             <a:avLst/>
@@ -25688,296 +25994,147 @@
       </p:pic>
       <p:sp>
         <p:nvSpPr>
-          <p:cNvPr id="3" name="Rectangle 2">
-            <a:extLst>
-              <a:ext uri="{FF2B5EF4-FFF2-40B4-BE49-F238E27FC236}">
-                <a16:creationId xmlns:a16="http://schemas.microsoft.com/office/drawing/2014/main" id="{83ED11FC-31F6-47FF-8269-815F8CD20C11}"/>
-              </a:ext>
-            </a:extLst>
-          </p:cNvPr>
-          <p:cNvSpPr/>
-          <p:nvPr/>
-        </p:nvSpPr>
-        <p:spPr>
-          <a:xfrm>
-            <a:off x="2342368" y="1830279"/>
-            <a:ext cx="7290499" cy="797511"/>
-          </a:xfrm>
-          <a:prstGeom prst="rect">
-            <a:avLst/>
-          </a:prstGeom>
-          <a:solidFill>
-            <a:schemeClr val="bg1"/>
-          </a:solidFill>
-          <a:ln>
-            <a:solidFill>
-              <a:schemeClr val="bg1"/>
-            </a:solidFill>
-          </a:ln>
-        </p:spPr>
-        <p:style>
-          <a:lnRef idx="2">
-            <a:schemeClr val="accent1">
-              <a:shade val="50000"/>
-            </a:schemeClr>
-          </a:lnRef>
-          <a:fillRef idx="1">
-            <a:schemeClr val="accent1"/>
-          </a:fillRef>
-          <a:effectRef idx="0">
-            <a:schemeClr val="accent1"/>
-          </a:effectRef>
-          <a:fontRef idx="minor">
-            <a:schemeClr val="lt1"/>
-          </a:fontRef>
-        </p:style>
-        <p:txBody>
-          <a:bodyPr rtlCol="0" anchor="ctr"/>
-          <a:lstStyle/>
-          <a:p>
-            <a:pPr algn="ctr"/>
-            <a:endParaRPr lang="en-US"/>
-          </a:p>
-        </p:txBody>
-      </p:sp>
-      <p:sp>
-        <p:nvSpPr>
-          <p:cNvPr id="4" name="Rectangle 3">
-            <a:extLst>
-              <a:ext uri="{FF2B5EF4-FFF2-40B4-BE49-F238E27FC236}">
-                <a16:creationId xmlns:a16="http://schemas.microsoft.com/office/drawing/2014/main" id="{10D9FE86-ED1C-4799-8726-FB2E428225F9}"/>
-              </a:ext>
-            </a:extLst>
-          </p:cNvPr>
-          <p:cNvSpPr/>
-          <p:nvPr/>
-        </p:nvSpPr>
-        <p:spPr>
-          <a:xfrm>
-            <a:off x="2226456" y="3344662"/>
-            <a:ext cx="7290499" cy="981476"/>
-          </a:xfrm>
-          <a:prstGeom prst="rect">
-            <a:avLst/>
-          </a:prstGeom>
-          <a:solidFill>
-            <a:schemeClr val="bg1"/>
-          </a:solidFill>
-          <a:ln>
-            <a:solidFill>
-              <a:schemeClr val="bg1"/>
-            </a:solidFill>
-          </a:ln>
-        </p:spPr>
-        <p:style>
-          <a:lnRef idx="2">
-            <a:schemeClr val="accent1">
-              <a:shade val="50000"/>
-            </a:schemeClr>
-          </a:lnRef>
-          <a:fillRef idx="1">
-            <a:schemeClr val="accent1"/>
-          </a:fillRef>
-          <a:effectRef idx="0">
-            <a:schemeClr val="accent1"/>
-          </a:effectRef>
-          <a:fontRef idx="minor">
-            <a:schemeClr val="lt1"/>
-          </a:fontRef>
-        </p:style>
-        <p:txBody>
-          <a:bodyPr rtlCol="0" anchor="ctr"/>
-          <a:lstStyle/>
-          <a:p>
-            <a:pPr algn="ctr"/>
-            <a:endParaRPr lang="en-US"/>
+          <p:cNvPr id="5" name="TextBox 4">
+            <a:extLst>
+              <a:ext uri="{FF2B5EF4-FFF2-40B4-BE49-F238E27FC236}">
+                <a16:creationId xmlns:a16="http://schemas.microsoft.com/office/drawing/2014/main" id="{98F48257-DAD2-454D-A172-3C23BF548E40}"/>
+              </a:ext>
+            </a:extLst>
+          </p:cNvPr>
+          <p:cNvSpPr txBox="1"/>
+          <p:nvPr/>
+        </p:nvSpPr>
+        <p:spPr>
+          <a:xfrm>
+            <a:off x="257175" y="5096591"/>
+            <a:ext cx="11677649" cy="2862322"/>
+          </a:xfrm>
+          <a:prstGeom prst="rect">
+            <a:avLst/>
+          </a:prstGeom>
+          <a:noFill/>
+        </p:spPr>
+        <p:txBody>
+          <a:bodyPr wrap="square" rtlCol="0">
+            <a:spAutoFit/>
+          </a:bodyPr>
+          <a:lstStyle/>
+          <a:p>
+            <a:pPr marL="342900" indent="-342900">
+              <a:buFont typeface="Arial" panose="020B0604020202020204" pitchFamily="34" charset="0"/>
+              <a:buChar char="•"/>
+            </a:pPr>
+            <a:r>
+              <a:rPr lang="en-US" sz="2000" dirty="0"/>
+              <a:t>We will use the convention that (A =&gt; B) is </a:t>
+            </a:r>
+            <a:r>
+              <a:rPr lang="en-US" sz="2000" b="1" i="1" dirty="0"/>
+              <a:t>true </a:t>
+            </a:r>
+            <a:r>
+              <a:rPr lang="en-US" sz="2000" dirty="0"/>
+              <a:t>if A is </a:t>
+            </a:r>
+            <a:r>
+              <a:rPr lang="en-US" sz="2000" b="1" i="1" dirty="0"/>
+              <a:t>false</a:t>
+            </a:r>
+            <a:r>
+              <a:rPr lang="en-US" sz="2000" dirty="0"/>
+              <a:t>.  In this case we say it’s “</a:t>
+            </a:r>
+            <a:r>
+              <a:rPr lang="en-US" sz="2000" b="1" i="1" dirty="0"/>
+              <a:t>vacuously true</a:t>
+            </a:r>
+            <a:r>
+              <a:rPr lang="en-US" sz="2000" dirty="0"/>
+              <a:t>”.</a:t>
+            </a:r>
+          </a:p>
+          <a:p>
+            <a:pPr marL="342900" indent="-342900">
+              <a:buFont typeface="Arial" panose="020B0604020202020204" pitchFamily="34" charset="0"/>
+              <a:buChar char="•"/>
+            </a:pPr>
+            <a:r>
+              <a:rPr lang="en-US" sz="2000" dirty="0"/>
+              <a:t>This way we don’t have to spend time checking cases that </a:t>
+            </a:r>
+            <a:r>
+              <a:rPr lang="en-US" sz="2000" b="1" i="1" dirty="0"/>
+              <a:t>do not impact</a:t>
+            </a:r>
+            <a:r>
+              <a:rPr lang="en-US" sz="2000" dirty="0"/>
+              <a:t> the open sentence. </a:t>
+            </a:r>
+          </a:p>
+          <a:p>
+            <a:pPr marL="342900" indent="-342900">
+              <a:buFont typeface="Arial" panose="020B0604020202020204" pitchFamily="34" charset="0"/>
+              <a:buChar char="•"/>
+            </a:pPr>
+            <a:endParaRPr lang="en-US" sz="2000" dirty="0"/>
+          </a:p>
+          <a:p>
+            <a:pPr marL="342900" indent="-342900">
+              <a:buFont typeface="Arial" panose="020B0604020202020204" pitchFamily="34" charset="0"/>
+              <a:buChar char="•"/>
+            </a:pPr>
+            <a:r>
+              <a:rPr lang="en-US" sz="2000" dirty="0"/>
+              <a:t>This convention </a:t>
+            </a:r>
+            <a:r>
+              <a:rPr lang="en-US" sz="2000" i="1" dirty="0"/>
+              <a:t>might </a:t>
+            </a:r>
+            <a:r>
+              <a:rPr lang="en-US" sz="2000" dirty="0"/>
+              <a:t>not be followed in some types of </a:t>
+            </a:r>
+            <a:r>
+              <a:rPr lang="en-US" sz="2000" dirty="0">
+                <a:hlinkClick r:id="rId5"/>
+              </a:rPr>
+              <a:t>non-classical logic (click for link to Wikipedia page!)</a:t>
+            </a:r>
+            <a:r>
+              <a:rPr lang="en-US" sz="2000" dirty="0"/>
+              <a:t>.</a:t>
+            </a:r>
+          </a:p>
+          <a:p>
+            <a:endParaRPr lang="en-US" sz="2000" dirty="0"/>
+          </a:p>
+          <a:p>
+            <a:pPr marL="342900" indent="-342900">
+              <a:buFont typeface="Arial" panose="020B0604020202020204" pitchFamily="34" charset="0"/>
+              <a:buChar char="•"/>
+            </a:pPr>
+            <a:endParaRPr lang="en-US" sz="2000" dirty="0"/>
+          </a:p>
+          <a:p>
+            <a:pPr marL="342900" indent="-342900">
+              <a:buFont typeface="Arial" panose="020B0604020202020204" pitchFamily="34" charset="0"/>
+              <a:buChar char="•"/>
+            </a:pPr>
+            <a:endParaRPr lang="en-US" sz="2000" dirty="0"/>
+          </a:p>
+          <a:p>
+            <a:endParaRPr lang="en-US" sz="2000" dirty="0"/>
+          </a:p>
+          <a:p>
+            <a:endParaRPr lang="en-US" sz="2000" dirty="0"/>
           </a:p>
         </p:txBody>
       </p:sp>
     </p:spTree>
     <p:extLst>
       <p:ext uri="{BB962C8B-B14F-4D97-AF65-F5344CB8AC3E}">
-        <p14:creationId xmlns:p14="http://schemas.microsoft.com/office/powerpoint/2010/main" val="3620702037"/>
-      </p:ext>
-    </p:extLst>
-  </p:cSld>
-  <p:clrMapOvr>
-    <a:masterClrMapping/>
-  </p:clrMapOvr>
-</p:sld>
-</file>
-
-<file path=ppt/slides/slide37.xml><?xml version="1.0" encoding="utf-8"?>
-<p:sld xmlns:a="http://schemas.openxmlformats.org/drawingml/2006/main" xmlns:r="http://schemas.openxmlformats.org/officeDocument/2006/relationships" xmlns:p="http://schemas.openxmlformats.org/presentationml/2006/main">
-  <p:cSld>
-    <p:spTree>
-      <p:nvGrpSpPr>
-        <p:cNvPr id="1" name=""/>
-        <p:cNvGrpSpPr/>
-        <p:nvPr/>
-      </p:nvGrpSpPr>
-      <p:grpSpPr>
-        <a:xfrm>
-          <a:off x="0" y="0"/>
-          <a:ext cx="0" cy="0"/>
-          <a:chOff x="0" y="0"/>
-          <a:chExt cx="0" cy="0"/>
-        </a:xfrm>
-      </p:grpSpPr>
-      <p:pic>
-        <p:nvPicPr>
-          <p:cNvPr id="2" name="Picture 1">
-            <a:extLst>
-              <a:ext uri="{FF2B5EF4-FFF2-40B4-BE49-F238E27FC236}">
-                <a16:creationId xmlns:a16="http://schemas.microsoft.com/office/drawing/2014/main" id="{0204E58A-0EB6-43CF-8F44-B39F7A98EAE6}"/>
-              </a:ext>
-            </a:extLst>
-          </p:cNvPr>
-          <p:cNvPicPr>
-            <a:picLocks noChangeAspect="1"/>
-          </p:cNvPicPr>
-          <p:nvPr/>
-        </p:nvPicPr>
-        <p:blipFill>
-          <a:blip r:embed="rId2"/>
-          <a:stretch>
-            <a:fillRect/>
-          </a:stretch>
-        </p:blipFill>
-        <p:spPr>
-          <a:xfrm>
-            <a:off x="1524196" y="197582"/>
-            <a:ext cx="8664461" cy="6462836"/>
-          </a:xfrm>
-          <a:prstGeom prst="rect">
-            <a:avLst/>
-          </a:prstGeom>
-        </p:spPr>
-      </p:pic>
-    </p:spTree>
-    <p:extLst>
-      <p:ext uri="{BB962C8B-B14F-4D97-AF65-F5344CB8AC3E}">
-        <p14:creationId xmlns:p14="http://schemas.microsoft.com/office/powerpoint/2010/main" val="3897838079"/>
-      </p:ext>
-    </p:extLst>
-  </p:cSld>
-  <p:clrMapOvr>
-    <a:masterClrMapping/>
-  </p:clrMapOvr>
-</p:sld>
-</file>
-
-<file path=ppt/slides/slide38.xml><?xml version="1.0" encoding="utf-8"?>
-<p:sld xmlns:a="http://schemas.openxmlformats.org/drawingml/2006/main" xmlns:r="http://schemas.openxmlformats.org/officeDocument/2006/relationships" xmlns:p="http://schemas.openxmlformats.org/presentationml/2006/main">
-  <p:cSld>
-    <p:spTree>
-      <p:nvGrpSpPr>
-        <p:cNvPr id="1" name=""/>
-        <p:cNvGrpSpPr/>
-        <p:nvPr/>
-      </p:nvGrpSpPr>
-      <p:grpSpPr>
-        <a:xfrm>
-          <a:off x="0" y="0"/>
-          <a:ext cx="0" cy="0"/>
-          <a:chOff x="0" y="0"/>
-          <a:chExt cx="0" cy="0"/>
-        </a:xfrm>
-      </p:grpSpPr>
-      <p:pic>
-        <p:nvPicPr>
-          <p:cNvPr id="3" name="Picture 2">
-            <a:extLst>
-              <a:ext uri="{FF2B5EF4-FFF2-40B4-BE49-F238E27FC236}">
-                <a16:creationId xmlns:a16="http://schemas.microsoft.com/office/drawing/2014/main" id="{7A4E710C-15BB-4E86-8D88-325344E23C79}"/>
-              </a:ext>
-            </a:extLst>
-          </p:cNvPr>
-          <p:cNvPicPr>
-            <a:picLocks noChangeAspect="1"/>
-          </p:cNvPicPr>
-          <p:nvPr/>
-        </p:nvPicPr>
-        <p:blipFill>
-          <a:blip r:embed="rId2"/>
-          <a:stretch>
-            <a:fillRect/>
-          </a:stretch>
-        </p:blipFill>
-        <p:spPr>
-          <a:xfrm>
-            <a:off x="1650670" y="263845"/>
-            <a:ext cx="8511701" cy="6330310"/>
-          </a:xfrm>
-          <a:prstGeom prst="rect">
-            <a:avLst/>
-          </a:prstGeom>
-        </p:spPr>
-      </p:pic>
-    </p:spTree>
-    <p:extLst>
-      <p:ext uri="{BB962C8B-B14F-4D97-AF65-F5344CB8AC3E}">
-        <p14:creationId xmlns:p14="http://schemas.microsoft.com/office/powerpoint/2010/main" val="3183186961"/>
-      </p:ext>
-    </p:extLst>
-  </p:cSld>
-  <p:clrMapOvr>
-    <a:masterClrMapping/>
-  </p:clrMapOvr>
-</p:sld>
-</file>
-
-<file path=ppt/slides/slide39.xml><?xml version="1.0" encoding="utf-8"?>
-<p:sld xmlns:a="http://schemas.openxmlformats.org/drawingml/2006/main" xmlns:r="http://schemas.openxmlformats.org/officeDocument/2006/relationships" xmlns:p="http://schemas.openxmlformats.org/presentationml/2006/main">
-  <p:cSld>
-    <p:spTree>
-      <p:nvGrpSpPr>
-        <p:cNvPr id="1" name=""/>
-        <p:cNvGrpSpPr/>
-        <p:nvPr/>
-      </p:nvGrpSpPr>
-      <p:grpSpPr>
-        <a:xfrm>
-          <a:off x="0" y="0"/>
-          <a:ext cx="0" cy="0"/>
-          <a:chOff x="0" y="0"/>
-          <a:chExt cx="0" cy="0"/>
-        </a:xfrm>
-      </p:grpSpPr>
-      <p:pic>
-        <p:nvPicPr>
-          <p:cNvPr id="3" name="Picture 2">
-            <a:extLst>
-              <a:ext uri="{FF2B5EF4-FFF2-40B4-BE49-F238E27FC236}">
-                <a16:creationId xmlns:a16="http://schemas.microsoft.com/office/drawing/2014/main" id="{7A4E710C-15BB-4E86-8D88-325344E23C79}"/>
-              </a:ext>
-            </a:extLst>
-          </p:cNvPr>
-          <p:cNvPicPr>
-            <a:picLocks noChangeAspect="1"/>
-          </p:cNvPicPr>
-          <p:nvPr/>
-        </p:nvPicPr>
-        <p:blipFill>
-          <a:blip r:embed="rId2"/>
-          <a:stretch>
-            <a:fillRect/>
-          </a:stretch>
-        </p:blipFill>
-        <p:spPr>
-          <a:xfrm>
-            <a:off x="1650670" y="263845"/>
-            <a:ext cx="8511701" cy="6330310"/>
-          </a:xfrm>
-          <a:prstGeom prst="rect">
-            <a:avLst/>
-          </a:prstGeom>
-        </p:spPr>
-      </p:pic>
-    </p:spTree>
-    <p:extLst>
-      <p:ext uri="{BB962C8B-B14F-4D97-AF65-F5344CB8AC3E}">
-        <p14:creationId xmlns:p14="http://schemas.microsoft.com/office/powerpoint/2010/main" val="2037265244"/>
+        <p14:creationId xmlns:p14="http://schemas.microsoft.com/office/powerpoint/2010/main" val="2030901859"/>
       </p:ext>
     </p:extLst>
   </p:cSld>
@@ -26142,6 +26299,35 @@
           </a:prstGeom>
         </p:spPr>
       </p:pic>
+      <p:sp>
+        <p:nvSpPr>
+          <p:cNvPr id="3" name="Footer Placeholder 2">
+            <a:extLst>
+              <a:ext uri="{FF2B5EF4-FFF2-40B4-BE49-F238E27FC236}">
+                <a16:creationId xmlns:a16="http://schemas.microsoft.com/office/drawing/2014/main" id="{D5C33A6F-8D2B-40DF-92FA-FD5A7327C6D2}"/>
+              </a:ext>
+            </a:extLst>
+          </p:cNvPr>
+          <p:cNvSpPr>
+            <a:spLocks noGrp="1"/>
+          </p:cNvSpPr>
+          <p:nvPr>
+            <p:ph type="ftr" sz="quarter" idx="11"/>
+          </p:nvPr>
+        </p:nvSpPr>
+        <p:spPr/>
+        <p:txBody>
+          <a:bodyPr/>
+          <a:lstStyle/>
+          <a:p>
+            <a:r>
+              <a:rPr lang="en-US"/>
+              <a:t>Dr. Nike Dattani, MATH 135, Fall 2021</a:t>
+            </a:r>
+            <a:endParaRPr lang="en-US" dirty="0"/>
+          </a:p>
+        </p:txBody>
+      </p:sp>
     </p:spTree>
     <p:extLst>
       <p:ext uri="{BB962C8B-B14F-4D97-AF65-F5344CB8AC3E}">
@@ -26323,2698 +26509,6 @@
 </p:sld>
 </file>
 
-<file path=ppt/slides/slide40.xml><?xml version="1.0" encoding="utf-8"?>
-<p:sld xmlns:a="http://schemas.openxmlformats.org/drawingml/2006/main" xmlns:r="http://schemas.openxmlformats.org/officeDocument/2006/relationships" xmlns:p="http://schemas.openxmlformats.org/presentationml/2006/main">
-  <p:cSld>
-    <p:spTree>
-      <p:nvGrpSpPr>
-        <p:cNvPr id="1" name=""/>
-        <p:cNvGrpSpPr/>
-        <p:nvPr/>
-      </p:nvGrpSpPr>
-      <p:grpSpPr>
-        <a:xfrm>
-          <a:off x="0" y="0"/>
-          <a:ext cx="0" cy="0"/>
-          <a:chOff x="0" y="0"/>
-          <a:chExt cx="0" cy="0"/>
-        </a:xfrm>
-      </p:grpSpPr>
-      <p:pic>
-        <p:nvPicPr>
-          <p:cNvPr id="2" name="Picture 1">
-            <a:extLst>
-              <a:ext uri="{FF2B5EF4-FFF2-40B4-BE49-F238E27FC236}">
-                <a16:creationId xmlns:a16="http://schemas.microsoft.com/office/drawing/2014/main" id="{A61F0469-B067-4673-96BD-17D16E6A8BC3}"/>
-              </a:ext>
-            </a:extLst>
-          </p:cNvPr>
-          <p:cNvPicPr>
-            <a:picLocks noChangeAspect="1"/>
-          </p:cNvPicPr>
-          <p:nvPr/>
-        </p:nvPicPr>
-        <p:blipFill>
-          <a:blip r:embed="rId2"/>
-          <a:stretch>
-            <a:fillRect/>
-          </a:stretch>
-        </p:blipFill>
-        <p:spPr>
-          <a:xfrm>
-            <a:off x="950026" y="142503"/>
-            <a:ext cx="10528404" cy="7585894"/>
-          </a:xfrm>
-          <a:prstGeom prst="rect">
-            <a:avLst/>
-          </a:prstGeom>
-        </p:spPr>
-      </p:pic>
-    </p:spTree>
-    <p:extLst>
-      <p:ext uri="{BB962C8B-B14F-4D97-AF65-F5344CB8AC3E}">
-        <p14:creationId xmlns:p14="http://schemas.microsoft.com/office/powerpoint/2010/main" val="3451153547"/>
-      </p:ext>
-    </p:extLst>
-  </p:cSld>
-  <p:clrMapOvr>
-    <a:masterClrMapping/>
-  </p:clrMapOvr>
-</p:sld>
-</file>
-
-<file path=ppt/slides/slide41.xml><?xml version="1.0" encoding="utf-8"?>
-<p:sld xmlns:a="http://schemas.openxmlformats.org/drawingml/2006/main" xmlns:r="http://schemas.openxmlformats.org/officeDocument/2006/relationships" xmlns:p="http://schemas.openxmlformats.org/presentationml/2006/main">
-  <p:cSld>
-    <p:spTree>
-      <p:nvGrpSpPr>
-        <p:cNvPr id="1" name=""/>
-        <p:cNvGrpSpPr/>
-        <p:nvPr/>
-      </p:nvGrpSpPr>
-      <p:grpSpPr>
-        <a:xfrm>
-          <a:off x="0" y="0"/>
-          <a:ext cx="0" cy="0"/>
-          <a:chOff x="0" y="0"/>
-          <a:chExt cx="0" cy="0"/>
-        </a:xfrm>
-      </p:grpSpPr>
-      <p:pic>
-        <p:nvPicPr>
-          <p:cNvPr id="3" name="Picture 2">
-            <a:extLst>
-              <a:ext uri="{FF2B5EF4-FFF2-40B4-BE49-F238E27FC236}">
-                <a16:creationId xmlns:a16="http://schemas.microsoft.com/office/drawing/2014/main" id="{5E8C193E-1AE7-469A-92A2-28D8C9C279F8}"/>
-              </a:ext>
-            </a:extLst>
-          </p:cNvPr>
-          <p:cNvPicPr>
-            <a:picLocks noChangeAspect="1"/>
-          </p:cNvPicPr>
-          <p:nvPr/>
-        </p:nvPicPr>
-        <p:blipFill>
-          <a:blip r:embed="rId2"/>
-          <a:stretch>
-            <a:fillRect/>
-          </a:stretch>
-        </p:blipFill>
-        <p:spPr>
-          <a:xfrm>
-            <a:off x="1745672" y="366176"/>
-            <a:ext cx="8445336" cy="6125647"/>
-          </a:xfrm>
-          <a:prstGeom prst="rect">
-            <a:avLst/>
-          </a:prstGeom>
-        </p:spPr>
-      </p:pic>
-    </p:spTree>
-    <p:extLst>
-      <p:ext uri="{BB962C8B-B14F-4D97-AF65-F5344CB8AC3E}">
-        <p14:creationId xmlns:p14="http://schemas.microsoft.com/office/powerpoint/2010/main" val="3710582787"/>
-      </p:ext>
-    </p:extLst>
-  </p:cSld>
-  <p:clrMapOvr>
-    <a:masterClrMapping/>
-  </p:clrMapOvr>
-</p:sld>
-</file>
-
-<file path=ppt/slides/slide42.xml><?xml version="1.0" encoding="utf-8"?>
-<p:sld xmlns:a="http://schemas.openxmlformats.org/drawingml/2006/main" xmlns:r="http://schemas.openxmlformats.org/officeDocument/2006/relationships" xmlns:p="http://schemas.openxmlformats.org/presentationml/2006/main">
-  <p:cSld>
-    <p:spTree>
-      <p:nvGrpSpPr>
-        <p:cNvPr id="1" name=""/>
-        <p:cNvGrpSpPr/>
-        <p:nvPr/>
-      </p:nvGrpSpPr>
-      <p:grpSpPr>
-        <a:xfrm>
-          <a:off x="0" y="0"/>
-          <a:ext cx="0" cy="0"/>
-          <a:chOff x="0" y="0"/>
-          <a:chExt cx="0" cy="0"/>
-        </a:xfrm>
-      </p:grpSpPr>
-      <p:pic>
-        <p:nvPicPr>
-          <p:cNvPr id="2" name="Picture 1">
-            <a:extLst>
-              <a:ext uri="{FF2B5EF4-FFF2-40B4-BE49-F238E27FC236}">
-                <a16:creationId xmlns:a16="http://schemas.microsoft.com/office/drawing/2014/main" id="{1FBDE9BB-466B-47FF-A4B8-5487B55B9467}"/>
-              </a:ext>
-            </a:extLst>
-          </p:cNvPr>
-          <p:cNvPicPr>
-            <a:picLocks noChangeAspect="1"/>
-          </p:cNvPicPr>
-          <p:nvPr/>
-        </p:nvPicPr>
-        <p:blipFill>
-          <a:blip r:embed="rId2"/>
-          <a:stretch>
-            <a:fillRect/>
-          </a:stretch>
-        </p:blipFill>
-        <p:spPr>
-          <a:xfrm>
-            <a:off x="1542426" y="335416"/>
-            <a:ext cx="8608843" cy="6187168"/>
-          </a:xfrm>
-          <a:prstGeom prst="rect">
-            <a:avLst/>
-          </a:prstGeom>
-        </p:spPr>
-      </p:pic>
-    </p:spTree>
-    <p:extLst>
-      <p:ext uri="{BB962C8B-B14F-4D97-AF65-F5344CB8AC3E}">
-        <p14:creationId xmlns:p14="http://schemas.microsoft.com/office/powerpoint/2010/main" val="785780982"/>
-      </p:ext>
-    </p:extLst>
-  </p:cSld>
-  <p:clrMapOvr>
-    <a:masterClrMapping/>
-  </p:clrMapOvr>
-</p:sld>
-</file>
-
-<file path=ppt/slides/slide43.xml><?xml version="1.0" encoding="utf-8"?>
-<p:sld xmlns:a="http://schemas.openxmlformats.org/drawingml/2006/main" xmlns:r="http://schemas.openxmlformats.org/officeDocument/2006/relationships" xmlns:p="http://schemas.openxmlformats.org/presentationml/2006/main">
-  <p:cSld>
-    <p:spTree>
-      <p:nvGrpSpPr>
-        <p:cNvPr id="1" name=""/>
-        <p:cNvGrpSpPr/>
-        <p:nvPr/>
-      </p:nvGrpSpPr>
-      <p:grpSpPr>
-        <a:xfrm>
-          <a:off x="0" y="0"/>
-          <a:ext cx="0" cy="0"/>
-          <a:chOff x="0" y="0"/>
-          <a:chExt cx="0" cy="0"/>
-        </a:xfrm>
-      </p:grpSpPr>
-      <p:pic>
-        <p:nvPicPr>
-          <p:cNvPr id="3" name="Picture 2">
-            <a:extLst>
-              <a:ext uri="{FF2B5EF4-FFF2-40B4-BE49-F238E27FC236}">
-                <a16:creationId xmlns:a16="http://schemas.microsoft.com/office/drawing/2014/main" id="{7A26CE20-3AD4-472A-A51C-D48E4EAAB269}"/>
-              </a:ext>
-            </a:extLst>
-          </p:cNvPr>
-          <p:cNvPicPr>
-            <a:picLocks noChangeAspect="1"/>
-          </p:cNvPicPr>
-          <p:nvPr/>
-        </p:nvPicPr>
-        <p:blipFill>
-          <a:blip r:embed="rId2"/>
-          <a:stretch>
-            <a:fillRect/>
-          </a:stretch>
-        </p:blipFill>
-        <p:spPr>
-          <a:xfrm>
-            <a:off x="1531916" y="269752"/>
-            <a:ext cx="8739868" cy="6318495"/>
-          </a:xfrm>
-          <a:prstGeom prst="rect">
-            <a:avLst/>
-          </a:prstGeom>
-        </p:spPr>
-      </p:pic>
-    </p:spTree>
-    <p:extLst>
-      <p:ext uri="{BB962C8B-B14F-4D97-AF65-F5344CB8AC3E}">
-        <p14:creationId xmlns:p14="http://schemas.microsoft.com/office/powerpoint/2010/main" val="1238544444"/>
-      </p:ext>
-    </p:extLst>
-  </p:cSld>
-  <p:clrMapOvr>
-    <a:masterClrMapping/>
-  </p:clrMapOvr>
-</p:sld>
-</file>
-
-<file path=ppt/slides/slide44.xml><?xml version="1.0" encoding="utf-8"?>
-<p:sld xmlns:a="http://schemas.openxmlformats.org/drawingml/2006/main" xmlns:r="http://schemas.openxmlformats.org/officeDocument/2006/relationships" xmlns:p="http://schemas.openxmlformats.org/presentationml/2006/main">
-  <p:cSld>
-    <p:spTree>
-      <p:nvGrpSpPr>
-        <p:cNvPr id="1" name=""/>
-        <p:cNvGrpSpPr/>
-        <p:nvPr/>
-      </p:nvGrpSpPr>
-      <p:grpSpPr>
-        <a:xfrm>
-          <a:off x="0" y="0"/>
-          <a:ext cx="0" cy="0"/>
-          <a:chOff x="0" y="0"/>
-          <a:chExt cx="0" cy="0"/>
-        </a:xfrm>
-      </p:grpSpPr>
-      <p:pic>
-        <p:nvPicPr>
-          <p:cNvPr id="2" name="Picture 1">
-            <a:extLst>
-              <a:ext uri="{FF2B5EF4-FFF2-40B4-BE49-F238E27FC236}">
-                <a16:creationId xmlns:a16="http://schemas.microsoft.com/office/drawing/2014/main" id="{4F4B10D9-473E-43E9-B13B-6DDCBA152F4E}"/>
-              </a:ext>
-            </a:extLst>
-          </p:cNvPr>
-          <p:cNvPicPr>
-            <a:picLocks noChangeAspect="1"/>
-          </p:cNvPicPr>
-          <p:nvPr/>
-        </p:nvPicPr>
-        <p:blipFill>
-          <a:blip r:embed="rId2"/>
-          <a:stretch>
-            <a:fillRect/>
-          </a:stretch>
-        </p:blipFill>
-        <p:spPr>
-          <a:xfrm>
-            <a:off x="1552387" y="123344"/>
-            <a:ext cx="9087226" cy="6611312"/>
-          </a:xfrm>
-          <a:prstGeom prst="rect">
-            <a:avLst/>
-          </a:prstGeom>
-        </p:spPr>
-      </p:pic>
-    </p:spTree>
-    <p:extLst>
-      <p:ext uri="{BB962C8B-B14F-4D97-AF65-F5344CB8AC3E}">
-        <p14:creationId xmlns:p14="http://schemas.microsoft.com/office/powerpoint/2010/main" val="3623095357"/>
-      </p:ext>
-    </p:extLst>
-  </p:cSld>
-  <p:clrMapOvr>
-    <a:masterClrMapping/>
-  </p:clrMapOvr>
-</p:sld>
-</file>
-
-<file path=ppt/slides/slide45.xml><?xml version="1.0" encoding="utf-8"?>
-<p:sld xmlns:a="http://schemas.openxmlformats.org/drawingml/2006/main" xmlns:r="http://schemas.openxmlformats.org/officeDocument/2006/relationships" xmlns:p="http://schemas.openxmlformats.org/presentationml/2006/main">
-  <p:cSld>
-    <p:spTree>
-      <p:nvGrpSpPr>
-        <p:cNvPr id="1" name=""/>
-        <p:cNvGrpSpPr/>
-        <p:nvPr/>
-      </p:nvGrpSpPr>
-      <p:grpSpPr>
-        <a:xfrm>
-          <a:off x="0" y="0"/>
-          <a:ext cx="0" cy="0"/>
-          <a:chOff x="0" y="0"/>
-          <a:chExt cx="0" cy="0"/>
-        </a:xfrm>
-      </p:grpSpPr>
-      <p:sp>
-        <p:nvSpPr>
-          <p:cNvPr id="2" name="Title 1">
-            <a:extLst>
-              <a:ext uri="{FF2B5EF4-FFF2-40B4-BE49-F238E27FC236}">
-                <a16:creationId xmlns:a16="http://schemas.microsoft.com/office/drawing/2014/main" id="{3DFDFE6E-0F70-4498-A727-114AF49CE2A5}"/>
-              </a:ext>
-            </a:extLst>
-          </p:cNvPr>
-          <p:cNvSpPr>
-            <a:spLocks noGrp="1"/>
-          </p:cNvSpPr>
-          <p:nvPr>
-            <p:ph type="ctrTitle"/>
-          </p:nvPr>
-        </p:nvSpPr>
-        <p:spPr>
-          <a:xfrm>
-            <a:off x="366318" y="427839"/>
-            <a:ext cx="10472257" cy="3236053"/>
-          </a:xfrm>
-        </p:spPr>
-        <p:txBody>
-          <a:bodyPr>
-            <a:normAutofit/>
-          </a:bodyPr>
-          <a:lstStyle/>
-          <a:p>
-            <a:br>
-              <a:rPr lang="en-US" dirty="0"/>
-            </a:br>
-            <a:br>
-              <a:rPr lang="en-US" dirty="0"/>
-            </a:br>
-            <a:endParaRPr lang="en-US" dirty="0"/>
-          </a:p>
-        </p:txBody>
-      </p:sp>
-      <p:pic>
-        <p:nvPicPr>
-          <p:cNvPr id="3" name="Picture 2">
-            <a:extLst>
-              <a:ext uri="{FF2B5EF4-FFF2-40B4-BE49-F238E27FC236}">
-                <a16:creationId xmlns:a16="http://schemas.microsoft.com/office/drawing/2014/main" id="{4BE886BF-2F73-464C-839B-3CE78CD054FF}"/>
-              </a:ext>
-            </a:extLst>
-          </p:cNvPr>
-          <p:cNvPicPr>
-            <a:picLocks noChangeAspect="1"/>
-          </p:cNvPicPr>
-          <p:nvPr/>
-        </p:nvPicPr>
-        <p:blipFill>
-          <a:blip r:embed="rId2"/>
-          <a:stretch>
-            <a:fillRect/>
-          </a:stretch>
-        </p:blipFill>
-        <p:spPr>
-          <a:xfrm>
-            <a:off x="3048353" y="-241067"/>
-            <a:ext cx="6334985" cy="1089456"/>
-          </a:xfrm>
-          <a:prstGeom prst="rect">
-            <a:avLst/>
-          </a:prstGeom>
-        </p:spPr>
-      </p:pic>
-      <p:sp>
-        <p:nvSpPr>
-          <p:cNvPr id="8" name="TextBox 7">
-            <a:extLst>
-              <a:ext uri="{FF2B5EF4-FFF2-40B4-BE49-F238E27FC236}">
-                <a16:creationId xmlns:a16="http://schemas.microsoft.com/office/drawing/2014/main" id="{53B09C95-0B4A-4BCD-88A9-77079655ADE2}"/>
-              </a:ext>
-            </a:extLst>
-          </p:cNvPr>
-          <p:cNvSpPr txBox="1"/>
-          <p:nvPr/>
-        </p:nvSpPr>
-        <p:spPr>
-          <a:xfrm>
-            <a:off x="239697" y="771089"/>
-            <a:ext cx="11952303" cy="6724918"/>
-          </a:xfrm>
-          <a:prstGeom prst="rect">
-            <a:avLst/>
-          </a:prstGeom>
-          <a:noFill/>
-        </p:spPr>
-        <p:txBody>
-          <a:bodyPr wrap="square" rtlCol="0">
-            <a:spAutoFit/>
-          </a:bodyPr>
-          <a:lstStyle/>
-          <a:p>
-            <a:r>
-              <a:rPr lang="en-US" sz="2400" dirty="0"/>
-              <a:t>¬(∃ </a:t>
-            </a:r>
-            <a:r>
-              <a:rPr lang="en-US" sz="2400" dirty="0" err="1"/>
-              <a:t>p,q</a:t>
-            </a:r>
-            <a:r>
-              <a:rPr lang="en-US" sz="2400" dirty="0"/>
-              <a:t> </a:t>
-            </a:r>
-            <a:r>
-              <a:rPr lang="el-GR" sz="2400" dirty="0"/>
-              <a:t>ϵ</a:t>
-            </a:r>
-            <a:r>
-              <a:rPr lang="en-US" sz="2400" dirty="0"/>
-              <a:t> ℤ   </a:t>
-            </a:r>
-            <a:r>
-              <a:rPr lang="en-US" sz="2400" dirty="0" err="1"/>
-              <a:t>s.t.</a:t>
-            </a:r>
-            <a:r>
-              <a:rPr lang="en-US" sz="2400" dirty="0"/>
-              <a:t>  sqrt(3) = p/q) </a:t>
-            </a:r>
-          </a:p>
-          <a:p>
-            <a:endParaRPr lang="en-US" sz="500" dirty="0"/>
-          </a:p>
-          <a:p>
-            <a:r>
-              <a:rPr lang="en-US" sz="2400" dirty="0"/>
-              <a:t>Do we have to worry about q=0?</a:t>
-            </a:r>
-          </a:p>
-          <a:p>
-            <a:endParaRPr lang="en-US" sz="1100" dirty="0"/>
-          </a:p>
-          <a:p>
-            <a:r>
-              <a:rPr lang="en-US" sz="2400" dirty="0"/>
-              <a:t>Answer: We’re only saying that </a:t>
-            </a:r>
-            <a:r>
-              <a:rPr lang="en-US" sz="2400" b="1" i="1" dirty="0"/>
-              <a:t>there exists</a:t>
-            </a:r>
-            <a:r>
-              <a:rPr lang="en-US" sz="2400" dirty="0"/>
-              <a:t> a q such that sqrt(3) = p/q, </a:t>
-            </a:r>
-          </a:p>
-          <a:p>
-            <a:r>
-              <a:rPr lang="en-US" sz="2400" dirty="0"/>
-              <a:t>                not that p/q must make sense for all q.</a:t>
-            </a:r>
-          </a:p>
-          <a:p>
-            <a:endParaRPr lang="en-US" sz="2400" dirty="0"/>
-          </a:p>
-          <a:p>
-            <a:r>
-              <a:rPr lang="en-US" sz="2400" dirty="0"/>
-              <a:t>Outline of Proof:</a:t>
-            </a:r>
-          </a:p>
-          <a:p>
-            <a:endParaRPr lang="en-US" sz="2400" dirty="0"/>
-          </a:p>
-          <a:p>
-            <a:r>
-              <a:rPr lang="en-US" sz="2400" dirty="0"/>
-              <a:t>Assume:  ∃ </a:t>
-            </a:r>
-            <a:r>
-              <a:rPr lang="en-US" sz="2400" dirty="0" err="1"/>
-              <a:t>p,q</a:t>
-            </a:r>
-            <a:r>
-              <a:rPr lang="en-US" sz="2400" dirty="0"/>
-              <a:t> </a:t>
-            </a:r>
-            <a:r>
-              <a:rPr lang="el-GR" sz="2400" dirty="0"/>
-              <a:t>ϵ</a:t>
-            </a:r>
-            <a:r>
-              <a:rPr lang="en-US" sz="2400" dirty="0"/>
-              <a:t> ℤ   </a:t>
-            </a:r>
-            <a:r>
-              <a:rPr lang="en-US" sz="2400" dirty="0" err="1"/>
-              <a:t>s.t.</a:t>
-            </a:r>
-            <a:r>
-              <a:rPr lang="en-US" sz="2400" dirty="0"/>
-              <a:t>  sqrt(3) = p/q</a:t>
-            </a:r>
-          </a:p>
-          <a:p>
-            <a:endParaRPr lang="en-US" sz="2400" dirty="0"/>
-          </a:p>
-          <a:p>
-            <a:r>
-              <a:rPr lang="en-US" sz="2400" dirty="0"/>
-              <a:t>Square both sides: 3q</a:t>
-            </a:r>
-            <a:r>
-              <a:rPr lang="en-US" sz="2400" baseline="30000" dirty="0"/>
-              <a:t>2 </a:t>
-            </a:r>
-            <a:r>
-              <a:rPr lang="en-US" sz="2400" dirty="0"/>
-              <a:t>= p</a:t>
-            </a:r>
-            <a:r>
-              <a:rPr lang="en-US" sz="2400" baseline="30000" dirty="0"/>
-              <a:t>2</a:t>
-            </a:r>
-          </a:p>
-          <a:p>
-            <a:endParaRPr lang="en-US" sz="2400" baseline="30000" dirty="0"/>
-          </a:p>
-          <a:p>
-            <a:r>
-              <a:rPr lang="en-US" sz="2400" u="sng" dirty="0"/>
-              <a:t>Case 1:</a:t>
-            </a:r>
-            <a:r>
-              <a:rPr lang="en-US" sz="2400" dirty="0"/>
-              <a:t> q is even.</a:t>
-            </a:r>
-          </a:p>
-          <a:p>
-            <a:r>
-              <a:rPr lang="en-US" sz="2400" dirty="0"/>
-              <a:t>     =&gt; 3q</a:t>
-            </a:r>
-            <a:r>
-              <a:rPr lang="en-US" sz="2400" baseline="30000" dirty="0"/>
-              <a:t>2 </a:t>
-            </a:r>
-            <a:r>
-              <a:rPr lang="en-US" sz="2400" dirty="0"/>
-              <a:t>is even (whatever factor of 2 is in q, is still going to be a factor of 3q</a:t>
-            </a:r>
-            <a:r>
-              <a:rPr lang="en-US" sz="2400" baseline="30000" dirty="0"/>
-              <a:t>2</a:t>
-            </a:r>
-            <a:r>
-              <a:rPr lang="en-US" sz="2400" dirty="0"/>
-              <a:t>)</a:t>
-            </a:r>
-          </a:p>
-          <a:p>
-            <a:r>
-              <a:rPr lang="en-US" sz="2400" dirty="0"/>
-              <a:t>     =&gt; p</a:t>
-            </a:r>
-            <a:r>
-              <a:rPr lang="en-US" sz="2400" baseline="30000" dirty="0"/>
-              <a:t>2</a:t>
-            </a:r>
-            <a:r>
-              <a:rPr lang="en-US" sz="2400" dirty="0"/>
-              <a:t> is even, and p is even</a:t>
-            </a:r>
-          </a:p>
-          <a:p>
-            <a:r>
-              <a:rPr lang="en-US" sz="2400" dirty="0"/>
-              <a:t>     =&gt; p/q is an integer (since p and q are even). [</a:t>
-            </a:r>
-            <a:r>
-              <a:rPr lang="en-US" sz="2400" dirty="0">
-                <a:solidFill>
-                  <a:srgbClr val="FF0000"/>
-                </a:solidFill>
-              </a:rPr>
-              <a:t>Prove that sqrt(3) is not an integer: Exercise</a:t>
-            </a:r>
-            <a:r>
-              <a:rPr lang="en-US" sz="2400" dirty="0"/>
-              <a:t>].</a:t>
-            </a:r>
-          </a:p>
-          <a:p>
-            <a:endParaRPr lang="en-US" sz="2400" dirty="0"/>
-          </a:p>
-          <a:p>
-            <a:endParaRPr lang="en-US" sz="700" dirty="0"/>
-          </a:p>
-          <a:p>
-            <a:endParaRPr lang="en-US" sz="800" dirty="0"/>
-          </a:p>
-          <a:p>
-            <a:endParaRPr lang="en-US" sz="2400" dirty="0"/>
-          </a:p>
-        </p:txBody>
-      </p:sp>
-    </p:spTree>
-    <p:extLst>
-      <p:ext uri="{BB962C8B-B14F-4D97-AF65-F5344CB8AC3E}">
-        <p14:creationId xmlns:p14="http://schemas.microsoft.com/office/powerpoint/2010/main" val="1173767071"/>
-      </p:ext>
-    </p:extLst>
-  </p:cSld>
-  <p:clrMapOvr>
-    <a:masterClrMapping/>
-  </p:clrMapOvr>
-  <p:timing>
-    <p:tnLst>
-      <p:par>
-        <p:cTn id="1" dur="indefinite" restart="never" nodeType="tmRoot">
-          <p:childTnLst>
-            <p:seq concurrent="1" nextAc="seek">
-              <p:cTn id="2" dur="indefinite" nodeType="mainSeq">
-                <p:childTnLst>
-                  <p:par>
-                    <p:cTn id="3" fill="hold">
-                      <p:stCondLst>
-                        <p:cond delay="indefinite"/>
-                      </p:stCondLst>
-                      <p:childTnLst>
-                        <p:par>
-                          <p:cTn id="4" fill="hold">
-                            <p:stCondLst>
-                              <p:cond delay="0"/>
-                            </p:stCondLst>
-                            <p:childTnLst>
-                              <p:par>
-                                <p:cTn id="5" presetID="1" presetClass="entr" presetSubtype="0" fill="hold" nodeType="clickEffect">
-                                  <p:stCondLst>
-                                    <p:cond delay="0"/>
-                                  </p:stCondLst>
-                                  <p:childTnLst>
-                                    <p:set>
-                                      <p:cBhvr>
-                                        <p:cTn id="6" dur="1" fill="hold">
-                                          <p:stCondLst>
-                                            <p:cond delay="0"/>
-                                          </p:stCondLst>
-                                        </p:cTn>
-                                        <p:tgtEl>
-                                          <p:spTgt spid="8">
-                                            <p:txEl>
-                                              <p:pRg st="0" end="0"/>
-                                            </p:txEl>
-                                          </p:spTgt>
-                                        </p:tgtEl>
-                                        <p:attrNameLst>
-                                          <p:attrName>style.visibility</p:attrName>
-                                        </p:attrNameLst>
-                                      </p:cBhvr>
-                                      <p:to>
-                                        <p:strVal val="visible"/>
-                                      </p:to>
-                                    </p:set>
-                                  </p:childTnLst>
-                                </p:cTn>
-                              </p:par>
-                            </p:childTnLst>
-                          </p:cTn>
-                        </p:par>
-                      </p:childTnLst>
-                    </p:cTn>
-                  </p:par>
-                  <p:par>
-                    <p:cTn id="7" fill="hold">
-                      <p:stCondLst>
-                        <p:cond delay="indefinite"/>
-                      </p:stCondLst>
-                      <p:childTnLst>
-                        <p:par>
-                          <p:cTn id="8" fill="hold">
-                            <p:stCondLst>
-                              <p:cond delay="0"/>
-                            </p:stCondLst>
-                            <p:childTnLst>
-                              <p:par>
-                                <p:cTn id="9" presetID="1" presetClass="entr" presetSubtype="0" fill="hold" nodeType="clickEffect">
-                                  <p:stCondLst>
-                                    <p:cond delay="0"/>
-                                  </p:stCondLst>
-                                  <p:childTnLst>
-                                    <p:set>
-                                      <p:cBhvr>
-                                        <p:cTn id="10" dur="1" fill="hold">
-                                          <p:stCondLst>
-                                            <p:cond delay="0"/>
-                                          </p:stCondLst>
-                                        </p:cTn>
-                                        <p:tgtEl>
-                                          <p:spTgt spid="8">
-                                            <p:txEl>
-                                              <p:pRg st="2" end="2"/>
-                                            </p:txEl>
-                                          </p:spTgt>
-                                        </p:tgtEl>
-                                        <p:attrNameLst>
-                                          <p:attrName>style.visibility</p:attrName>
-                                        </p:attrNameLst>
-                                      </p:cBhvr>
-                                      <p:to>
-                                        <p:strVal val="visible"/>
-                                      </p:to>
-                                    </p:set>
-                                  </p:childTnLst>
-                                </p:cTn>
-                              </p:par>
-                            </p:childTnLst>
-                          </p:cTn>
-                        </p:par>
-                      </p:childTnLst>
-                    </p:cTn>
-                  </p:par>
-                  <p:par>
-                    <p:cTn id="11" fill="hold">
-                      <p:stCondLst>
-                        <p:cond delay="indefinite"/>
-                      </p:stCondLst>
-                      <p:childTnLst>
-                        <p:par>
-                          <p:cTn id="12" fill="hold">
-                            <p:stCondLst>
-                              <p:cond delay="0"/>
-                            </p:stCondLst>
-                            <p:childTnLst>
-                              <p:par>
-                                <p:cTn id="13" presetID="1" presetClass="entr" presetSubtype="0" fill="hold" nodeType="clickEffect">
-                                  <p:stCondLst>
-                                    <p:cond delay="0"/>
-                                  </p:stCondLst>
-                                  <p:childTnLst>
-                                    <p:set>
-                                      <p:cBhvr>
-                                        <p:cTn id="14" dur="1" fill="hold">
-                                          <p:stCondLst>
-                                            <p:cond delay="0"/>
-                                          </p:stCondLst>
-                                        </p:cTn>
-                                        <p:tgtEl>
-                                          <p:spTgt spid="8">
-                                            <p:txEl>
-                                              <p:pRg st="4" end="4"/>
-                                            </p:txEl>
-                                          </p:spTgt>
-                                        </p:tgtEl>
-                                        <p:attrNameLst>
-                                          <p:attrName>style.visibility</p:attrName>
-                                        </p:attrNameLst>
-                                      </p:cBhvr>
-                                      <p:to>
-                                        <p:strVal val="visible"/>
-                                      </p:to>
-                                    </p:set>
-                                  </p:childTnLst>
-                                </p:cTn>
-                              </p:par>
-                            </p:childTnLst>
-                          </p:cTn>
-                        </p:par>
-                      </p:childTnLst>
-                    </p:cTn>
-                  </p:par>
-                  <p:par>
-                    <p:cTn id="15" fill="hold">
-                      <p:stCondLst>
-                        <p:cond delay="indefinite"/>
-                      </p:stCondLst>
-                      <p:childTnLst>
-                        <p:par>
-                          <p:cTn id="16" fill="hold">
-                            <p:stCondLst>
-                              <p:cond delay="0"/>
-                            </p:stCondLst>
-                            <p:childTnLst>
-                              <p:par>
-                                <p:cTn id="17" presetID="1" presetClass="entr" presetSubtype="0" fill="hold" nodeType="clickEffect">
-                                  <p:stCondLst>
-                                    <p:cond delay="0"/>
-                                  </p:stCondLst>
-                                  <p:childTnLst>
-                                    <p:set>
-                                      <p:cBhvr>
-                                        <p:cTn id="18" dur="1" fill="hold">
-                                          <p:stCondLst>
-                                            <p:cond delay="0"/>
-                                          </p:stCondLst>
-                                        </p:cTn>
-                                        <p:tgtEl>
-                                          <p:spTgt spid="8">
-                                            <p:txEl>
-                                              <p:pRg st="5" end="5"/>
-                                            </p:txEl>
-                                          </p:spTgt>
-                                        </p:tgtEl>
-                                        <p:attrNameLst>
-                                          <p:attrName>style.visibility</p:attrName>
-                                        </p:attrNameLst>
-                                      </p:cBhvr>
-                                      <p:to>
-                                        <p:strVal val="visible"/>
-                                      </p:to>
-                                    </p:set>
-                                  </p:childTnLst>
-                                </p:cTn>
-                              </p:par>
-                            </p:childTnLst>
-                          </p:cTn>
-                        </p:par>
-                      </p:childTnLst>
-                    </p:cTn>
-                  </p:par>
-                  <p:par>
-                    <p:cTn id="19" fill="hold">
-                      <p:stCondLst>
-                        <p:cond delay="indefinite"/>
-                      </p:stCondLst>
-                      <p:childTnLst>
-                        <p:par>
-                          <p:cTn id="20" fill="hold">
-                            <p:stCondLst>
-                              <p:cond delay="0"/>
-                            </p:stCondLst>
-                            <p:childTnLst>
-                              <p:par>
-                                <p:cTn id="21" presetID="1" presetClass="entr" presetSubtype="0" fill="hold" nodeType="clickEffect">
-                                  <p:stCondLst>
-                                    <p:cond delay="0"/>
-                                  </p:stCondLst>
-                                  <p:childTnLst>
-                                    <p:set>
-                                      <p:cBhvr>
-                                        <p:cTn id="22" dur="1" fill="hold">
-                                          <p:stCondLst>
-                                            <p:cond delay="0"/>
-                                          </p:stCondLst>
-                                        </p:cTn>
-                                        <p:tgtEl>
-                                          <p:spTgt spid="8">
-                                            <p:txEl>
-                                              <p:pRg st="7" end="7"/>
-                                            </p:txEl>
-                                          </p:spTgt>
-                                        </p:tgtEl>
-                                        <p:attrNameLst>
-                                          <p:attrName>style.visibility</p:attrName>
-                                        </p:attrNameLst>
-                                      </p:cBhvr>
-                                      <p:to>
-                                        <p:strVal val="visible"/>
-                                      </p:to>
-                                    </p:set>
-                                  </p:childTnLst>
-                                </p:cTn>
-                              </p:par>
-                            </p:childTnLst>
-                          </p:cTn>
-                        </p:par>
-                      </p:childTnLst>
-                    </p:cTn>
-                  </p:par>
-                  <p:par>
-                    <p:cTn id="23" fill="hold">
-                      <p:stCondLst>
-                        <p:cond delay="indefinite"/>
-                      </p:stCondLst>
-                      <p:childTnLst>
-                        <p:par>
-                          <p:cTn id="24" fill="hold">
-                            <p:stCondLst>
-                              <p:cond delay="0"/>
-                            </p:stCondLst>
-                            <p:childTnLst>
-                              <p:par>
-                                <p:cTn id="25" presetID="1" presetClass="entr" presetSubtype="0" fill="hold" nodeType="clickEffect">
-                                  <p:stCondLst>
-                                    <p:cond delay="0"/>
-                                  </p:stCondLst>
-                                  <p:childTnLst>
-                                    <p:set>
-                                      <p:cBhvr>
-                                        <p:cTn id="26" dur="1" fill="hold">
-                                          <p:stCondLst>
-                                            <p:cond delay="0"/>
-                                          </p:stCondLst>
-                                        </p:cTn>
-                                        <p:tgtEl>
-                                          <p:spTgt spid="8">
-                                            <p:txEl>
-                                              <p:pRg st="9" end="9"/>
-                                            </p:txEl>
-                                          </p:spTgt>
-                                        </p:tgtEl>
-                                        <p:attrNameLst>
-                                          <p:attrName>style.visibility</p:attrName>
-                                        </p:attrNameLst>
-                                      </p:cBhvr>
-                                      <p:to>
-                                        <p:strVal val="visible"/>
-                                      </p:to>
-                                    </p:set>
-                                  </p:childTnLst>
-                                </p:cTn>
-                              </p:par>
-                            </p:childTnLst>
-                          </p:cTn>
-                        </p:par>
-                      </p:childTnLst>
-                    </p:cTn>
-                  </p:par>
-                  <p:par>
-                    <p:cTn id="27" fill="hold">
-                      <p:stCondLst>
-                        <p:cond delay="indefinite"/>
-                      </p:stCondLst>
-                      <p:childTnLst>
-                        <p:par>
-                          <p:cTn id="28" fill="hold">
-                            <p:stCondLst>
-                              <p:cond delay="0"/>
-                            </p:stCondLst>
-                            <p:childTnLst>
-                              <p:par>
-                                <p:cTn id="29" presetID="1" presetClass="entr" presetSubtype="0" fill="hold" nodeType="clickEffect">
-                                  <p:stCondLst>
-                                    <p:cond delay="0"/>
-                                  </p:stCondLst>
-                                  <p:childTnLst>
-                                    <p:set>
-                                      <p:cBhvr>
-                                        <p:cTn id="30" dur="1" fill="hold">
-                                          <p:stCondLst>
-                                            <p:cond delay="0"/>
-                                          </p:stCondLst>
-                                        </p:cTn>
-                                        <p:tgtEl>
-                                          <p:spTgt spid="8">
-                                            <p:txEl>
-                                              <p:pRg st="11" end="11"/>
-                                            </p:txEl>
-                                          </p:spTgt>
-                                        </p:tgtEl>
-                                        <p:attrNameLst>
-                                          <p:attrName>style.visibility</p:attrName>
-                                        </p:attrNameLst>
-                                      </p:cBhvr>
-                                      <p:to>
-                                        <p:strVal val="visible"/>
-                                      </p:to>
-                                    </p:set>
-                                  </p:childTnLst>
-                                </p:cTn>
-                              </p:par>
-                            </p:childTnLst>
-                          </p:cTn>
-                        </p:par>
-                      </p:childTnLst>
-                    </p:cTn>
-                  </p:par>
-                  <p:par>
-                    <p:cTn id="31" fill="hold">
-                      <p:stCondLst>
-                        <p:cond delay="indefinite"/>
-                      </p:stCondLst>
-                      <p:childTnLst>
-                        <p:par>
-                          <p:cTn id="32" fill="hold">
-                            <p:stCondLst>
-                              <p:cond delay="0"/>
-                            </p:stCondLst>
-                            <p:childTnLst>
-                              <p:par>
-                                <p:cTn id="33" presetID="1" presetClass="entr" presetSubtype="0" fill="hold" nodeType="clickEffect">
-                                  <p:stCondLst>
-                                    <p:cond delay="0"/>
-                                  </p:stCondLst>
-                                  <p:childTnLst>
-                                    <p:set>
-                                      <p:cBhvr>
-                                        <p:cTn id="34" dur="1" fill="hold">
-                                          <p:stCondLst>
-                                            <p:cond delay="0"/>
-                                          </p:stCondLst>
-                                        </p:cTn>
-                                        <p:tgtEl>
-                                          <p:spTgt spid="8">
-                                            <p:txEl>
-                                              <p:pRg st="13" end="13"/>
-                                            </p:txEl>
-                                          </p:spTgt>
-                                        </p:tgtEl>
-                                        <p:attrNameLst>
-                                          <p:attrName>style.visibility</p:attrName>
-                                        </p:attrNameLst>
-                                      </p:cBhvr>
-                                      <p:to>
-                                        <p:strVal val="visible"/>
-                                      </p:to>
-                                    </p:set>
-                                  </p:childTnLst>
-                                </p:cTn>
-                              </p:par>
-                            </p:childTnLst>
-                          </p:cTn>
-                        </p:par>
-                      </p:childTnLst>
-                    </p:cTn>
-                  </p:par>
-                  <p:par>
-                    <p:cTn id="35" fill="hold">
-                      <p:stCondLst>
-                        <p:cond delay="indefinite"/>
-                      </p:stCondLst>
-                      <p:childTnLst>
-                        <p:par>
-                          <p:cTn id="36" fill="hold">
-                            <p:stCondLst>
-                              <p:cond delay="0"/>
-                            </p:stCondLst>
-                            <p:childTnLst>
-                              <p:par>
-                                <p:cTn id="37" presetID="1" presetClass="entr" presetSubtype="0" fill="hold" nodeType="clickEffect">
-                                  <p:stCondLst>
-                                    <p:cond delay="0"/>
-                                  </p:stCondLst>
-                                  <p:childTnLst>
-                                    <p:set>
-                                      <p:cBhvr>
-                                        <p:cTn id="38" dur="1" fill="hold">
-                                          <p:stCondLst>
-                                            <p:cond delay="0"/>
-                                          </p:stCondLst>
-                                        </p:cTn>
-                                        <p:tgtEl>
-                                          <p:spTgt spid="8">
-                                            <p:txEl>
-                                              <p:pRg st="14" end="14"/>
-                                            </p:txEl>
-                                          </p:spTgt>
-                                        </p:tgtEl>
-                                        <p:attrNameLst>
-                                          <p:attrName>style.visibility</p:attrName>
-                                        </p:attrNameLst>
-                                      </p:cBhvr>
-                                      <p:to>
-                                        <p:strVal val="visible"/>
-                                      </p:to>
-                                    </p:set>
-                                  </p:childTnLst>
-                                </p:cTn>
-                              </p:par>
-                            </p:childTnLst>
-                          </p:cTn>
-                        </p:par>
-                      </p:childTnLst>
-                    </p:cTn>
-                  </p:par>
-                  <p:par>
-                    <p:cTn id="39" fill="hold">
-                      <p:stCondLst>
-                        <p:cond delay="indefinite"/>
-                      </p:stCondLst>
-                      <p:childTnLst>
-                        <p:par>
-                          <p:cTn id="40" fill="hold">
-                            <p:stCondLst>
-                              <p:cond delay="0"/>
-                            </p:stCondLst>
-                            <p:childTnLst>
-                              <p:par>
-                                <p:cTn id="41" presetID="1" presetClass="entr" presetSubtype="0" fill="hold" nodeType="clickEffect">
-                                  <p:stCondLst>
-                                    <p:cond delay="0"/>
-                                  </p:stCondLst>
-                                  <p:childTnLst>
-                                    <p:set>
-                                      <p:cBhvr>
-                                        <p:cTn id="42" dur="1" fill="hold">
-                                          <p:stCondLst>
-                                            <p:cond delay="0"/>
-                                          </p:stCondLst>
-                                        </p:cTn>
-                                        <p:tgtEl>
-                                          <p:spTgt spid="8">
-                                            <p:txEl>
-                                              <p:pRg st="15" end="15"/>
-                                            </p:txEl>
-                                          </p:spTgt>
-                                        </p:tgtEl>
-                                        <p:attrNameLst>
-                                          <p:attrName>style.visibility</p:attrName>
-                                        </p:attrNameLst>
-                                      </p:cBhvr>
-                                      <p:to>
-                                        <p:strVal val="visible"/>
-                                      </p:to>
-                                    </p:set>
-                                  </p:childTnLst>
-                                </p:cTn>
-                              </p:par>
-                            </p:childTnLst>
-                          </p:cTn>
-                        </p:par>
-                      </p:childTnLst>
-                    </p:cTn>
-                  </p:par>
-                  <p:par>
-                    <p:cTn id="43" fill="hold">
-                      <p:stCondLst>
-                        <p:cond delay="indefinite"/>
-                      </p:stCondLst>
-                      <p:childTnLst>
-                        <p:par>
-                          <p:cTn id="44" fill="hold">
-                            <p:stCondLst>
-                              <p:cond delay="0"/>
-                            </p:stCondLst>
-                            <p:childTnLst>
-                              <p:par>
-                                <p:cTn id="45" presetID="1" presetClass="entr" presetSubtype="0" fill="hold" nodeType="clickEffect">
-                                  <p:stCondLst>
-                                    <p:cond delay="0"/>
-                                  </p:stCondLst>
-                                  <p:childTnLst>
-                                    <p:set>
-                                      <p:cBhvr>
-                                        <p:cTn id="46" dur="1" fill="hold">
-                                          <p:stCondLst>
-                                            <p:cond delay="0"/>
-                                          </p:stCondLst>
-                                        </p:cTn>
-                                        <p:tgtEl>
-                                          <p:spTgt spid="8">
-                                            <p:txEl>
-                                              <p:pRg st="16" end="16"/>
-                                            </p:txEl>
-                                          </p:spTgt>
-                                        </p:tgtEl>
-                                        <p:attrNameLst>
-                                          <p:attrName>style.visibility</p:attrName>
-                                        </p:attrNameLst>
-                                      </p:cBhvr>
-                                      <p:to>
-                                        <p:strVal val="visible"/>
-                                      </p:to>
-                                    </p:set>
-                                  </p:childTnLst>
-                                </p:cTn>
-                              </p:par>
-                            </p:childTnLst>
-                          </p:cTn>
-                        </p:par>
-                      </p:childTnLst>
-                    </p:cTn>
-                  </p:par>
-                </p:childTnLst>
-              </p:cTn>
-              <p:prevCondLst>
-                <p:cond evt="onPrev" delay="0">
-                  <p:tgtEl>
-                    <p:sldTgt/>
-                  </p:tgtEl>
-                </p:cond>
-              </p:prevCondLst>
-              <p:nextCondLst>
-                <p:cond evt="onNext" delay="0">
-                  <p:tgtEl>
-                    <p:sldTgt/>
-                  </p:tgtEl>
-                </p:cond>
-              </p:nextCondLst>
-            </p:seq>
-          </p:childTnLst>
-        </p:cTn>
-      </p:par>
-    </p:tnLst>
-  </p:timing>
-</p:sld>
-</file>
-
-<file path=ppt/slides/slide46.xml><?xml version="1.0" encoding="utf-8"?>
-<p:sld xmlns:a="http://schemas.openxmlformats.org/drawingml/2006/main" xmlns:r="http://schemas.openxmlformats.org/officeDocument/2006/relationships" xmlns:p="http://schemas.openxmlformats.org/presentationml/2006/main">
-  <p:cSld>
-    <p:spTree>
-      <p:nvGrpSpPr>
-        <p:cNvPr id="1" name=""/>
-        <p:cNvGrpSpPr/>
-        <p:nvPr/>
-      </p:nvGrpSpPr>
-      <p:grpSpPr>
-        <a:xfrm>
-          <a:off x="0" y="0"/>
-          <a:ext cx="0" cy="0"/>
-          <a:chOff x="0" y="0"/>
-          <a:chExt cx="0" cy="0"/>
-        </a:xfrm>
-      </p:grpSpPr>
-      <p:sp>
-        <p:nvSpPr>
-          <p:cNvPr id="2" name="Title 1">
-            <a:extLst>
-              <a:ext uri="{FF2B5EF4-FFF2-40B4-BE49-F238E27FC236}">
-                <a16:creationId xmlns:a16="http://schemas.microsoft.com/office/drawing/2014/main" id="{3DFDFE6E-0F70-4498-A727-114AF49CE2A5}"/>
-              </a:ext>
-            </a:extLst>
-          </p:cNvPr>
-          <p:cNvSpPr>
-            <a:spLocks noGrp="1"/>
-          </p:cNvSpPr>
-          <p:nvPr>
-            <p:ph type="ctrTitle"/>
-          </p:nvPr>
-        </p:nvSpPr>
-        <p:spPr>
-          <a:xfrm>
-            <a:off x="366318" y="427839"/>
-            <a:ext cx="10472257" cy="3236053"/>
-          </a:xfrm>
-        </p:spPr>
-        <p:txBody>
-          <a:bodyPr>
-            <a:normAutofit/>
-          </a:bodyPr>
-          <a:lstStyle/>
-          <a:p>
-            <a:br>
-              <a:rPr lang="en-US" dirty="0"/>
-            </a:br>
-            <a:br>
-              <a:rPr lang="en-US" dirty="0"/>
-            </a:br>
-            <a:endParaRPr lang="en-US" dirty="0"/>
-          </a:p>
-        </p:txBody>
-      </p:sp>
-      <p:sp>
-        <p:nvSpPr>
-          <p:cNvPr id="8" name="TextBox 7">
-            <a:extLst>
-              <a:ext uri="{FF2B5EF4-FFF2-40B4-BE49-F238E27FC236}">
-                <a16:creationId xmlns:a16="http://schemas.microsoft.com/office/drawing/2014/main" id="{53B09C95-0B4A-4BCD-88A9-77079655ADE2}"/>
-              </a:ext>
-            </a:extLst>
-          </p:cNvPr>
-          <p:cNvSpPr txBox="1"/>
-          <p:nvPr/>
-        </p:nvSpPr>
-        <p:spPr>
-          <a:xfrm>
-            <a:off x="0" y="114418"/>
-            <a:ext cx="11952303" cy="2462213"/>
-          </a:xfrm>
-          <a:prstGeom prst="rect">
-            <a:avLst/>
-          </a:prstGeom>
-          <a:noFill/>
-        </p:spPr>
-        <p:txBody>
-          <a:bodyPr wrap="square" rtlCol="0">
-            <a:spAutoFit/>
-          </a:bodyPr>
-          <a:lstStyle/>
-          <a:p>
-            <a:r>
-              <a:rPr lang="en-US" sz="2400" dirty="0"/>
-              <a:t>Assumption: ∃ </a:t>
-            </a:r>
-            <a:r>
-              <a:rPr lang="en-US" sz="2400" dirty="0" err="1"/>
-              <a:t>p,q</a:t>
-            </a:r>
-            <a:r>
-              <a:rPr lang="en-US" sz="2400" dirty="0"/>
-              <a:t> </a:t>
-            </a:r>
-            <a:r>
-              <a:rPr lang="el-GR" sz="2400" dirty="0"/>
-              <a:t>ϵ</a:t>
-            </a:r>
-            <a:r>
-              <a:rPr lang="en-US" sz="2400" dirty="0"/>
-              <a:t> ℤ   </a:t>
-            </a:r>
-            <a:r>
-              <a:rPr lang="en-US" sz="2400" dirty="0" err="1"/>
-              <a:t>s.t.</a:t>
-            </a:r>
-            <a:r>
-              <a:rPr lang="en-US" sz="2400" dirty="0"/>
-              <a:t>  sqrt(3) = p/q</a:t>
-            </a:r>
-          </a:p>
-          <a:p>
-            <a:endParaRPr lang="en-US" sz="1000" u="sng" dirty="0"/>
-          </a:p>
-          <a:p>
-            <a:r>
-              <a:rPr lang="en-US" sz="2400" dirty="0"/>
-              <a:t>	</a:t>
-            </a:r>
-          </a:p>
-          <a:p>
-            <a:endParaRPr lang="en-US" sz="2400" u="sng" dirty="0"/>
-          </a:p>
-          <a:p>
-            <a:endParaRPr lang="en-US" sz="2400" u="sng" dirty="0"/>
-          </a:p>
-          <a:p>
-            <a:endParaRPr lang="en-US" sz="2400" u="sng" dirty="0"/>
-          </a:p>
-          <a:p>
-            <a:r>
-              <a:rPr lang="en-US" sz="2400" dirty="0"/>
-              <a:t>		</a:t>
-            </a:r>
-            <a:endParaRPr lang="en-US" sz="2400" u="sng" dirty="0"/>
-          </a:p>
-        </p:txBody>
-      </p:sp>
-      <p:sp>
-        <p:nvSpPr>
-          <p:cNvPr id="4" name="TextBox 3">
-            <a:extLst>
-              <a:ext uri="{FF2B5EF4-FFF2-40B4-BE49-F238E27FC236}">
-                <a16:creationId xmlns:a16="http://schemas.microsoft.com/office/drawing/2014/main" id="{10617467-1835-4DF8-8633-386FB293A12D}"/>
-              </a:ext>
-            </a:extLst>
-          </p:cNvPr>
-          <p:cNvSpPr txBox="1"/>
-          <p:nvPr/>
-        </p:nvSpPr>
-        <p:spPr>
-          <a:xfrm>
-            <a:off x="26907" y="703357"/>
-            <a:ext cx="11952303" cy="10833735"/>
-          </a:xfrm>
-          <a:prstGeom prst="rect">
-            <a:avLst/>
-          </a:prstGeom>
-          <a:noFill/>
-        </p:spPr>
-        <p:txBody>
-          <a:bodyPr wrap="square" rtlCol="0">
-            <a:spAutoFit/>
-          </a:bodyPr>
-          <a:lstStyle/>
-          <a:p>
-            <a:r>
-              <a:rPr lang="en-US" u="sng" dirty="0"/>
-              <a:t>Case 2: is odd. </a:t>
-            </a:r>
-          </a:p>
-          <a:p>
-            <a:r>
-              <a:rPr lang="en-US" dirty="0"/>
-              <a:t>	      	=&gt; 3q</a:t>
-            </a:r>
-            <a:r>
-              <a:rPr lang="en-US" baseline="30000" dirty="0"/>
-              <a:t>2</a:t>
-            </a:r>
-            <a:r>
-              <a:rPr lang="en-US" dirty="0"/>
-              <a:t> is also odd (where else would 3q</a:t>
-            </a:r>
-            <a:r>
-              <a:rPr lang="en-US" baseline="30000" dirty="0"/>
-              <a:t>2 </a:t>
-            </a:r>
-            <a:r>
-              <a:rPr lang="en-US" dirty="0"/>
-              <a:t>get the factor of 2?).</a:t>
-            </a:r>
-          </a:p>
-          <a:p>
-            <a:r>
-              <a:rPr lang="en-US" dirty="0"/>
-              <a:t>		=&gt; p</a:t>
-            </a:r>
-            <a:r>
-              <a:rPr lang="en-US" baseline="30000" dirty="0"/>
-              <a:t>2</a:t>
-            </a:r>
-            <a:r>
-              <a:rPr lang="en-US" dirty="0"/>
-              <a:t> is also odd</a:t>
-            </a:r>
-          </a:p>
-          <a:p>
-            <a:endParaRPr lang="en-US" dirty="0"/>
-          </a:p>
-          <a:p>
-            <a:r>
-              <a:rPr lang="en-US" dirty="0"/>
-              <a:t>		∃ n </a:t>
-            </a:r>
-            <a:r>
-              <a:rPr lang="el-GR" dirty="0"/>
-              <a:t>ϵ</a:t>
-            </a:r>
-            <a:r>
-              <a:rPr lang="en-US" dirty="0"/>
-              <a:t> ℤ  </a:t>
-            </a:r>
-            <a:r>
-              <a:rPr lang="en-US" dirty="0" err="1"/>
-              <a:t>s.t.</a:t>
-            </a:r>
-            <a:r>
-              <a:rPr lang="en-US" dirty="0"/>
-              <a:t> p = 2n+1</a:t>
-            </a:r>
-          </a:p>
-          <a:p>
-            <a:r>
-              <a:rPr lang="en-US" dirty="0"/>
-              <a:t>		∃ m </a:t>
-            </a:r>
-            <a:r>
-              <a:rPr lang="el-GR" dirty="0"/>
-              <a:t>ϵ</a:t>
-            </a:r>
-            <a:r>
-              <a:rPr lang="en-US" dirty="0"/>
-              <a:t> ℤ </a:t>
-            </a:r>
-            <a:r>
-              <a:rPr lang="en-US" dirty="0" err="1"/>
-              <a:t>s.t.</a:t>
-            </a:r>
-            <a:r>
-              <a:rPr lang="en-US" dirty="0"/>
-              <a:t> q = 2m+1</a:t>
-            </a:r>
-          </a:p>
-          <a:p>
-            <a:r>
-              <a:rPr lang="en-US" dirty="0"/>
-              <a:t>		</a:t>
-            </a:r>
-          </a:p>
-          <a:p>
-            <a:r>
-              <a:rPr lang="en-US" dirty="0"/>
-              <a:t>		 sqrt(3) q                   =  p</a:t>
-            </a:r>
-          </a:p>
-          <a:p>
-            <a:r>
-              <a:rPr lang="en-US" dirty="0"/>
-              <a:t>		 sqrt(3) (2m + 1)       =  (2n + 1)</a:t>
-            </a:r>
-          </a:p>
-          <a:p>
-            <a:r>
-              <a:rPr lang="en-US" dirty="0"/>
-              <a:t>		 3(2m + 1)</a:t>
-            </a:r>
-            <a:r>
-              <a:rPr lang="en-US" baseline="30000" dirty="0"/>
-              <a:t>2</a:t>
-            </a:r>
-            <a:r>
-              <a:rPr lang="en-US" dirty="0"/>
-              <a:t>                =  (2n + 1)</a:t>
-            </a:r>
-            <a:r>
-              <a:rPr lang="en-US" baseline="30000" dirty="0"/>
-              <a:t>2</a:t>
-            </a:r>
-          </a:p>
-          <a:p>
-            <a:r>
-              <a:rPr lang="en-US" dirty="0"/>
-              <a:t>		 3(4m</a:t>
-            </a:r>
-            <a:r>
-              <a:rPr lang="en-US" baseline="30000" dirty="0"/>
-              <a:t>2</a:t>
-            </a:r>
-            <a:r>
-              <a:rPr lang="en-US" dirty="0"/>
-              <a:t> + 4m + 1)      = 4n</a:t>
-            </a:r>
-            <a:r>
-              <a:rPr lang="en-US" baseline="30000" dirty="0"/>
-              <a:t>2</a:t>
-            </a:r>
-            <a:r>
-              <a:rPr lang="en-US" dirty="0"/>
-              <a:t> + 4n + 1</a:t>
-            </a:r>
-          </a:p>
-          <a:p>
-            <a:r>
-              <a:rPr lang="en-US" dirty="0"/>
-              <a:t>		 12m</a:t>
-            </a:r>
-            <a:r>
-              <a:rPr lang="en-US" baseline="30000" dirty="0"/>
-              <a:t>2</a:t>
-            </a:r>
-            <a:r>
-              <a:rPr lang="en-US" dirty="0"/>
-              <a:t> + 12m + 3      = 4n</a:t>
-            </a:r>
-            <a:r>
-              <a:rPr lang="en-US" baseline="30000" dirty="0"/>
-              <a:t>2</a:t>
-            </a:r>
-            <a:r>
-              <a:rPr lang="en-US" dirty="0"/>
-              <a:t> + 4n + 1</a:t>
-            </a:r>
-          </a:p>
-          <a:p>
-            <a:r>
-              <a:rPr lang="en-US" dirty="0"/>
-              <a:t>		 12m</a:t>
-            </a:r>
-            <a:r>
-              <a:rPr lang="en-US" baseline="30000" dirty="0"/>
-              <a:t>2</a:t>
-            </a:r>
-            <a:r>
-              <a:rPr lang="en-US" dirty="0"/>
-              <a:t> + 12m + 2      = 2n</a:t>
-            </a:r>
-            <a:r>
-              <a:rPr lang="en-US" baseline="30000" dirty="0"/>
-              <a:t>2</a:t>
-            </a:r>
-            <a:r>
-              <a:rPr lang="en-US" dirty="0"/>
-              <a:t> + 2n </a:t>
-            </a:r>
-          </a:p>
-          <a:p>
-            <a:r>
-              <a:rPr lang="en-US" dirty="0"/>
-              <a:t>		 12(m</a:t>
-            </a:r>
-            <a:r>
-              <a:rPr lang="en-US" baseline="30000" dirty="0"/>
-              <a:t>2</a:t>
-            </a:r>
-            <a:r>
-              <a:rPr lang="en-US" dirty="0"/>
-              <a:t> + m) + 1        = 2n(n+1)</a:t>
-            </a:r>
-          </a:p>
-          <a:p>
-            <a:r>
-              <a:rPr lang="en-US" dirty="0"/>
-              <a:t> 	</a:t>
-            </a:r>
-          </a:p>
-          <a:p>
-            <a:r>
-              <a:rPr lang="en-US" dirty="0"/>
-              <a:t>		 Let n(n+1) = A,  m</a:t>
-            </a:r>
-            <a:r>
-              <a:rPr lang="en-US" baseline="30000" dirty="0"/>
-              <a:t>2</a:t>
-            </a:r>
-            <a:r>
-              <a:rPr lang="en-US" dirty="0"/>
-              <a:t> + m = B.</a:t>
-            </a:r>
-          </a:p>
-          <a:p>
-            <a:r>
-              <a:rPr lang="en-US" dirty="0"/>
-              <a:t>	   	 A </a:t>
-            </a:r>
-            <a:r>
-              <a:rPr lang="el-GR" dirty="0"/>
-              <a:t>ϵ</a:t>
-            </a:r>
-            <a:r>
-              <a:rPr lang="en-US" dirty="0"/>
-              <a:t> ℤ , B </a:t>
-            </a:r>
-            <a:r>
-              <a:rPr lang="el-GR" dirty="0"/>
-              <a:t>ϵ</a:t>
-            </a:r>
-            <a:r>
-              <a:rPr lang="en-US" dirty="0"/>
-              <a:t> ℤ 	</a:t>
-            </a:r>
-          </a:p>
-          <a:p>
-            <a:endParaRPr lang="en-US" dirty="0"/>
-          </a:p>
-          <a:p>
-            <a:r>
-              <a:rPr lang="en-US" dirty="0"/>
-              <a:t>		 12A + 1                        = 2B		</a:t>
-            </a:r>
-          </a:p>
-          <a:p>
-            <a:r>
-              <a:rPr lang="en-US" dirty="0"/>
-              <a:t>		 12A + 1 is odd.               2B is even.     </a:t>
-            </a:r>
-            <a:r>
-              <a:rPr lang="en-US" dirty="0">
-                <a:sym typeface="Wingdings" panose="05000000000000000000" pitchFamily="2" charset="2"/>
-              </a:rPr>
-              <a:t>   Contradiction! </a:t>
-            </a:r>
-          </a:p>
-          <a:p>
-            <a:r>
-              <a:rPr lang="en-US" dirty="0"/>
-              <a:t>∴</a:t>
-            </a:r>
-            <a:r>
-              <a:rPr lang="en-US" dirty="0">
-                <a:sym typeface="Wingdings" panose="05000000000000000000" pitchFamily="2" charset="2"/>
-              </a:rPr>
-              <a:t>  </a:t>
-            </a:r>
-            <a:r>
-              <a:rPr lang="en-US" dirty="0"/>
-              <a:t>¬(∃ </a:t>
-            </a:r>
-            <a:r>
-              <a:rPr lang="en-US" dirty="0" err="1"/>
-              <a:t>p,q</a:t>
-            </a:r>
-            <a:r>
-              <a:rPr lang="en-US" dirty="0"/>
-              <a:t> </a:t>
-            </a:r>
-            <a:r>
-              <a:rPr lang="el-GR" dirty="0"/>
-              <a:t>ϵ</a:t>
-            </a:r>
-            <a:r>
-              <a:rPr lang="en-US" dirty="0"/>
-              <a:t> ℤ   </a:t>
-            </a:r>
-            <a:r>
-              <a:rPr lang="en-US" dirty="0" err="1"/>
-              <a:t>s.t.</a:t>
-            </a:r>
-            <a:r>
-              <a:rPr lang="en-US" dirty="0"/>
-              <a:t>  sqrt(3) = p/q)</a:t>
-            </a:r>
-          </a:p>
-          <a:p>
-            <a:endParaRPr lang="en-US" sz="2400" u="sng" dirty="0"/>
-          </a:p>
-          <a:p>
-            <a:endParaRPr lang="en-US" sz="2400" u="sng" dirty="0"/>
-          </a:p>
-          <a:p>
-            <a:endParaRPr lang="en-US" sz="2400" u="sng" dirty="0"/>
-          </a:p>
-          <a:p>
-            <a:endParaRPr lang="en-US" sz="2400" u="sng" dirty="0"/>
-          </a:p>
-          <a:p>
-            <a:endParaRPr lang="en-US" sz="2400" u="sng" dirty="0"/>
-          </a:p>
-          <a:p>
-            <a:endParaRPr lang="en-US" sz="2400" u="sng" dirty="0"/>
-          </a:p>
-          <a:p>
-            <a:endParaRPr lang="en-US" sz="2400" u="sng" dirty="0"/>
-          </a:p>
-          <a:p>
-            <a:endParaRPr lang="en-US" sz="2400" u="sng" dirty="0"/>
-          </a:p>
-          <a:p>
-            <a:endParaRPr lang="en-US" sz="2400" u="sng" dirty="0"/>
-          </a:p>
-          <a:p>
-            <a:endParaRPr lang="en-US" sz="2400" u="sng" dirty="0"/>
-          </a:p>
-          <a:p>
-            <a:endParaRPr lang="en-US" sz="2400" u="sng" dirty="0"/>
-          </a:p>
-          <a:p>
-            <a:endParaRPr lang="en-US" sz="2400" dirty="0"/>
-          </a:p>
-          <a:p>
-            <a:endParaRPr lang="en-US" sz="800" dirty="0"/>
-          </a:p>
-          <a:p>
-            <a:endParaRPr lang="en-US" sz="2400" dirty="0"/>
-          </a:p>
-        </p:txBody>
-      </p:sp>
-    </p:spTree>
-    <p:extLst>
-      <p:ext uri="{BB962C8B-B14F-4D97-AF65-F5344CB8AC3E}">
-        <p14:creationId xmlns:p14="http://schemas.microsoft.com/office/powerpoint/2010/main" val="1630327796"/>
-      </p:ext>
-    </p:extLst>
-  </p:cSld>
-  <p:clrMapOvr>
-    <a:masterClrMapping/>
-  </p:clrMapOvr>
-  <p:timing>
-    <p:tnLst>
-      <p:par>
-        <p:cTn id="1" dur="indefinite" restart="never" nodeType="tmRoot">
-          <p:childTnLst>
-            <p:seq concurrent="1" nextAc="seek">
-              <p:cTn id="2" dur="indefinite" nodeType="mainSeq">
-                <p:childTnLst>
-                  <p:par>
-                    <p:cTn id="3" fill="hold">
-                      <p:stCondLst>
-                        <p:cond delay="indefinite"/>
-                      </p:stCondLst>
-                      <p:childTnLst>
-                        <p:par>
-                          <p:cTn id="4" fill="hold">
-                            <p:stCondLst>
-                              <p:cond delay="0"/>
-                            </p:stCondLst>
-                            <p:childTnLst>
-                              <p:par>
-                                <p:cTn id="5" presetID="1" presetClass="entr" presetSubtype="0" fill="hold" nodeType="clickEffect">
-                                  <p:stCondLst>
-                                    <p:cond delay="0"/>
-                                  </p:stCondLst>
-                                  <p:childTnLst>
-                                    <p:set>
-                                      <p:cBhvr>
-                                        <p:cTn id="6" dur="1" fill="hold">
-                                          <p:stCondLst>
-                                            <p:cond delay="0"/>
-                                          </p:stCondLst>
-                                        </p:cTn>
-                                        <p:tgtEl>
-                                          <p:spTgt spid="4">
-                                            <p:txEl>
-                                              <p:pRg st="0" end="0"/>
-                                            </p:txEl>
-                                          </p:spTgt>
-                                        </p:tgtEl>
-                                        <p:attrNameLst>
-                                          <p:attrName>style.visibility</p:attrName>
-                                        </p:attrNameLst>
-                                      </p:cBhvr>
-                                      <p:to>
-                                        <p:strVal val="visible"/>
-                                      </p:to>
-                                    </p:set>
-                                  </p:childTnLst>
-                                </p:cTn>
-                              </p:par>
-                            </p:childTnLst>
-                          </p:cTn>
-                        </p:par>
-                      </p:childTnLst>
-                    </p:cTn>
-                  </p:par>
-                  <p:par>
-                    <p:cTn id="7" fill="hold">
-                      <p:stCondLst>
-                        <p:cond delay="indefinite"/>
-                      </p:stCondLst>
-                      <p:childTnLst>
-                        <p:par>
-                          <p:cTn id="8" fill="hold">
-                            <p:stCondLst>
-                              <p:cond delay="0"/>
-                            </p:stCondLst>
-                            <p:childTnLst>
-                              <p:par>
-                                <p:cTn id="9" presetID="1" presetClass="entr" presetSubtype="0" fill="hold" nodeType="clickEffect">
-                                  <p:stCondLst>
-                                    <p:cond delay="0"/>
-                                  </p:stCondLst>
-                                  <p:childTnLst>
-                                    <p:set>
-                                      <p:cBhvr>
-                                        <p:cTn id="10" dur="1" fill="hold">
-                                          <p:stCondLst>
-                                            <p:cond delay="0"/>
-                                          </p:stCondLst>
-                                        </p:cTn>
-                                        <p:tgtEl>
-                                          <p:spTgt spid="4">
-                                            <p:txEl>
-                                              <p:pRg st="1" end="1"/>
-                                            </p:txEl>
-                                          </p:spTgt>
-                                        </p:tgtEl>
-                                        <p:attrNameLst>
-                                          <p:attrName>style.visibility</p:attrName>
-                                        </p:attrNameLst>
-                                      </p:cBhvr>
-                                      <p:to>
-                                        <p:strVal val="visible"/>
-                                      </p:to>
-                                    </p:set>
-                                  </p:childTnLst>
-                                </p:cTn>
-                              </p:par>
-                            </p:childTnLst>
-                          </p:cTn>
-                        </p:par>
-                      </p:childTnLst>
-                    </p:cTn>
-                  </p:par>
-                  <p:par>
-                    <p:cTn id="11" fill="hold">
-                      <p:stCondLst>
-                        <p:cond delay="indefinite"/>
-                      </p:stCondLst>
-                      <p:childTnLst>
-                        <p:par>
-                          <p:cTn id="12" fill="hold">
-                            <p:stCondLst>
-                              <p:cond delay="0"/>
-                            </p:stCondLst>
-                            <p:childTnLst>
-                              <p:par>
-                                <p:cTn id="13" presetID="1" presetClass="entr" presetSubtype="0" fill="hold" nodeType="clickEffect">
-                                  <p:stCondLst>
-                                    <p:cond delay="0"/>
-                                  </p:stCondLst>
-                                  <p:childTnLst>
-                                    <p:set>
-                                      <p:cBhvr>
-                                        <p:cTn id="14" dur="1" fill="hold">
-                                          <p:stCondLst>
-                                            <p:cond delay="0"/>
-                                          </p:stCondLst>
-                                        </p:cTn>
-                                        <p:tgtEl>
-                                          <p:spTgt spid="4">
-                                            <p:txEl>
-                                              <p:pRg st="2" end="2"/>
-                                            </p:txEl>
-                                          </p:spTgt>
-                                        </p:tgtEl>
-                                        <p:attrNameLst>
-                                          <p:attrName>style.visibility</p:attrName>
-                                        </p:attrNameLst>
-                                      </p:cBhvr>
-                                      <p:to>
-                                        <p:strVal val="visible"/>
-                                      </p:to>
-                                    </p:set>
-                                  </p:childTnLst>
-                                </p:cTn>
-                              </p:par>
-                            </p:childTnLst>
-                          </p:cTn>
-                        </p:par>
-                      </p:childTnLst>
-                    </p:cTn>
-                  </p:par>
-                  <p:par>
-                    <p:cTn id="15" fill="hold">
-                      <p:stCondLst>
-                        <p:cond delay="indefinite"/>
-                      </p:stCondLst>
-                      <p:childTnLst>
-                        <p:par>
-                          <p:cTn id="16" fill="hold">
-                            <p:stCondLst>
-                              <p:cond delay="0"/>
-                            </p:stCondLst>
-                            <p:childTnLst>
-                              <p:par>
-                                <p:cTn id="17" presetID="1" presetClass="entr" presetSubtype="0" fill="hold" nodeType="clickEffect">
-                                  <p:stCondLst>
-                                    <p:cond delay="0"/>
-                                  </p:stCondLst>
-                                  <p:childTnLst>
-                                    <p:set>
-                                      <p:cBhvr>
-                                        <p:cTn id="18" dur="1" fill="hold">
-                                          <p:stCondLst>
-                                            <p:cond delay="0"/>
-                                          </p:stCondLst>
-                                        </p:cTn>
-                                        <p:tgtEl>
-                                          <p:spTgt spid="4">
-                                            <p:txEl>
-                                              <p:pRg st="4" end="4"/>
-                                            </p:txEl>
-                                          </p:spTgt>
-                                        </p:tgtEl>
-                                        <p:attrNameLst>
-                                          <p:attrName>style.visibility</p:attrName>
-                                        </p:attrNameLst>
-                                      </p:cBhvr>
-                                      <p:to>
-                                        <p:strVal val="visible"/>
-                                      </p:to>
-                                    </p:set>
-                                  </p:childTnLst>
-                                </p:cTn>
-                              </p:par>
-                            </p:childTnLst>
-                          </p:cTn>
-                        </p:par>
-                      </p:childTnLst>
-                    </p:cTn>
-                  </p:par>
-                  <p:par>
-                    <p:cTn id="19" fill="hold">
-                      <p:stCondLst>
-                        <p:cond delay="indefinite"/>
-                      </p:stCondLst>
-                      <p:childTnLst>
-                        <p:par>
-                          <p:cTn id="20" fill="hold">
-                            <p:stCondLst>
-                              <p:cond delay="0"/>
-                            </p:stCondLst>
-                            <p:childTnLst>
-                              <p:par>
-                                <p:cTn id="21" presetID="1" presetClass="entr" presetSubtype="0" fill="hold" nodeType="clickEffect">
-                                  <p:stCondLst>
-                                    <p:cond delay="0"/>
-                                  </p:stCondLst>
-                                  <p:childTnLst>
-                                    <p:set>
-                                      <p:cBhvr>
-                                        <p:cTn id="22" dur="1" fill="hold">
-                                          <p:stCondLst>
-                                            <p:cond delay="0"/>
-                                          </p:stCondLst>
-                                        </p:cTn>
-                                        <p:tgtEl>
-                                          <p:spTgt spid="4">
-                                            <p:txEl>
-                                              <p:pRg st="5" end="5"/>
-                                            </p:txEl>
-                                          </p:spTgt>
-                                        </p:tgtEl>
-                                        <p:attrNameLst>
-                                          <p:attrName>style.visibility</p:attrName>
-                                        </p:attrNameLst>
-                                      </p:cBhvr>
-                                      <p:to>
-                                        <p:strVal val="visible"/>
-                                      </p:to>
-                                    </p:set>
-                                  </p:childTnLst>
-                                </p:cTn>
-                              </p:par>
-                            </p:childTnLst>
-                          </p:cTn>
-                        </p:par>
-                      </p:childTnLst>
-                    </p:cTn>
-                  </p:par>
-                  <p:par>
-                    <p:cTn id="23" fill="hold">
-                      <p:stCondLst>
-                        <p:cond delay="indefinite"/>
-                      </p:stCondLst>
-                      <p:childTnLst>
-                        <p:par>
-                          <p:cTn id="24" fill="hold">
-                            <p:stCondLst>
-                              <p:cond delay="0"/>
-                            </p:stCondLst>
-                            <p:childTnLst>
-                              <p:par>
-                                <p:cTn id="25" presetID="1" presetClass="entr" presetSubtype="0" fill="hold" nodeType="clickEffect">
-                                  <p:stCondLst>
-                                    <p:cond delay="0"/>
-                                  </p:stCondLst>
-                                  <p:childTnLst>
-                                    <p:set>
-                                      <p:cBhvr>
-                                        <p:cTn id="26" dur="1" fill="hold">
-                                          <p:stCondLst>
-                                            <p:cond delay="0"/>
-                                          </p:stCondLst>
-                                        </p:cTn>
-                                        <p:tgtEl>
-                                          <p:spTgt spid="4">
-                                            <p:txEl>
-                                              <p:pRg st="6" end="6"/>
-                                            </p:txEl>
-                                          </p:spTgt>
-                                        </p:tgtEl>
-                                        <p:attrNameLst>
-                                          <p:attrName>style.visibility</p:attrName>
-                                        </p:attrNameLst>
-                                      </p:cBhvr>
-                                      <p:to>
-                                        <p:strVal val="visible"/>
-                                      </p:to>
-                                    </p:set>
-                                  </p:childTnLst>
-                                </p:cTn>
-                              </p:par>
-                            </p:childTnLst>
-                          </p:cTn>
-                        </p:par>
-                      </p:childTnLst>
-                    </p:cTn>
-                  </p:par>
-                  <p:par>
-                    <p:cTn id="27" fill="hold">
-                      <p:stCondLst>
-                        <p:cond delay="indefinite"/>
-                      </p:stCondLst>
-                      <p:childTnLst>
-                        <p:par>
-                          <p:cTn id="28" fill="hold">
-                            <p:stCondLst>
-                              <p:cond delay="0"/>
-                            </p:stCondLst>
-                            <p:childTnLst>
-                              <p:par>
-                                <p:cTn id="29" presetID="1" presetClass="entr" presetSubtype="0" fill="hold" nodeType="clickEffect">
-                                  <p:stCondLst>
-                                    <p:cond delay="0"/>
-                                  </p:stCondLst>
-                                  <p:childTnLst>
-                                    <p:set>
-                                      <p:cBhvr>
-                                        <p:cTn id="30" dur="1" fill="hold">
-                                          <p:stCondLst>
-                                            <p:cond delay="0"/>
-                                          </p:stCondLst>
-                                        </p:cTn>
-                                        <p:tgtEl>
-                                          <p:spTgt spid="4">
-                                            <p:txEl>
-                                              <p:pRg st="7" end="7"/>
-                                            </p:txEl>
-                                          </p:spTgt>
-                                        </p:tgtEl>
-                                        <p:attrNameLst>
-                                          <p:attrName>style.visibility</p:attrName>
-                                        </p:attrNameLst>
-                                      </p:cBhvr>
-                                      <p:to>
-                                        <p:strVal val="visible"/>
-                                      </p:to>
-                                    </p:set>
-                                  </p:childTnLst>
-                                </p:cTn>
-                              </p:par>
-                            </p:childTnLst>
-                          </p:cTn>
-                        </p:par>
-                      </p:childTnLst>
-                    </p:cTn>
-                  </p:par>
-                  <p:par>
-                    <p:cTn id="31" fill="hold">
-                      <p:stCondLst>
-                        <p:cond delay="indefinite"/>
-                      </p:stCondLst>
-                      <p:childTnLst>
-                        <p:par>
-                          <p:cTn id="32" fill="hold">
-                            <p:stCondLst>
-                              <p:cond delay="0"/>
-                            </p:stCondLst>
-                            <p:childTnLst>
-                              <p:par>
-                                <p:cTn id="33" presetID="1" presetClass="entr" presetSubtype="0" fill="hold" nodeType="clickEffect">
-                                  <p:stCondLst>
-                                    <p:cond delay="0"/>
-                                  </p:stCondLst>
-                                  <p:childTnLst>
-                                    <p:set>
-                                      <p:cBhvr>
-                                        <p:cTn id="34" dur="1" fill="hold">
-                                          <p:stCondLst>
-                                            <p:cond delay="0"/>
-                                          </p:stCondLst>
-                                        </p:cTn>
-                                        <p:tgtEl>
-                                          <p:spTgt spid="4">
-                                            <p:txEl>
-                                              <p:pRg st="8" end="8"/>
-                                            </p:txEl>
-                                          </p:spTgt>
-                                        </p:tgtEl>
-                                        <p:attrNameLst>
-                                          <p:attrName>style.visibility</p:attrName>
-                                        </p:attrNameLst>
-                                      </p:cBhvr>
-                                      <p:to>
-                                        <p:strVal val="visible"/>
-                                      </p:to>
-                                    </p:set>
-                                  </p:childTnLst>
-                                </p:cTn>
-                              </p:par>
-                            </p:childTnLst>
-                          </p:cTn>
-                        </p:par>
-                      </p:childTnLst>
-                    </p:cTn>
-                  </p:par>
-                  <p:par>
-                    <p:cTn id="35" fill="hold">
-                      <p:stCondLst>
-                        <p:cond delay="indefinite"/>
-                      </p:stCondLst>
-                      <p:childTnLst>
-                        <p:par>
-                          <p:cTn id="36" fill="hold">
-                            <p:stCondLst>
-                              <p:cond delay="0"/>
-                            </p:stCondLst>
-                            <p:childTnLst>
-                              <p:par>
-                                <p:cTn id="37" presetID="1" presetClass="entr" presetSubtype="0" fill="hold" nodeType="clickEffect">
-                                  <p:stCondLst>
-                                    <p:cond delay="0"/>
-                                  </p:stCondLst>
-                                  <p:childTnLst>
-                                    <p:set>
-                                      <p:cBhvr>
-                                        <p:cTn id="38" dur="1" fill="hold">
-                                          <p:stCondLst>
-                                            <p:cond delay="0"/>
-                                          </p:stCondLst>
-                                        </p:cTn>
-                                        <p:tgtEl>
-                                          <p:spTgt spid="4">
-                                            <p:txEl>
-                                              <p:pRg st="9" end="9"/>
-                                            </p:txEl>
-                                          </p:spTgt>
-                                        </p:tgtEl>
-                                        <p:attrNameLst>
-                                          <p:attrName>style.visibility</p:attrName>
-                                        </p:attrNameLst>
-                                      </p:cBhvr>
-                                      <p:to>
-                                        <p:strVal val="visible"/>
-                                      </p:to>
-                                    </p:set>
-                                  </p:childTnLst>
-                                </p:cTn>
-                              </p:par>
-                            </p:childTnLst>
-                          </p:cTn>
-                        </p:par>
-                      </p:childTnLst>
-                    </p:cTn>
-                  </p:par>
-                  <p:par>
-                    <p:cTn id="39" fill="hold">
-                      <p:stCondLst>
-                        <p:cond delay="indefinite"/>
-                      </p:stCondLst>
-                      <p:childTnLst>
-                        <p:par>
-                          <p:cTn id="40" fill="hold">
-                            <p:stCondLst>
-                              <p:cond delay="0"/>
-                            </p:stCondLst>
-                            <p:childTnLst>
-                              <p:par>
-                                <p:cTn id="41" presetID="1" presetClass="entr" presetSubtype="0" fill="hold" nodeType="clickEffect">
-                                  <p:stCondLst>
-                                    <p:cond delay="0"/>
-                                  </p:stCondLst>
-                                  <p:childTnLst>
-                                    <p:set>
-                                      <p:cBhvr>
-                                        <p:cTn id="42" dur="1" fill="hold">
-                                          <p:stCondLst>
-                                            <p:cond delay="0"/>
-                                          </p:stCondLst>
-                                        </p:cTn>
-                                        <p:tgtEl>
-                                          <p:spTgt spid="4">
-                                            <p:txEl>
-                                              <p:pRg st="10" end="10"/>
-                                            </p:txEl>
-                                          </p:spTgt>
-                                        </p:tgtEl>
-                                        <p:attrNameLst>
-                                          <p:attrName>style.visibility</p:attrName>
-                                        </p:attrNameLst>
-                                      </p:cBhvr>
-                                      <p:to>
-                                        <p:strVal val="visible"/>
-                                      </p:to>
-                                    </p:set>
-                                  </p:childTnLst>
-                                </p:cTn>
-                              </p:par>
-                            </p:childTnLst>
-                          </p:cTn>
-                        </p:par>
-                      </p:childTnLst>
-                    </p:cTn>
-                  </p:par>
-                  <p:par>
-                    <p:cTn id="43" fill="hold">
-                      <p:stCondLst>
-                        <p:cond delay="indefinite"/>
-                      </p:stCondLst>
-                      <p:childTnLst>
-                        <p:par>
-                          <p:cTn id="44" fill="hold">
-                            <p:stCondLst>
-                              <p:cond delay="0"/>
-                            </p:stCondLst>
-                            <p:childTnLst>
-                              <p:par>
-                                <p:cTn id="45" presetID="1" presetClass="entr" presetSubtype="0" fill="hold" nodeType="clickEffect">
-                                  <p:stCondLst>
-                                    <p:cond delay="0"/>
-                                  </p:stCondLst>
-                                  <p:childTnLst>
-                                    <p:set>
-                                      <p:cBhvr>
-                                        <p:cTn id="46" dur="1" fill="hold">
-                                          <p:stCondLst>
-                                            <p:cond delay="0"/>
-                                          </p:stCondLst>
-                                        </p:cTn>
-                                        <p:tgtEl>
-                                          <p:spTgt spid="4">
-                                            <p:txEl>
-                                              <p:pRg st="11" end="11"/>
-                                            </p:txEl>
-                                          </p:spTgt>
-                                        </p:tgtEl>
-                                        <p:attrNameLst>
-                                          <p:attrName>style.visibility</p:attrName>
-                                        </p:attrNameLst>
-                                      </p:cBhvr>
-                                      <p:to>
-                                        <p:strVal val="visible"/>
-                                      </p:to>
-                                    </p:set>
-                                  </p:childTnLst>
-                                </p:cTn>
-                              </p:par>
-                            </p:childTnLst>
-                          </p:cTn>
-                        </p:par>
-                      </p:childTnLst>
-                    </p:cTn>
-                  </p:par>
-                  <p:par>
-                    <p:cTn id="47" fill="hold">
-                      <p:stCondLst>
-                        <p:cond delay="indefinite"/>
-                      </p:stCondLst>
-                      <p:childTnLst>
-                        <p:par>
-                          <p:cTn id="48" fill="hold">
-                            <p:stCondLst>
-                              <p:cond delay="0"/>
-                            </p:stCondLst>
-                            <p:childTnLst>
-                              <p:par>
-                                <p:cTn id="49" presetID="1" presetClass="entr" presetSubtype="0" fill="hold" nodeType="clickEffect">
-                                  <p:stCondLst>
-                                    <p:cond delay="0"/>
-                                  </p:stCondLst>
-                                  <p:childTnLst>
-                                    <p:set>
-                                      <p:cBhvr>
-                                        <p:cTn id="50" dur="1" fill="hold">
-                                          <p:stCondLst>
-                                            <p:cond delay="0"/>
-                                          </p:stCondLst>
-                                        </p:cTn>
-                                        <p:tgtEl>
-                                          <p:spTgt spid="4">
-                                            <p:txEl>
-                                              <p:pRg st="12" end="12"/>
-                                            </p:txEl>
-                                          </p:spTgt>
-                                        </p:tgtEl>
-                                        <p:attrNameLst>
-                                          <p:attrName>style.visibility</p:attrName>
-                                        </p:attrNameLst>
-                                      </p:cBhvr>
-                                      <p:to>
-                                        <p:strVal val="visible"/>
-                                      </p:to>
-                                    </p:set>
-                                  </p:childTnLst>
-                                </p:cTn>
-                              </p:par>
-                            </p:childTnLst>
-                          </p:cTn>
-                        </p:par>
-                      </p:childTnLst>
-                    </p:cTn>
-                  </p:par>
-                  <p:par>
-                    <p:cTn id="51" fill="hold">
-                      <p:stCondLst>
-                        <p:cond delay="indefinite"/>
-                      </p:stCondLst>
-                      <p:childTnLst>
-                        <p:par>
-                          <p:cTn id="52" fill="hold">
-                            <p:stCondLst>
-                              <p:cond delay="0"/>
-                            </p:stCondLst>
-                            <p:childTnLst>
-                              <p:par>
-                                <p:cTn id="53" presetID="1" presetClass="entr" presetSubtype="0" fill="hold" nodeType="clickEffect">
-                                  <p:stCondLst>
-                                    <p:cond delay="0"/>
-                                  </p:stCondLst>
-                                  <p:childTnLst>
-                                    <p:set>
-                                      <p:cBhvr>
-                                        <p:cTn id="54" dur="1" fill="hold">
-                                          <p:stCondLst>
-                                            <p:cond delay="0"/>
-                                          </p:stCondLst>
-                                        </p:cTn>
-                                        <p:tgtEl>
-                                          <p:spTgt spid="4">
-                                            <p:txEl>
-                                              <p:pRg st="13" end="13"/>
-                                            </p:txEl>
-                                          </p:spTgt>
-                                        </p:tgtEl>
-                                        <p:attrNameLst>
-                                          <p:attrName>style.visibility</p:attrName>
-                                        </p:attrNameLst>
-                                      </p:cBhvr>
-                                      <p:to>
-                                        <p:strVal val="visible"/>
-                                      </p:to>
-                                    </p:set>
-                                  </p:childTnLst>
-                                </p:cTn>
-                              </p:par>
-                            </p:childTnLst>
-                          </p:cTn>
-                        </p:par>
-                      </p:childTnLst>
-                    </p:cTn>
-                  </p:par>
-                  <p:par>
-                    <p:cTn id="55" fill="hold">
-                      <p:stCondLst>
-                        <p:cond delay="indefinite"/>
-                      </p:stCondLst>
-                      <p:childTnLst>
-                        <p:par>
-                          <p:cTn id="56" fill="hold">
-                            <p:stCondLst>
-                              <p:cond delay="0"/>
-                            </p:stCondLst>
-                            <p:childTnLst>
-                              <p:par>
-                                <p:cTn id="57" presetID="1" presetClass="entr" presetSubtype="0" fill="hold" nodeType="clickEffect">
-                                  <p:stCondLst>
-                                    <p:cond delay="0"/>
-                                  </p:stCondLst>
-                                  <p:childTnLst>
-                                    <p:set>
-                                      <p:cBhvr>
-                                        <p:cTn id="58" dur="1" fill="hold">
-                                          <p:stCondLst>
-                                            <p:cond delay="0"/>
-                                          </p:stCondLst>
-                                        </p:cTn>
-                                        <p:tgtEl>
-                                          <p:spTgt spid="4">
-                                            <p:txEl>
-                                              <p:pRg st="14" end="14"/>
-                                            </p:txEl>
-                                          </p:spTgt>
-                                        </p:tgtEl>
-                                        <p:attrNameLst>
-                                          <p:attrName>style.visibility</p:attrName>
-                                        </p:attrNameLst>
-                                      </p:cBhvr>
-                                      <p:to>
-                                        <p:strVal val="visible"/>
-                                      </p:to>
-                                    </p:set>
-                                  </p:childTnLst>
-                                </p:cTn>
-                              </p:par>
-                            </p:childTnLst>
-                          </p:cTn>
-                        </p:par>
-                      </p:childTnLst>
-                    </p:cTn>
-                  </p:par>
-                  <p:par>
-                    <p:cTn id="59" fill="hold">
-                      <p:stCondLst>
-                        <p:cond delay="indefinite"/>
-                      </p:stCondLst>
-                      <p:childTnLst>
-                        <p:par>
-                          <p:cTn id="60" fill="hold">
-                            <p:stCondLst>
-                              <p:cond delay="0"/>
-                            </p:stCondLst>
-                            <p:childTnLst>
-                              <p:par>
-                                <p:cTn id="61" presetID="1" presetClass="entr" presetSubtype="0" fill="hold" nodeType="clickEffect">
-                                  <p:stCondLst>
-                                    <p:cond delay="0"/>
-                                  </p:stCondLst>
-                                  <p:childTnLst>
-                                    <p:set>
-                                      <p:cBhvr>
-                                        <p:cTn id="62" dur="1" fill="hold">
-                                          <p:stCondLst>
-                                            <p:cond delay="0"/>
-                                          </p:stCondLst>
-                                        </p:cTn>
-                                        <p:tgtEl>
-                                          <p:spTgt spid="4">
-                                            <p:txEl>
-                                              <p:pRg st="15" end="15"/>
-                                            </p:txEl>
-                                          </p:spTgt>
-                                        </p:tgtEl>
-                                        <p:attrNameLst>
-                                          <p:attrName>style.visibility</p:attrName>
-                                        </p:attrNameLst>
-                                      </p:cBhvr>
-                                      <p:to>
-                                        <p:strVal val="visible"/>
-                                      </p:to>
-                                    </p:set>
-                                  </p:childTnLst>
-                                </p:cTn>
-                              </p:par>
-                            </p:childTnLst>
-                          </p:cTn>
-                        </p:par>
-                      </p:childTnLst>
-                    </p:cTn>
-                  </p:par>
-                  <p:par>
-                    <p:cTn id="63" fill="hold">
-                      <p:stCondLst>
-                        <p:cond delay="indefinite"/>
-                      </p:stCondLst>
-                      <p:childTnLst>
-                        <p:par>
-                          <p:cTn id="64" fill="hold">
-                            <p:stCondLst>
-                              <p:cond delay="0"/>
-                            </p:stCondLst>
-                            <p:childTnLst>
-                              <p:par>
-                                <p:cTn id="65" presetID="1" presetClass="entr" presetSubtype="0" fill="hold" nodeType="clickEffect">
-                                  <p:stCondLst>
-                                    <p:cond delay="0"/>
-                                  </p:stCondLst>
-                                  <p:childTnLst>
-                                    <p:set>
-                                      <p:cBhvr>
-                                        <p:cTn id="66" dur="1" fill="hold">
-                                          <p:stCondLst>
-                                            <p:cond delay="0"/>
-                                          </p:stCondLst>
-                                        </p:cTn>
-                                        <p:tgtEl>
-                                          <p:spTgt spid="4">
-                                            <p:txEl>
-                                              <p:pRg st="16" end="16"/>
-                                            </p:txEl>
-                                          </p:spTgt>
-                                        </p:tgtEl>
-                                        <p:attrNameLst>
-                                          <p:attrName>style.visibility</p:attrName>
-                                        </p:attrNameLst>
-                                      </p:cBhvr>
-                                      <p:to>
-                                        <p:strVal val="visible"/>
-                                      </p:to>
-                                    </p:set>
-                                  </p:childTnLst>
-                                </p:cTn>
-                              </p:par>
-                            </p:childTnLst>
-                          </p:cTn>
-                        </p:par>
-                      </p:childTnLst>
-                    </p:cTn>
-                  </p:par>
-                  <p:par>
-                    <p:cTn id="67" fill="hold">
-                      <p:stCondLst>
-                        <p:cond delay="indefinite"/>
-                      </p:stCondLst>
-                      <p:childTnLst>
-                        <p:par>
-                          <p:cTn id="68" fill="hold">
-                            <p:stCondLst>
-                              <p:cond delay="0"/>
-                            </p:stCondLst>
-                            <p:childTnLst>
-                              <p:par>
-                                <p:cTn id="69" presetID="1" presetClass="entr" presetSubtype="0" fill="hold" nodeType="clickEffect">
-                                  <p:stCondLst>
-                                    <p:cond delay="0"/>
-                                  </p:stCondLst>
-                                  <p:childTnLst>
-                                    <p:set>
-                                      <p:cBhvr>
-                                        <p:cTn id="70" dur="1" fill="hold">
-                                          <p:stCondLst>
-                                            <p:cond delay="0"/>
-                                          </p:stCondLst>
-                                        </p:cTn>
-                                        <p:tgtEl>
-                                          <p:spTgt spid="4">
-                                            <p:txEl>
-                                              <p:pRg st="18" end="18"/>
-                                            </p:txEl>
-                                          </p:spTgt>
-                                        </p:tgtEl>
-                                        <p:attrNameLst>
-                                          <p:attrName>style.visibility</p:attrName>
-                                        </p:attrNameLst>
-                                      </p:cBhvr>
-                                      <p:to>
-                                        <p:strVal val="visible"/>
-                                      </p:to>
-                                    </p:set>
-                                  </p:childTnLst>
-                                </p:cTn>
-                              </p:par>
-                            </p:childTnLst>
-                          </p:cTn>
-                        </p:par>
-                      </p:childTnLst>
-                    </p:cTn>
-                  </p:par>
-                  <p:par>
-                    <p:cTn id="71" fill="hold">
-                      <p:stCondLst>
-                        <p:cond delay="indefinite"/>
-                      </p:stCondLst>
-                      <p:childTnLst>
-                        <p:par>
-                          <p:cTn id="72" fill="hold">
-                            <p:stCondLst>
-                              <p:cond delay="0"/>
-                            </p:stCondLst>
-                            <p:childTnLst>
-                              <p:par>
-                                <p:cTn id="73" presetID="1" presetClass="entr" presetSubtype="0" fill="hold" nodeType="clickEffect">
-                                  <p:stCondLst>
-                                    <p:cond delay="0"/>
-                                  </p:stCondLst>
-                                  <p:childTnLst>
-                                    <p:set>
-                                      <p:cBhvr>
-                                        <p:cTn id="74" dur="1" fill="hold">
-                                          <p:stCondLst>
-                                            <p:cond delay="0"/>
-                                          </p:stCondLst>
-                                        </p:cTn>
-                                        <p:tgtEl>
-                                          <p:spTgt spid="4">
-                                            <p:txEl>
-                                              <p:pRg st="19" end="19"/>
-                                            </p:txEl>
-                                          </p:spTgt>
-                                        </p:tgtEl>
-                                        <p:attrNameLst>
-                                          <p:attrName>style.visibility</p:attrName>
-                                        </p:attrNameLst>
-                                      </p:cBhvr>
-                                      <p:to>
-                                        <p:strVal val="visible"/>
-                                      </p:to>
-                                    </p:set>
-                                  </p:childTnLst>
-                                </p:cTn>
-                              </p:par>
-                            </p:childTnLst>
-                          </p:cTn>
-                        </p:par>
-                      </p:childTnLst>
-                    </p:cTn>
-                  </p:par>
-                  <p:par>
-                    <p:cTn id="75" fill="hold">
-                      <p:stCondLst>
-                        <p:cond delay="indefinite"/>
-                      </p:stCondLst>
-                      <p:childTnLst>
-                        <p:par>
-                          <p:cTn id="76" fill="hold">
-                            <p:stCondLst>
-                              <p:cond delay="0"/>
-                            </p:stCondLst>
-                            <p:childTnLst>
-                              <p:par>
-                                <p:cTn id="77" presetID="1" presetClass="entr" presetSubtype="0" fill="hold" nodeType="clickEffect">
-                                  <p:stCondLst>
-                                    <p:cond delay="0"/>
-                                  </p:stCondLst>
-                                  <p:childTnLst>
-                                    <p:set>
-                                      <p:cBhvr>
-                                        <p:cTn id="78" dur="1" fill="hold">
-                                          <p:stCondLst>
-                                            <p:cond delay="0"/>
-                                          </p:stCondLst>
-                                        </p:cTn>
-                                        <p:tgtEl>
-                                          <p:spTgt spid="4">
-                                            <p:txEl>
-                                              <p:pRg st="20" end="20"/>
-                                            </p:txEl>
-                                          </p:spTgt>
-                                        </p:tgtEl>
-                                        <p:attrNameLst>
-                                          <p:attrName>style.visibility</p:attrName>
-                                        </p:attrNameLst>
-                                      </p:cBhvr>
-                                      <p:to>
-                                        <p:strVal val="visible"/>
-                                      </p:to>
-                                    </p:set>
-                                  </p:childTnLst>
-                                </p:cTn>
-                              </p:par>
-                            </p:childTnLst>
-                          </p:cTn>
-                        </p:par>
-                      </p:childTnLst>
-                    </p:cTn>
-                  </p:par>
-                </p:childTnLst>
-              </p:cTn>
-              <p:prevCondLst>
-                <p:cond evt="onPrev" delay="0">
-                  <p:tgtEl>
-                    <p:sldTgt/>
-                  </p:tgtEl>
-                </p:cond>
-              </p:prevCondLst>
-              <p:nextCondLst>
-                <p:cond evt="onNext" delay="0">
-                  <p:tgtEl>
-                    <p:sldTgt/>
-                  </p:tgtEl>
-                </p:cond>
-              </p:nextCondLst>
-            </p:seq>
-          </p:childTnLst>
-        </p:cTn>
-      </p:par>
-    </p:tnLst>
-  </p:timing>
-</p:sld>
-</file>
-
 <file path=ppt/slides/slide5.xml><?xml version="1.0" encoding="utf-8"?>
 <p:sld xmlns:a="http://schemas.openxmlformats.org/drawingml/2006/main" xmlns:r="http://schemas.openxmlformats.org/officeDocument/2006/relationships" xmlns:p="http://schemas.openxmlformats.org/presentationml/2006/main">
   <p:cSld>
@@ -29127,8 +26621,8 @@
         </p:nvSpPr>
         <p:spPr>
           <a:xfrm>
-            <a:off x="1524751" y="755403"/>
-            <a:ext cx="11697050" cy="5970865"/>
+            <a:off x="2743951" y="912820"/>
+            <a:ext cx="11697050" cy="4555093"/>
           </a:xfrm>
           <a:prstGeom prst="rect">
             <a:avLst/>
@@ -29223,16 +26717,30 @@
             </a:r>
             <a:r>
               <a:rPr lang="en-US" sz="3200" dirty="0"/>
-              <a:t>N = 5(a+1)</a:t>
+              <a:t>N = 5(2a+1)</a:t>
             </a:r>
-          </a:p>
-          <a:p>
-            <a:endParaRPr lang="en-US" sz="1200" dirty="0"/>
           </a:p>
           <a:p>
             <a:r>
               <a:rPr lang="en-US" sz="3200" dirty="0"/>
-              <a:t>Ɐ N </a:t>
+              <a:t>(2a+1) is odd!</a:t>
+            </a:r>
+          </a:p>
+          <a:p>
+            <a:endParaRPr lang="en-US" sz="3200" dirty="0"/>
+          </a:p>
+          <a:p>
+            <a:r>
+              <a:rPr lang="en-US" sz="3600" dirty="0"/>
+              <a:t>∴</a:t>
+            </a:r>
+            <a:r>
+              <a:rPr lang="en-US" dirty="0"/>
+              <a:t>   </a:t>
+            </a:r>
+            <a:r>
+              <a:rPr lang="en-US" sz="3200" dirty="0"/>
+              <a:t>N = 5 x (odd number), Ɐ N </a:t>
             </a:r>
             <a:r>
               <a:rPr lang="el-GR" sz="3200" dirty="0"/>
@@ -29240,66 +26748,11 @@
             </a:r>
             <a:r>
               <a:rPr lang="en-US" sz="3200" dirty="0"/>
-              <a:t> S,  ∃ b </a:t>
+              <a:t> S </a:t>
             </a:r>
-            <a:r>
-              <a:rPr lang="el-GR" sz="3200" dirty="0"/>
-              <a:t>ϵ</a:t>
-            </a:r>
-            <a:r>
-              <a:rPr lang="en-US" sz="3200" dirty="0"/>
-              <a:t> ℤ ,    </a:t>
-            </a:r>
-            <a:r>
-              <a:rPr lang="en-US" sz="2000" dirty="0"/>
-              <a:t> </a:t>
-            </a:r>
-            <a:r>
-              <a:rPr lang="en-US" sz="3200" dirty="0"/>
-              <a:t>N = 5b</a:t>
-            </a:r>
-          </a:p>
-          <a:p>
-            <a:endParaRPr lang="en-US" sz="1000" dirty="0"/>
-          </a:p>
-          <a:p>
-            <a:endParaRPr lang="en-US" sz="1100" dirty="0"/>
-          </a:p>
-          <a:p>
-            <a:r>
-              <a:rPr lang="en-US" sz="3200" dirty="0"/>
-              <a:t>b is either even or odd. </a:t>
-            </a:r>
-          </a:p>
-          <a:p>
-            <a:endParaRPr lang="en-US" sz="1400" dirty="0"/>
-          </a:p>
-          <a:p>
-            <a:r>
-              <a:rPr lang="en-US" sz="3200" u="sng" dirty="0"/>
-              <a:t>Case 1: b is even:</a:t>
-            </a:r>
-          </a:p>
-          <a:p>
-            <a:r>
-              <a:rPr lang="en-US" sz="3200" dirty="0"/>
-              <a:t>	N = 5b =&gt; N is even.</a:t>
-            </a:r>
-          </a:p>
-          <a:p>
-            <a:r>
-              <a:rPr lang="en-US" sz="2400" dirty="0">
-                <a:solidFill>
-                  <a:srgbClr val="FF0000"/>
-                </a:solidFill>
-              </a:rPr>
-              <a:t>	But if N ends in 5 it must be odd.  Contradiction!  So b must be odd.</a:t>
-            </a:r>
-            <a:endParaRPr lang="en-US" dirty="0">
-              <a:solidFill>
-                <a:srgbClr val="FF0000"/>
-              </a:solidFill>
-            </a:endParaRPr>
+          </a:p>
+          <a:p>
+            <a:endParaRPr lang="en-US" sz="1200" dirty="0"/>
           </a:p>
         </p:txBody>
       </p:sp>
@@ -29317,7 +26770,7 @@
         </p:nvCxnSpPr>
         <p:spPr>
           <a:xfrm>
-            <a:off x="594013" y="2352675"/>
+            <a:off x="594013" y="2413635"/>
             <a:ext cx="11003973" cy="0"/>
           </a:xfrm>
           <a:prstGeom prst="line">
@@ -29340,6 +26793,35 @@
           </a:fontRef>
         </p:style>
       </p:cxnSp>
+      <p:sp>
+        <p:nvSpPr>
+          <p:cNvPr id="5" name="Footer Placeholder 4">
+            <a:extLst>
+              <a:ext uri="{FF2B5EF4-FFF2-40B4-BE49-F238E27FC236}">
+                <a16:creationId xmlns:a16="http://schemas.microsoft.com/office/drawing/2014/main" id="{A0820352-CA2A-4B9E-BB17-F65A4FB4343D}"/>
+              </a:ext>
+            </a:extLst>
+          </p:cNvPr>
+          <p:cNvSpPr>
+            <a:spLocks noGrp="1"/>
+          </p:cNvSpPr>
+          <p:nvPr>
+            <p:ph type="ftr" sz="quarter" idx="11"/>
+          </p:nvPr>
+        </p:nvSpPr>
+        <p:spPr/>
+        <p:txBody>
+          <a:bodyPr/>
+          <a:lstStyle/>
+          <a:p>
+            <a:r>
+              <a:rPr lang="en-US"/>
+              <a:t>Dr. Nike Dattani, MATH 135, Fall 2021</a:t>
+            </a:r>
+            <a:endParaRPr lang="en-US" dirty="0"/>
+          </a:p>
+        </p:txBody>
+      </p:sp>
     </p:spTree>
     <p:extLst>
       <p:ext uri="{BB962C8B-B14F-4D97-AF65-F5344CB8AC3E}">
@@ -29609,7 +27091,7 @@
                                         <p:tgtEl>
                                           <p:spTgt spid="4">
                                             <p:txEl>
-                                              <p:pRg st="7" end="7"/>
+                                              <p:pRg st="6" end="6"/>
                                             </p:txEl>
                                           </p:spTgt>
                                         </p:tgtEl>
@@ -29658,154 +27140,7 @@
                                         <p:tgtEl>
                                           <p:spTgt spid="4">
                                             <p:txEl>
-                                              <p:pRg st="10" end="10"/>
-                                            </p:txEl>
-                                          </p:spTgt>
-                                        </p:tgtEl>
-                                        <p:attrNameLst>
-                                          <p:attrName>style.visibility</p:attrName>
-                                        </p:attrNameLst>
-                                      </p:cBhvr>
-                                      <p:to>
-                                        <p:strVal val="visible"/>
-                                      </p:to>
-                                    </p:set>
-                                  </p:childTnLst>
-                                </p:cTn>
-                              </p:par>
-                            </p:childTnLst>
-                          </p:cTn>
-                        </p:par>
-                      </p:childTnLst>
-                    </p:cTn>
-                  </p:par>
-                  <p:par>
-                    <p:cTn id="29" fill="hold">
-                      <p:stCondLst>
-                        <p:cond delay="indefinite"/>
-                      </p:stCondLst>
-                      <p:childTnLst>
-                        <p:par>
-                          <p:cTn id="30" fill="hold">
-                            <p:stCondLst>
-                              <p:cond delay="0"/>
-                            </p:stCondLst>
-                            <p:childTnLst>
-                              <p:par>
-                                <p:cTn id="31" presetID="1" presetClass="entr" presetSubtype="0" fill="hold" nodeType="clickEffect">
-                                  <p:stCondLst>
-                                    <p:cond delay="0"/>
-                                  </p:stCondLst>
-                                  <p:childTnLst>
-                                    <p:set>
-                                      <p:cBhvr>
-                                        <p:cTn id="32" dur="1" fill="hold">
-                                          <p:stCondLst>
-                                            <p:cond delay="0"/>
-                                          </p:stCondLst>
-                                        </p:cTn>
-                                        <p:tgtEl>
-                                          <p:spTgt spid="4">
-                                            <p:txEl>
-                                              <p:pRg st="12" end="12"/>
-                                            </p:txEl>
-                                          </p:spTgt>
-                                        </p:tgtEl>
-                                        <p:attrNameLst>
-                                          <p:attrName>style.visibility</p:attrName>
-                                        </p:attrNameLst>
-                                      </p:cBhvr>
-                                      <p:to>
-                                        <p:strVal val="visible"/>
-                                      </p:to>
-                                    </p:set>
-                                  </p:childTnLst>
-                                </p:cTn>
-                              </p:par>
-                            </p:childTnLst>
-                          </p:cTn>
-                        </p:par>
-                      </p:childTnLst>
-                    </p:cTn>
-                  </p:par>
-                  <p:par>
-                    <p:cTn id="33" fill="hold">
-                      <p:stCondLst>
-                        <p:cond delay="indefinite"/>
-                      </p:stCondLst>
-                      <p:childTnLst>
-                        <p:par>
-                          <p:cTn id="34" fill="hold">
-                            <p:stCondLst>
-                              <p:cond delay="0"/>
-                            </p:stCondLst>
-                            <p:childTnLst>
-                              <p:par>
-                                <p:cTn id="35" presetID="1" presetClass="entr" presetSubtype="0" fill="hold" nodeType="clickEffect">
-                                  <p:stCondLst>
-                                    <p:cond delay="0"/>
-                                  </p:stCondLst>
-                                  <p:childTnLst>
-                                    <p:set>
-                                      <p:cBhvr>
-                                        <p:cTn id="36" dur="1" fill="hold">
-                                          <p:stCondLst>
-                                            <p:cond delay="0"/>
-                                          </p:stCondLst>
-                                        </p:cTn>
-                                        <p:tgtEl>
-                                          <p:spTgt spid="4">
-                                            <p:txEl>
-                                              <p:pRg st="13" end="13"/>
-                                            </p:txEl>
-                                          </p:spTgt>
-                                        </p:tgtEl>
-                                        <p:attrNameLst>
-                                          <p:attrName>style.visibility</p:attrName>
-                                        </p:attrNameLst>
-                                      </p:cBhvr>
-                                      <p:to>
-                                        <p:strVal val="visible"/>
-                                      </p:to>
-                                    </p:set>
-                                  </p:childTnLst>
-                                </p:cTn>
-                              </p:par>
-                            </p:childTnLst>
-                          </p:cTn>
-                        </p:par>
-                      </p:childTnLst>
-                    </p:cTn>
-                  </p:par>
-                  <p:par>
-                    <p:cTn id="37" fill="hold">
-                      <p:stCondLst>
-                        <p:cond delay="indefinite"/>
-                      </p:stCondLst>
-                      <p:childTnLst>
-                        <p:par>
-                          <p:cTn id="38" fill="hold">
-                            <p:stCondLst>
-                              <p:cond delay="0"/>
-                            </p:stCondLst>
-                            <p:childTnLst>
-                              <p:par>
-                                <p:cTn id="39" presetID="1" presetClass="entr" presetSubtype="0" fill="hold" nodeType="clickEffect">
-                                  <p:stCondLst>
-                                    <p:cond delay="0"/>
-                                  </p:stCondLst>
-                                  <p:childTnLst>
-                                    <p:set>
-                                      <p:cBhvr>
-                                        <p:cTn id="40" dur="1" fill="hold">
-                                          <p:stCondLst>
-                                            <p:cond delay="0"/>
-                                          </p:stCondLst>
-                                        </p:cTn>
-                                        <p:tgtEl>
-                                          <p:spTgt spid="4">
-                                            <p:txEl>
-                                              <p:pRg st="14" end="14"/>
+                                              <p:pRg st="8" end="8"/>
                                             </p:txEl>
                                           </p:spTgt>
                                         </p:tgtEl>
@@ -29966,6 +27301,35 @@
           </a:prstGeom>
         </p:spPr>
       </p:pic>
+      <p:sp>
+        <p:nvSpPr>
+          <p:cNvPr id="3" name="Footer Placeholder 2">
+            <a:extLst>
+              <a:ext uri="{FF2B5EF4-FFF2-40B4-BE49-F238E27FC236}">
+                <a16:creationId xmlns:a16="http://schemas.microsoft.com/office/drawing/2014/main" id="{07A5B6C8-CC18-4A98-B6F9-EBA54B064707}"/>
+              </a:ext>
+            </a:extLst>
+          </p:cNvPr>
+          <p:cNvSpPr>
+            <a:spLocks noGrp="1"/>
+          </p:cNvSpPr>
+          <p:nvPr>
+            <p:ph type="ftr" sz="quarter" idx="11"/>
+          </p:nvPr>
+        </p:nvSpPr>
+        <p:spPr/>
+        <p:txBody>
+          <a:bodyPr/>
+          <a:lstStyle/>
+          <a:p>
+            <a:r>
+              <a:rPr lang="en-US"/>
+              <a:t>Dr. Nike Dattani, MATH 135, Fall 2021</a:t>
+            </a:r>
+            <a:endParaRPr lang="en-US" dirty="0"/>
+          </a:p>
+        </p:txBody>
+      </p:sp>
     </p:spTree>
     <p:extLst>
       <p:ext uri="{BB962C8B-B14F-4D97-AF65-F5344CB8AC3E}">
@@ -30265,6 +27629,35 @@
               <a:rPr lang="en-US" sz="4400" u="sng" dirty="0"/>
               <a:t>Tips for MATH 135!</a:t>
             </a:r>
+          </a:p>
+        </p:txBody>
+      </p:sp>
+      <p:sp>
+        <p:nvSpPr>
+          <p:cNvPr id="2" name="Footer Placeholder 1">
+            <a:extLst>
+              <a:ext uri="{FF2B5EF4-FFF2-40B4-BE49-F238E27FC236}">
+                <a16:creationId xmlns:a16="http://schemas.microsoft.com/office/drawing/2014/main" id="{53E833F2-644A-4B03-953D-9B938F244215}"/>
+              </a:ext>
+            </a:extLst>
+          </p:cNvPr>
+          <p:cNvSpPr>
+            <a:spLocks noGrp="1"/>
+          </p:cNvSpPr>
+          <p:nvPr>
+            <p:ph type="ftr" sz="quarter" idx="11"/>
+          </p:nvPr>
+        </p:nvSpPr>
+        <p:spPr/>
+        <p:txBody>
+          <a:bodyPr/>
+          <a:lstStyle/>
+          <a:p>
+            <a:r>
+              <a:rPr lang="en-US"/>
+              <a:t>Dr. Nike Dattani, MATH 135, Fall 2021</a:t>
+            </a:r>
+            <a:endParaRPr lang="en-US" dirty="0"/>
           </a:p>
         </p:txBody>
       </p:sp>
@@ -32143,6 +29536,35 @@
           </a:p>
         </p:txBody>
       </p:sp>
+      <p:sp>
+        <p:nvSpPr>
+          <p:cNvPr id="32" name="Footer Placeholder 31">
+            <a:extLst>
+              <a:ext uri="{FF2B5EF4-FFF2-40B4-BE49-F238E27FC236}">
+                <a16:creationId xmlns:a16="http://schemas.microsoft.com/office/drawing/2014/main" id="{BED9CE70-8781-4755-8F73-F4EF95336363}"/>
+              </a:ext>
+            </a:extLst>
+          </p:cNvPr>
+          <p:cNvSpPr>
+            <a:spLocks noGrp="1"/>
+          </p:cNvSpPr>
+          <p:nvPr>
+            <p:ph type="ftr" sz="quarter" idx="11"/>
+          </p:nvPr>
+        </p:nvSpPr>
+        <p:spPr/>
+        <p:txBody>
+          <a:bodyPr/>
+          <a:lstStyle/>
+          <a:p>
+            <a:r>
+              <a:rPr lang="en-US"/>
+              <a:t>Dr. Nike Dattani, MATH 135, Fall 2021</a:t>
+            </a:r>
+            <a:endParaRPr lang="en-US" dirty="0"/>
+          </a:p>
+        </p:txBody>
+      </p:sp>
     </p:spTree>
     <p:extLst>
       <p:ext uri="{BB962C8B-B14F-4D97-AF65-F5344CB8AC3E}">
@@ -33626,6 +31048,35 @@
               <a:rPr lang="en-US" dirty="0"/>
               <a:t>∨ = OR</a:t>
             </a:r>
+          </a:p>
+        </p:txBody>
+      </p:sp>
+      <p:sp>
+        <p:nvSpPr>
+          <p:cNvPr id="2" name="Footer Placeholder 1">
+            <a:extLst>
+              <a:ext uri="{FF2B5EF4-FFF2-40B4-BE49-F238E27FC236}">
+                <a16:creationId xmlns:a16="http://schemas.microsoft.com/office/drawing/2014/main" id="{5A288032-2335-49B9-BA87-6045075F6ACC}"/>
+              </a:ext>
+            </a:extLst>
+          </p:cNvPr>
+          <p:cNvSpPr>
+            <a:spLocks noGrp="1"/>
+          </p:cNvSpPr>
+          <p:nvPr>
+            <p:ph type="ftr" sz="quarter" idx="11"/>
+          </p:nvPr>
+        </p:nvSpPr>
+        <p:spPr/>
+        <p:txBody>
+          <a:bodyPr/>
+          <a:lstStyle/>
+          <a:p>
+            <a:r>
+              <a:rPr lang="en-US"/>
+              <a:t>Dr. Nike Dattani, MATH 135, Fall 2021</a:t>
+            </a:r>
+            <a:endParaRPr lang="en-US" dirty="0"/>
           </a:p>
         </p:txBody>
       </p:sp>
@@ -33935,4 +31386,299 @@
     </a:ext>
   </a:extLst>
 </a:theme>
+</file>
+
+<file path=ppt/theme/theme2.xml><?xml version="1.0" encoding="utf-8"?>
+<a:theme xmlns:a="http://schemas.openxmlformats.org/drawingml/2006/main" name="Office Theme">
+  <a:themeElements>
+    <a:clrScheme name="Office">
+      <a:dk1>
+        <a:sysClr val="windowText" lastClr="000000"/>
+      </a:dk1>
+      <a:lt1>
+        <a:sysClr val="window" lastClr="FFFFFF"/>
+      </a:lt1>
+      <a:dk2>
+        <a:srgbClr val="44546A"/>
+      </a:dk2>
+      <a:lt2>
+        <a:srgbClr val="E7E6E6"/>
+      </a:lt2>
+      <a:accent1>
+        <a:srgbClr val="4472C4"/>
+      </a:accent1>
+      <a:accent2>
+        <a:srgbClr val="ED7D31"/>
+      </a:accent2>
+      <a:accent3>
+        <a:srgbClr val="A5A5A5"/>
+      </a:accent3>
+      <a:accent4>
+        <a:srgbClr val="FFC000"/>
+      </a:accent4>
+      <a:accent5>
+        <a:srgbClr val="5B9BD5"/>
+      </a:accent5>
+      <a:accent6>
+        <a:srgbClr val="70AD47"/>
+      </a:accent6>
+      <a:hlink>
+        <a:srgbClr val="0563C1"/>
+      </a:hlink>
+      <a:folHlink>
+        <a:srgbClr val="954F72"/>
+      </a:folHlink>
+    </a:clrScheme>
+    <a:fontScheme name="Office">
+      <a:majorFont>
+        <a:latin typeface="Calibri Light" panose="020F0302020204030204"/>
+        <a:ea typeface=""/>
+        <a:cs typeface=""/>
+        <a:font script="Jpan" typeface="游ゴシック Light"/>
+        <a:font script="Hang" typeface="맑은 고딕"/>
+        <a:font script="Hans" typeface="等线 Light"/>
+        <a:font script="Hant" typeface="新細明體"/>
+        <a:font script="Arab" typeface="Times New Roman"/>
+        <a:font script="Hebr" typeface="Times New Roman"/>
+        <a:font script="Thai" typeface="Angsana New"/>
+        <a:font script="Ethi" typeface="Nyala"/>
+        <a:font script="Beng" typeface="Vrinda"/>
+        <a:font script="Gujr" typeface="Shruti"/>
+        <a:font script="Khmr" typeface="MoolBoran"/>
+        <a:font script="Knda" typeface="Tunga"/>
+        <a:font script="Guru" typeface="Raavi"/>
+        <a:font script="Cans" typeface="Euphemia"/>
+        <a:font script="Cher" typeface="Plantagenet Cherokee"/>
+        <a:font script="Yiii" typeface="Microsoft Yi Baiti"/>
+        <a:font script="Tibt" typeface="Microsoft Himalaya"/>
+        <a:font script="Thaa" typeface="MV Boli"/>
+        <a:font script="Deva" typeface="Mangal"/>
+        <a:font script="Telu" typeface="Gautami"/>
+        <a:font script="Taml" typeface="Latha"/>
+        <a:font script="Syrc" typeface="Estrangelo Edessa"/>
+        <a:font script="Orya" typeface="Kalinga"/>
+        <a:font script="Mlym" typeface="Kartika"/>
+        <a:font script="Laoo" typeface="DokChampa"/>
+        <a:font script="Sinh" typeface="Iskoola Pota"/>
+        <a:font script="Mong" typeface="Mongolian Baiti"/>
+        <a:font script="Viet" typeface="Times New Roman"/>
+        <a:font script="Uigh" typeface="Microsoft Uighur"/>
+        <a:font script="Geor" typeface="Sylfaen"/>
+        <a:font script="Armn" typeface="Arial"/>
+        <a:font script="Bugi" typeface="Leelawadee UI"/>
+        <a:font script="Bopo" typeface="Microsoft JhengHei"/>
+        <a:font script="Java" typeface="Javanese Text"/>
+        <a:font script="Lisu" typeface="Segoe UI"/>
+        <a:font script="Mymr" typeface="Myanmar Text"/>
+        <a:font script="Nkoo" typeface="Ebrima"/>
+        <a:font script="Olck" typeface="Nirmala UI"/>
+        <a:font script="Osma" typeface="Ebrima"/>
+        <a:font script="Phag" typeface="Phagspa"/>
+        <a:font script="Syrn" typeface="Estrangelo Edessa"/>
+        <a:font script="Syrj" typeface="Estrangelo Edessa"/>
+        <a:font script="Syre" typeface="Estrangelo Edessa"/>
+        <a:font script="Sora" typeface="Nirmala UI"/>
+        <a:font script="Tale" typeface="Microsoft Tai Le"/>
+        <a:font script="Talu" typeface="Microsoft New Tai Lue"/>
+        <a:font script="Tfng" typeface="Ebrima"/>
+      </a:majorFont>
+      <a:minorFont>
+        <a:latin typeface="Calibri" panose="020F0502020204030204"/>
+        <a:ea typeface=""/>
+        <a:cs typeface=""/>
+        <a:font script="Jpan" typeface="游ゴシック"/>
+        <a:font script="Hang" typeface="맑은 고딕"/>
+        <a:font script="Hans" typeface="等线"/>
+        <a:font script="Hant" typeface="新細明體"/>
+        <a:font script="Arab" typeface="Arial"/>
+        <a:font script="Hebr" typeface="Arial"/>
+        <a:font script="Thai" typeface="Cordia New"/>
+        <a:font script="Ethi" typeface="Nyala"/>
+        <a:font script="Beng" typeface="Vrinda"/>
+        <a:font script="Gujr" typeface="Shruti"/>
+        <a:font script="Khmr" typeface="DaunPenh"/>
+        <a:font script="Knda" typeface="Tunga"/>
+        <a:font script="Guru" typeface="Raavi"/>
+        <a:font script="Cans" typeface="Euphemia"/>
+        <a:font script="Cher" typeface="Plantagenet Cherokee"/>
+        <a:font script="Yiii" typeface="Microsoft Yi Baiti"/>
+        <a:font script="Tibt" typeface="Microsoft Himalaya"/>
+        <a:font script="Thaa" typeface="MV Boli"/>
+        <a:font script="Deva" typeface="Mangal"/>
+        <a:font script="Telu" typeface="Gautami"/>
+        <a:font script="Taml" typeface="Latha"/>
+        <a:font script="Syrc" typeface="Estrangelo Edessa"/>
+        <a:font script="Orya" typeface="Kalinga"/>
+        <a:font script="Mlym" typeface="Kartika"/>
+        <a:font script="Laoo" typeface="DokChampa"/>
+        <a:font script="Sinh" typeface="Iskoola Pota"/>
+        <a:font script="Mong" typeface="Mongolian Baiti"/>
+        <a:font script="Viet" typeface="Arial"/>
+        <a:font script="Uigh" typeface="Microsoft Uighur"/>
+        <a:font script="Geor" typeface="Sylfaen"/>
+        <a:font script="Armn" typeface="Arial"/>
+        <a:font script="Bugi" typeface="Leelawadee UI"/>
+        <a:font script="Bopo" typeface="Microsoft JhengHei"/>
+        <a:font script="Java" typeface="Javanese Text"/>
+        <a:font script="Lisu" typeface="Segoe UI"/>
+        <a:font script="Mymr" typeface="Myanmar Text"/>
+        <a:font script="Nkoo" typeface="Ebrima"/>
+        <a:font script="Olck" typeface="Nirmala UI"/>
+        <a:font script="Osma" typeface="Ebrima"/>
+        <a:font script="Phag" typeface="Phagspa"/>
+        <a:font script="Syrn" typeface="Estrangelo Edessa"/>
+        <a:font script="Syrj" typeface="Estrangelo Edessa"/>
+        <a:font script="Syre" typeface="Estrangelo Edessa"/>
+        <a:font script="Sora" typeface="Nirmala UI"/>
+        <a:font script="Tale" typeface="Microsoft Tai Le"/>
+        <a:font script="Talu" typeface="Microsoft New Tai Lue"/>
+        <a:font script="Tfng" typeface="Ebrima"/>
+      </a:minorFont>
+    </a:fontScheme>
+    <a:fmtScheme name="Office">
+      <a:fillStyleLst>
+        <a:solidFill>
+          <a:schemeClr val="phClr"/>
+        </a:solidFill>
+        <a:gradFill rotWithShape="1">
+          <a:gsLst>
+            <a:gs pos="0">
+              <a:schemeClr val="phClr">
+                <a:lumMod val="110000"/>
+                <a:satMod val="105000"/>
+                <a:tint val="67000"/>
+              </a:schemeClr>
+            </a:gs>
+            <a:gs pos="50000">
+              <a:schemeClr val="phClr">
+                <a:lumMod val="105000"/>
+                <a:satMod val="103000"/>
+                <a:tint val="73000"/>
+              </a:schemeClr>
+            </a:gs>
+            <a:gs pos="100000">
+              <a:schemeClr val="phClr">
+                <a:lumMod val="105000"/>
+                <a:satMod val="109000"/>
+                <a:tint val="81000"/>
+              </a:schemeClr>
+            </a:gs>
+          </a:gsLst>
+          <a:lin ang="5400000" scaled="0"/>
+        </a:gradFill>
+        <a:gradFill rotWithShape="1">
+          <a:gsLst>
+            <a:gs pos="0">
+              <a:schemeClr val="phClr">
+                <a:satMod val="103000"/>
+                <a:lumMod val="102000"/>
+                <a:tint val="94000"/>
+              </a:schemeClr>
+            </a:gs>
+            <a:gs pos="50000">
+              <a:schemeClr val="phClr">
+                <a:satMod val="110000"/>
+                <a:lumMod val="100000"/>
+                <a:shade val="100000"/>
+              </a:schemeClr>
+            </a:gs>
+            <a:gs pos="100000">
+              <a:schemeClr val="phClr">
+                <a:lumMod val="99000"/>
+                <a:satMod val="120000"/>
+                <a:shade val="78000"/>
+              </a:schemeClr>
+            </a:gs>
+          </a:gsLst>
+          <a:lin ang="5400000" scaled="0"/>
+        </a:gradFill>
+      </a:fillStyleLst>
+      <a:lnStyleLst>
+        <a:ln w="6350" cap="flat" cmpd="sng" algn="ctr">
+          <a:solidFill>
+            <a:schemeClr val="phClr"/>
+          </a:solidFill>
+          <a:prstDash val="solid"/>
+          <a:miter lim="800000"/>
+        </a:ln>
+        <a:ln w="12700" cap="flat" cmpd="sng" algn="ctr">
+          <a:solidFill>
+            <a:schemeClr val="phClr"/>
+          </a:solidFill>
+          <a:prstDash val="solid"/>
+          <a:miter lim="800000"/>
+        </a:ln>
+        <a:ln w="19050" cap="flat" cmpd="sng" algn="ctr">
+          <a:solidFill>
+            <a:schemeClr val="phClr"/>
+          </a:solidFill>
+          <a:prstDash val="solid"/>
+          <a:miter lim="800000"/>
+        </a:ln>
+      </a:lnStyleLst>
+      <a:effectStyleLst>
+        <a:effectStyle>
+          <a:effectLst/>
+        </a:effectStyle>
+        <a:effectStyle>
+          <a:effectLst/>
+        </a:effectStyle>
+        <a:effectStyle>
+          <a:effectLst>
+            <a:outerShdw blurRad="57150" dist="19050" dir="5400000" algn="ctr" rotWithShape="0">
+              <a:srgbClr val="000000">
+                <a:alpha val="63000"/>
+              </a:srgbClr>
+            </a:outerShdw>
+          </a:effectLst>
+        </a:effectStyle>
+      </a:effectStyleLst>
+      <a:bgFillStyleLst>
+        <a:solidFill>
+          <a:schemeClr val="phClr"/>
+        </a:solidFill>
+        <a:solidFill>
+          <a:schemeClr val="phClr">
+            <a:tint val="95000"/>
+            <a:satMod val="170000"/>
+          </a:schemeClr>
+        </a:solidFill>
+        <a:gradFill rotWithShape="1">
+          <a:gsLst>
+            <a:gs pos="0">
+              <a:schemeClr val="phClr">
+                <a:tint val="93000"/>
+                <a:satMod val="150000"/>
+                <a:shade val="98000"/>
+                <a:lumMod val="102000"/>
+              </a:schemeClr>
+            </a:gs>
+            <a:gs pos="50000">
+              <a:schemeClr val="phClr">
+                <a:tint val="98000"/>
+                <a:satMod val="130000"/>
+                <a:shade val="90000"/>
+                <a:lumMod val="103000"/>
+              </a:schemeClr>
+            </a:gs>
+            <a:gs pos="100000">
+              <a:schemeClr val="phClr">
+                <a:shade val="63000"/>
+                <a:satMod val="120000"/>
+              </a:schemeClr>
+            </a:gs>
+          </a:gsLst>
+          <a:lin ang="5400000" scaled="0"/>
+        </a:gradFill>
+      </a:bgFillStyleLst>
+    </a:fmtScheme>
+  </a:themeElements>
+  <a:objectDefaults/>
+  <a:extraClrSchemeLst/>
+  <a:extLst>
+    <a:ext uri="{05A4C25C-085E-4340-85A3-A5531E510DB2}">
+      <thm15:themeFamily xmlns:thm15="http://schemas.microsoft.com/office/thememl/2012/main" name="Office Theme" id="{62F939B6-93AF-4DB8-9C6B-D6C7DFDC589F}" vid="{4A3C46E8-61CC-4603-A589-7422A47A8E4A}"/>
+    </a:ext>
+  </a:extLst>
+</a:theme>
 </file>